--- a/W12/3. W12S3 final/W12S3.pptx
+++ b/W12/3. W12S3 final/W12S3.pptx
@@ -5,21 +5,21 @@
     <p:sldMasterId id="2147483648" r:id="rId1"/>
   </p:sldMasterIdLst>
   <p:notesMasterIdLst>
-    <p:notesMasterId r:id="rId30"/>
+    <p:notesMasterId r:id="rId38"/>
   </p:notesMasterIdLst>
   <p:sldIdLst>
     <p:sldId id="377" r:id="rId2"/>
     <p:sldId id="684" r:id="rId3"/>
-    <p:sldId id="705" r:id="rId4"/>
-    <p:sldId id="688" r:id="rId5"/>
-    <p:sldId id="689" r:id="rId6"/>
-    <p:sldId id="691" r:id="rId7"/>
-    <p:sldId id="690" r:id="rId8"/>
-    <p:sldId id="703" r:id="rId9"/>
-    <p:sldId id="692" r:id="rId10"/>
-    <p:sldId id="694" r:id="rId11"/>
-    <p:sldId id="693" r:id="rId12"/>
-    <p:sldId id="686" r:id="rId13"/>
+    <p:sldId id="688" r:id="rId4"/>
+    <p:sldId id="689" r:id="rId5"/>
+    <p:sldId id="686" r:id="rId6"/>
+    <p:sldId id="719" r:id="rId7"/>
+    <p:sldId id="691" r:id="rId8"/>
+    <p:sldId id="690" r:id="rId9"/>
+    <p:sldId id="703" r:id="rId10"/>
+    <p:sldId id="692" r:id="rId11"/>
+    <p:sldId id="694" r:id="rId12"/>
+    <p:sldId id="693" r:id="rId13"/>
     <p:sldId id="696" r:id="rId14"/>
     <p:sldId id="695" r:id="rId15"/>
     <p:sldId id="698" r:id="rId16"/>
@@ -28,14 +28,22 @@
     <p:sldId id="701" r:id="rId19"/>
     <p:sldId id="706" r:id="rId20"/>
     <p:sldId id="704" r:id="rId21"/>
-    <p:sldId id="699" r:id="rId22"/>
-    <p:sldId id="707" r:id="rId23"/>
-    <p:sldId id="708" r:id="rId24"/>
-    <p:sldId id="712" r:id="rId25"/>
-    <p:sldId id="711" r:id="rId26"/>
-    <p:sldId id="716" r:id="rId27"/>
-    <p:sldId id="717" r:id="rId28"/>
-    <p:sldId id="714" r:id="rId29"/>
+    <p:sldId id="720" r:id="rId22"/>
+    <p:sldId id="722" r:id="rId23"/>
+    <p:sldId id="723" r:id="rId24"/>
+    <p:sldId id="699" r:id="rId25"/>
+    <p:sldId id="707" r:id="rId26"/>
+    <p:sldId id="708" r:id="rId27"/>
+    <p:sldId id="712" r:id="rId28"/>
+    <p:sldId id="711" r:id="rId29"/>
+    <p:sldId id="716" r:id="rId30"/>
+    <p:sldId id="717" r:id="rId31"/>
+    <p:sldId id="714" r:id="rId32"/>
+    <p:sldId id="724" r:id="rId33"/>
+    <p:sldId id="725" r:id="rId34"/>
+    <p:sldId id="726" r:id="rId35"/>
+    <p:sldId id="727" r:id="rId36"/>
+    <p:sldId id="728" r:id="rId37"/>
   </p:sldIdLst>
   <p:sldSz cx="12192000" cy="6858000"/>
   <p:notesSz cx="6858000" cy="9144000"/>
@@ -141,13 +149,14 @@
           <p14:sldIdLst>
             <p14:sldId id="377"/>
             <p14:sldId id="684"/>
-            <p14:sldId id="705"/>
           </p14:sldIdLst>
         </p14:section>
         <p14:section name="What's next (P1)" id="{1371AC3E-8AB5-4BF6-998A-D93291E7A762}">
           <p14:sldIdLst>
             <p14:sldId id="688"/>
             <p14:sldId id="689"/>
+            <p14:sldId id="686"/>
+            <p14:sldId id="719"/>
             <p14:sldId id="691"/>
             <p14:sldId id="690"/>
             <p14:sldId id="703"/>
@@ -158,7 +167,6 @@
         </p14:section>
         <p14:section name="What's next (P2)" id="{101D9555-F51D-4414-BFF8-A4472DBD2762}">
           <p14:sldIdLst>
-            <p14:sldId id="686"/>
             <p14:sldId id="696"/>
             <p14:sldId id="695"/>
             <p14:sldId id="698"/>
@@ -167,6 +175,9 @@
             <p14:sldId id="701"/>
             <p14:sldId id="706"/>
             <p14:sldId id="704"/>
+            <p14:sldId id="720"/>
+            <p14:sldId id="722"/>
+            <p14:sldId id="723"/>
           </p14:sldIdLst>
         </p14:section>
         <p14:section name="Watchlist" id="{6B8B9247-B796-41CD-A922-8A044C5DF655}">
@@ -179,6 +190,15 @@
             <p14:sldId id="716"/>
             <p14:sldId id="717"/>
             <p14:sldId id="714"/>
+            <p14:sldId id="724"/>
+          </p14:sldIdLst>
+        </p14:section>
+        <p14:section name="PyTorch 2.0" id="{935B0895-05FA-46E5-A92E-5FD6E815F531}">
+          <p14:sldIdLst>
+            <p14:sldId id="725"/>
+            <p14:sldId id="726"/>
+            <p14:sldId id="727"/>
+            <p14:sldId id="728"/>
           </p14:sldIdLst>
         </p14:section>
       </p14:sectionLst>
@@ -193,7 +213,7 @@
 <file path=ppt/revisionInfo.xml><?xml version="1.0" encoding="utf-8"?>
 <p1510:revInfo xmlns:a="http://schemas.openxmlformats.org/drawingml/2006/main" xmlns:r="http://schemas.openxmlformats.org/officeDocument/2006/relationships" xmlns:p1510="http://schemas.microsoft.com/office/powerpoint/2015/10/main">
   <p1510:revLst>
-    <p1510:client id="{D61EF456-7FAF-480C-8A9C-9A4F8A364FC4}" v="5" dt="2023-02-26T11:14:46.132"/>
+    <p1510:client id="{BB2724B5-25CB-48CB-80ED-AC0C7558B6CD}" v="17" dt="2023-04-08T12:20:41.791"/>
   </p1510:revLst>
 </p1510:revInfo>
 </file>
@@ -759,6 +779,397 @@
       </pc:sldChg>
     </pc:docChg>
   </pc:docChgLst>
+  <pc:docChgLst>
+    <pc:chgData name="Matthieu De Mari" userId="dfb708c9-d8dc-439f-9a3b-c772bf4a311c" providerId="ADAL" clId="{BB2724B5-25CB-48CB-80ED-AC0C7558B6CD}"/>
+    <pc:docChg chg="undo custSel addSld delSld modSld addSection modSection">
+      <pc:chgData name="Matthieu De Mari" userId="dfb708c9-d8dc-439f-9a3b-c772bf4a311c" providerId="ADAL" clId="{BB2724B5-25CB-48CB-80ED-AC0C7558B6CD}" dt="2023-04-08T12:20:46.284" v="2455" actId="478"/>
+      <pc:docMkLst>
+        <pc:docMk/>
+      </pc:docMkLst>
+      <pc:sldChg chg="modSp mod">
+        <pc:chgData name="Matthieu De Mari" userId="dfb708c9-d8dc-439f-9a3b-c772bf4a311c" providerId="ADAL" clId="{BB2724B5-25CB-48CB-80ED-AC0C7558B6CD}" dt="2023-04-08T12:02:23.428" v="802" actId="20577"/>
+        <pc:sldMkLst>
+          <pc:docMk/>
+          <pc:sldMk cId="33100385" sldId="684"/>
+        </pc:sldMkLst>
+        <pc:spChg chg="mod">
+          <ac:chgData name="Matthieu De Mari" userId="dfb708c9-d8dc-439f-9a3b-c772bf4a311c" providerId="ADAL" clId="{BB2724B5-25CB-48CB-80ED-AC0C7558B6CD}" dt="2023-04-08T12:02:23.428" v="802" actId="20577"/>
+          <ac:spMkLst>
+            <pc:docMk/>
+            <pc:sldMk cId="33100385" sldId="684"/>
+            <ac:spMk id="3" creationId="{165E9D1B-C544-4598-B895-1C8F723A0C67}"/>
+          </ac:spMkLst>
+        </pc:spChg>
+      </pc:sldChg>
+      <pc:sldChg chg="del">
+        <pc:chgData name="Matthieu De Mari" userId="dfb708c9-d8dc-439f-9a3b-c772bf4a311c" providerId="ADAL" clId="{BB2724B5-25CB-48CB-80ED-AC0C7558B6CD}" dt="2023-04-08T12:01:01.833" v="598" actId="2696"/>
+        <pc:sldMkLst>
+          <pc:docMk/>
+          <pc:sldMk cId="1926033687" sldId="686"/>
+        </pc:sldMkLst>
+      </pc:sldChg>
+      <pc:sldChg chg="modSp add mod">
+        <pc:chgData name="Matthieu De Mari" userId="dfb708c9-d8dc-439f-9a3b-c772bf4a311c" providerId="ADAL" clId="{BB2724B5-25CB-48CB-80ED-AC0C7558B6CD}" dt="2023-04-08T12:01:29.218" v="652" actId="20577"/>
+        <pc:sldMkLst>
+          <pc:docMk/>
+          <pc:sldMk cId="2853804024" sldId="686"/>
+        </pc:sldMkLst>
+        <pc:spChg chg="mod">
+          <ac:chgData name="Matthieu De Mari" userId="dfb708c9-d8dc-439f-9a3b-c772bf4a311c" providerId="ADAL" clId="{BB2724B5-25CB-48CB-80ED-AC0C7558B6CD}" dt="2023-04-08T12:01:29.218" v="652" actId="20577"/>
+          <ac:spMkLst>
+            <pc:docMk/>
+            <pc:sldMk cId="2853804024" sldId="686"/>
+            <ac:spMk id="3" creationId="{9D882609-53DF-4B06-91C6-50E0570C62D5}"/>
+          </ac:spMkLst>
+        </pc:spChg>
+      </pc:sldChg>
+      <pc:sldChg chg="modSp mod">
+        <pc:chgData name="Matthieu De Mari" userId="dfb708c9-d8dc-439f-9a3b-c772bf4a311c" providerId="ADAL" clId="{BB2724B5-25CB-48CB-80ED-AC0C7558B6CD}" dt="2023-04-08T11:59:37.976" v="397" actId="20577"/>
+        <pc:sldMkLst>
+          <pc:docMk/>
+          <pc:sldMk cId="2489181972" sldId="689"/>
+        </pc:sldMkLst>
+        <pc:spChg chg="mod">
+          <ac:chgData name="Matthieu De Mari" userId="dfb708c9-d8dc-439f-9a3b-c772bf4a311c" providerId="ADAL" clId="{BB2724B5-25CB-48CB-80ED-AC0C7558B6CD}" dt="2023-04-08T11:59:37.976" v="397" actId="20577"/>
+          <ac:spMkLst>
+            <pc:docMk/>
+            <pc:sldMk cId="2489181972" sldId="689"/>
+            <ac:spMk id="5" creationId="{8D68AA04-CE99-4E3D-A743-B4FE0611BB3C}"/>
+          </ac:spMkLst>
+        </pc:spChg>
+      </pc:sldChg>
+      <pc:sldChg chg="modSp mod">
+        <pc:chgData name="Matthieu De Mari" userId="dfb708c9-d8dc-439f-9a3b-c772bf4a311c" providerId="ADAL" clId="{BB2724B5-25CB-48CB-80ED-AC0C7558B6CD}" dt="2023-04-08T12:00:00.340" v="405" actId="20577"/>
+        <pc:sldMkLst>
+          <pc:docMk/>
+          <pc:sldMk cId="2210072154" sldId="691"/>
+        </pc:sldMkLst>
+        <pc:spChg chg="mod">
+          <ac:chgData name="Matthieu De Mari" userId="dfb708c9-d8dc-439f-9a3b-c772bf4a311c" providerId="ADAL" clId="{BB2724B5-25CB-48CB-80ED-AC0C7558B6CD}" dt="2023-04-08T12:00:00.340" v="405" actId="20577"/>
+          <ac:spMkLst>
+            <pc:docMk/>
+            <pc:sldMk cId="2210072154" sldId="691"/>
+            <ac:spMk id="5" creationId="{8D68AA04-CE99-4E3D-A743-B4FE0611BB3C}"/>
+          </ac:spMkLst>
+        </pc:spChg>
+      </pc:sldChg>
+      <pc:sldChg chg="modSp mod">
+        <pc:chgData name="Matthieu De Mari" userId="dfb708c9-d8dc-439f-9a3b-c772bf4a311c" providerId="ADAL" clId="{BB2724B5-25CB-48CB-80ED-AC0C7558B6CD}" dt="2023-04-08T12:00:50.681" v="597" actId="113"/>
+        <pc:sldMkLst>
+          <pc:docMk/>
+          <pc:sldMk cId="3189324614" sldId="692"/>
+        </pc:sldMkLst>
+        <pc:spChg chg="mod">
+          <ac:chgData name="Matthieu De Mari" userId="dfb708c9-d8dc-439f-9a3b-c772bf4a311c" providerId="ADAL" clId="{BB2724B5-25CB-48CB-80ED-AC0C7558B6CD}" dt="2023-04-08T12:00:50.681" v="597" actId="113"/>
+          <ac:spMkLst>
+            <pc:docMk/>
+            <pc:sldMk cId="3189324614" sldId="692"/>
+            <ac:spMk id="5" creationId="{8D68AA04-CE99-4E3D-A743-B4FE0611BB3C}"/>
+          </ac:spMkLst>
+        </pc:spChg>
+      </pc:sldChg>
+      <pc:sldChg chg="del">
+        <pc:chgData name="Matthieu De Mari" userId="dfb708c9-d8dc-439f-9a3b-c772bf4a311c" providerId="ADAL" clId="{BB2724B5-25CB-48CB-80ED-AC0C7558B6CD}" dt="2023-04-08T12:01:36.340" v="653" actId="47"/>
+        <pc:sldMkLst>
+          <pc:docMk/>
+          <pc:sldMk cId="3159760077" sldId="705"/>
+        </pc:sldMkLst>
+      </pc:sldChg>
+      <pc:sldChg chg="modSp mod">
+        <pc:chgData name="Matthieu De Mari" userId="dfb708c9-d8dc-439f-9a3b-c772bf4a311c" providerId="ADAL" clId="{BB2724B5-25CB-48CB-80ED-AC0C7558B6CD}" dt="2023-04-08T12:08:20.679" v="1290" actId="20577"/>
+        <pc:sldMkLst>
+          <pc:docMk/>
+          <pc:sldMk cId="3742398413" sldId="707"/>
+        </pc:sldMkLst>
+        <pc:spChg chg="mod">
+          <ac:chgData name="Matthieu De Mari" userId="dfb708c9-d8dc-439f-9a3b-c772bf4a311c" providerId="ADAL" clId="{BB2724B5-25CB-48CB-80ED-AC0C7558B6CD}" dt="2023-04-08T12:08:20.679" v="1290" actId="20577"/>
+          <ac:spMkLst>
+            <pc:docMk/>
+            <pc:sldMk cId="3742398413" sldId="707"/>
+            <ac:spMk id="5" creationId="{92E3B964-4CD4-43B6-A9FE-636D9290CF09}"/>
+          </ac:spMkLst>
+        </pc:spChg>
+      </pc:sldChg>
+      <pc:sldChg chg="modSp add mod">
+        <pc:chgData name="Matthieu De Mari" userId="dfb708c9-d8dc-439f-9a3b-c772bf4a311c" providerId="ADAL" clId="{BB2724B5-25CB-48CB-80ED-AC0C7558B6CD}" dt="2023-04-08T11:59:55.277" v="403" actId="20577"/>
+        <pc:sldMkLst>
+          <pc:docMk/>
+          <pc:sldMk cId="3328516863" sldId="719"/>
+        </pc:sldMkLst>
+        <pc:spChg chg="mod">
+          <ac:chgData name="Matthieu De Mari" userId="dfb708c9-d8dc-439f-9a3b-c772bf4a311c" providerId="ADAL" clId="{BB2724B5-25CB-48CB-80ED-AC0C7558B6CD}" dt="2023-04-08T11:59:55.277" v="403" actId="20577"/>
+          <ac:spMkLst>
+            <pc:docMk/>
+            <pc:sldMk cId="3328516863" sldId="719"/>
+            <ac:spMk id="5" creationId="{8D68AA04-CE99-4E3D-A743-B4FE0611BB3C}"/>
+          </ac:spMkLst>
+        </pc:spChg>
+      </pc:sldChg>
+      <pc:sldChg chg="addSp modSp new mod modClrScheme chgLayout">
+        <pc:chgData name="Matthieu De Mari" userId="dfb708c9-d8dc-439f-9a3b-c772bf4a311c" providerId="ADAL" clId="{BB2724B5-25CB-48CB-80ED-AC0C7558B6CD}" dt="2023-04-08T12:04:53.180" v="1208" actId="27636"/>
+        <pc:sldMkLst>
+          <pc:docMk/>
+          <pc:sldMk cId="1543612158" sldId="720"/>
+        </pc:sldMkLst>
+        <pc:spChg chg="mod ord">
+          <ac:chgData name="Matthieu De Mari" userId="dfb708c9-d8dc-439f-9a3b-c772bf4a311c" providerId="ADAL" clId="{BB2724B5-25CB-48CB-80ED-AC0C7558B6CD}" dt="2023-04-08T12:04:50.034" v="1203" actId="700"/>
+          <ac:spMkLst>
+            <pc:docMk/>
+            <pc:sldMk cId="1543612158" sldId="720"/>
+            <ac:spMk id="2" creationId="{23F725B5-F049-3C40-3E21-40F3FED6C20E}"/>
+          </ac:spMkLst>
+        </pc:spChg>
+        <pc:spChg chg="mod ord">
+          <ac:chgData name="Matthieu De Mari" userId="dfb708c9-d8dc-439f-9a3b-c772bf4a311c" providerId="ADAL" clId="{BB2724B5-25CB-48CB-80ED-AC0C7558B6CD}" dt="2023-04-08T12:04:53.180" v="1208" actId="27636"/>
+          <ac:spMkLst>
+            <pc:docMk/>
+            <pc:sldMk cId="1543612158" sldId="720"/>
+            <ac:spMk id="3" creationId="{95326F2F-4A02-8FC6-DBCF-1F609132343E}"/>
+          </ac:spMkLst>
+        </pc:spChg>
+        <pc:spChg chg="add mod ord">
+          <ac:chgData name="Matthieu De Mari" userId="dfb708c9-d8dc-439f-9a3b-c772bf4a311c" providerId="ADAL" clId="{BB2724B5-25CB-48CB-80ED-AC0C7558B6CD}" dt="2023-04-08T12:04:53.179" v="1207" actId="27636"/>
+          <ac:spMkLst>
+            <pc:docMk/>
+            <pc:sldMk cId="1543612158" sldId="720"/>
+            <ac:spMk id="4" creationId="{6F822E86-5204-2408-255C-A3DEF3402416}"/>
+          </ac:spMkLst>
+        </pc:spChg>
+      </pc:sldChg>
+      <pc:sldChg chg="add del">
+        <pc:chgData name="Matthieu De Mari" userId="dfb708c9-d8dc-439f-9a3b-c772bf4a311c" providerId="ADAL" clId="{BB2724B5-25CB-48CB-80ED-AC0C7558B6CD}" dt="2023-04-08T12:04:56.311" v="1210" actId="47"/>
+        <pc:sldMkLst>
+          <pc:docMk/>
+          <pc:sldMk cId="341570630" sldId="721"/>
+        </pc:sldMkLst>
+      </pc:sldChg>
+      <pc:sldChg chg="addSp delSp modSp add mod modClrScheme chgLayout">
+        <pc:chgData name="Matthieu De Mari" userId="dfb708c9-d8dc-439f-9a3b-c772bf4a311c" providerId="ADAL" clId="{BB2724B5-25CB-48CB-80ED-AC0C7558B6CD}" dt="2023-04-08T12:07:24.133" v="1273" actId="20577"/>
+        <pc:sldMkLst>
+          <pc:docMk/>
+          <pc:sldMk cId="3484186344" sldId="722"/>
+        </pc:sldMkLst>
+        <pc:spChg chg="mod ord">
+          <ac:chgData name="Matthieu De Mari" userId="dfb708c9-d8dc-439f-9a3b-c772bf4a311c" providerId="ADAL" clId="{BB2724B5-25CB-48CB-80ED-AC0C7558B6CD}" dt="2023-04-08T12:07:24.133" v="1273" actId="20577"/>
+          <ac:spMkLst>
+            <pc:docMk/>
+            <pc:sldMk cId="3484186344" sldId="722"/>
+            <ac:spMk id="2" creationId="{23F725B5-F049-3C40-3E21-40F3FED6C20E}"/>
+          </ac:spMkLst>
+        </pc:spChg>
+        <pc:spChg chg="del mod ord">
+          <ac:chgData name="Matthieu De Mari" userId="dfb708c9-d8dc-439f-9a3b-c772bf4a311c" providerId="ADAL" clId="{BB2724B5-25CB-48CB-80ED-AC0C7558B6CD}" dt="2023-04-08T12:07:02.424" v="1232" actId="478"/>
+          <ac:spMkLst>
+            <pc:docMk/>
+            <pc:sldMk cId="3484186344" sldId="722"/>
+            <ac:spMk id="3" creationId="{95326F2F-4A02-8FC6-DBCF-1F609132343E}"/>
+          </ac:spMkLst>
+        </pc:spChg>
+        <pc:spChg chg="del">
+          <ac:chgData name="Matthieu De Mari" userId="dfb708c9-d8dc-439f-9a3b-c772bf4a311c" providerId="ADAL" clId="{BB2724B5-25CB-48CB-80ED-AC0C7558B6CD}" dt="2023-04-08T12:04:58.178" v="1211" actId="478"/>
+          <ac:spMkLst>
+            <pc:docMk/>
+            <pc:sldMk cId="3484186344" sldId="722"/>
+            <ac:spMk id="4" creationId="{6F822E86-5204-2408-255C-A3DEF3402416}"/>
+          </ac:spMkLst>
+        </pc:spChg>
+        <pc:spChg chg="add mod">
+          <ac:chgData name="Matthieu De Mari" userId="dfb708c9-d8dc-439f-9a3b-c772bf4a311c" providerId="ADAL" clId="{BB2724B5-25CB-48CB-80ED-AC0C7558B6CD}" dt="2023-04-08T12:05:22.649" v="1221" actId="1076"/>
+          <ac:spMkLst>
+            <pc:docMk/>
+            <pc:sldMk cId="3484186344" sldId="722"/>
+            <ac:spMk id="6" creationId="{BD937917-4C2A-C135-E1A1-EEFADAC6BBE4}"/>
+          </ac:spMkLst>
+        </pc:spChg>
+        <pc:spChg chg="add mod">
+          <ac:chgData name="Matthieu De Mari" userId="dfb708c9-d8dc-439f-9a3b-c772bf4a311c" providerId="ADAL" clId="{BB2724B5-25CB-48CB-80ED-AC0C7558B6CD}" dt="2023-04-08T12:05:24.531" v="1222" actId="1076"/>
+          <ac:spMkLst>
+            <pc:docMk/>
+            <pc:sldMk cId="3484186344" sldId="722"/>
+            <ac:spMk id="8" creationId="{E8074F4D-BDC4-C87D-52DF-C569CD4F081C}"/>
+          </ac:spMkLst>
+        </pc:spChg>
+        <pc:spChg chg="add del mod">
+          <ac:chgData name="Matthieu De Mari" userId="dfb708c9-d8dc-439f-9a3b-c772bf4a311c" providerId="ADAL" clId="{BB2724B5-25CB-48CB-80ED-AC0C7558B6CD}" dt="2023-04-08T12:07:03.387" v="1233" actId="478"/>
+          <ac:spMkLst>
+            <pc:docMk/>
+            <pc:sldMk cId="3484186344" sldId="722"/>
+            <ac:spMk id="12" creationId="{0171D32C-3CD5-40F8-3A88-F67622093661}"/>
+          </ac:spMkLst>
+        </pc:spChg>
+        <pc:picChg chg="add mod modCrop">
+          <ac:chgData name="Matthieu De Mari" userId="dfb708c9-d8dc-439f-9a3b-c772bf4a311c" providerId="ADAL" clId="{BB2724B5-25CB-48CB-80ED-AC0C7558B6CD}" dt="2023-04-08T12:07:14.901" v="1238" actId="732"/>
+          <ac:picMkLst>
+            <pc:docMk/>
+            <pc:sldMk cId="3484186344" sldId="722"/>
+            <ac:picMk id="10" creationId="{71BEB204-4D28-CC84-A371-14CCE06BB7C6}"/>
+          </ac:picMkLst>
+        </pc:picChg>
+      </pc:sldChg>
+      <pc:sldChg chg="addSp modSp add mod">
+        <pc:chgData name="Matthieu De Mari" userId="dfb708c9-d8dc-439f-9a3b-c772bf4a311c" providerId="ADAL" clId="{BB2724B5-25CB-48CB-80ED-AC0C7558B6CD}" dt="2023-04-08T12:07:39.856" v="1280" actId="14100"/>
+        <pc:sldMkLst>
+          <pc:docMk/>
+          <pc:sldMk cId="3360523826" sldId="723"/>
+        </pc:sldMkLst>
+        <pc:picChg chg="add mod modCrop">
+          <ac:chgData name="Matthieu De Mari" userId="dfb708c9-d8dc-439f-9a3b-c772bf4a311c" providerId="ADAL" clId="{BB2724B5-25CB-48CB-80ED-AC0C7558B6CD}" dt="2023-04-08T12:07:39.856" v="1280" actId="14100"/>
+          <ac:picMkLst>
+            <pc:docMk/>
+            <pc:sldMk cId="3360523826" sldId="723"/>
+            <ac:picMk id="4" creationId="{62DC6911-F746-CF6D-3FB1-3F714104FBBB}"/>
+          </ac:picMkLst>
+        </pc:picChg>
+      </pc:sldChg>
+      <pc:sldChg chg="modSp new mod">
+        <pc:chgData name="Matthieu De Mari" userId="dfb708c9-d8dc-439f-9a3b-c772bf4a311c" providerId="ADAL" clId="{BB2724B5-25CB-48CB-80ED-AC0C7558B6CD}" dt="2023-04-08T12:12:30.157" v="1687" actId="20577"/>
+        <pc:sldMkLst>
+          <pc:docMk/>
+          <pc:sldMk cId="630819480" sldId="724"/>
+        </pc:sldMkLst>
+        <pc:spChg chg="mod">
+          <ac:chgData name="Matthieu De Mari" userId="dfb708c9-d8dc-439f-9a3b-c772bf4a311c" providerId="ADAL" clId="{BB2724B5-25CB-48CB-80ED-AC0C7558B6CD}" dt="2023-04-08T12:08:49.414" v="1355" actId="20577"/>
+          <ac:spMkLst>
+            <pc:docMk/>
+            <pc:sldMk cId="630819480" sldId="724"/>
+            <ac:spMk id="2" creationId="{B92DC6AA-6003-92C9-D6A7-FDE5AD7DEF4F}"/>
+          </ac:spMkLst>
+        </pc:spChg>
+        <pc:spChg chg="mod">
+          <ac:chgData name="Matthieu De Mari" userId="dfb708c9-d8dc-439f-9a3b-c772bf4a311c" providerId="ADAL" clId="{BB2724B5-25CB-48CB-80ED-AC0C7558B6CD}" dt="2023-04-08T12:12:30.157" v="1687" actId="20577"/>
+          <ac:spMkLst>
+            <pc:docMk/>
+            <pc:sldMk cId="630819480" sldId="724"/>
+            <ac:spMk id="3" creationId="{4276CAE7-B917-7B38-533B-E801722307F4}"/>
+          </ac:spMkLst>
+        </pc:spChg>
+      </pc:sldChg>
+      <pc:sldChg chg="addSp delSp modSp new mod chgLayout">
+        <pc:chgData name="Matthieu De Mari" userId="dfb708c9-d8dc-439f-9a3b-c772bf4a311c" providerId="ADAL" clId="{BB2724B5-25CB-48CB-80ED-AC0C7558B6CD}" dt="2023-04-08T12:16:34.980" v="2227" actId="20577"/>
+        <pc:sldMkLst>
+          <pc:docMk/>
+          <pc:sldMk cId="2597435637" sldId="725"/>
+        </pc:sldMkLst>
+        <pc:spChg chg="mod ord">
+          <ac:chgData name="Matthieu De Mari" userId="dfb708c9-d8dc-439f-9a3b-c772bf4a311c" providerId="ADAL" clId="{BB2724B5-25CB-48CB-80ED-AC0C7558B6CD}" dt="2023-04-08T12:13:19.418" v="1719" actId="700"/>
+          <ac:spMkLst>
+            <pc:docMk/>
+            <pc:sldMk cId="2597435637" sldId="725"/>
+            <ac:spMk id="2" creationId="{B1A60A88-5173-1242-4140-FC3E7017323F}"/>
+          </ac:spMkLst>
+        </pc:spChg>
+        <pc:spChg chg="del">
+          <ac:chgData name="Matthieu De Mari" userId="dfb708c9-d8dc-439f-9a3b-c772bf4a311c" providerId="ADAL" clId="{BB2724B5-25CB-48CB-80ED-AC0C7558B6CD}" dt="2023-04-08T12:13:02.944" v="1718" actId="478"/>
+          <ac:spMkLst>
+            <pc:docMk/>
+            <pc:sldMk cId="2597435637" sldId="725"/>
+            <ac:spMk id="3" creationId="{FC228789-9F38-9E8D-40BF-03A8FEDB708D}"/>
+          </ac:spMkLst>
+        </pc:spChg>
+        <pc:spChg chg="add mod ord">
+          <ac:chgData name="Matthieu De Mari" userId="dfb708c9-d8dc-439f-9a3b-c772bf4a311c" providerId="ADAL" clId="{BB2724B5-25CB-48CB-80ED-AC0C7558B6CD}" dt="2023-04-08T12:16:34.980" v="2227" actId="20577"/>
+          <ac:spMkLst>
+            <pc:docMk/>
+            <pc:sldMk cId="2597435637" sldId="725"/>
+            <ac:spMk id="4" creationId="{D9E7860B-CB25-969C-27C8-4B0422EA8DEB}"/>
+          </ac:spMkLst>
+        </pc:spChg>
+      </pc:sldChg>
+      <pc:sldChg chg="addSp modSp add mod">
+        <pc:chgData name="Matthieu De Mari" userId="dfb708c9-d8dc-439f-9a3b-c772bf4a311c" providerId="ADAL" clId="{BB2724B5-25CB-48CB-80ED-AC0C7558B6CD}" dt="2023-04-08T12:16:54.928" v="2237" actId="1076"/>
+        <pc:sldMkLst>
+          <pc:docMk/>
+          <pc:sldMk cId="1400478764" sldId="726"/>
+        </pc:sldMkLst>
+        <pc:spChg chg="mod">
+          <ac:chgData name="Matthieu De Mari" userId="dfb708c9-d8dc-439f-9a3b-c772bf4a311c" providerId="ADAL" clId="{BB2724B5-25CB-48CB-80ED-AC0C7558B6CD}" dt="2023-04-08T12:16:43.174" v="2230" actId="20577"/>
+          <ac:spMkLst>
+            <pc:docMk/>
+            <pc:sldMk cId="1400478764" sldId="726"/>
+            <ac:spMk id="4" creationId="{D9E7860B-CB25-969C-27C8-4B0422EA8DEB}"/>
+          </ac:spMkLst>
+        </pc:spChg>
+        <pc:picChg chg="add mod">
+          <ac:chgData name="Matthieu De Mari" userId="dfb708c9-d8dc-439f-9a3b-c772bf4a311c" providerId="ADAL" clId="{BB2724B5-25CB-48CB-80ED-AC0C7558B6CD}" dt="2023-04-08T12:16:54.928" v="2237" actId="1076"/>
+          <ac:picMkLst>
+            <pc:docMk/>
+            <pc:sldMk cId="1400478764" sldId="726"/>
+            <ac:picMk id="5" creationId="{49D90BA4-BD8F-00BE-98E5-CBCB15123674}"/>
+          </ac:picMkLst>
+        </pc:picChg>
+      </pc:sldChg>
+      <pc:sldChg chg="addSp delSp modSp add mod">
+        <pc:chgData name="Matthieu De Mari" userId="dfb708c9-d8dc-439f-9a3b-c772bf4a311c" providerId="ADAL" clId="{BB2724B5-25CB-48CB-80ED-AC0C7558B6CD}" dt="2023-04-08T12:20:28.369" v="2451" actId="1582"/>
+        <pc:sldMkLst>
+          <pc:docMk/>
+          <pc:sldMk cId="2375703616" sldId="727"/>
+        </pc:sldMkLst>
+        <pc:spChg chg="add mod">
+          <ac:chgData name="Matthieu De Mari" userId="dfb708c9-d8dc-439f-9a3b-c772bf4a311c" providerId="ADAL" clId="{BB2724B5-25CB-48CB-80ED-AC0C7558B6CD}" dt="2023-04-08T12:20:08.282" v="2446" actId="20577"/>
+          <ac:spMkLst>
+            <pc:docMk/>
+            <pc:sldMk cId="2375703616" sldId="727"/>
+            <ac:spMk id="7" creationId="{6BF3A116-79A6-24C9-8DAF-5F46DF08AB3A}"/>
+          </ac:spMkLst>
+        </pc:spChg>
+        <pc:picChg chg="del">
+          <ac:chgData name="Matthieu De Mari" userId="dfb708c9-d8dc-439f-9a3b-c772bf4a311c" providerId="ADAL" clId="{BB2724B5-25CB-48CB-80ED-AC0C7558B6CD}" dt="2023-04-08T12:17:04.972" v="2239" actId="478"/>
+          <ac:picMkLst>
+            <pc:docMk/>
+            <pc:sldMk cId="2375703616" sldId="727"/>
+            <ac:picMk id="5" creationId="{49D90BA4-BD8F-00BE-98E5-CBCB15123674}"/>
+          </ac:picMkLst>
+        </pc:picChg>
+        <pc:picChg chg="add mod">
+          <ac:chgData name="Matthieu De Mari" userId="dfb708c9-d8dc-439f-9a3b-c772bf4a311c" providerId="ADAL" clId="{BB2724B5-25CB-48CB-80ED-AC0C7558B6CD}" dt="2023-04-08T12:17:12.084" v="2243" actId="1076"/>
+          <ac:picMkLst>
+            <pc:docMk/>
+            <pc:sldMk cId="2375703616" sldId="727"/>
+            <ac:picMk id="6" creationId="{3CECF7B7-BC55-AE60-08B1-AA624F422E5F}"/>
+          </ac:picMkLst>
+        </pc:picChg>
+        <pc:cxnChg chg="add mod">
+          <ac:chgData name="Matthieu De Mari" userId="dfb708c9-d8dc-439f-9a3b-c772bf4a311c" providerId="ADAL" clId="{BB2724B5-25CB-48CB-80ED-AC0C7558B6CD}" dt="2023-04-08T12:20:28.369" v="2451" actId="1582"/>
+          <ac:cxnSpMkLst>
+            <pc:docMk/>
+            <pc:sldMk cId="2375703616" sldId="727"/>
+            <ac:cxnSpMk id="9" creationId="{68E28109-B4B3-BAC9-6802-742D4E52CC21}"/>
+          </ac:cxnSpMkLst>
+        </pc:cxnChg>
+      </pc:sldChg>
+      <pc:sldChg chg="addSp delSp modSp add mod">
+        <pc:chgData name="Matthieu De Mari" userId="dfb708c9-d8dc-439f-9a3b-c772bf4a311c" providerId="ADAL" clId="{BB2724B5-25CB-48CB-80ED-AC0C7558B6CD}" dt="2023-04-08T12:20:46.284" v="2455" actId="478"/>
+        <pc:sldMkLst>
+          <pc:docMk/>
+          <pc:sldMk cId="2410329214" sldId="728"/>
+        </pc:sldMkLst>
+        <pc:spChg chg="add del mod">
+          <ac:chgData name="Matthieu De Mari" userId="dfb708c9-d8dc-439f-9a3b-c772bf4a311c" providerId="ADAL" clId="{BB2724B5-25CB-48CB-80ED-AC0C7558B6CD}" dt="2023-04-08T12:20:44.799" v="2454" actId="478"/>
+          <ac:spMkLst>
+            <pc:docMk/>
+            <pc:sldMk cId="2410329214" sldId="728"/>
+            <ac:spMk id="7" creationId="{314E5CE2-9623-B087-DF50-EBB774109719}"/>
+          </ac:spMkLst>
+        </pc:spChg>
+        <pc:picChg chg="add mod">
+          <ac:chgData name="Matthieu De Mari" userId="dfb708c9-d8dc-439f-9a3b-c772bf4a311c" providerId="ADAL" clId="{BB2724B5-25CB-48CB-80ED-AC0C7558B6CD}" dt="2023-04-08T12:17:47.727" v="2247" actId="14100"/>
+          <ac:picMkLst>
+            <pc:docMk/>
+            <pc:sldMk cId="2410329214" sldId="728"/>
+            <ac:picMk id="5" creationId="{44BF6276-8DE4-8BEA-F9C6-5F33F7B173F8}"/>
+          </ac:picMkLst>
+        </pc:picChg>
+        <pc:cxnChg chg="add del mod">
+          <ac:chgData name="Matthieu De Mari" userId="dfb708c9-d8dc-439f-9a3b-c772bf4a311c" providerId="ADAL" clId="{BB2724B5-25CB-48CB-80ED-AC0C7558B6CD}" dt="2023-04-08T12:20:46.284" v="2455" actId="478"/>
+          <ac:cxnSpMkLst>
+            <pc:docMk/>
+            <pc:sldMk cId="2410329214" sldId="728"/>
+            <ac:cxnSpMk id="8" creationId="{A7C8B292-CBC5-D557-2A90-88787B3432AB}"/>
+          </ac:cxnSpMkLst>
+        </pc:cxnChg>
+      </pc:sldChg>
+    </pc:docChg>
+  </pc:docChgLst>
 </pc:chgInfo>
 </file>
 
@@ -844,7 +1255,7 @@
           <a:p>
             <a:fld id="{61478373-EB31-4867-8CF0-FA31364748A5}" type="datetimeFigureOut">
               <a:rPr lang="en-GB" smtClean="0"/>
-              <a:t>26/02/2023</a:t>
+              <a:t>08/04/2023</a:t>
             </a:fld>
             <a:endParaRPr lang="en-GB"/>
           </a:p>
@@ -1261,7 +1672,7 @@
           <a:p>
             <a:fld id="{E85DF616-B21E-4EF6-A6A5-95E2FB3EB1A1}" type="datetimeFigureOut">
               <a:rPr lang="en-GB" smtClean="0"/>
-              <a:t>26/02/2023</a:t>
+              <a:t>08/04/2023</a:t>
             </a:fld>
             <a:endParaRPr lang="en-GB"/>
           </a:p>
@@ -1461,7 +1872,7 @@
           <a:p>
             <a:fld id="{E85DF616-B21E-4EF6-A6A5-95E2FB3EB1A1}" type="datetimeFigureOut">
               <a:rPr lang="en-GB" smtClean="0"/>
-              <a:t>26/02/2023</a:t>
+              <a:t>08/04/2023</a:t>
             </a:fld>
             <a:endParaRPr lang="en-GB"/>
           </a:p>
@@ -1671,7 +2082,7 @@
           <a:p>
             <a:fld id="{E85DF616-B21E-4EF6-A6A5-95E2FB3EB1A1}" type="datetimeFigureOut">
               <a:rPr lang="en-GB" smtClean="0"/>
-              <a:t>26/02/2023</a:t>
+              <a:t>08/04/2023</a:t>
             </a:fld>
             <a:endParaRPr lang="en-GB"/>
           </a:p>
@@ -1871,7 +2282,7 @@
           <a:p>
             <a:fld id="{E85DF616-B21E-4EF6-A6A5-95E2FB3EB1A1}" type="datetimeFigureOut">
               <a:rPr lang="en-GB" smtClean="0"/>
-              <a:t>26/02/2023</a:t>
+              <a:t>08/04/2023</a:t>
             </a:fld>
             <a:endParaRPr lang="en-GB"/>
           </a:p>
@@ -2147,7 +2558,7 @@
           <a:p>
             <a:fld id="{E85DF616-B21E-4EF6-A6A5-95E2FB3EB1A1}" type="datetimeFigureOut">
               <a:rPr lang="en-GB" smtClean="0"/>
-              <a:t>26/02/2023</a:t>
+              <a:t>08/04/2023</a:t>
             </a:fld>
             <a:endParaRPr lang="en-GB"/>
           </a:p>
@@ -2415,7 +2826,7 @@
           <a:p>
             <a:fld id="{E85DF616-B21E-4EF6-A6A5-95E2FB3EB1A1}" type="datetimeFigureOut">
               <a:rPr lang="en-GB" smtClean="0"/>
-              <a:t>26/02/2023</a:t>
+              <a:t>08/04/2023</a:t>
             </a:fld>
             <a:endParaRPr lang="en-GB"/>
           </a:p>
@@ -2830,7 +3241,7 @@
           <a:p>
             <a:fld id="{E85DF616-B21E-4EF6-A6A5-95E2FB3EB1A1}" type="datetimeFigureOut">
               <a:rPr lang="en-GB" smtClean="0"/>
-              <a:t>26/02/2023</a:t>
+              <a:t>08/04/2023</a:t>
             </a:fld>
             <a:endParaRPr lang="en-GB"/>
           </a:p>
@@ -2972,7 +3383,7 @@
           <a:p>
             <a:fld id="{E85DF616-B21E-4EF6-A6A5-95E2FB3EB1A1}" type="datetimeFigureOut">
               <a:rPr lang="en-GB" smtClean="0"/>
-              <a:t>26/02/2023</a:t>
+              <a:t>08/04/2023</a:t>
             </a:fld>
             <a:endParaRPr lang="en-GB"/>
           </a:p>
@@ -3085,7 +3496,7 @@
           <a:p>
             <a:fld id="{E85DF616-B21E-4EF6-A6A5-95E2FB3EB1A1}" type="datetimeFigureOut">
               <a:rPr lang="en-GB" smtClean="0"/>
-              <a:t>26/02/2023</a:t>
+              <a:t>08/04/2023</a:t>
             </a:fld>
             <a:endParaRPr lang="en-GB"/>
           </a:p>
@@ -3398,7 +3809,7 @@
           <a:p>
             <a:fld id="{E85DF616-B21E-4EF6-A6A5-95E2FB3EB1A1}" type="datetimeFigureOut">
               <a:rPr lang="en-GB" smtClean="0"/>
-              <a:t>26/02/2023</a:t>
+              <a:t>08/04/2023</a:t>
             </a:fld>
             <a:endParaRPr lang="en-GB"/>
           </a:p>
@@ -3687,7 +4098,7 @@
           <a:p>
             <a:fld id="{E85DF616-B21E-4EF6-A6A5-95E2FB3EB1A1}" type="datetimeFigureOut">
               <a:rPr lang="en-GB" smtClean="0"/>
-              <a:t>26/02/2023</a:t>
+              <a:t>08/04/2023</a:t>
             </a:fld>
             <a:endParaRPr lang="en-GB"/>
           </a:p>
@@ -3930,7 +4341,7 @@
           <a:p>
             <a:fld id="{E85DF616-B21E-4EF6-A6A5-95E2FB3EB1A1}" type="datetimeFigureOut">
               <a:rPr lang="en-GB" smtClean="0"/>
-              <a:t>26/02/2023</a:t>
+              <a:t>08/04/2023</a:t>
             </a:fld>
             <a:endParaRPr lang="en-GB"/>
           </a:p>
@@ -4648,42 +5059,19 @@
             </a:pPr>
             <a:r>
               <a:rPr lang="en-US" b="1" dirty="0"/>
-              <a:t>Advanced Reinforcement Learning (W11++)</a:t>
-            </a:r>
-          </a:p>
-          <a:p>
-            <a:pPr marL="0" indent="0">
-              <a:buNone/>
-            </a:pPr>
+              <a:t>Advanced Generative Models (W10++)</a:t>
+            </a:r>
+          </a:p>
+          <a:p>
             <a:r>
               <a:rPr lang="en-US" dirty="0"/>
-              <a:t>Barely scratched the surface about Reinforcement Learning.</a:t>
+              <a:t>Advanced GANs, operating on other types of data than just images (sound, text, etc.)</a:t>
             </a:r>
           </a:p>
           <a:p>
             <a:r>
               <a:rPr lang="en-US" dirty="0"/>
-              <a:t>Currently considering to create a RL course at SUTD for Term 8. Thoughts?</a:t>
-            </a:r>
-          </a:p>
-          <a:p>
-            <a:r>
-              <a:rPr lang="en-US" dirty="0"/>
-              <a:t>Otherwise, the reference course on RL is the one from David </a:t>
-            </a:r>
-            <a:r>
-              <a:rPr lang="en-US" b="1" dirty="0">
-                <a:solidFill>
-                  <a:schemeClr val="accent2">
-                    <a:lumMod val="50000"/>
-                  </a:schemeClr>
-                </a:solidFill>
-              </a:rPr>
-              <a:t>Sliver</a:t>
-            </a:r>
-            <a:r>
-              <a:rPr lang="en-US" dirty="0"/>
-              <a:t> (the man behind AlphaGo!)</a:t>
+              <a:t>Very good online course here:</a:t>
             </a:r>
           </a:p>
           <a:p>
@@ -4694,43 +5082,37 @@
               <a:rPr lang="en-US" dirty="0">
                 <a:hlinkClick r:id="rId2"/>
               </a:rPr>
-              <a:t>https://deepmind.com/learning-resources/-introduction-reinforcement-learning-david-silver</a:t>
+              <a:t>https://cs236g.stanford.edu/</a:t>
             </a:r>
             <a:endParaRPr lang="en-US" dirty="0"/>
           </a:p>
           <a:p>
-            <a:pPr marL="0" indent="0">
-              <a:buNone/>
-            </a:pPr>
             <a:r>
               <a:rPr lang="en-US" dirty="0"/>
-              <a:t>And </a:t>
-            </a:r>
-            <a:r>
-              <a:rPr lang="en-US" dirty="0">
-                <a:hlinkClick r:id="rId3"/>
-              </a:rPr>
-              <a:t>https://www.davidsilver.uk/teaching/</a:t>
-            </a:r>
-            <a:endParaRPr lang="en-US" dirty="0"/>
-          </a:p>
-          <a:p>
-            <a:pPr marL="0" indent="0">
-              <a:buNone/>
-            </a:pPr>
-            <a:endParaRPr lang="en-US" dirty="0"/>
-          </a:p>
-          <a:p>
-            <a:pPr marL="0" indent="0">
-              <a:buNone/>
-            </a:pPr>
-            <a:endParaRPr lang="en-US" dirty="0"/>
-          </a:p>
-          <a:p>
-            <a:pPr marL="0" indent="0">
-              <a:buNone/>
-            </a:pPr>
-            <a:endParaRPr lang="en-US" dirty="0"/>
+              <a:t>Any good course about advanced diffusion models and advanced generative models (Dall-E and </a:t>
+            </a:r>
+            <a:r>
+              <a:rPr lang="en-US" dirty="0" err="1"/>
+              <a:t>MidJourney</a:t>
+            </a:r>
+            <a:r>
+              <a:rPr lang="en-US" dirty="0"/>
+              <a:t>) would also be worth considering.</a:t>
+            </a:r>
+          </a:p>
+          <a:p>
+            <a:r>
+              <a:rPr lang="en-US" dirty="0"/>
+              <a:t>Might be covered in </a:t>
+            </a:r>
+            <a:r>
+              <a:rPr lang="en-US" b="1" dirty="0"/>
+              <a:t>Term 7 Computer Vision</a:t>
+            </a:r>
+            <a:r>
+              <a:rPr lang="en-US" dirty="0"/>
+              <a:t>?</a:t>
+            </a:r>
           </a:p>
           <a:p>
             <a:pPr marL="0" indent="0">
@@ -4743,7 +5125,7 @@
               <a:buNone/>
             </a:pPr>
             <a:endParaRPr lang="en-US" dirty="0">
-              <a:hlinkClick r:id="rId4"/>
+              <a:hlinkClick r:id="rId3"/>
             </a:endParaRPr>
           </a:p>
           <a:p>
@@ -4754,7 +5136,7 @@
     </p:spTree>
     <p:extLst>
       <p:ext uri="{BB962C8B-B14F-4D97-AF65-F5344CB8AC3E}">
-        <p14:creationId xmlns:p14="http://schemas.microsoft.com/office/powerpoint/2010/main" val="3161243228"/>
+        <p14:creationId xmlns:p14="http://schemas.microsoft.com/office/powerpoint/2010/main" val="3189324614"/>
       </p:ext>
     </p:extLst>
   </p:cSld>
@@ -4843,20 +5225,89 @@
             </a:pPr>
             <a:r>
               <a:rPr lang="en-US" b="1" dirty="0"/>
-              <a:t>Advanced Interpretability (W12++)</a:t>
-            </a:r>
-          </a:p>
-          <a:p>
+              <a:t>Advanced Reinforcement Learning (W11++)</a:t>
+            </a:r>
+          </a:p>
+          <a:p>
+            <a:pPr marL="0" indent="0">
+              <a:buNone/>
+            </a:pPr>
             <a:r>
               <a:rPr lang="en-US" dirty="0"/>
-              <a:t>Rather an ongoing field in research at the moment.</a:t>
+              <a:t>Barely scratched the surface about Reinforcement Learning.</a:t>
             </a:r>
           </a:p>
           <a:p>
             <a:r>
               <a:rPr lang="en-US" dirty="0"/>
-              <a:t>Not that many course out there, but worth keeping an eye out…</a:t>
-            </a:r>
+              <a:t>Currently considering to create a RL course at SUTD for Term 8. Thoughts?</a:t>
+            </a:r>
+          </a:p>
+          <a:p>
+            <a:r>
+              <a:rPr lang="en-US" dirty="0"/>
+              <a:t>Otherwise, the reference course on RL is the one from David </a:t>
+            </a:r>
+            <a:r>
+              <a:rPr lang="en-US" b="1" dirty="0">
+                <a:solidFill>
+                  <a:schemeClr val="accent2">
+                    <a:lumMod val="50000"/>
+                  </a:schemeClr>
+                </a:solidFill>
+              </a:rPr>
+              <a:t>Sliver</a:t>
+            </a:r>
+            <a:r>
+              <a:rPr lang="en-US" dirty="0"/>
+              <a:t> (the man behind AlphaGo!)</a:t>
+            </a:r>
+          </a:p>
+          <a:p>
+            <a:pPr marL="0" indent="0">
+              <a:buNone/>
+            </a:pPr>
+            <a:r>
+              <a:rPr lang="en-US" dirty="0">
+                <a:hlinkClick r:id="rId2"/>
+              </a:rPr>
+              <a:t>https://deepmind.com/learning-resources/-introduction-reinforcement-learning-david-silver</a:t>
+            </a:r>
+            <a:endParaRPr lang="en-US" dirty="0"/>
+          </a:p>
+          <a:p>
+            <a:pPr marL="0" indent="0">
+              <a:buNone/>
+            </a:pPr>
+            <a:r>
+              <a:rPr lang="en-US" dirty="0"/>
+              <a:t>And </a:t>
+            </a:r>
+            <a:r>
+              <a:rPr lang="en-US" dirty="0">
+                <a:hlinkClick r:id="rId3"/>
+              </a:rPr>
+              <a:t>https://www.davidsilver.uk/teaching/</a:t>
+            </a:r>
+            <a:endParaRPr lang="en-US" dirty="0"/>
+          </a:p>
+          <a:p>
+            <a:pPr marL="0" indent="0">
+              <a:buNone/>
+            </a:pPr>
+            <a:endParaRPr lang="en-US" dirty="0"/>
+          </a:p>
+          <a:p>
+            <a:pPr marL="0" indent="0">
+              <a:buNone/>
+            </a:pPr>
+            <a:endParaRPr lang="en-US" dirty="0"/>
+          </a:p>
+          <a:p>
+            <a:pPr marL="0" indent="0">
+              <a:buNone/>
+            </a:pPr>
+            <a:endParaRPr lang="en-US" dirty="0"/>
           </a:p>
           <a:p>
             <a:pPr marL="0" indent="0">
@@ -4869,7 +5320,7 @@
               <a:buNone/>
             </a:pPr>
             <a:endParaRPr lang="en-US" dirty="0">
-              <a:hlinkClick r:id="rId2"/>
+              <a:hlinkClick r:id="rId4"/>
             </a:endParaRPr>
           </a:p>
           <a:p>
@@ -4880,7 +5331,7 @@
     </p:spTree>
     <p:extLst>
       <p:ext uri="{BB962C8B-B14F-4D97-AF65-F5344CB8AC3E}">
-        <p14:creationId xmlns:p14="http://schemas.microsoft.com/office/powerpoint/2010/main" val="1227707544"/>
+        <p14:creationId xmlns:p14="http://schemas.microsoft.com/office/powerpoint/2010/main" val="3161243228"/>
       </p:ext>
     </p:extLst>
   </p:cSld>
@@ -4909,10 +5360,10 @@
       </p:grpSpPr>
       <p:sp>
         <p:nvSpPr>
-          <p:cNvPr id="2" name="Title 1">
-            <a:extLst>
-              <a:ext uri="{FF2B5EF4-FFF2-40B4-BE49-F238E27FC236}">
-                <a16:creationId xmlns:a16="http://schemas.microsoft.com/office/drawing/2014/main" id="{C826F7A7-7731-488B-8DF2-1407712F1EC1}"/>
+          <p:cNvPr id="4" name="Title 3">
+            <a:extLst>
+              <a:ext uri="{FF2B5EF4-FFF2-40B4-BE49-F238E27FC236}">
+                <a16:creationId xmlns:a16="http://schemas.microsoft.com/office/drawing/2014/main" id="{15864A73-91DC-47E6-BFC6-77EC81F88251}"/>
               </a:ext>
             </a:extLst>
           </p:cNvPr>
@@ -4930,7 +5381,7 @@
           <a:p>
             <a:r>
               <a:rPr lang="en-US" dirty="0"/>
-              <a:t>On top of everything we have seen…</a:t>
+              <a:t>Develop a deeper understanding of…</a:t>
             </a:r>
             <a:endParaRPr lang="en-GB" dirty="0"/>
           </a:p>
@@ -4938,10 +5389,10 @@
       </p:sp>
       <p:sp>
         <p:nvSpPr>
-          <p:cNvPr id="3" name="Content Placeholder 2">
-            <a:extLst>
-              <a:ext uri="{FF2B5EF4-FFF2-40B4-BE49-F238E27FC236}">
-                <a16:creationId xmlns:a16="http://schemas.microsoft.com/office/drawing/2014/main" id="{9D882609-53DF-4B06-91C6-50E0570C62D5}"/>
+          <p:cNvPr id="5" name="Content Placeholder 4">
+            <a:extLst>
+              <a:ext uri="{FF2B5EF4-FFF2-40B4-BE49-F238E27FC236}">
+                <a16:creationId xmlns:a16="http://schemas.microsoft.com/office/drawing/2014/main" id="{8D68AA04-CE99-4E3D-A743-B4FE0611BB3C}"/>
               </a:ext>
             </a:extLst>
           </p:cNvPr>
@@ -4968,77 +5419,37 @@
               <a:buNone/>
             </a:pPr>
             <a:r>
-              <a:rPr lang="en-GB" b="1" dirty="0"/>
-              <a:t>More concepts, problems and architectures on Computer Vision</a:t>
-            </a:r>
-            <a:endParaRPr lang="en-GB" dirty="0"/>
+              <a:rPr lang="en-US" b="1" dirty="0"/>
+              <a:t>Advanced Interpretability (W12++)</a:t>
+            </a:r>
+          </a:p>
+          <a:p>
+            <a:r>
+              <a:rPr lang="en-US" dirty="0"/>
+              <a:t>Rather an ongoing field in research at the moment.</a:t>
+            </a:r>
+          </a:p>
+          <a:p>
+            <a:r>
+              <a:rPr lang="en-US" dirty="0"/>
+              <a:t>Not that many course out there, but worth keeping an eye out…</a:t>
+            </a:r>
           </a:p>
           <a:p>
             <a:pPr marL="0" indent="0">
               <a:buNone/>
             </a:pPr>
-            <a:r>
-              <a:rPr lang="en-GB" dirty="0"/>
-              <a:t>Ask for the course materials of the Computer Vision Term 7 course for more advanced concepts on CV, such as:</a:t>
-            </a:r>
-          </a:p>
-          <a:p>
-            <a:r>
-              <a:rPr lang="en-GB" dirty="0"/>
-              <a:t>More advanced loss functions like triplet loss, </a:t>
-            </a:r>
-          </a:p>
-          <a:p>
-            <a:r>
-              <a:rPr lang="en-GB" dirty="0"/>
-              <a:t>Advanced architectures like </a:t>
-            </a:r>
-            <a:r>
-              <a:rPr lang="en-GB" dirty="0" err="1"/>
-              <a:t>siamese</a:t>
-            </a:r>
-            <a:r>
-              <a:rPr lang="en-GB" dirty="0"/>
-              <a:t> networks,</a:t>
-            </a:r>
-          </a:p>
-          <a:p>
-            <a:r>
-              <a:rPr lang="en-GB" dirty="0"/>
-              <a:t>Video data models, </a:t>
-            </a:r>
-          </a:p>
-          <a:p>
-            <a:r>
-              <a:rPr lang="en-GB" dirty="0"/>
-              <a:t>Etc.</a:t>
-            </a:r>
+            <a:endParaRPr lang="en-US" b="1" dirty="0"/>
           </a:p>
           <a:p>
             <a:pPr marL="0" indent="0">
               <a:buNone/>
             </a:pPr>
-            <a:r>
-              <a:rPr lang="en-GB" dirty="0">
-                <a:hlinkClick r:id="rId2"/>
-              </a:rPr>
-              <a:t>https://istd.sutd.edu.sg/undergraduate/courses/50035-computer-vision</a:t>
-            </a:r>
-            <a:endParaRPr lang="en-GB" dirty="0"/>
-          </a:p>
-          <a:p>
-            <a:endParaRPr lang="en-GB" dirty="0"/>
-          </a:p>
-          <a:p>
-            <a:pPr marL="0" indent="0">
-              <a:buNone/>
-            </a:pPr>
-            <a:endParaRPr lang="en-GB" dirty="0"/>
-          </a:p>
-          <a:p>
-            <a:pPr marL="0" indent="0">
-              <a:buNone/>
-            </a:pPr>
+            <a:endParaRPr lang="en-US" dirty="0">
+              <a:hlinkClick r:id="rId2"/>
+            </a:endParaRPr>
+          </a:p>
+          <a:p>
             <a:endParaRPr lang="en-GB" dirty="0"/>
           </a:p>
         </p:txBody>
@@ -5046,7 +5457,7 @@
     </p:spTree>
     <p:extLst>
       <p:ext uri="{BB962C8B-B14F-4D97-AF65-F5344CB8AC3E}">
-        <p14:creationId xmlns:p14="http://schemas.microsoft.com/office/powerpoint/2010/main" val="1926033687"/>
+        <p14:creationId xmlns:p14="http://schemas.microsoft.com/office/powerpoint/2010/main" val="1227707544"/>
       </p:ext>
     </p:extLst>
   </p:cSld>
@@ -6276,7 +6687,7 @@
           <a:p>
             <a:r>
               <a:rPr lang="en-US" dirty="0"/>
-              <a:t>Content will be everything from W1 to W12 included.</a:t>
+              <a:t>Content will be everything from W1 to W11 included.</a:t>
             </a:r>
           </a:p>
           <a:p>
@@ -6300,15 +6711,12 @@
             </a:r>
           </a:p>
           <a:p>
-            <a:endParaRPr lang="en-US" dirty="0"/>
-          </a:p>
-          <a:p>
             <a:pPr marL="0" indent="0">
               <a:buNone/>
             </a:pPr>
             <a:r>
               <a:rPr lang="en-US" b="1" dirty="0"/>
-              <a:t>Big project</a:t>
+              <a:t>Regarding your project</a:t>
             </a:r>
           </a:p>
           <a:p>
@@ -6319,6 +6727,26 @@
                 </a:solidFill>
               </a:rPr>
               <a:t>No extension will be given (have to give grades to OSA!)</a:t>
+            </a:r>
+          </a:p>
+          <a:p>
+            <a:r>
+              <a:rPr lang="en-US" b="1" u="sng" dirty="0">
+                <a:solidFill>
+                  <a:srgbClr val="C00000"/>
+                </a:solidFill>
+              </a:rPr>
+              <a:t>And want to be able to see your projects before presentations and discussions on W13.</a:t>
+            </a:r>
+          </a:p>
+          <a:p>
+            <a:r>
+              <a:rPr lang="en-US" b="1" u="sng" dirty="0">
+                <a:solidFill>
+                  <a:srgbClr val="C00000"/>
+                </a:solidFill>
+              </a:rPr>
+              <a:t>Check schedule for presentation timeslots.</a:t>
             </a:r>
           </a:p>
         </p:txBody>
@@ -6514,10 +6942,10 @@
       </p:grpSpPr>
       <p:sp>
         <p:nvSpPr>
-          <p:cNvPr id="4" name="Title 3">
-            <a:extLst>
-              <a:ext uri="{FF2B5EF4-FFF2-40B4-BE49-F238E27FC236}">
-                <a16:creationId xmlns:a16="http://schemas.microsoft.com/office/drawing/2014/main" id="{066530E7-BA86-4418-BA4E-56652782C0B4}"/>
+          <p:cNvPr id="2" name="Title 1">
+            <a:extLst>
+              <a:ext uri="{FF2B5EF4-FFF2-40B4-BE49-F238E27FC236}">
+                <a16:creationId xmlns:a16="http://schemas.microsoft.com/office/drawing/2014/main" id="{23F725B5-F049-3C40-3E21-40F3FED6C20E}"/>
               </a:ext>
             </a:extLst>
           </p:cNvPr>
@@ -6534,58 +6962,120 @@
           <a:lstStyle/>
           <a:p>
             <a:r>
-              <a:rPr lang="en-US" dirty="0"/>
-              <a:t>The important message is…</a:t>
-            </a:r>
-            <a:endParaRPr lang="en-GB" dirty="0"/>
-          </a:p>
-        </p:txBody>
-      </p:sp>
-      <p:sp>
-        <p:nvSpPr>
-          <p:cNvPr id="5" name="Text Placeholder 4">
-            <a:extLst>
-              <a:ext uri="{FF2B5EF4-FFF2-40B4-BE49-F238E27FC236}">
-                <a16:creationId xmlns:a16="http://schemas.microsoft.com/office/drawing/2014/main" id="{4FAF29E5-3002-43E1-A379-263BC6F2D5A1}"/>
-              </a:ext>
-            </a:extLst>
-          </p:cNvPr>
-          <p:cNvSpPr>
-            <a:spLocks noGrp="1"/>
-          </p:cNvSpPr>
-          <p:nvPr>
-            <p:ph type="body" idx="1"/>
+              <a:rPr lang="en-GB" dirty="0"/>
+              <a:t>Debates about AGI</a:t>
+            </a:r>
+            <a:endParaRPr lang="en-SG" dirty="0"/>
+          </a:p>
+        </p:txBody>
+      </p:sp>
+      <p:sp>
+        <p:nvSpPr>
+          <p:cNvPr id="3" name="Content Placeholder 2">
+            <a:extLst>
+              <a:ext uri="{FF2B5EF4-FFF2-40B4-BE49-F238E27FC236}">
+                <a16:creationId xmlns:a16="http://schemas.microsoft.com/office/drawing/2014/main" id="{95326F2F-4A02-8FC6-DBCF-1F609132343E}"/>
+              </a:ext>
+            </a:extLst>
+          </p:cNvPr>
+          <p:cNvSpPr>
+            <a:spLocks noGrp="1"/>
+          </p:cNvSpPr>
+          <p:nvPr>
+            <p:ph sz="half" idx="1"/>
+          </p:nvPr>
+        </p:nvSpPr>
+        <p:spPr>
+          <a:xfrm>
+            <a:off x="838200" y="1825624"/>
+            <a:ext cx="5181600" cy="5032375"/>
+          </a:xfrm>
+        </p:spPr>
+        <p:txBody>
+          <a:bodyPr>
+            <a:normAutofit/>
+          </a:bodyPr>
+          <a:lstStyle/>
+          <a:p>
+            <a:r>
+              <a:rPr lang="en-GB" b="1" dirty="0"/>
+              <a:t>AGI: </a:t>
+            </a:r>
+            <a:r>
+              <a:rPr lang="en-GB" dirty="0"/>
+              <a:t>Artificial General Intelligence, naming the idea of an AI that would match all the cognitive abilities of a human.</a:t>
+            </a:r>
+          </a:p>
+          <a:p>
+            <a:r>
+              <a:rPr lang="en-GB" dirty="0"/>
+              <a:t>At the moment, definitely a dream, but the ultimate goal.</a:t>
+            </a:r>
+          </a:p>
+          <a:p>
+            <a:r>
+              <a:rPr lang="en-GB" dirty="0"/>
+              <a:t>Very active discussion topic after </a:t>
+            </a:r>
+            <a:r>
+              <a:rPr lang="en-GB" dirty="0" err="1"/>
+              <a:t>ChatGPT</a:t>
+            </a:r>
+            <a:r>
+              <a:rPr lang="en-GB" dirty="0"/>
+              <a:t> has been released.</a:t>
+            </a:r>
+          </a:p>
+          <a:p>
+            <a:r>
+              <a:rPr lang="en-GB" dirty="0" err="1"/>
+              <a:t>ChatGPT</a:t>
+            </a:r>
+            <a:r>
+              <a:rPr lang="en-GB" dirty="0"/>
+              <a:t> is nowhere near AGI, but a big step in that direction?</a:t>
+            </a:r>
+          </a:p>
+          <a:p>
+            <a:r>
+              <a:rPr lang="en-GB" b="1" dirty="0"/>
+              <a:t>I’m staying out of this debate!</a:t>
+            </a:r>
+            <a:endParaRPr lang="en-SG" b="1" dirty="0"/>
+          </a:p>
+        </p:txBody>
+      </p:sp>
+      <p:sp>
+        <p:nvSpPr>
+          <p:cNvPr id="4" name="Content Placeholder 3">
+            <a:extLst>
+              <a:ext uri="{FF2B5EF4-FFF2-40B4-BE49-F238E27FC236}">
+                <a16:creationId xmlns:a16="http://schemas.microsoft.com/office/drawing/2014/main" id="{6F822E86-5204-2408-255C-A3DEF3402416}"/>
+              </a:ext>
+            </a:extLst>
+          </p:cNvPr>
+          <p:cNvSpPr>
+            <a:spLocks noGrp="1"/>
+          </p:cNvSpPr>
+          <p:nvPr>
+            <p:ph sz="half" idx="2"/>
           </p:nvPr>
         </p:nvSpPr>
         <p:spPr/>
         <p:txBody>
-          <a:bodyPr/>
-          <a:lstStyle/>
-          <a:p>
-            <a:r>
-              <a:rPr lang="en-US" dirty="0"/>
-              <a:t>Your learning should not stop after SUTD…</a:t>
-            </a:r>
-          </a:p>
-          <a:p>
-            <a:r>
-              <a:rPr lang="en-US" dirty="0"/>
-              <a:t>Keep learning to stay up to date, this is a very fast evolving field…</a:t>
-            </a:r>
-          </a:p>
-          <a:p>
-            <a:r>
-              <a:rPr lang="en-US" dirty="0"/>
-              <a:t>So, good luck on your continuing studies!</a:t>
-            </a:r>
-            <a:endParaRPr lang="en-GB" dirty="0"/>
+          <a:bodyPr>
+            <a:normAutofit/>
+          </a:bodyPr>
+          <a:lstStyle/>
+          <a:p>
+            <a:endParaRPr lang="en-SG"/>
           </a:p>
         </p:txBody>
       </p:sp>
     </p:spTree>
     <p:extLst>
       <p:ext uri="{BB962C8B-B14F-4D97-AF65-F5344CB8AC3E}">
-        <p14:creationId xmlns:p14="http://schemas.microsoft.com/office/powerpoint/2010/main" val="2920761925"/>
+        <p14:creationId xmlns:p14="http://schemas.microsoft.com/office/powerpoint/2010/main" val="1543612158"/>
       </p:ext>
     </p:extLst>
   </p:cSld>
@@ -6614,6 +7104,511 @@
       </p:grpSpPr>
       <p:sp>
         <p:nvSpPr>
+          <p:cNvPr id="2" name="Title 1">
+            <a:extLst>
+              <a:ext uri="{FF2B5EF4-FFF2-40B4-BE49-F238E27FC236}">
+                <a16:creationId xmlns:a16="http://schemas.microsoft.com/office/drawing/2014/main" id="{23F725B5-F049-3C40-3E21-40F3FED6C20E}"/>
+              </a:ext>
+            </a:extLst>
+          </p:cNvPr>
+          <p:cNvSpPr>
+            <a:spLocks noGrp="1"/>
+          </p:cNvSpPr>
+          <p:nvPr>
+            <p:ph type="title"/>
+          </p:nvPr>
+        </p:nvSpPr>
+        <p:spPr/>
+        <p:txBody>
+          <a:bodyPr/>
+          <a:lstStyle/>
+          <a:p>
+            <a:r>
+              <a:rPr lang="en-GB" dirty="0"/>
+              <a:t>A good pointer: the </a:t>
+            </a:r>
+            <a:r>
+              <a:rPr lang="en-GB" dirty="0" err="1"/>
+              <a:t>babyAGI</a:t>
+            </a:r>
+            <a:r>
+              <a:rPr lang="en-GB" dirty="0"/>
+              <a:t> project</a:t>
+            </a:r>
+            <a:endParaRPr lang="en-SG" dirty="0"/>
+          </a:p>
+        </p:txBody>
+      </p:sp>
+      <p:sp>
+        <p:nvSpPr>
+          <p:cNvPr id="6" name="TextBox 5">
+            <a:extLst>
+              <a:ext uri="{FF2B5EF4-FFF2-40B4-BE49-F238E27FC236}">
+                <a16:creationId xmlns:a16="http://schemas.microsoft.com/office/drawing/2014/main" id="{BD937917-4C2A-C135-E1A1-EEFADAC6BBE4}"/>
+              </a:ext>
+            </a:extLst>
+          </p:cNvPr>
+          <p:cNvSpPr txBox="1"/>
+          <p:nvPr/>
+        </p:nvSpPr>
+        <p:spPr>
+          <a:xfrm>
+            <a:off x="6997123" y="6229689"/>
+            <a:ext cx="4356677" cy="369332"/>
+          </a:xfrm>
+          <a:prstGeom prst="rect">
+            <a:avLst/>
+          </a:prstGeom>
+          <a:noFill/>
+        </p:spPr>
+        <p:txBody>
+          <a:bodyPr wrap="square">
+            <a:spAutoFit/>
+          </a:bodyPr>
+          <a:lstStyle/>
+          <a:p>
+            <a:r>
+              <a:rPr lang="en-SG" dirty="0">
+                <a:hlinkClick r:id="rId2"/>
+              </a:rPr>
+              <a:t>https://github.com/yoheinakajima/babyagi</a:t>
+            </a:r>
+            <a:r>
+              <a:rPr lang="en-SG" dirty="0"/>
+              <a:t> </a:t>
+            </a:r>
+          </a:p>
+        </p:txBody>
+      </p:sp>
+      <p:sp>
+        <p:nvSpPr>
+          <p:cNvPr id="8" name="TextBox 7">
+            <a:extLst>
+              <a:ext uri="{FF2B5EF4-FFF2-40B4-BE49-F238E27FC236}">
+                <a16:creationId xmlns:a16="http://schemas.microsoft.com/office/drawing/2014/main" id="{E8074F4D-BDC4-C87D-52DF-C569CD4F081C}"/>
+              </a:ext>
+            </a:extLst>
+          </p:cNvPr>
+          <p:cNvSpPr txBox="1"/>
+          <p:nvPr/>
+        </p:nvSpPr>
+        <p:spPr>
+          <a:xfrm>
+            <a:off x="6096000" y="5583358"/>
+            <a:ext cx="6096000" cy="646331"/>
+          </a:xfrm>
+          <a:prstGeom prst="rect">
+            <a:avLst/>
+          </a:prstGeom>
+          <a:noFill/>
+        </p:spPr>
+        <p:txBody>
+          <a:bodyPr wrap="square">
+            <a:spAutoFit/>
+          </a:bodyPr>
+          <a:lstStyle/>
+          <a:p>
+            <a:r>
+              <a:rPr lang="en-SG" dirty="0">
+                <a:hlinkClick r:id="rId3"/>
+              </a:rPr>
+              <a:t>https://twitter.com/yoheinakajima?ref_src=twsrc%5Egoogle%7Ctwcamp%5Eserp%7Ctwgr%5Eauthor</a:t>
+            </a:r>
+            <a:r>
+              <a:rPr lang="en-SG" dirty="0"/>
+              <a:t> </a:t>
+            </a:r>
+          </a:p>
+        </p:txBody>
+      </p:sp>
+      <p:pic>
+        <p:nvPicPr>
+          <p:cNvPr id="10" name="Picture 9" descr="Diagram&#10;&#10;Description automatically generated">
+            <a:extLst>
+              <a:ext uri="{FF2B5EF4-FFF2-40B4-BE49-F238E27FC236}">
+                <a16:creationId xmlns:a16="http://schemas.microsoft.com/office/drawing/2014/main" id="{71BEB204-4D28-CC84-A371-14CCE06BB7C6}"/>
+              </a:ext>
+            </a:extLst>
+          </p:cNvPr>
+          <p:cNvPicPr>
+            <a:picLocks noChangeAspect="1"/>
+          </p:cNvPicPr>
+          <p:nvPr/>
+        </p:nvPicPr>
+        <p:blipFill>
+          <a:blip r:embed="rId4">
+            <a:extLst>
+              <a:ext uri="{28A0092B-C50C-407E-A947-70E740481C1C}">
+                <a14:useLocalDpi xmlns:a14="http://schemas.microsoft.com/office/drawing/2010/main" val="0"/>
+              </a:ext>
+            </a:extLst>
+          </a:blip>
+          <a:stretch>
+            <a:fillRect/>
+          </a:stretch>
+        </p:blipFill>
+        <p:spPr>
+          <a:xfrm>
+            <a:off x="1740161" y="1508278"/>
+            <a:ext cx="9120672" cy="3841443"/>
+          </a:xfrm>
+          <a:prstGeom prst="rect">
+            <a:avLst/>
+          </a:prstGeom>
+        </p:spPr>
+      </p:pic>
+    </p:spTree>
+    <p:extLst>
+      <p:ext uri="{BB962C8B-B14F-4D97-AF65-F5344CB8AC3E}">
+        <p14:creationId xmlns:p14="http://schemas.microsoft.com/office/powerpoint/2010/main" val="3484186344"/>
+      </p:ext>
+    </p:extLst>
+  </p:cSld>
+  <p:clrMapOvr>
+    <a:masterClrMapping/>
+  </p:clrMapOvr>
+</p:sld>
+</file>
+
+<file path=ppt/slides/slide23.xml><?xml version="1.0" encoding="utf-8"?>
+<p:sld xmlns:a="http://schemas.openxmlformats.org/drawingml/2006/main" xmlns:r="http://schemas.openxmlformats.org/officeDocument/2006/relationships" xmlns:p="http://schemas.openxmlformats.org/presentationml/2006/main">
+  <p:cSld>
+    <p:spTree>
+      <p:nvGrpSpPr>
+        <p:cNvPr id="1" name=""/>
+        <p:cNvGrpSpPr/>
+        <p:nvPr/>
+      </p:nvGrpSpPr>
+      <p:grpSpPr>
+        <a:xfrm>
+          <a:off x="0" y="0"/>
+          <a:ext cx="0" cy="0"/>
+          <a:chOff x="0" y="0"/>
+          <a:chExt cx="0" cy="0"/>
+        </a:xfrm>
+      </p:grpSpPr>
+      <p:sp>
+        <p:nvSpPr>
+          <p:cNvPr id="2" name="Title 1">
+            <a:extLst>
+              <a:ext uri="{FF2B5EF4-FFF2-40B4-BE49-F238E27FC236}">
+                <a16:creationId xmlns:a16="http://schemas.microsoft.com/office/drawing/2014/main" id="{23F725B5-F049-3C40-3E21-40F3FED6C20E}"/>
+              </a:ext>
+            </a:extLst>
+          </p:cNvPr>
+          <p:cNvSpPr>
+            <a:spLocks noGrp="1"/>
+          </p:cNvSpPr>
+          <p:nvPr>
+            <p:ph type="title"/>
+          </p:nvPr>
+        </p:nvSpPr>
+        <p:spPr/>
+        <p:txBody>
+          <a:bodyPr/>
+          <a:lstStyle/>
+          <a:p>
+            <a:r>
+              <a:rPr lang="en-GB" dirty="0"/>
+              <a:t>A good pointer: the </a:t>
+            </a:r>
+            <a:r>
+              <a:rPr lang="en-GB" dirty="0" err="1"/>
+              <a:t>babyAGI</a:t>
+            </a:r>
+            <a:r>
+              <a:rPr lang="en-GB" dirty="0"/>
+              <a:t> project</a:t>
+            </a:r>
+            <a:endParaRPr lang="en-SG" dirty="0"/>
+          </a:p>
+        </p:txBody>
+      </p:sp>
+      <p:sp>
+        <p:nvSpPr>
+          <p:cNvPr id="6" name="TextBox 5">
+            <a:extLst>
+              <a:ext uri="{FF2B5EF4-FFF2-40B4-BE49-F238E27FC236}">
+                <a16:creationId xmlns:a16="http://schemas.microsoft.com/office/drawing/2014/main" id="{BD937917-4C2A-C135-E1A1-EEFADAC6BBE4}"/>
+              </a:ext>
+            </a:extLst>
+          </p:cNvPr>
+          <p:cNvSpPr txBox="1"/>
+          <p:nvPr/>
+        </p:nvSpPr>
+        <p:spPr>
+          <a:xfrm>
+            <a:off x="6997123" y="6229689"/>
+            <a:ext cx="4356677" cy="369332"/>
+          </a:xfrm>
+          <a:prstGeom prst="rect">
+            <a:avLst/>
+          </a:prstGeom>
+          <a:noFill/>
+        </p:spPr>
+        <p:txBody>
+          <a:bodyPr wrap="square">
+            <a:spAutoFit/>
+          </a:bodyPr>
+          <a:lstStyle/>
+          <a:p>
+            <a:r>
+              <a:rPr lang="en-SG" dirty="0">
+                <a:hlinkClick r:id="rId2"/>
+              </a:rPr>
+              <a:t>https://github.com/yoheinakajima/babyagi</a:t>
+            </a:r>
+            <a:r>
+              <a:rPr lang="en-SG" dirty="0"/>
+              <a:t> </a:t>
+            </a:r>
+          </a:p>
+        </p:txBody>
+      </p:sp>
+      <p:sp>
+        <p:nvSpPr>
+          <p:cNvPr id="8" name="TextBox 7">
+            <a:extLst>
+              <a:ext uri="{FF2B5EF4-FFF2-40B4-BE49-F238E27FC236}">
+                <a16:creationId xmlns:a16="http://schemas.microsoft.com/office/drawing/2014/main" id="{E8074F4D-BDC4-C87D-52DF-C569CD4F081C}"/>
+              </a:ext>
+            </a:extLst>
+          </p:cNvPr>
+          <p:cNvSpPr txBox="1"/>
+          <p:nvPr/>
+        </p:nvSpPr>
+        <p:spPr>
+          <a:xfrm>
+            <a:off x="6096000" y="5583358"/>
+            <a:ext cx="6096000" cy="646331"/>
+          </a:xfrm>
+          <a:prstGeom prst="rect">
+            <a:avLst/>
+          </a:prstGeom>
+          <a:noFill/>
+        </p:spPr>
+        <p:txBody>
+          <a:bodyPr wrap="square">
+            <a:spAutoFit/>
+          </a:bodyPr>
+          <a:lstStyle/>
+          <a:p>
+            <a:r>
+              <a:rPr lang="en-SG" dirty="0">
+                <a:hlinkClick r:id="rId3"/>
+              </a:rPr>
+              <a:t>https://twitter.com/yoheinakajima?ref_src=twsrc%5Egoogle%7Ctwcamp%5Eserp%7Ctwgr%5Eauthor</a:t>
+            </a:r>
+            <a:r>
+              <a:rPr lang="en-SG" dirty="0"/>
+              <a:t> </a:t>
+            </a:r>
+          </a:p>
+        </p:txBody>
+      </p:sp>
+      <p:pic>
+        <p:nvPicPr>
+          <p:cNvPr id="10" name="Picture 9" descr="Diagram&#10;&#10;Description automatically generated">
+            <a:extLst>
+              <a:ext uri="{FF2B5EF4-FFF2-40B4-BE49-F238E27FC236}">
+                <a16:creationId xmlns:a16="http://schemas.microsoft.com/office/drawing/2014/main" id="{71BEB204-4D28-CC84-A371-14CCE06BB7C6}"/>
+              </a:ext>
+            </a:extLst>
+          </p:cNvPr>
+          <p:cNvPicPr>
+            <a:picLocks noChangeAspect="1"/>
+          </p:cNvPicPr>
+          <p:nvPr/>
+        </p:nvPicPr>
+        <p:blipFill>
+          <a:blip r:embed="rId4">
+            <a:extLst>
+              <a:ext uri="{28A0092B-C50C-407E-A947-70E740481C1C}">
+                <a14:useLocalDpi xmlns:a14="http://schemas.microsoft.com/office/drawing/2010/main" val="0"/>
+              </a:ext>
+            </a:extLst>
+          </a:blip>
+          <a:stretch>
+            <a:fillRect/>
+          </a:stretch>
+        </p:blipFill>
+        <p:spPr>
+          <a:xfrm>
+            <a:off x="1740161" y="1508278"/>
+            <a:ext cx="9120672" cy="3841443"/>
+          </a:xfrm>
+          <a:prstGeom prst="rect">
+            <a:avLst/>
+          </a:prstGeom>
+        </p:spPr>
+      </p:pic>
+      <p:pic>
+        <p:nvPicPr>
+          <p:cNvPr id="4" name="Picture 3" descr="Text&#10;&#10;Description automatically generated">
+            <a:extLst>
+              <a:ext uri="{FF2B5EF4-FFF2-40B4-BE49-F238E27FC236}">
+                <a16:creationId xmlns:a16="http://schemas.microsoft.com/office/drawing/2014/main" id="{62DC6911-F746-CF6D-3FB1-3F714104FBBB}"/>
+              </a:ext>
+            </a:extLst>
+          </p:cNvPr>
+          <p:cNvPicPr>
+            <a:picLocks noChangeAspect="1"/>
+          </p:cNvPicPr>
+          <p:nvPr/>
+        </p:nvPicPr>
+        <p:blipFill rotWithShape="1">
+          <a:blip r:embed="rId5">
+            <a:extLst>
+              <a:ext uri="{28A0092B-C50C-407E-A947-70E740481C1C}">
+                <a14:useLocalDpi xmlns:a14="http://schemas.microsoft.com/office/drawing/2010/main" val="0"/>
+              </a:ext>
+            </a:extLst>
+          </a:blip>
+          <a:srcRect r="50000"/>
+          <a:stretch/>
+        </p:blipFill>
+        <p:spPr>
+          <a:xfrm>
+            <a:off x="466529" y="365125"/>
+            <a:ext cx="9246637" cy="6187720"/>
+          </a:xfrm>
+          <a:prstGeom prst="rect">
+            <a:avLst/>
+          </a:prstGeom>
+        </p:spPr>
+      </p:pic>
+    </p:spTree>
+    <p:extLst>
+      <p:ext uri="{BB962C8B-B14F-4D97-AF65-F5344CB8AC3E}">
+        <p14:creationId xmlns:p14="http://schemas.microsoft.com/office/powerpoint/2010/main" val="3360523826"/>
+      </p:ext>
+    </p:extLst>
+  </p:cSld>
+  <p:clrMapOvr>
+    <a:masterClrMapping/>
+  </p:clrMapOvr>
+</p:sld>
+</file>
+
+<file path=ppt/slides/slide24.xml><?xml version="1.0" encoding="utf-8"?>
+<p:sld xmlns:a="http://schemas.openxmlformats.org/drawingml/2006/main" xmlns:r="http://schemas.openxmlformats.org/officeDocument/2006/relationships" xmlns:p="http://schemas.openxmlformats.org/presentationml/2006/main">
+  <p:cSld>
+    <p:spTree>
+      <p:nvGrpSpPr>
+        <p:cNvPr id="1" name=""/>
+        <p:cNvGrpSpPr/>
+        <p:nvPr/>
+      </p:nvGrpSpPr>
+      <p:grpSpPr>
+        <a:xfrm>
+          <a:off x="0" y="0"/>
+          <a:ext cx="0" cy="0"/>
+          <a:chOff x="0" y="0"/>
+          <a:chExt cx="0" cy="0"/>
+        </a:xfrm>
+      </p:grpSpPr>
+      <p:sp>
+        <p:nvSpPr>
+          <p:cNvPr id="4" name="Title 3">
+            <a:extLst>
+              <a:ext uri="{FF2B5EF4-FFF2-40B4-BE49-F238E27FC236}">
+                <a16:creationId xmlns:a16="http://schemas.microsoft.com/office/drawing/2014/main" id="{066530E7-BA86-4418-BA4E-56652782C0B4}"/>
+              </a:ext>
+            </a:extLst>
+          </p:cNvPr>
+          <p:cNvSpPr>
+            <a:spLocks noGrp="1"/>
+          </p:cNvSpPr>
+          <p:nvPr>
+            <p:ph type="title"/>
+          </p:nvPr>
+        </p:nvSpPr>
+        <p:spPr/>
+        <p:txBody>
+          <a:bodyPr/>
+          <a:lstStyle/>
+          <a:p>
+            <a:r>
+              <a:rPr lang="en-US" dirty="0"/>
+              <a:t>The important message is…</a:t>
+            </a:r>
+            <a:endParaRPr lang="en-GB" dirty="0"/>
+          </a:p>
+        </p:txBody>
+      </p:sp>
+      <p:sp>
+        <p:nvSpPr>
+          <p:cNvPr id="5" name="Text Placeholder 4">
+            <a:extLst>
+              <a:ext uri="{FF2B5EF4-FFF2-40B4-BE49-F238E27FC236}">
+                <a16:creationId xmlns:a16="http://schemas.microsoft.com/office/drawing/2014/main" id="{4FAF29E5-3002-43E1-A379-263BC6F2D5A1}"/>
+              </a:ext>
+            </a:extLst>
+          </p:cNvPr>
+          <p:cNvSpPr>
+            <a:spLocks noGrp="1"/>
+          </p:cNvSpPr>
+          <p:nvPr>
+            <p:ph type="body" idx="1"/>
+          </p:nvPr>
+        </p:nvSpPr>
+        <p:spPr/>
+        <p:txBody>
+          <a:bodyPr/>
+          <a:lstStyle/>
+          <a:p>
+            <a:r>
+              <a:rPr lang="en-US" dirty="0"/>
+              <a:t>Your learning should not stop after SUTD…</a:t>
+            </a:r>
+          </a:p>
+          <a:p>
+            <a:r>
+              <a:rPr lang="en-US" dirty="0"/>
+              <a:t>Keep learning to stay up to date, this is a very fast evolving field…</a:t>
+            </a:r>
+          </a:p>
+          <a:p>
+            <a:r>
+              <a:rPr lang="en-US" dirty="0"/>
+              <a:t>So, good luck on your continuing studies!</a:t>
+            </a:r>
+            <a:endParaRPr lang="en-GB" dirty="0"/>
+          </a:p>
+        </p:txBody>
+      </p:sp>
+    </p:spTree>
+    <p:extLst>
+      <p:ext uri="{BB962C8B-B14F-4D97-AF65-F5344CB8AC3E}">
+        <p14:creationId xmlns:p14="http://schemas.microsoft.com/office/powerpoint/2010/main" val="2920761925"/>
+      </p:ext>
+    </p:extLst>
+  </p:cSld>
+  <p:clrMapOvr>
+    <a:masterClrMapping/>
+  </p:clrMapOvr>
+</p:sld>
+</file>
+
+<file path=ppt/slides/slide25.xml><?xml version="1.0" encoding="utf-8"?>
+<p:sld xmlns:a="http://schemas.openxmlformats.org/drawingml/2006/main" xmlns:r="http://schemas.openxmlformats.org/officeDocument/2006/relationships" xmlns:p="http://schemas.openxmlformats.org/presentationml/2006/main">
+  <p:cSld>
+    <p:spTree>
+      <p:nvGrpSpPr>
+        <p:cNvPr id="1" name=""/>
+        <p:cNvGrpSpPr/>
+        <p:nvPr/>
+      </p:nvGrpSpPr>
+      <p:grpSpPr>
+        <a:xfrm>
+          <a:off x="0" y="0"/>
+          <a:ext cx="0" cy="0"/>
+          <a:chOff x="0" y="0"/>
+          <a:chExt cx="0" cy="0"/>
+        </a:xfrm>
+      </p:grpSpPr>
+      <p:sp>
+        <p:nvSpPr>
           <p:cNvPr id="4" name="Title 3">
             <a:extLst>
               <a:ext uri="{FF2B5EF4-FFF2-40B4-BE49-F238E27FC236}">
@@ -6690,12 +7685,9 @@
             </a:r>
           </a:p>
           <a:p>
-            <a:endParaRPr lang="en-US" dirty="0"/>
-          </a:p>
-          <a:p>
             <a:r>
               <a:rPr lang="en-US" dirty="0"/>
-              <a:t>Will be adding some more on the next slides.</a:t>
+              <a:t>Will be adding some more names on the next slides.</a:t>
             </a:r>
           </a:p>
           <a:p>
@@ -6801,1029 +7793,6 @@
 </p:sld>
 </file>
 
-<file path=ppt/slides/slide23.xml><?xml version="1.0" encoding="utf-8"?>
-<p:sld xmlns:a="http://schemas.openxmlformats.org/drawingml/2006/main" xmlns:r="http://schemas.openxmlformats.org/officeDocument/2006/relationships" xmlns:p="http://schemas.openxmlformats.org/presentationml/2006/main">
-  <p:cSld>
-    <p:spTree>
-      <p:nvGrpSpPr>
-        <p:cNvPr id="1" name=""/>
-        <p:cNvGrpSpPr/>
-        <p:nvPr/>
-      </p:nvGrpSpPr>
-      <p:grpSpPr>
-        <a:xfrm>
-          <a:off x="0" y="0"/>
-          <a:ext cx="0" cy="0"/>
-          <a:chOff x="0" y="0"/>
-          <a:chExt cx="0" cy="0"/>
-        </a:xfrm>
-      </p:grpSpPr>
-      <p:sp>
-        <p:nvSpPr>
-          <p:cNvPr id="4" name="Title 3">
-            <a:extLst>
-              <a:ext uri="{FF2B5EF4-FFF2-40B4-BE49-F238E27FC236}">
-                <a16:creationId xmlns:a16="http://schemas.microsoft.com/office/drawing/2014/main" id="{1715EAD9-59BF-46C0-9089-6E366691CAE9}"/>
-              </a:ext>
-            </a:extLst>
-          </p:cNvPr>
-          <p:cNvSpPr>
-            <a:spLocks noGrp="1"/>
-          </p:cNvSpPr>
-          <p:nvPr>
-            <p:ph type="title"/>
-          </p:nvPr>
-        </p:nvSpPr>
-        <p:spPr/>
-        <p:txBody>
-          <a:bodyPr/>
-          <a:lstStyle/>
-          <a:p>
-            <a:r>
-              <a:rPr lang="en-US" dirty="0"/>
-              <a:t>Add these researchers, companies and research </a:t>
-            </a:r>
-            <a:r>
-              <a:rPr lang="en-US" dirty="0" err="1"/>
-              <a:t>groupes</a:t>
-            </a:r>
-            <a:r>
-              <a:rPr lang="en-US" dirty="0"/>
-              <a:t> to your watchlist</a:t>
-            </a:r>
-            <a:endParaRPr lang="en-GB" dirty="0"/>
-          </a:p>
-        </p:txBody>
-      </p:sp>
-      <p:sp>
-        <p:nvSpPr>
-          <p:cNvPr id="5" name="Content Placeholder 4">
-            <a:extLst>
-              <a:ext uri="{FF2B5EF4-FFF2-40B4-BE49-F238E27FC236}">
-                <a16:creationId xmlns:a16="http://schemas.microsoft.com/office/drawing/2014/main" id="{279FF99D-84CB-436E-9373-43EB3F28720A}"/>
-              </a:ext>
-            </a:extLst>
-          </p:cNvPr>
-          <p:cNvSpPr>
-            <a:spLocks noGrp="1"/>
-          </p:cNvSpPr>
-          <p:nvPr>
-            <p:ph idx="1"/>
-          </p:nvPr>
-        </p:nvSpPr>
-        <p:spPr>
-          <a:xfrm>
-            <a:off x="838200" y="1825624"/>
-            <a:ext cx="10515600" cy="5032375"/>
-          </a:xfrm>
-        </p:spPr>
-        <p:txBody>
-          <a:bodyPr>
-            <a:noAutofit/>
-          </a:bodyPr>
-          <a:lstStyle/>
-          <a:p>
-            <a:r>
-              <a:rPr lang="en-GB" b="1" dirty="0" err="1"/>
-              <a:t>Demis</a:t>
-            </a:r>
-            <a:r>
-              <a:rPr lang="en-GB" dirty="0"/>
-              <a:t> </a:t>
-            </a:r>
-            <a:r>
-              <a:rPr lang="en-GB" b="1" dirty="0">
-                <a:solidFill>
-                  <a:schemeClr val="accent2">
-                    <a:lumMod val="50000"/>
-                  </a:schemeClr>
-                </a:solidFill>
-              </a:rPr>
-              <a:t>Hassabis</a:t>
-            </a:r>
-            <a:r>
-              <a:rPr lang="en-GB" dirty="0"/>
-              <a:t>: Co-founder of </a:t>
-            </a:r>
-            <a:r>
-              <a:rPr lang="en-GB" b="1" dirty="0">
-                <a:solidFill>
-                  <a:schemeClr val="accent2">
-                    <a:lumMod val="50000"/>
-                  </a:schemeClr>
-                </a:solidFill>
-              </a:rPr>
-              <a:t>DeepMind</a:t>
-            </a:r>
-            <a:r>
-              <a:rPr lang="en-GB" dirty="0"/>
-              <a:t>, </a:t>
-            </a:r>
-            <a:r>
-              <a:rPr lang="en-GB" b="1" dirty="0">
-                <a:solidFill>
-                  <a:schemeClr val="accent2">
-                    <a:lumMod val="50000"/>
-                  </a:schemeClr>
-                </a:solidFill>
-              </a:rPr>
-              <a:t>AlphaGo</a:t>
-            </a:r>
-            <a:r>
-              <a:rPr lang="en-GB" dirty="0"/>
-              <a:t>. Several contributions in </a:t>
-            </a:r>
-            <a:r>
-              <a:rPr lang="en-GB" b="1" dirty="0"/>
-              <a:t>Reinforcement</a:t>
-            </a:r>
-            <a:r>
-              <a:rPr lang="en-GB" dirty="0"/>
-              <a:t> </a:t>
-            </a:r>
-            <a:r>
-              <a:rPr lang="en-GB" b="1" dirty="0"/>
-              <a:t>Learning</a:t>
-            </a:r>
-            <a:r>
-              <a:rPr lang="en-GB" dirty="0"/>
-              <a:t>.</a:t>
-            </a:r>
-            <a:br>
-              <a:rPr lang="en-GB" dirty="0"/>
-            </a:br>
-            <a:r>
-              <a:rPr lang="en-GB" dirty="0">
-                <a:hlinkClick r:id="rId2"/>
-              </a:rPr>
-              <a:t>https://scholar.google.com/citations?hl=en&amp;user=dYpPMQEAAAAJ</a:t>
-            </a:r>
-            <a:endParaRPr lang="en-GB" dirty="0"/>
-          </a:p>
-          <a:p>
-            <a:r>
-              <a:rPr lang="en-GB" b="1" dirty="0"/>
-              <a:t>Alex</a:t>
-            </a:r>
-            <a:r>
-              <a:rPr lang="en-GB" dirty="0"/>
-              <a:t> </a:t>
-            </a:r>
-            <a:r>
-              <a:rPr lang="en-GB" b="1" dirty="0">
-                <a:solidFill>
-                  <a:schemeClr val="accent2">
-                    <a:lumMod val="50000"/>
-                  </a:schemeClr>
-                </a:solidFill>
-              </a:rPr>
-              <a:t>Graves</a:t>
-            </a:r>
-            <a:r>
-              <a:rPr lang="en-GB" dirty="0"/>
-              <a:t>: </a:t>
-            </a:r>
-            <a:r>
-              <a:rPr lang="en-GB" b="1" dirty="0"/>
-              <a:t>Professor</a:t>
-            </a:r>
-            <a:r>
-              <a:rPr lang="en-GB" dirty="0"/>
-              <a:t> at </a:t>
-            </a:r>
-            <a:r>
-              <a:rPr lang="en-GB" b="1" dirty="0"/>
-              <a:t>University</a:t>
-            </a:r>
-            <a:r>
-              <a:rPr lang="en-GB" dirty="0"/>
-              <a:t> </a:t>
-            </a:r>
-            <a:r>
-              <a:rPr lang="en-GB" b="1" dirty="0"/>
-              <a:t>of</a:t>
-            </a:r>
-            <a:r>
-              <a:rPr lang="en-GB" dirty="0"/>
-              <a:t> </a:t>
-            </a:r>
-            <a:r>
-              <a:rPr lang="en-GB" b="1" dirty="0"/>
-              <a:t>Toronto</a:t>
-            </a:r>
-            <a:r>
-              <a:rPr lang="en-GB" dirty="0"/>
-              <a:t>. Several contributions in </a:t>
-            </a:r>
-            <a:r>
-              <a:rPr lang="en-GB" b="1" dirty="0"/>
-              <a:t>Reinforcement</a:t>
-            </a:r>
-            <a:r>
-              <a:rPr lang="en-GB" dirty="0"/>
-              <a:t> </a:t>
-            </a:r>
-            <a:r>
-              <a:rPr lang="en-GB" b="1" dirty="0"/>
-              <a:t>Learning</a:t>
-            </a:r>
-            <a:r>
-              <a:rPr lang="en-GB" dirty="0"/>
-              <a:t>. </a:t>
-            </a:r>
-            <a:r>
-              <a:rPr lang="en-GB" dirty="0">
-                <a:hlinkClick r:id="rId3"/>
-              </a:rPr>
-              <a:t>https://scholar.google.co.uk/citations?user=DaFHynwAAAAJ&amp;hl=en</a:t>
-            </a:r>
-            <a:endParaRPr lang="en-GB" dirty="0"/>
-          </a:p>
-          <a:p>
-            <a:r>
-              <a:rPr lang="en-GB" b="1" dirty="0"/>
-              <a:t>Michael</a:t>
-            </a:r>
-            <a:r>
-              <a:rPr lang="en-GB" dirty="0"/>
-              <a:t> </a:t>
-            </a:r>
-            <a:r>
-              <a:rPr lang="en-GB" b="1" dirty="0"/>
-              <a:t>I.</a:t>
-            </a:r>
-            <a:r>
-              <a:rPr lang="en-GB" dirty="0"/>
-              <a:t> </a:t>
-            </a:r>
-            <a:r>
-              <a:rPr lang="en-GB" b="1" dirty="0">
-                <a:solidFill>
-                  <a:schemeClr val="accent2">
-                    <a:lumMod val="50000"/>
-                  </a:schemeClr>
-                </a:solidFill>
-              </a:rPr>
-              <a:t>Jordan</a:t>
-            </a:r>
-            <a:r>
-              <a:rPr lang="en-GB" dirty="0"/>
-              <a:t>: Professor at </a:t>
-            </a:r>
-            <a:r>
-              <a:rPr lang="en-GB" b="1" dirty="0"/>
-              <a:t>UC Berkeley</a:t>
-            </a:r>
-            <a:r>
-              <a:rPr lang="en-GB" dirty="0"/>
-              <a:t>, co-inventor of LDA.</a:t>
-            </a:r>
-            <a:br>
-              <a:rPr lang="en-GB" dirty="0"/>
-            </a:br>
-            <a:r>
-              <a:rPr lang="en-GB" dirty="0">
-                <a:hlinkClick r:id="rId4"/>
-              </a:rPr>
-              <a:t>https://scholar.google.com/citations?user=yxUduqMAAAAJ&amp;hl=fr</a:t>
-            </a:r>
-            <a:endParaRPr lang="en-GB" dirty="0"/>
-          </a:p>
-          <a:p>
-            <a:r>
-              <a:rPr lang="en-GB" b="1" dirty="0"/>
-              <a:t>Terrence</a:t>
-            </a:r>
-            <a:r>
-              <a:rPr lang="en-GB" dirty="0"/>
-              <a:t> </a:t>
-            </a:r>
-            <a:r>
-              <a:rPr lang="en-GB" b="1" dirty="0" err="1">
-                <a:solidFill>
-                  <a:schemeClr val="accent2">
-                    <a:lumMod val="50000"/>
-                  </a:schemeClr>
-                </a:solidFill>
-              </a:rPr>
-              <a:t>Sejnowski</a:t>
-            </a:r>
-            <a:r>
-              <a:rPr lang="en-GB" dirty="0"/>
-              <a:t>: </a:t>
-            </a:r>
-            <a:r>
-              <a:rPr lang="en-GB" b="1" dirty="0"/>
-              <a:t>Professor</a:t>
-            </a:r>
-            <a:r>
-              <a:rPr lang="en-GB" dirty="0"/>
-              <a:t> at </a:t>
-            </a:r>
-            <a:r>
-              <a:rPr lang="en-GB" b="1" dirty="0"/>
-              <a:t>UC</a:t>
-            </a:r>
-            <a:r>
-              <a:rPr lang="en-GB" dirty="0"/>
-              <a:t> </a:t>
-            </a:r>
-            <a:r>
-              <a:rPr lang="en-GB" b="1" dirty="0"/>
-              <a:t>San</a:t>
-            </a:r>
-            <a:r>
-              <a:rPr lang="en-GB" dirty="0"/>
-              <a:t> </a:t>
-            </a:r>
-            <a:r>
-              <a:rPr lang="en-GB" b="1" dirty="0"/>
-              <a:t>Diego</a:t>
-            </a:r>
-            <a:r>
-              <a:rPr lang="en-GB" dirty="0"/>
-              <a:t>, </a:t>
-            </a:r>
-            <a:r>
-              <a:rPr lang="en-GB" b="1" dirty="0">
-                <a:solidFill>
-                  <a:schemeClr val="accent2">
-                    <a:lumMod val="50000"/>
-                  </a:schemeClr>
-                </a:solidFill>
-              </a:rPr>
-              <a:t>Boltzmann</a:t>
-            </a:r>
-            <a:r>
-              <a:rPr lang="en-GB" dirty="0"/>
-              <a:t> </a:t>
-            </a:r>
-            <a:r>
-              <a:rPr lang="en-GB" b="1" dirty="0">
-                <a:solidFill>
-                  <a:schemeClr val="accent2">
-                    <a:lumMod val="50000"/>
-                  </a:schemeClr>
-                </a:solidFill>
-              </a:rPr>
-              <a:t>machines</a:t>
-            </a:r>
-            <a:r>
-              <a:rPr lang="en-GB" dirty="0"/>
-              <a:t>. </a:t>
-            </a:r>
-            <a:r>
-              <a:rPr lang="en-US" dirty="0">
-                <a:hlinkClick r:id="rId5"/>
-              </a:rPr>
-              <a:t>https://scholar.google.ca/citations?user=m1qAiOUAAAAJ&amp;hl=en</a:t>
-            </a:r>
-            <a:endParaRPr lang="en-US" dirty="0"/>
-          </a:p>
-        </p:txBody>
-      </p:sp>
-    </p:spTree>
-    <p:extLst>
-      <p:ext uri="{BB962C8B-B14F-4D97-AF65-F5344CB8AC3E}">
-        <p14:creationId xmlns:p14="http://schemas.microsoft.com/office/powerpoint/2010/main" val="3044459727"/>
-      </p:ext>
-    </p:extLst>
-  </p:cSld>
-  <p:clrMapOvr>
-    <a:masterClrMapping/>
-  </p:clrMapOvr>
-</p:sld>
-</file>
-
-<file path=ppt/slides/slide24.xml><?xml version="1.0" encoding="utf-8"?>
-<p:sld xmlns:a="http://schemas.openxmlformats.org/drawingml/2006/main" xmlns:r="http://schemas.openxmlformats.org/officeDocument/2006/relationships" xmlns:p="http://schemas.openxmlformats.org/presentationml/2006/main">
-  <p:cSld>
-    <p:spTree>
-      <p:nvGrpSpPr>
-        <p:cNvPr id="1" name=""/>
-        <p:cNvGrpSpPr/>
-        <p:nvPr/>
-      </p:nvGrpSpPr>
-      <p:grpSpPr>
-        <a:xfrm>
-          <a:off x="0" y="0"/>
-          <a:ext cx="0" cy="0"/>
-          <a:chOff x="0" y="0"/>
-          <a:chExt cx="0" cy="0"/>
-        </a:xfrm>
-      </p:grpSpPr>
-      <p:sp>
-        <p:nvSpPr>
-          <p:cNvPr id="4" name="Title 3">
-            <a:extLst>
-              <a:ext uri="{FF2B5EF4-FFF2-40B4-BE49-F238E27FC236}">
-                <a16:creationId xmlns:a16="http://schemas.microsoft.com/office/drawing/2014/main" id="{1715EAD9-59BF-46C0-9089-6E366691CAE9}"/>
-              </a:ext>
-            </a:extLst>
-          </p:cNvPr>
-          <p:cNvSpPr>
-            <a:spLocks noGrp="1"/>
-          </p:cNvSpPr>
-          <p:nvPr>
-            <p:ph type="title"/>
-          </p:nvPr>
-        </p:nvSpPr>
-        <p:spPr/>
-        <p:txBody>
-          <a:bodyPr/>
-          <a:lstStyle/>
-          <a:p>
-            <a:r>
-              <a:rPr lang="en-US" dirty="0"/>
-              <a:t>Add these researchers, companies and research </a:t>
-            </a:r>
-            <a:r>
-              <a:rPr lang="en-US" dirty="0" err="1"/>
-              <a:t>groupes</a:t>
-            </a:r>
-            <a:r>
-              <a:rPr lang="en-US" dirty="0"/>
-              <a:t> to your watchlist</a:t>
-            </a:r>
-            <a:endParaRPr lang="en-GB" dirty="0"/>
-          </a:p>
-        </p:txBody>
-      </p:sp>
-      <p:sp>
-        <p:nvSpPr>
-          <p:cNvPr id="5" name="Content Placeholder 4">
-            <a:extLst>
-              <a:ext uri="{FF2B5EF4-FFF2-40B4-BE49-F238E27FC236}">
-                <a16:creationId xmlns:a16="http://schemas.microsoft.com/office/drawing/2014/main" id="{279FF99D-84CB-436E-9373-43EB3F28720A}"/>
-              </a:ext>
-            </a:extLst>
-          </p:cNvPr>
-          <p:cNvSpPr>
-            <a:spLocks noGrp="1"/>
-          </p:cNvSpPr>
-          <p:nvPr>
-            <p:ph idx="1"/>
-          </p:nvPr>
-        </p:nvSpPr>
-        <p:spPr/>
-        <p:txBody>
-          <a:bodyPr>
-            <a:normAutofit/>
-          </a:bodyPr>
-          <a:lstStyle/>
-          <a:p>
-            <a:r>
-              <a:rPr lang="en-GB" b="1" dirty="0"/>
-              <a:t>Peter</a:t>
-            </a:r>
-            <a:r>
-              <a:rPr lang="en-GB" dirty="0"/>
-              <a:t> </a:t>
-            </a:r>
-            <a:r>
-              <a:rPr lang="en-GB" b="1" dirty="0">
-                <a:solidFill>
-                  <a:schemeClr val="accent2">
-                    <a:lumMod val="50000"/>
-                  </a:schemeClr>
-                </a:solidFill>
-              </a:rPr>
-              <a:t>Norvig</a:t>
-            </a:r>
-            <a:r>
-              <a:rPr lang="en-GB" dirty="0"/>
-              <a:t>: </a:t>
-            </a:r>
-            <a:r>
-              <a:rPr lang="en-GB" b="1" dirty="0"/>
-              <a:t>Director</a:t>
-            </a:r>
-            <a:r>
-              <a:rPr lang="en-GB" dirty="0"/>
-              <a:t> </a:t>
-            </a:r>
-            <a:r>
-              <a:rPr lang="en-GB" b="1" dirty="0"/>
-              <a:t>of</a:t>
-            </a:r>
-            <a:r>
-              <a:rPr lang="en-GB" dirty="0"/>
-              <a:t> </a:t>
-            </a:r>
-            <a:r>
-              <a:rPr lang="en-GB" b="1" dirty="0"/>
-              <a:t>Research</a:t>
-            </a:r>
-            <a:r>
-              <a:rPr lang="en-GB" dirty="0"/>
-              <a:t> at </a:t>
-            </a:r>
-            <a:r>
-              <a:rPr lang="en-GB" b="1" dirty="0"/>
-              <a:t>Google</a:t>
-            </a:r>
-            <a:r>
-              <a:rPr lang="en-GB" dirty="0"/>
-              <a:t>, co-author of the other Bible of Deep Learning</a:t>
-            </a:r>
-            <a:br>
-              <a:rPr lang="en-GB" dirty="0"/>
-            </a:br>
-            <a:r>
-              <a:rPr lang="en-GB" dirty="0">
-                <a:hlinkClick r:id="rId2"/>
-              </a:rPr>
-              <a:t>https://scholar.google.com/citations?user=Ol0vcWgAAAAJ&amp;hl=en</a:t>
-            </a:r>
-            <a:br>
-              <a:rPr lang="en-GB" dirty="0"/>
-            </a:br>
-            <a:r>
-              <a:rPr lang="en-GB" dirty="0">
-                <a:hlinkClick r:id="rId3"/>
-              </a:rPr>
-              <a:t>http://aima.cs.berkeley.edu/</a:t>
-            </a:r>
-            <a:endParaRPr lang="en-GB" dirty="0"/>
-          </a:p>
-          <a:p>
-            <a:r>
-              <a:rPr lang="en-GB" b="1" dirty="0"/>
-              <a:t>Stuart</a:t>
-            </a:r>
-            <a:r>
-              <a:rPr lang="en-GB" dirty="0"/>
-              <a:t> </a:t>
-            </a:r>
-            <a:r>
-              <a:rPr lang="en-GB" b="1" dirty="0">
-                <a:solidFill>
-                  <a:schemeClr val="accent2">
-                    <a:lumMod val="50000"/>
-                  </a:schemeClr>
-                </a:solidFill>
-              </a:rPr>
-              <a:t>Russell</a:t>
-            </a:r>
-            <a:r>
-              <a:rPr lang="en-GB" dirty="0"/>
-              <a:t>: </a:t>
-            </a:r>
-            <a:r>
-              <a:rPr lang="en-GB" b="1" dirty="0"/>
-              <a:t>Professor</a:t>
-            </a:r>
-            <a:r>
-              <a:rPr lang="en-GB" dirty="0"/>
-              <a:t> at </a:t>
-            </a:r>
-            <a:r>
-              <a:rPr lang="en-GB" b="1" dirty="0"/>
-              <a:t>UC</a:t>
-            </a:r>
-            <a:r>
-              <a:rPr lang="en-GB" dirty="0"/>
-              <a:t> </a:t>
-            </a:r>
-            <a:r>
-              <a:rPr lang="en-GB" b="1" dirty="0"/>
-              <a:t>Berkely</a:t>
-            </a:r>
-            <a:r>
-              <a:rPr lang="en-GB" dirty="0"/>
-              <a:t>, co-author of the other Bible of Deep Learning</a:t>
-            </a:r>
-            <a:br>
-              <a:rPr lang="en-GB" dirty="0"/>
-            </a:br>
-            <a:r>
-              <a:rPr lang="en-GB" dirty="0">
-                <a:hlinkClick r:id="rId4"/>
-              </a:rPr>
-              <a:t>https://scholar.google.com/citations?user=2oy3OXYAAAAJ&amp;hl=en</a:t>
-            </a:r>
-            <a:endParaRPr lang="en-GB" dirty="0"/>
-          </a:p>
-          <a:p>
-            <a:r>
-              <a:rPr lang="en-GB" b="1" dirty="0"/>
-              <a:t>Francois</a:t>
-            </a:r>
-            <a:r>
-              <a:rPr lang="en-GB" dirty="0"/>
-              <a:t> </a:t>
-            </a:r>
-            <a:r>
-              <a:rPr lang="en-GB" b="1" dirty="0">
-                <a:solidFill>
-                  <a:schemeClr val="accent2">
-                    <a:lumMod val="50000"/>
-                  </a:schemeClr>
-                </a:solidFill>
-              </a:rPr>
-              <a:t>Chollet</a:t>
-            </a:r>
-            <a:r>
-              <a:rPr lang="en-GB" dirty="0"/>
-              <a:t>: </a:t>
-            </a:r>
-            <a:r>
-              <a:rPr lang="en-GB" b="1" dirty="0"/>
-              <a:t>Researcher</a:t>
-            </a:r>
-            <a:r>
-              <a:rPr lang="en-GB" dirty="0"/>
-              <a:t> at </a:t>
-            </a:r>
-            <a:r>
-              <a:rPr lang="en-GB" b="1" dirty="0"/>
-              <a:t>Google</a:t>
-            </a:r>
-            <a:r>
-              <a:rPr lang="en-GB" dirty="0"/>
-              <a:t>. The man behind the </a:t>
-            </a:r>
-            <a:r>
-              <a:rPr lang="en-GB" b="1" dirty="0" err="1">
-                <a:solidFill>
-                  <a:schemeClr val="accent2">
-                    <a:lumMod val="50000"/>
-                  </a:schemeClr>
-                </a:solidFill>
-              </a:rPr>
-              <a:t>Keras</a:t>
-            </a:r>
-            <a:r>
-              <a:rPr lang="en-GB" dirty="0"/>
-              <a:t> framework and </a:t>
-            </a:r>
-            <a:r>
-              <a:rPr lang="en-GB" b="1" dirty="0" err="1"/>
-              <a:t>Xception</a:t>
-            </a:r>
-            <a:r>
-              <a:rPr lang="en-GB" dirty="0"/>
-              <a:t>.</a:t>
-            </a:r>
-            <a:br>
-              <a:rPr lang="en-GB" dirty="0"/>
-            </a:br>
-            <a:r>
-              <a:rPr lang="en-GB" dirty="0">
-                <a:hlinkClick r:id="rId5"/>
-              </a:rPr>
-              <a:t>https://scholar.google.com/citations?user=VfYhf2wAAAAJ&amp;hl=en</a:t>
-            </a:r>
-            <a:endParaRPr lang="en-GB" dirty="0"/>
-          </a:p>
-          <a:p>
-            <a:endParaRPr lang="en-GB" dirty="0"/>
-          </a:p>
-          <a:p>
-            <a:endParaRPr lang="en-US" dirty="0"/>
-          </a:p>
-          <a:p>
-            <a:endParaRPr lang="en-US" dirty="0"/>
-          </a:p>
-          <a:p>
-            <a:endParaRPr lang="en-US" dirty="0"/>
-          </a:p>
-          <a:p>
-            <a:endParaRPr lang="en-GB" dirty="0"/>
-          </a:p>
-        </p:txBody>
-      </p:sp>
-    </p:spTree>
-    <p:extLst>
-      <p:ext uri="{BB962C8B-B14F-4D97-AF65-F5344CB8AC3E}">
-        <p14:creationId xmlns:p14="http://schemas.microsoft.com/office/powerpoint/2010/main" val="213952004"/>
-      </p:ext>
-    </p:extLst>
-  </p:cSld>
-  <p:clrMapOvr>
-    <a:masterClrMapping/>
-  </p:clrMapOvr>
-</p:sld>
-</file>
-
-<file path=ppt/slides/slide25.xml><?xml version="1.0" encoding="utf-8"?>
-<p:sld xmlns:a="http://schemas.openxmlformats.org/drawingml/2006/main" xmlns:r="http://schemas.openxmlformats.org/officeDocument/2006/relationships" xmlns:p="http://schemas.openxmlformats.org/presentationml/2006/main">
-  <p:cSld>
-    <p:spTree>
-      <p:nvGrpSpPr>
-        <p:cNvPr id="1" name=""/>
-        <p:cNvGrpSpPr/>
-        <p:nvPr/>
-      </p:nvGrpSpPr>
-      <p:grpSpPr>
-        <a:xfrm>
-          <a:off x="0" y="0"/>
-          <a:ext cx="0" cy="0"/>
-          <a:chOff x="0" y="0"/>
-          <a:chExt cx="0" cy="0"/>
-        </a:xfrm>
-      </p:grpSpPr>
-      <p:sp>
-        <p:nvSpPr>
-          <p:cNvPr id="4" name="Title 3">
-            <a:extLst>
-              <a:ext uri="{FF2B5EF4-FFF2-40B4-BE49-F238E27FC236}">
-                <a16:creationId xmlns:a16="http://schemas.microsoft.com/office/drawing/2014/main" id="{1715EAD9-59BF-46C0-9089-6E366691CAE9}"/>
-              </a:ext>
-            </a:extLst>
-          </p:cNvPr>
-          <p:cNvSpPr>
-            <a:spLocks noGrp="1"/>
-          </p:cNvSpPr>
-          <p:nvPr>
-            <p:ph type="title"/>
-          </p:nvPr>
-        </p:nvSpPr>
-        <p:spPr/>
-        <p:txBody>
-          <a:bodyPr/>
-          <a:lstStyle/>
-          <a:p>
-            <a:r>
-              <a:rPr lang="en-US" dirty="0"/>
-              <a:t>Add these researchers, companies and research </a:t>
-            </a:r>
-            <a:r>
-              <a:rPr lang="en-US" dirty="0" err="1"/>
-              <a:t>groupes</a:t>
-            </a:r>
-            <a:r>
-              <a:rPr lang="en-US" dirty="0"/>
-              <a:t> to your watchlist</a:t>
-            </a:r>
-            <a:endParaRPr lang="en-GB" dirty="0"/>
-          </a:p>
-        </p:txBody>
-      </p:sp>
-      <p:sp>
-        <p:nvSpPr>
-          <p:cNvPr id="5" name="Content Placeholder 4">
-            <a:extLst>
-              <a:ext uri="{FF2B5EF4-FFF2-40B4-BE49-F238E27FC236}">
-                <a16:creationId xmlns:a16="http://schemas.microsoft.com/office/drawing/2014/main" id="{279FF99D-84CB-436E-9373-43EB3F28720A}"/>
-              </a:ext>
-            </a:extLst>
-          </p:cNvPr>
-          <p:cNvSpPr>
-            <a:spLocks noGrp="1"/>
-          </p:cNvSpPr>
-          <p:nvPr>
-            <p:ph idx="1"/>
-          </p:nvPr>
-        </p:nvSpPr>
-        <p:spPr>
-          <a:xfrm>
-            <a:off x="838200" y="1825624"/>
-            <a:ext cx="10515600" cy="5032375"/>
-          </a:xfrm>
-        </p:spPr>
-        <p:txBody>
-          <a:bodyPr>
-            <a:normAutofit/>
-          </a:bodyPr>
-          <a:lstStyle/>
-          <a:p>
-            <a:r>
-              <a:rPr lang="en-US" b="1" dirty="0"/>
-              <a:t>Trevor </a:t>
-            </a:r>
-            <a:r>
-              <a:rPr lang="en-US" b="1" dirty="0">
-                <a:solidFill>
-                  <a:schemeClr val="accent2">
-                    <a:lumMod val="50000"/>
-                  </a:schemeClr>
-                </a:solidFill>
-              </a:rPr>
-              <a:t>Hastie</a:t>
-            </a:r>
-            <a:r>
-              <a:rPr lang="en-US" dirty="0"/>
-              <a:t>: </a:t>
-            </a:r>
-            <a:r>
-              <a:rPr lang="en-US" b="1" dirty="0"/>
-              <a:t>Professor</a:t>
-            </a:r>
-            <a:r>
-              <a:rPr lang="en-US" dirty="0"/>
-              <a:t> at </a:t>
-            </a:r>
-            <a:r>
-              <a:rPr lang="en-US" b="1" dirty="0"/>
-              <a:t>Stanford</a:t>
-            </a:r>
-            <a:r>
-              <a:rPr lang="en-US" dirty="0"/>
-              <a:t>, co-</a:t>
-            </a:r>
-            <a:r>
-              <a:rPr lang="en-US" dirty="0" err="1"/>
-              <a:t>autor</a:t>
-            </a:r>
-            <a:r>
-              <a:rPr lang="en-US" dirty="0"/>
-              <a:t> of the Bible of Statistical Learning.</a:t>
-            </a:r>
-            <a:br>
-              <a:rPr lang="en-US" dirty="0"/>
-            </a:br>
-            <a:r>
-              <a:rPr lang="en-US" dirty="0">
-                <a:hlinkClick r:id="rId2"/>
-              </a:rPr>
-              <a:t>https://scholar.google.ca/citations?user=tQVe-fAAAAAJ&amp;hl=en</a:t>
-            </a:r>
-            <a:br>
-              <a:rPr lang="en-US" dirty="0"/>
-            </a:br>
-            <a:r>
-              <a:rPr lang="en-US" dirty="0">
-                <a:hlinkClick r:id="rId3"/>
-              </a:rPr>
-              <a:t>https://hastie.su.domains/ElemStatLearn/download.html</a:t>
-            </a:r>
-            <a:endParaRPr lang="en-US" dirty="0"/>
-          </a:p>
-          <a:p>
-            <a:r>
-              <a:rPr lang="en-GB" b="1" dirty="0"/>
-              <a:t>Robert</a:t>
-            </a:r>
-            <a:r>
-              <a:rPr lang="en-GB" dirty="0"/>
-              <a:t> </a:t>
-            </a:r>
-            <a:r>
-              <a:rPr lang="en-GB" b="1" dirty="0" err="1">
-                <a:solidFill>
-                  <a:schemeClr val="accent2">
-                    <a:lumMod val="50000"/>
-                  </a:schemeClr>
-                </a:solidFill>
-              </a:rPr>
-              <a:t>Tibshirani</a:t>
-            </a:r>
-            <a:r>
-              <a:rPr lang="en-US" dirty="0"/>
-              <a:t>: </a:t>
-            </a:r>
-            <a:r>
-              <a:rPr lang="en-US" b="1" dirty="0"/>
-              <a:t>Professor</a:t>
-            </a:r>
-            <a:r>
-              <a:rPr lang="en-US" dirty="0"/>
-              <a:t> at </a:t>
-            </a:r>
-            <a:r>
-              <a:rPr lang="en-US" b="1" dirty="0"/>
-              <a:t>Stanford</a:t>
-            </a:r>
-            <a:r>
-              <a:rPr lang="en-US" dirty="0"/>
-              <a:t>, co-</a:t>
-            </a:r>
-            <a:r>
-              <a:rPr lang="en-US" dirty="0" err="1"/>
-              <a:t>autor</a:t>
-            </a:r>
-            <a:r>
-              <a:rPr lang="en-US" dirty="0"/>
-              <a:t> of the Bible of Statistical Learning. Inventor of the LASSO algorithm.</a:t>
-            </a:r>
-            <a:br>
-              <a:rPr lang="en-US" dirty="0"/>
-            </a:br>
-            <a:r>
-              <a:rPr lang="en-US" dirty="0">
-                <a:hlinkClick r:id="rId4"/>
-              </a:rPr>
-              <a:t>https://scholar.google.ca/citations?user=ZpG_cJwAAAAJ&amp;hl=en</a:t>
-            </a:r>
-            <a:endParaRPr lang="en-US" dirty="0"/>
-          </a:p>
-          <a:p>
-            <a:r>
-              <a:rPr lang="en-GB" b="1" dirty="0"/>
-              <a:t>Vladimir </a:t>
-            </a:r>
-            <a:r>
-              <a:rPr lang="en-GB" b="1" dirty="0" err="1">
-                <a:solidFill>
-                  <a:schemeClr val="accent2">
-                    <a:lumMod val="50000"/>
-                  </a:schemeClr>
-                </a:solidFill>
-              </a:rPr>
-              <a:t>Vapnik</a:t>
-            </a:r>
-            <a:r>
-              <a:rPr lang="en-GB" b="1" dirty="0"/>
-              <a:t>: Retired Professor</a:t>
-            </a:r>
-            <a:r>
-              <a:rPr lang="en-GB" dirty="0"/>
-              <a:t>, inventor of </a:t>
-            </a:r>
-            <a:r>
-              <a:rPr lang="en-GB" b="1" dirty="0"/>
-              <a:t>SVMs</a:t>
-            </a:r>
-            <a:r>
-              <a:rPr lang="en-GB" dirty="0"/>
-              <a:t> and many other concepts. Worked with </a:t>
-            </a:r>
-            <a:r>
-              <a:rPr lang="en-GB" b="1" dirty="0"/>
-              <a:t>Yann</a:t>
-            </a:r>
-            <a:r>
-              <a:rPr lang="en-GB" dirty="0"/>
-              <a:t> </a:t>
-            </a:r>
-            <a:r>
-              <a:rPr lang="en-GB" b="1" dirty="0" err="1">
-                <a:solidFill>
-                  <a:schemeClr val="accent2">
-                    <a:lumMod val="50000"/>
-                  </a:schemeClr>
-                </a:solidFill>
-              </a:rPr>
-              <a:t>LeCun</a:t>
-            </a:r>
-            <a:r>
-              <a:rPr lang="en-GB" dirty="0"/>
-              <a:t> at </a:t>
-            </a:r>
-            <a:r>
-              <a:rPr lang="en-GB" b="1" dirty="0">
-                <a:solidFill>
-                  <a:schemeClr val="accent2">
-                    <a:lumMod val="50000"/>
-                  </a:schemeClr>
-                </a:solidFill>
-              </a:rPr>
-              <a:t>Facebook</a:t>
-            </a:r>
-            <a:r>
-              <a:rPr lang="en-GB" b="1" dirty="0"/>
-              <a:t> </a:t>
-            </a:r>
-            <a:r>
-              <a:rPr lang="en-GB" b="1" dirty="0">
-                <a:solidFill>
-                  <a:schemeClr val="accent2">
-                    <a:lumMod val="50000"/>
-                  </a:schemeClr>
-                </a:solidFill>
-              </a:rPr>
-              <a:t>AI</a:t>
-            </a:r>
-            <a:r>
-              <a:rPr lang="en-GB" dirty="0"/>
-              <a:t>.</a:t>
-            </a:r>
-            <a:br>
-              <a:rPr lang="en-GB" dirty="0"/>
-            </a:br>
-            <a:r>
-              <a:rPr lang="en-US" dirty="0">
-                <a:hlinkClick r:id="rId5"/>
-              </a:rPr>
-              <a:t>https://scholar.google.com/citations?user=vtegaJgAAAAJ&amp;hl=fr</a:t>
-            </a:r>
-            <a:endParaRPr lang="en-US" dirty="0"/>
-          </a:p>
-          <a:p>
-            <a:endParaRPr lang="en-US" dirty="0"/>
-          </a:p>
-          <a:p>
-            <a:endParaRPr lang="en-US" dirty="0"/>
-          </a:p>
-          <a:p>
-            <a:endParaRPr lang="en-GB" dirty="0"/>
-          </a:p>
-        </p:txBody>
-      </p:sp>
-    </p:spTree>
-    <p:extLst>
-      <p:ext uri="{BB962C8B-B14F-4D97-AF65-F5344CB8AC3E}">
-        <p14:creationId xmlns:p14="http://schemas.microsoft.com/office/powerpoint/2010/main" val="1934179735"/>
-      </p:ext>
-    </p:extLst>
-  </p:cSld>
-  <p:clrMapOvr>
-    <a:masterClrMapping/>
-  </p:clrMapOvr>
-</p:sld>
-</file>
-
 <file path=ppt/slides/slide26.xml><?xml version="1.0" encoding="utf-8"?>
 <p:sld xmlns:a="http://schemas.openxmlformats.org/drawingml/2006/main" xmlns:r="http://schemas.openxmlformats.org/officeDocument/2006/relationships" xmlns:p="http://schemas.openxmlformats.org/presentationml/2006/main">
   <p:cSld>
@@ -7902,13 +7871,13 @@
         </p:spPr>
         <p:txBody>
           <a:bodyPr>
-            <a:normAutofit lnSpcReduction="10000"/>
+            <a:noAutofit/>
           </a:bodyPr>
           <a:lstStyle/>
           <a:p>
             <a:r>
-              <a:rPr lang="en-GB" b="1" dirty="0"/>
-              <a:t>Fred</a:t>
+              <a:rPr lang="en-GB" b="1" dirty="0" err="1"/>
+              <a:t>Demis</a:t>
             </a:r>
             <a:r>
               <a:rPr lang="en-GB" dirty="0"/>
@@ -7922,55 +7891,51 @@
                   </a:schemeClr>
                 </a:solidFill>
               </a:rPr>
-              <a:t>Cummins</a:t>
-            </a:r>
-            <a:r>
-              <a:rPr lang="en-GB" dirty="0"/>
-              <a:t>: </a:t>
+              <a:t>Hassabis</a:t>
+            </a:r>
+            <a:r>
+              <a:rPr lang="en-GB" dirty="0"/>
+              <a:t>: Co-founder of </a:t>
+            </a:r>
+            <a:r>
+              <a:rPr lang="en-GB" b="1" dirty="0">
+                <a:solidFill>
+                  <a:schemeClr val="accent2">
+                    <a:lumMod val="50000"/>
+                  </a:schemeClr>
+                </a:solidFill>
+              </a:rPr>
+              <a:t>DeepMind</a:t>
+            </a:r>
+            <a:r>
+              <a:rPr lang="en-GB" dirty="0"/>
+              <a:t>, </a:t>
+            </a:r>
+            <a:r>
+              <a:rPr lang="en-GB" b="1" dirty="0">
+                <a:solidFill>
+                  <a:schemeClr val="accent2">
+                    <a:lumMod val="50000"/>
+                  </a:schemeClr>
+                </a:solidFill>
+              </a:rPr>
+              <a:t>AlphaGo</a:t>
+            </a:r>
+            <a:r>
+              <a:rPr lang="en-GB" dirty="0"/>
+              <a:t>. Several contributions in </a:t>
             </a:r>
             <a:r>
               <a:rPr lang="en-GB" b="1" dirty="0"/>
-              <a:t>Professor</a:t>
-            </a:r>
-            <a:r>
-              <a:rPr lang="en-GB" dirty="0"/>
-              <a:t> at </a:t>
+              <a:t>Reinforcement</a:t>
+            </a:r>
+            <a:r>
+              <a:rPr lang="en-GB" dirty="0"/>
+              <a:t> </a:t>
             </a:r>
             <a:r>
               <a:rPr lang="en-GB" b="1" dirty="0"/>
-              <a:t>University</a:t>
-            </a:r>
-            <a:r>
-              <a:rPr lang="en-GB" dirty="0"/>
-              <a:t> </a:t>
-            </a:r>
-            <a:r>
-              <a:rPr lang="en-GB" b="1" dirty="0"/>
-              <a:t>College</a:t>
-            </a:r>
-            <a:r>
-              <a:rPr lang="en-GB" dirty="0"/>
-              <a:t> </a:t>
-            </a:r>
-            <a:r>
-              <a:rPr lang="en-GB" b="1" dirty="0"/>
-              <a:t>Dublin</a:t>
-            </a:r>
-            <a:r>
-              <a:rPr lang="en-GB" dirty="0"/>
-              <a:t>, contributions to </a:t>
-            </a:r>
-            <a:r>
-              <a:rPr lang="en-GB" b="1" dirty="0"/>
-              <a:t>LSTMs</a:t>
-            </a:r>
-            <a:r>
-              <a:rPr lang="en-GB" dirty="0"/>
-              <a:t> and </a:t>
-            </a:r>
-            <a:r>
-              <a:rPr lang="en-GB" b="1" dirty="0"/>
-              <a:t>NLP</a:t>
+              <a:t>Learning</a:t>
             </a:r>
             <a:r>
               <a:rPr lang="en-GB" dirty="0"/>
@@ -7983,14 +7948,143 @@
               <a:rPr lang="en-GB" dirty="0">
                 <a:hlinkClick r:id="rId2"/>
               </a:rPr>
-              <a:t>https://scholar.google.com/citations?user=E-vg2zQAAAAJ&amp;hl=fr</a:t>
-            </a:r>
-            <a:endParaRPr lang="en-GB" b="1" dirty="0"/>
+              <a:t>https://scholar.google.com/citations?hl=en&amp;user=dYpPMQEAAAAJ</a:t>
+            </a:r>
+            <a:endParaRPr lang="en-GB" dirty="0"/>
           </a:p>
           <a:p>
             <a:r>
               <a:rPr lang="en-GB" b="1" dirty="0"/>
-              <a:t>Andrej</a:t>
+              <a:t>Alex</a:t>
+            </a:r>
+            <a:r>
+              <a:rPr lang="en-GB" dirty="0"/>
+              <a:t> </a:t>
+            </a:r>
+            <a:r>
+              <a:rPr lang="en-GB" b="1" dirty="0">
+                <a:solidFill>
+                  <a:schemeClr val="accent2">
+                    <a:lumMod val="50000"/>
+                  </a:schemeClr>
+                </a:solidFill>
+              </a:rPr>
+              <a:t>Graves</a:t>
+            </a:r>
+            <a:r>
+              <a:rPr lang="en-GB" dirty="0"/>
+              <a:t>: </a:t>
+            </a:r>
+            <a:r>
+              <a:rPr lang="en-GB" b="1" dirty="0"/>
+              <a:t>Professor</a:t>
+            </a:r>
+            <a:r>
+              <a:rPr lang="en-GB" dirty="0"/>
+              <a:t> at </a:t>
+            </a:r>
+            <a:r>
+              <a:rPr lang="en-GB" b="1" dirty="0"/>
+              <a:t>University</a:t>
+            </a:r>
+            <a:r>
+              <a:rPr lang="en-GB" dirty="0"/>
+              <a:t> </a:t>
+            </a:r>
+            <a:r>
+              <a:rPr lang="en-GB" b="1" dirty="0"/>
+              <a:t>of</a:t>
+            </a:r>
+            <a:r>
+              <a:rPr lang="en-GB" dirty="0"/>
+              <a:t> </a:t>
+            </a:r>
+            <a:r>
+              <a:rPr lang="en-GB" b="1" dirty="0"/>
+              <a:t>Toronto</a:t>
+            </a:r>
+            <a:r>
+              <a:rPr lang="en-GB" dirty="0"/>
+              <a:t>. Several contributions in </a:t>
+            </a:r>
+            <a:r>
+              <a:rPr lang="en-GB" b="1" dirty="0"/>
+              <a:t>Reinforcement</a:t>
+            </a:r>
+            <a:r>
+              <a:rPr lang="en-GB" dirty="0"/>
+              <a:t> </a:t>
+            </a:r>
+            <a:r>
+              <a:rPr lang="en-GB" b="1" dirty="0"/>
+              <a:t>Learning</a:t>
+            </a:r>
+            <a:r>
+              <a:rPr lang="en-GB" dirty="0"/>
+              <a:t>. </a:t>
+            </a:r>
+            <a:r>
+              <a:rPr lang="en-GB" dirty="0">
+                <a:hlinkClick r:id="rId3"/>
+              </a:rPr>
+              <a:t>https://scholar.google.co.uk/citations?user=DaFHynwAAAAJ&amp;hl=en</a:t>
+            </a:r>
+            <a:endParaRPr lang="en-GB" dirty="0"/>
+          </a:p>
+          <a:p>
+            <a:r>
+              <a:rPr lang="en-GB" b="1" dirty="0"/>
+              <a:t>Michael</a:t>
+            </a:r>
+            <a:r>
+              <a:rPr lang="en-GB" dirty="0"/>
+              <a:t> </a:t>
+            </a:r>
+            <a:r>
+              <a:rPr lang="en-GB" b="1" dirty="0"/>
+              <a:t>I.</a:t>
+            </a:r>
+            <a:r>
+              <a:rPr lang="en-GB" dirty="0"/>
+              <a:t> </a:t>
+            </a:r>
+            <a:r>
+              <a:rPr lang="en-GB" b="1" dirty="0">
+                <a:solidFill>
+                  <a:schemeClr val="accent2">
+                    <a:lumMod val="50000"/>
+                  </a:schemeClr>
+                </a:solidFill>
+              </a:rPr>
+              <a:t>Jordan</a:t>
+            </a:r>
+            <a:r>
+              <a:rPr lang="en-GB" dirty="0"/>
+              <a:t>: Professor at </a:t>
+            </a:r>
+            <a:r>
+              <a:rPr lang="en-GB" b="1" dirty="0"/>
+              <a:t>UC Berkeley</a:t>
+            </a:r>
+            <a:r>
+              <a:rPr lang="en-GB" dirty="0"/>
+              <a:t>, co-inventor of LDA.</a:t>
+            </a:r>
+            <a:br>
+              <a:rPr lang="en-GB" dirty="0"/>
+            </a:br>
+            <a:r>
+              <a:rPr lang="en-GB" dirty="0">
+                <a:hlinkClick r:id="rId4"/>
+              </a:rPr>
+              <a:t>https://scholar.google.com/citations?user=yxUduqMAAAAJ&amp;hl=fr</a:t>
+            </a:r>
+            <a:endParaRPr lang="en-GB" dirty="0"/>
+          </a:p>
+          <a:p>
+            <a:r>
+              <a:rPr lang="en-GB" b="1" dirty="0"/>
+              <a:t>Terrence</a:t>
             </a:r>
             <a:r>
               <a:rPr lang="en-GB" dirty="0"/>
@@ -8004,7 +8098,7 @@
                   </a:schemeClr>
                 </a:solidFill>
               </a:rPr>
-              <a:t>Karpathy</a:t>
+              <a:t>Sejnowski</a:t>
             </a:r>
             <a:r>
               <a:rPr lang="en-GB" dirty="0"/>
@@ -8012,7 +8106,15 @@
             </a:r>
             <a:r>
               <a:rPr lang="en-GB" b="1" dirty="0"/>
-              <a:t>Former</a:t>
+              <a:t>Professor</a:t>
+            </a:r>
+            <a:r>
+              <a:rPr lang="en-GB" dirty="0"/>
+              <a:t> at </a:t>
+            </a:r>
+            <a:r>
+              <a:rPr lang="en-GB" b="1" dirty="0"/>
+              <a:t>UC</a:t>
             </a:r>
             <a:r>
               <a:rPr lang="en-GB" dirty="0"/>
@@ -8020,7 +8122,7 @@
             </a:r>
             <a:r>
               <a:rPr lang="en-GB" b="1" dirty="0"/>
-              <a:t>Director</a:t>
+              <a:t>San</a:t>
             </a:r>
             <a:r>
               <a:rPr lang="en-GB" dirty="0"/>
@@ -8028,19 +8130,11 @@
             </a:r>
             <a:r>
               <a:rPr lang="en-GB" b="1" dirty="0"/>
-              <a:t>of</a:t>
-            </a:r>
-            <a:r>
-              <a:rPr lang="en-GB" dirty="0"/>
-              <a:t> </a:t>
-            </a:r>
-            <a:r>
-              <a:rPr lang="en-GB" b="1" dirty="0"/>
-              <a:t>AI</a:t>
-            </a:r>
-            <a:r>
-              <a:rPr lang="en-GB" dirty="0"/>
-              <a:t> at </a:t>
+              <a:t>Diego</a:t>
+            </a:r>
+            <a:r>
+              <a:rPr lang="en-GB" dirty="0"/>
+              <a:t>, </a:t>
             </a:r>
             <a:r>
               <a:rPr lang="en-GB" b="1" dirty="0">
@@ -8050,50 +8144,7 @@
                   </a:schemeClr>
                 </a:solidFill>
               </a:rPr>
-              <a:t>Tesla</a:t>
-            </a:r>
-            <a:r>
-              <a:rPr lang="en-GB" dirty="0"/>
-              <a:t>. Many contributions to Computer Vision (</a:t>
-            </a:r>
-            <a:r>
-              <a:rPr lang="en-GB" b="1" dirty="0" err="1"/>
-              <a:t>Imagenet</a:t>
-            </a:r>
-            <a:r>
-              <a:rPr lang="en-GB" dirty="0"/>
-              <a:t>) and NLP (</a:t>
-            </a:r>
-            <a:r>
-              <a:rPr lang="en-GB" b="1" dirty="0"/>
-              <a:t>RNNs</a:t>
-            </a:r>
-            <a:r>
-              <a:rPr lang="en-GB" dirty="0"/>
-              <a:t>).</a:t>
-            </a:r>
-            <a:br>
-              <a:rPr lang="en-GB" dirty="0"/>
-            </a:br>
-            <a:r>
-              <a:rPr lang="en-GB" dirty="0"/>
-              <a:t>(Probably better to follow him than Elon Musk.)</a:t>
-            </a:r>
-            <a:br>
-              <a:rPr lang="en-GB" dirty="0"/>
-            </a:br>
-            <a:r>
-              <a:rPr lang="en-GB" dirty="0">
-                <a:hlinkClick r:id="rId3"/>
-              </a:rPr>
-              <a:t>https://scholar.google.com/citations?user=l8WuQJgAAAAJ&amp;hl=fr</a:t>
-            </a:r>
-            <a:endParaRPr lang="en-GB" dirty="0"/>
-          </a:p>
-          <a:p>
-            <a:r>
-              <a:rPr lang="en-GB" b="1" dirty="0"/>
-              <a:t>Li</a:t>
+              <a:t>Boltzmann</a:t>
             </a:r>
             <a:r>
               <a:rPr lang="en-GB" dirty="0"/>
@@ -8107,114 +8158,26 @@
                   </a:schemeClr>
                 </a:solidFill>
               </a:rPr>
-              <a:t>Fei-Fei</a:t>
-            </a:r>
-            <a:r>
-              <a:rPr lang="en-GB" dirty="0"/>
-              <a:t>: </a:t>
-            </a:r>
-            <a:r>
-              <a:rPr lang="en-GB" b="1" dirty="0"/>
-              <a:t>Professor</a:t>
-            </a:r>
-            <a:r>
-              <a:rPr lang="en-GB" dirty="0"/>
-              <a:t> at </a:t>
-            </a:r>
-            <a:r>
-              <a:rPr lang="en-GB" b="1" dirty="0"/>
-              <a:t>Stanford</a:t>
-            </a:r>
-            <a:r>
-              <a:rPr lang="en-GB" dirty="0"/>
-              <a:t>. Many contributions to Computer Vision (</a:t>
-            </a:r>
-            <a:r>
-              <a:rPr lang="en-GB" b="1" dirty="0" err="1"/>
-              <a:t>Imagenet</a:t>
-            </a:r>
-            <a:r>
-              <a:rPr lang="en-GB" dirty="0"/>
-              <a:t>).</a:t>
-            </a:r>
-            <a:br>
-              <a:rPr lang="en-GB" dirty="0"/>
-            </a:br>
-            <a:r>
-              <a:rPr lang="en-GB" dirty="0">
-                <a:hlinkClick r:id="rId4"/>
-              </a:rPr>
-              <a:t>https://scholar.google.com/citations?user=rDfyQnIAAAAJ&amp;hl=fr</a:t>
-            </a:r>
-            <a:endParaRPr lang="en-GB" dirty="0"/>
-          </a:p>
-          <a:p>
-            <a:r>
-              <a:rPr lang="en-GB" b="1" dirty="0"/>
-              <a:t>Pieter</a:t>
-            </a:r>
-            <a:r>
-              <a:rPr lang="en-GB" dirty="0"/>
-              <a:t> </a:t>
-            </a:r>
-            <a:r>
-              <a:rPr lang="en-GB" b="1" dirty="0" err="1">
-                <a:solidFill>
-                  <a:schemeClr val="accent2">
-                    <a:lumMod val="50000"/>
-                  </a:schemeClr>
-                </a:solidFill>
-              </a:rPr>
-              <a:t>Abbeel</a:t>
-            </a:r>
-            <a:r>
-              <a:rPr lang="en-GB" dirty="0"/>
-              <a:t>: </a:t>
-            </a:r>
-            <a:r>
-              <a:rPr lang="en-GB" b="1" dirty="0"/>
-              <a:t>Professor</a:t>
-            </a:r>
-            <a:r>
-              <a:rPr lang="en-GB" dirty="0"/>
-              <a:t> at </a:t>
-            </a:r>
-            <a:r>
-              <a:rPr lang="en-GB" b="1" dirty="0"/>
-              <a:t>UC</a:t>
-            </a:r>
-            <a:r>
-              <a:rPr lang="en-GB" dirty="0"/>
-              <a:t> </a:t>
-            </a:r>
-            <a:r>
-              <a:rPr lang="en-GB" b="1" dirty="0"/>
-              <a:t>Berkeley</a:t>
-            </a:r>
-            <a:r>
-              <a:rPr lang="en-GB" dirty="0"/>
-              <a:t>, and a leading researcher in reinforcement learning and robotics.</a:t>
-            </a:r>
-            <a:br>
-              <a:rPr lang="en-GB" dirty="0"/>
-            </a:br>
-            <a:r>
-              <a:rPr lang="en-GB" dirty="0">
+              <a:t>machines</a:t>
+            </a:r>
+            <a:r>
+              <a:rPr lang="en-GB" dirty="0"/>
+              <a:t>. </a:t>
+            </a:r>
+            <a:r>
+              <a:rPr lang="en-US" dirty="0">
                 <a:hlinkClick r:id="rId5"/>
               </a:rPr>
-              <a:t>https://scholar.google.com/citations?user=vtwH6GkAAAAJ&amp;hl=en</a:t>
-            </a:r>
-            <a:r>
-              <a:rPr lang="en-GB" dirty="0"/>
-              <a:t> </a:t>
-            </a:r>
+              <a:t>https://scholar.google.ca/citations?user=m1qAiOUAAAAJ&amp;hl=en</a:t>
+            </a:r>
+            <a:endParaRPr lang="en-US" dirty="0"/>
           </a:p>
         </p:txBody>
       </p:sp>
     </p:spTree>
     <p:extLst>
       <p:ext uri="{BB962C8B-B14F-4D97-AF65-F5344CB8AC3E}">
-        <p14:creationId xmlns:p14="http://schemas.microsoft.com/office/powerpoint/2010/main" val="3324188887"/>
+        <p14:creationId xmlns:p14="http://schemas.microsoft.com/office/powerpoint/2010/main" val="3044459727"/>
       </p:ext>
     </p:extLst>
   </p:cSld>
@@ -8294,12 +8257,7 @@
             <p:ph idx="1"/>
           </p:nvPr>
         </p:nvSpPr>
-        <p:spPr>
-          <a:xfrm>
-            <a:off x="838200" y="1825624"/>
-            <a:ext cx="10515600" cy="5032375"/>
-          </a:xfrm>
-        </p:spPr>
+        <p:spPr/>
         <p:txBody>
           <a:bodyPr>
             <a:normAutofit/>
@@ -8308,15 +8266,11 @@
           <a:p>
             <a:r>
               <a:rPr lang="en-GB" b="1" dirty="0"/>
-              <a:t>Anil</a:t>
+              <a:t>Peter</a:t>
             </a:r>
             <a:r>
               <a:rPr lang="en-GB" dirty="0"/>
               <a:t> </a:t>
-            </a:r>
-            <a:r>
-              <a:rPr lang="en-GB" b="1" dirty="0"/>
-              <a:t>K. </a:t>
             </a:r>
             <a:r>
               <a:rPr lang="en-GB" b="1" dirty="0">
@@ -8326,7 +8280,7 @@
                   </a:schemeClr>
                 </a:solidFill>
               </a:rPr>
-              <a:t>Jain</a:t>
+              <a:t>Norvig</a:t>
             </a:r>
             <a:r>
               <a:rPr lang="en-GB" dirty="0"/>
@@ -8334,7 +8288,23 @@
             </a:r>
             <a:r>
               <a:rPr lang="en-GB" b="1" dirty="0"/>
-              <a:t>Professor</a:t>
+              <a:t>Director</a:t>
+            </a:r>
+            <a:r>
+              <a:rPr lang="en-GB" dirty="0"/>
+              <a:t> </a:t>
+            </a:r>
+            <a:r>
+              <a:rPr lang="en-GB" b="1" dirty="0"/>
+              <a:t>of</a:t>
+            </a:r>
+            <a:r>
+              <a:rPr lang="en-GB" dirty="0"/>
+              <a:t> </a:t>
+            </a:r>
+            <a:r>
+              <a:rPr lang="en-GB" b="1" dirty="0"/>
+              <a:t>Research</a:t>
             </a:r>
             <a:r>
               <a:rPr lang="en-GB" dirty="0"/>
@@ -8342,27 +8312,11 @@
             </a:r>
             <a:r>
               <a:rPr lang="en-GB" b="1" dirty="0"/>
-              <a:t>Michigan</a:t>
-            </a:r>
-            <a:r>
-              <a:rPr lang="en-GB" dirty="0"/>
-              <a:t> </a:t>
-            </a:r>
-            <a:r>
-              <a:rPr lang="en-GB" b="1" dirty="0"/>
-              <a:t>State</a:t>
-            </a:r>
-            <a:r>
-              <a:rPr lang="en-GB" dirty="0"/>
-              <a:t> </a:t>
-            </a:r>
-            <a:r>
-              <a:rPr lang="en-GB" b="1" dirty="0"/>
-              <a:t>University</a:t>
-            </a:r>
-            <a:r>
-              <a:rPr lang="en-GB" dirty="0"/>
-              <a:t>. Many contributions to Computer Vision and Statistical Learning.</a:t>
+              <a:t>Google</a:t>
+            </a:r>
+            <a:r>
+              <a:rPr lang="en-GB" dirty="0"/>
+              <a:t>, co-author of the other Bible of Deep Learning</a:t>
             </a:r>
             <a:br>
               <a:rPr lang="en-GB" dirty="0"/>
@@ -8371,14 +8325,23 @@
               <a:rPr lang="en-GB" dirty="0">
                 <a:hlinkClick r:id="rId2"/>
               </a:rPr>
-              <a:t>https://scholar.google.com/citations?user=g-_ZXGsAAAAJ&amp;hl=fr</a:t>
+              <a:t>https://scholar.google.com/citations?user=Ol0vcWgAAAAJ&amp;hl=en</a:t>
+            </a:r>
+            <a:br>
+              <a:rPr lang="en-GB" dirty="0"/>
+            </a:br>
+            <a:r>
+              <a:rPr lang="en-GB" dirty="0">
+                <a:hlinkClick r:id="rId3"/>
+              </a:rPr>
+              <a:t>http://aima.cs.berkeley.edu/</a:t>
             </a:r>
             <a:endParaRPr lang="en-GB" dirty="0"/>
           </a:p>
           <a:p>
             <a:r>
               <a:rPr lang="en-GB" b="1" dirty="0"/>
-              <a:t>Jitendra</a:t>
+              <a:t>Stuart</a:t>
             </a:r>
             <a:r>
               <a:rPr lang="en-GB" dirty="0"/>
@@ -8392,7 +8355,7 @@
                   </a:schemeClr>
                 </a:solidFill>
               </a:rPr>
-              <a:t>Malik</a:t>
+              <a:t>Russell</a:t>
             </a:r>
             <a:r>
               <a:rPr lang="en-GB" dirty="0"/>
@@ -8416,28 +8379,61 @@
             </a:r>
             <a:r>
               <a:rPr lang="en-GB" b="1" dirty="0"/>
-              <a:t>Berkeley</a:t>
-            </a:r>
-            <a:r>
-              <a:rPr lang="en-GB" dirty="0"/>
-              <a:t>. Many contributions to Computer Vision and Statistical Learning. </a:t>
-            </a:r>
+              <a:t>Berkely</a:t>
+            </a:r>
+            <a:r>
+              <a:rPr lang="en-GB" dirty="0"/>
+              <a:t>, co-author of the other Bible of Deep Learning</a:t>
+            </a:r>
+            <a:br>
+              <a:rPr lang="en-GB" dirty="0"/>
+            </a:br>
             <a:r>
               <a:rPr lang="en-GB" dirty="0">
-                <a:hlinkClick r:id="rId3"/>
+                <a:hlinkClick r:id="rId4"/>
               </a:rPr>
-              <a:t>https://scholar.google.com/citations?user=oY9R5YQAAAAJ&amp;hl=fr</a:t>
+              <a:t>https://scholar.google.com/citations?user=2oy3OXYAAAAJ&amp;hl=en</a:t>
             </a:r>
             <a:endParaRPr lang="en-GB" dirty="0"/>
           </a:p>
           <a:p>
             <a:r>
               <a:rPr lang="en-GB" b="1" dirty="0"/>
-              <a:t>Sebastian</a:t>
+              <a:t>Francois</a:t>
             </a:r>
             <a:r>
               <a:rPr lang="en-GB" dirty="0"/>
               <a:t> </a:t>
+            </a:r>
+            <a:r>
+              <a:rPr lang="en-GB" b="1" dirty="0">
+                <a:solidFill>
+                  <a:schemeClr val="accent2">
+                    <a:lumMod val="50000"/>
+                  </a:schemeClr>
+                </a:solidFill>
+              </a:rPr>
+              <a:t>Chollet</a:t>
+            </a:r>
+            <a:r>
+              <a:rPr lang="en-GB" dirty="0"/>
+              <a:t>: </a:t>
+            </a:r>
+            <a:r>
+              <a:rPr lang="en-GB" b="1" dirty="0"/>
+              <a:t>Researcher</a:t>
+            </a:r>
+            <a:r>
+              <a:rPr lang="en-GB" dirty="0"/>
+              <a:t> at </a:t>
+            </a:r>
+            <a:r>
+              <a:rPr lang="en-GB" b="1" dirty="0"/>
+              <a:t>Google</a:t>
+            </a:r>
+            <a:r>
+              <a:rPr lang="en-GB" dirty="0"/>
+              <a:t>. The man behind the </a:t>
             </a:r>
             <a:r>
               <a:rPr lang="en-GB" b="1" dirty="0" err="1">
@@ -8447,23 +8443,15 @@
                   </a:schemeClr>
                 </a:solidFill>
               </a:rPr>
-              <a:t>Thrun</a:t>
-            </a:r>
-            <a:r>
-              <a:rPr lang="en-GB" dirty="0"/>
-              <a:t>: </a:t>
-            </a:r>
-            <a:r>
-              <a:rPr lang="en-GB" b="1" dirty="0"/>
-              <a:t>Stanford</a:t>
-            </a:r>
-            <a:r>
-              <a:rPr lang="en-GB" dirty="0"/>
-              <a:t>, cool stuff on </a:t>
-            </a:r>
-            <a:r>
-              <a:rPr lang="en-GB" b="1" dirty="0"/>
-              <a:t>robotics</a:t>
+              <a:t>Keras</a:t>
+            </a:r>
+            <a:r>
+              <a:rPr lang="en-GB" dirty="0"/>
+              <a:t> framework and </a:t>
+            </a:r>
+            <a:r>
+              <a:rPr lang="en-GB" b="1" dirty="0" err="1"/>
+              <a:t>Xception</a:t>
             </a:r>
             <a:r>
               <a:rPr lang="en-GB" dirty="0"/>
@@ -8474,68 +8462,19 @@
             </a:br>
             <a:r>
               <a:rPr lang="en-GB" dirty="0">
-                <a:hlinkClick r:id="rId4"/>
-              </a:rPr>
-              <a:t>https://scholar.google.com/citations?user=7K34d7cAAAAJ&amp;hl=fr</a:t>
-            </a:r>
-            <a:endParaRPr lang="en-GB" dirty="0"/>
-          </a:p>
-          <a:p>
-            <a:r>
-              <a:rPr lang="en-US" b="1" dirty="0"/>
-              <a:t>Daphne</a:t>
-            </a:r>
-            <a:r>
-              <a:rPr lang="en-US" dirty="0"/>
-              <a:t> </a:t>
-            </a:r>
-            <a:r>
-              <a:rPr lang="en-US" b="1" dirty="0">
-                <a:solidFill>
-                  <a:schemeClr val="accent2">
-                    <a:lumMod val="50000"/>
-                  </a:schemeClr>
-                </a:solidFill>
-              </a:rPr>
-              <a:t>Koller</a:t>
-            </a:r>
-            <a:r>
-              <a:rPr lang="en-US" dirty="0"/>
-              <a:t>: </a:t>
-            </a:r>
-            <a:r>
-              <a:rPr lang="en-US" b="1" dirty="0"/>
-              <a:t>CEO</a:t>
-            </a:r>
-            <a:r>
-              <a:rPr lang="en-US" dirty="0"/>
-              <a:t> at </a:t>
-            </a:r>
-            <a:r>
-              <a:rPr lang="en-US" b="1" dirty="0" err="1"/>
-              <a:t>InSitro</a:t>
-            </a:r>
-            <a:r>
-              <a:rPr lang="en-US" dirty="0"/>
-              <a:t>, some cool </a:t>
-            </a:r>
-            <a:r>
-              <a:rPr lang="en-US" b="1" dirty="0"/>
-              <a:t>courses on Coursera</a:t>
-            </a:r>
-            <a:r>
-              <a:rPr lang="en-US" dirty="0"/>
-              <a:t>, she might be the co-founder of Coursera (?).</a:t>
-            </a:r>
-            <a:br>
-              <a:rPr lang="en-US" dirty="0"/>
-            </a:br>
-            <a:r>
-              <a:rPr lang="en-US" dirty="0">
                 <a:hlinkClick r:id="rId5"/>
               </a:rPr>
-              <a:t>https://scholar.google.com/citations?user=5Iqe53IAAAAJ&amp;hl=en</a:t>
-            </a:r>
+              <a:t>https://scholar.google.com/citations?user=VfYhf2wAAAAJ&amp;hl=en</a:t>
+            </a:r>
+            <a:endParaRPr lang="en-GB" dirty="0"/>
+          </a:p>
+          <a:p>
+            <a:endParaRPr lang="en-GB" dirty="0"/>
+          </a:p>
+          <a:p>
+            <a:endParaRPr lang="en-US" dirty="0"/>
+          </a:p>
+          <a:p>
             <a:endParaRPr lang="en-US" dirty="0"/>
           </a:p>
           <a:p>
@@ -8549,7 +8488,7 @@
     </p:spTree>
     <p:extLst>
       <p:ext uri="{BB962C8B-B14F-4D97-AF65-F5344CB8AC3E}">
-        <p14:creationId xmlns:p14="http://schemas.microsoft.com/office/powerpoint/2010/main" val="898875826"/>
+        <p14:creationId xmlns:p14="http://schemas.microsoft.com/office/powerpoint/2010/main" val="213952004"/>
       </p:ext>
     </p:extLst>
   </p:cSld>
@@ -8637,13 +8576,13 @@
         </p:spPr>
         <p:txBody>
           <a:bodyPr>
-            <a:noAutofit/>
+            <a:normAutofit/>
           </a:bodyPr>
           <a:lstStyle/>
           <a:p>
             <a:r>
               <a:rPr lang="en-US" b="1" dirty="0"/>
-              <a:t>Andrew </a:t>
+              <a:t>Trevor </a:t>
             </a:r>
             <a:r>
               <a:rPr lang="en-US" b="1" dirty="0">
@@ -8653,7 +8592,7 @@
                   </a:schemeClr>
                 </a:solidFill>
               </a:rPr>
-              <a:t>Ng</a:t>
+              <a:t>Hastie</a:t>
             </a:r>
             <a:r>
               <a:rPr lang="en-US" dirty="0"/>
@@ -8673,139 +8612,146 @@
             </a:r>
             <a:r>
               <a:rPr lang="en-US" dirty="0"/>
-              <a:t>, co-creator of </a:t>
-            </a:r>
-            <a:r>
-              <a:rPr lang="en-US" b="1" dirty="0">
+              <a:t>, co-</a:t>
+            </a:r>
+            <a:r>
+              <a:rPr lang="en-US" dirty="0" err="1"/>
+              <a:t>autor</a:t>
+            </a:r>
+            <a:r>
+              <a:rPr lang="en-US" dirty="0"/>
+              <a:t> of the Bible of Statistical Learning.</a:t>
+            </a:r>
+            <a:br>
+              <a:rPr lang="en-US" dirty="0"/>
+            </a:br>
+            <a:r>
+              <a:rPr lang="en-US" dirty="0">
+                <a:hlinkClick r:id="rId2"/>
+              </a:rPr>
+              <a:t>https://scholar.google.ca/citations?user=tQVe-fAAAAAJ&amp;hl=en</a:t>
+            </a:r>
+            <a:br>
+              <a:rPr lang="en-US" dirty="0"/>
+            </a:br>
+            <a:r>
+              <a:rPr lang="en-US" dirty="0">
+                <a:hlinkClick r:id="rId3"/>
+              </a:rPr>
+              <a:t>https://hastie.su.domains/ElemStatLearn/download.html</a:t>
+            </a:r>
+            <a:endParaRPr lang="en-US" dirty="0"/>
+          </a:p>
+          <a:p>
+            <a:r>
+              <a:rPr lang="en-GB" b="1" dirty="0"/>
+              <a:t>Robert</a:t>
+            </a:r>
+            <a:r>
+              <a:rPr lang="en-GB" dirty="0"/>
+              <a:t> </a:t>
+            </a:r>
+            <a:r>
+              <a:rPr lang="en-GB" b="1" dirty="0" err="1">
                 <a:solidFill>
                   <a:schemeClr val="accent2">
                     <a:lumMod val="50000"/>
                   </a:schemeClr>
                 </a:solidFill>
               </a:rPr>
-              <a:t>Coursera</a:t>
+              <a:t>Tibshirani</a:t>
             </a:r>
             <a:r>
               <a:rPr lang="en-US" dirty="0"/>
-              <a:t>. Has one of the best online courses on Deep Learning.</a:t>
+              <a:t>: </a:t>
+            </a:r>
+            <a:r>
+              <a:rPr lang="en-US" b="1" dirty="0"/>
+              <a:t>Professor</a:t>
+            </a:r>
+            <a:r>
+              <a:rPr lang="en-US" dirty="0"/>
+              <a:t> at </a:t>
+            </a:r>
+            <a:r>
+              <a:rPr lang="en-US" b="1" dirty="0"/>
+              <a:t>Stanford</a:t>
+            </a:r>
+            <a:r>
+              <a:rPr lang="en-US" dirty="0"/>
+              <a:t>, co-</a:t>
+            </a:r>
+            <a:r>
+              <a:rPr lang="en-US" dirty="0" err="1"/>
+              <a:t>autor</a:t>
+            </a:r>
+            <a:r>
+              <a:rPr lang="en-US" dirty="0"/>
+              <a:t> of the Bible of Statistical Learning. Inventor of the LASSO algorithm.</a:t>
             </a:r>
             <a:br>
               <a:rPr lang="en-US" dirty="0"/>
             </a:br>
             <a:r>
               <a:rPr lang="en-US" dirty="0">
-                <a:hlinkClick r:id="rId2"/>
+                <a:hlinkClick r:id="rId4"/>
               </a:rPr>
-              <a:t>https://scholar.google.com/citations?user=mG4imMEAAAAJ&amp;hl=en</a:t>
+              <a:t>https://scholar.google.ca/citations?user=ZpG_cJwAAAAJ&amp;hl=en</a:t>
             </a:r>
             <a:endParaRPr lang="en-US" dirty="0"/>
           </a:p>
           <a:p>
             <a:r>
-              <a:rPr lang="en-US" b="1" dirty="0"/>
-              <a:t>Jeremy</a:t>
-            </a:r>
-            <a:r>
-              <a:rPr lang="en-US" dirty="0"/>
-              <a:t> </a:t>
-            </a:r>
-            <a:r>
-              <a:rPr lang="en-US" b="1" dirty="0">
+              <a:rPr lang="en-GB" b="1" dirty="0"/>
+              <a:t>Vladimir </a:t>
+            </a:r>
+            <a:r>
+              <a:rPr lang="en-GB" b="1" dirty="0" err="1">
                 <a:solidFill>
                   <a:schemeClr val="accent2">
                     <a:lumMod val="50000"/>
                   </a:schemeClr>
                 </a:solidFill>
               </a:rPr>
-              <a:t>Howard</a:t>
-            </a:r>
-            <a:r>
-              <a:rPr lang="en-US" dirty="0"/>
-              <a:t>: </a:t>
-            </a:r>
-            <a:r>
-              <a:rPr lang="en-US" b="1" dirty="0"/>
-              <a:t>Research</a:t>
-            </a:r>
-            <a:r>
-              <a:rPr lang="en-US" dirty="0"/>
+              <a:t>Vapnik</a:t>
+            </a:r>
+            <a:r>
+              <a:rPr lang="en-GB" b="1" dirty="0"/>
+              <a:t>: Retired Professor</a:t>
+            </a:r>
+            <a:r>
+              <a:rPr lang="en-GB" dirty="0"/>
+              <a:t>, inventor of </a:t>
+            </a:r>
+            <a:r>
+              <a:rPr lang="en-GB" b="1" dirty="0"/>
+              <a:t>SVMs</a:t>
+            </a:r>
+            <a:r>
+              <a:rPr lang="en-GB" dirty="0"/>
+              <a:t> and many other concepts. Worked with </a:t>
+            </a:r>
+            <a:r>
+              <a:rPr lang="en-GB" b="1" dirty="0"/>
+              <a:t>Yann</a:t>
+            </a:r>
+            <a:r>
+              <a:rPr lang="en-GB" dirty="0"/>
               <a:t> </a:t>
             </a:r>
             <a:r>
-              <a:rPr lang="en-US" b="1" dirty="0"/>
-              <a:t>Scientist</a:t>
-            </a:r>
-            <a:r>
-              <a:rPr lang="en-US" dirty="0"/>
+              <a:rPr lang="en-GB" b="1" dirty="0" err="1">
+                <a:solidFill>
+                  <a:schemeClr val="accent2">
+                    <a:lumMod val="50000"/>
+                  </a:schemeClr>
+                </a:solidFill>
+              </a:rPr>
+              <a:t>LeCun</a:t>
+            </a:r>
+            <a:r>
+              <a:rPr lang="en-GB" dirty="0"/>
               <a:t> at </a:t>
-            </a:r>
-            <a:r>
-              <a:rPr lang="en-US" b="1" dirty="0"/>
-              <a:t>University</a:t>
-            </a:r>
-            <a:r>
-              <a:rPr lang="en-US" dirty="0"/>
-              <a:t> </a:t>
-            </a:r>
-            <a:r>
-              <a:rPr lang="en-US" b="1" dirty="0"/>
-              <a:t>of</a:t>
-            </a:r>
-            <a:r>
-              <a:rPr lang="en-US" dirty="0"/>
-              <a:t> </a:t>
-            </a:r>
-            <a:r>
-              <a:rPr lang="en-US" b="1" dirty="0"/>
-              <a:t>San</a:t>
-            </a:r>
-            <a:r>
-              <a:rPr lang="en-US" dirty="0"/>
-              <a:t> </a:t>
-            </a:r>
-            <a:r>
-              <a:rPr lang="en-US" b="1" dirty="0"/>
-              <a:t>Francisco</a:t>
-            </a:r>
-            <a:r>
-              <a:rPr lang="en-US" dirty="0"/>
-              <a:t>, a good scout for notable research papers on Twitter and </a:t>
-            </a:r>
-            <a:r>
-              <a:rPr lang="en-US" b="1" dirty="0"/>
-              <a:t>TED</a:t>
-            </a:r>
-            <a:r>
-              <a:rPr lang="en-US" dirty="0"/>
-              <a:t> </a:t>
-            </a:r>
-            <a:r>
-              <a:rPr lang="en-US" b="1" dirty="0"/>
-              <a:t>talks</a:t>
-            </a:r>
-            <a:r>
-              <a:rPr lang="en-US" dirty="0"/>
-              <a:t>.</a:t>
-            </a:r>
-            <a:br>
-              <a:rPr lang="en-US" dirty="0"/>
-            </a:br>
-            <a:r>
-              <a:rPr lang="en-US" dirty="0">
-                <a:hlinkClick r:id="rId3"/>
-              </a:rPr>
-              <a:t>https://scholar.google.com/citations?user=ZWdEJ54AAAAJ&amp;hl=en</a:t>
-            </a:r>
-            <a:endParaRPr lang="en-US" dirty="0"/>
-          </a:p>
-          <a:p>
-            <a:r>
-              <a:rPr lang="en-GB" b="1" dirty="0" err="1"/>
-              <a:t>Yaser</a:t>
-            </a:r>
-            <a:r>
-              <a:rPr lang="en-GB" b="1" dirty="0"/>
-              <a:t> S. </a:t>
             </a:r>
             <a:r>
               <a:rPr lang="en-GB" b="1" dirty="0">
@@ -8815,43 +8761,11 @@
                   </a:schemeClr>
                 </a:solidFill>
               </a:rPr>
-              <a:t>Abu-Mostafa</a:t>
-            </a:r>
-            <a:r>
-              <a:rPr lang="en-GB" dirty="0"/>
-              <a:t>: </a:t>
+              <a:t>Facebook</a:t>
             </a:r>
             <a:r>
               <a:rPr lang="en-GB" b="1" dirty="0"/>
-              <a:t>Professor</a:t>
-            </a:r>
-            <a:r>
-              <a:rPr lang="en-GB" dirty="0"/>
-              <a:t> at </a:t>
-            </a:r>
-            <a:r>
-              <a:rPr lang="en-GB" b="1" dirty="0" err="1"/>
-              <a:t>CalTech</a:t>
-            </a:r>
-            <a:r>
-              <a:rPr lang="en-GB" dirty="0"/>
-              <a:t>, one of the best professors for Deep Learning out there.</a:t>
-            </a:r>
-            <a:br>
-              <a:rPr lang="en-GB" b="1" dirty="0"/>
-            </a:br>
-            <a:r>
-              <a:rPr lang="en-US" dirty="0">
-                <a:hlinkClick r:id="rId4"/>
-              </a:rPr>
-              <a:t>https://dblp.org/pid/69/3008.html</a:t>
-            </a:r>
-            <a:endParaRPr lang="en-US" dirty="0"/>
-          </a:p>
-          <a:p>
-            <a:r>
-              <a:rPr lang="en-GB" b="1" dirty="0"/>
-              <a:t>Rachel L. </a:t>
+              <a:t> </a:t>
             </a:r>
             <a:r>
               <a:rPr lang="en-GB" b="1" dirty="0">
@@ -8861,11 +8775,158 @@
                   </a:schemeClr>
                 </a:solidFill>
               </a:rPr>
-              <a:t>Thomas</a:t>
+              <a:t>AI</a:t>
+            </a:r>
+            <a:r>
+              <a:rPr lang="en-GB" dirty="0"/>
+              <a:t>.</a:t>
+            </a:r>
+            <a:br>
+              <a:rPr lang="en-GB" dirty="0"/>
+            </a:br>
+            <a:r>
+              <a:rPr lang="en-US" dirty="0">
+                <a:hlinkClick r:id="rId5"/>
+              </a:rPr>
+              <a:t>https://scholar.google.com/citations?user=vtegaJgAAAAJ&amp;hl=fr</a:t>
+            </a:r>
+            <a:endParaRPr lang="en-US" dirty="0"/>
+          </a:p>
+          <a:p>
+            <a:endParaRPr lang="en-US" dirty="0"/>
+          </a:p>
+          <a:p>
+            <a:endParaRPr lang="en-US" dirty="0"/>
+          </a:p>
+          <a:p>
+            <a:endParaRPr lang="en-GB" dirty="0"/>
+          </a:p>
+        </p:txBody>
+      </p:sp>
+    </p:spTree>
+    <p:extLst>
+      <p:ext uri="{BB962C8B-B14F-4D97-AF65-F5344CB8AC3E}">
+        <p14:creationId xmlns:p14="http://schemas.microsoft.com/office/powerpoint/2010/main" val="1934179735"/>
+      </p:ext>
+    </p:extLst>
+  </p:cSld>
+  <p:clrMapOvr>
+    <a:masterClrMapping/>
+  </p:clrMapOvr>
+</p:sld>
+</file>
+
+<file path=ppt/slides/slide29.xml><?xml version="1.0" encoding="utf-8"?>
+<p:sld xmlns:a="http://schemas.openxmlformats.org/drawingml/2006/main" xmlns:r="http://schemas.openxmlformats.org/officeDocument/2006/relationships" xmlns:p="http://schemas.openxmlformats.org/presentationml/2006/main">
+  <p:cSld>
+    <p:spTree>
+      <p:nvGrpSpPr>
+        <p:cNvPr id="1" name=""/>
+        <p:cNvGrpSpPr/>
+        <p:nvPr/>
+      </p:nvGrpSpPr>
+      <p:grpSpPr>
+        <a:xfrm>
+          <a:off x="0" y="0"/>
+          <a:ext cx="0" cy="0"/>
+          <a:chOff x="0" y="0"/>
+          <a:chExt cx="0" cy="0"/>
+        </a:xfrm>
+      </p:grpSpPr>
+      <p:sp>
+        <p:nvSpPr>
+          <p:cNvPr id="4" name="Title 3">
+            <a:extLst>
+              <a:ext uri="{FF2B5EF4-FFF2-40B4-BE49-F238E27FC236}">
+                <a16:creationId xmlns:a16="http://schemas.microsoft.com/office/drawing/2014/main" id="{1715EAD9-59BF-46C0-9089-6E366691CAE9}"/>
+              </a:ext>
+            </a:extLst>
+          </p:cNvPr>
+          <p:cNvSpPr>
+            <a:spLocks noGrp="1"/>
+          </p:cNvSpPr>
+          <p:nvPr>
+            <p:ph type="title"/>
+          </p:nvPr>
+        </p:nvSpPr>
+        <p:spPr/>
+        <p:txBody>
+          <a:bodyPr/>
+          <a:lstStyle/>
+          <a:p>
+            <a:r>
+              <a:rPr lang="en-US" dirty="0"/>
+              <a:t>Add these researchers, companies and research </a:t>
+            </a:r>
+            <a:r>
+              <a:rPr lang="en-US" dirty="0" err="1"/>
+              <a:t>groupes</a:t>
+            </a:r>
+            <a:r>
+              <a:rPr lang="en-US" dirty="0"/>
+              <a:t> to your watchlist</a:t>
+            </a:r>
+            <a:endParaRPr lang="en-GB" dirty="0"/>
+          </a:p>
+        </p:txBody>
+      </p:sp>
+      <p:sp>
+        <p:nvSpPr>
+          <p:cNvPr id="5" name="Content Placeholder 4">
+            <a:extLst>
+              <a:ext uri="{FF2B5EF4-FFF2-40B4-BE49-F238E27FC236}">
+                <a16:creationId xmlns:a16="http://schemas.microsoft.com/office/drawing/2014/main" id="{279FF99D-84CB-436E-9373-43EB3F28720A}"/>
+              </a:ext>
+            </a:extLst>
+          </p:cNvPr>
+          <p:cNvSpPr>
+            <a:spLocks noGrp="1"/>
+          </p:cNvSpPr>
+          <p:nvPr>
+            <p:ph idx="1"/>
+          </p:nvPr>
+        </p:nvSpPr>
+        <p:spPr>
+          <a:xfrm>
+            <a:off x="838200" y="1825624"/>
+            <a:ext cx="10515600" cy="5032375"/>
+          </a:xfrm>
+        </p:spPr>
+        <p:txBody>
+          <a:bodyPr>
+            <a:normAutofit lnSpcReduction="10000"/>
+          </a:bodyPr>
+          <a:lstStyle/>
+          <a:p>
+            <a:r>
+              <a:rPr lang="en-GB" b="1" dirty="0"/>
+              <a:t>Fred</a:t>
+            </a:r>
+            <a:r>
+              <a:rPr lang="en-GB" dirty="0"/>
+              <a:t> </a:t>
+            </a:r>
+            <a:r>
+              <a:rPr lang="en-GB" b="1" dirty="0">
+                <a:solidFill>
+                  <a:schemeClr val="accent2">
+                    <a:lumMod val="50000"/>
+                  </a:schemeClr>
+                </a:solidFill>
+              </a:rPr>
+              <a:t>Cummins</a:t>
             </a:r>
             <a:r>
               <a:rPr lang="en-GB" dirty="0"/>
               <a:t>: </a:t>
+            </a:r>
+            <a:r>
+              <a:rPr lang="en-GB" b="1" dirty="0"/>
+              <a:t>Professor</a:t>
+            </a:r>
+            <a:r>
+              <a:rPr lang="en-GB" dirty="0"/>
+              <a:t> at </a:t>
             </a:r>
             <a:r>
               <a:rPr lang="en-GB" b="1" dirty="0"/>
@@ -8873,11 +8934,11 @@
             </a:r>
             <a:r>
               <a:rPr lang="en-GB" dirty="0"/>
-              <a:t> of </a:t>
+              <a:t> </a:t>
             </a:r>
             <a:r>
               <a:rPr lang="en-GB" b="1" dirty="0"/>
-              <a:t>San</a:t>
+              <a:t>College</a:t>
             </a:r>
             <a:r>
               <a:rPr lang="en-GB" dirty="0"/>
@@ -8885,11 +8946,47 @@
             </a:r>
             <a:r>
               <a:rPr lang="en-GB" b="1" dirty="0"/>
-              <a:t>Francisco</a:t>
-            </a:r>
-            <a:r>
-              <a:rPr lang="en-GB" dirty="0"/>
-              <a:t>, </a:t>
+              <a:t>Dublin</a:t>
+            </a:r>
+            <a:r>
+              <a:rPr lang="en-GB" dirty="0"/>
+              <a:t>, contributions to </a:t>
+            </a:r>
+            <a:r>
+              <a:rPr lang="en-GB" b="1" dirty="0"/>
+              <a:t>LSTMs</a:t>
+            </a:r>
+            <a:r>
+              <a:rPr lang="en-GB" dirty="0"/>
+              <a:t> and </a:t>
+            </a:r>
+            <a:r>
+              <a:rPr lang="en-GB" b="1" dirty="0"/>
+              <a:t>NLP</a:t>
+            </a:r>
+            <a:r>
+              <a:rPr lang="en-GB" dirty="0"/>
+              <a:t>.</a:t>
+            </a:r>
+            <a:br>
+              <a:rPr lang="en-GB" dirty="0"/>
+            </a:br>
+            <a:r>
+              <a:rPr lang="en-GB" dirty="0">
+                <a:hlinkClick r:id="rId2"/>
+              </a:rPr>
+              <a:t>https://scholar.google.com/citations?user=E-vg2zQAAAAJ&amp;hl=fr</a:t>
+            </a:r>
+            <a:endParaRPr lang="en-GB" b="1" dirty="0"/>
+          </a:p>
+          <a:p>
+            <a:r>
+              <a:rPr lang="en-GB" b="1" dirty="0"/>
+              <a:t>Andrej</a:t>
+            </a:r>
+            <a:r>
+              <a:rPr lang="en-GB" dirty="0"/>
+              <a:t> </a:t>
             </a:r>
             <a:r>
               <a:rPr lang="en-GB" b="1" dirty="0" err="1">
@@ -8899,41 +8996,217 @@
                   </a:schemeClr>
                 </a:solidFill>
               </a:rPr>
-              <a:t>FastAI</a:t>
-            </a:r>
-            <a:r>
-              <a:rPr lang="en-GB" dirty="0"/>
-              <a:t>, some great TED conferences on AI and Deep Learning. </a:t>
-            </a:r>
-            <a:r>
-              <a:rPr lang="en-US" dirty="0">
+              <a:t>Karpathy</a:t>
+            </a:r>
+            <a:r>
+              <a:rPr lang="en-GB" dirty="0"/>
+              <a:t>: </a:t>
+            </a:r>
+            <a:r>
+              <a:rPr lang="en-GB" b="1" dirty="0"/>
+              <a:t>Former</a:t>
+            </a:r>
+            <a:r>
+              <a:rPr lang="en-GB" dirty="0"/>
+              <a:t> </a:t>
+            </a:r>
+            <a:r>
+              <a:rPr lang="en-GB" b="1" dirty="0"/>
+              <a:t>Director</a:t>
+            </a:r>
+            <a:r>
+              <a:rPr lang="en-GB" dirty="0"/>
+              <a:t> </a:t>
+            </a:r>
+            <a:r>
+              <a:rPr lang="en-GB" b="1" dirty="0"/>
+              <a:t>of</a:t>
+            </a:r>
+            <a:r>
+              <a:rPr lang="en-GB" dirty="0"/>
+              <a:t> </a:t>
+            </a:r>
+            <a:r>
+              <a:rPr lang="en-GB" b="1" dirty="0"/>
+              <a:t>AI</a:t>
+            </a:r>
+            <a:r>
+              <a:rPr lang="en-GB" dirty="0"/>
+              <a:t> at </a:t>
+            </a:r>
+            <a:r>
+              <a:rPr lang="en-GB" b="1" dirty="0">
+                <a:solidFill>
+                  <a:schemeClr val="accent2">
+                    <a:lumMod val="50000"/>
+                  </a:schemeClr>
+                </a:solidFill>
+              </a:rPr>
+              <a:t>Tesla</a:t>
+            </a:r>
+            <a:r>
+              <a:rPr lang="en-GB" dirty="0"/>
+              <a:t>. Many contributions to Computer Vision (</a:t>
+            </a:r>
+            <a:r>
+              <a:rPr lang="en-GB" b="1" dirty="0" err="1"/>
+              <a:t>Imagenet</a:t>
+            </a:r>
+            <a:r>
+              <a:rPr lang="en-GB" dirty="0"/>
+              <a:t>) and NLP (</a:t>
+            </a:r>
+            <a:r>
+              <a:rPr lang="en-GB" b="1" dirty="0"/>
+              <a:t>RNNs</a:t>
+            </a:r>
+            <a:r>
+              <a:rPr lang="en-GB" dirty="0"/>
+              <a:t>).</a:t>
+            </a:r>
+            <a:br>
+              <a:rPr lang="en-GB" dirty="0"/>
+            </a:br>
+            <a:r>
+              <a:rPr lang="en-GB" dirty="0"/>
+              <a:t>(Probably better to follow him than Elon Musk.)</a:t>
+            </a:r>
+            <a:br>
+              <a:rPr lang="en-GB" dirty="0"/>
+            </a:br>
+            <a:r>
+              <a:rPr lang="en-GB" dirty="0">
+                <a:hlinkClick r:id="rId3"/>
+              </a:rPr>
+              <a:t>https://scholar.google.com/citations?user=l8WuQJgAAAAJ&amp;hl=fr</a:t>
+            </a:r>
+            <a:endParaRPr lang="en-GB" dirty="0"/>
+          </a:p>
+          <a:p>
+            <a:r>
+              <a:rPr lang="en-GB" b="1" dirty="0"/>
+              <a:t>Li</a:t>
+            </a:r>
+            <a:r>
+              <a:rPr lang="en-GB" dirty="0"/>
+              <a:t> </a:t>
+            </a:r>
+            <a:r>
+              <a:rPr lang="en-GB" b="1" dirty="0">
+                <a:solidFill>
+                  <a:schemeClr val="accent2">
+                    <a:lumMod val="50000"/>
+                  </a:schemeClr>
+                </a:solidFill>
+              </a:rPr>
+              <a:t>Fei-Fei</a:t>
+            </a:r>
+            <a:r>
+              <a:rPr lang="en-GB" dirty="0"/>
+              <a:t>: </a:t>
+            </a:r>
+            <a:r>
+              <a:rPr lang="en-GB" b="1" dirty="0"/>
+              <a:t>Professor</a:t>
+            </a:r>
+            <a:r>
+              <a:rPr lang="en-GB" dirty="0"/>
+              <a:t> at </a:t>
+            </a:r>
+            <a:r>
+              <a:rPr lang="en-GB" b="1" dirty="0"/>
+              <a:t>Stanford</a:t>
+            </a:r>
+            <a:r>
+              <a:rPr lang="en-GB" dirty="0"/>
+              <a:t>. Many contributions to Computer Vision (</a:t>
+            </a:r>
+            <a:r>
+              <a:rPr lang="en-GB" b="1" dirty="0" err="1"/>
+              <a:t>Imagenet</a:t>
+            </a:r>
+            <a:r>
+              <a:rPr lang="en-GB" dirty="0"/>
+              <a:t>).</a:t>
+            </a:r>
+            <a:br>
+              <a:rPr lang="en-GB" dirty="0"/>
+            </a:br>
+            <a:r>
+              <a:rPr lang="en-GB" dirty="0">
+                <a:hlinkClick r:id="rId4"/>
+              </a:rPr>
+              <a:t>https://scholar.google.com/citations?user=rDfyQnIAAAAJ&amp;hl=fr</a:t>
+            </a:r>
+            <a:endParaRPr lang="en-GB" dirty="0"/>
+          </a:p>
+          <a:p>
+            <a:r>
+              <a:rPr lang="en-GB" b="1" dirty="0"/>
+              <a:t>Pieter</a:t>
+            </a:r>
+            <a:r>
+              <a:rPr lang="en-GB" dirty="0"/>
+              <a:t> </a:t>
+            </a:r>
+            <a:r>
+              <a:rPr lang="en-GB" b="1" dirty="0" err="1">
+                <a:solidFill>
+                  <a:schemeClr val="accent2">
+                    <a:lumMod val="50000"/>
+                  </a:schemeClr>
+                </a:solidFill>
+              </a:rPr>
+              <a:t>Abbeel</a:t>
+            </a:r>
+            <a:r>
+              <a:rPr lang="en-GB" dirty="0"/>
+              <a:t>: </a:t>
+            </a:r>
+            <a:r>
+              <a:rPr lang="en-GB" b="1" dirty="0"/>
+              <a:t>Professor</a:t>
+            </a:r>
+            <a:r>
+              <a:rPr lang="en-GB" dirty="0"/>
+              <a:t> at </a:t>
+            </a:r>
+            <a:r>
+              <a:rPr lang="en-GB" b="1" dirty="0"/>
+              <a:t>UC</a:t>
+            </a:r>
+            <a:r>
+              <a:rPr lang="en-GB" dirty="0"/>
+              <a:t> </a:t>
+            </a:r>
+            <a:r>
+              <a:rPr lang="en-GB" b="1" dirty="0"/>
+              <a:t>Berkeley</a:t>
+            </a:r>
+            <a:r>
+              <a:rPr lang="en-GB" dirty="0"/>
+              <a:t>, and a leading researcher in reinforcement learning and robotics.</a:t>
+            </a:r>
+            <a:br>
+              <a:rPr lang="en-GB" dirty="0"/>
+            </a:br>
+            <a:r>
+              <a:rPr lang="en-GB" dirty="0">
                 <a:hlinkClick r:id="rId5"/>
               </a:rPr>
-              <a:t>https://scholar.google.com/citations?user=BDsAYUsAAAAJ&amp;hl=en</a:t>
-            </a:r>
-            <a:endParaRPr lang="en-US" dirty="0"/>
-          </a:p>
-          <a:p>
-            <a:endParaRPr lang="en-US" dirty="0"/>
-          </a:p>
-          <a:p>
-            <a:endParaRPr lang="en-US" dirty="0"/>
-          </a:p>
-          <a:p>
-            <a:endParaRPr lang="en-US" dirty="0"/>
-          </a:p>
-          <a:p>
-            <a:endParaRPr lang="en-US" dirty="0"/>
-          </a:p>
-          <a:p>
-            <a:endParaRPr lang="en-GB" dirty="0"/>
+              <a:t>https://scholar.google.com/citations?user=vtwH6GkAAAAJ&amp;hl=en</a:t>
+            </a:r>
+            <a:r>
+              <a:rPr lang="en-GB" dirty="0"/>
+              <a:t> </a:t>
+            </a:r>
           </a:p>
         </p:txBody>
       </p:sp>
     </p:spTree>
     <p:extLst>
       <p:ext uri="{BB962C8B-B14F-4D97-AF65-F5344CB8AC3E}">
-        <p14:creationId xmlns:p14="http://schemas.microsoft.com/office/powerpoint/2010/main" val="58723962"/>
+        <p14:creationId xmlns:p14="http://schemas.microsoft.com/office/powerpoint/2010/main" val="3324188887"/>
       </p:ext>
     </p:extLst>
   </p:cSld>
@@ -8962,10 +9235,10 @@
       </p:grpSpPr>
       <p:sp>
         <p:nvSpPr>
-          <p:cNvPr id="2" name="Title 1">
-            <a:extLst>
-              <a:ext uri="{FF2B5EF4-FFF2-40B4-BE49-F238E27FC236}">
-                <a16:creationId xmlns:a16="http://schemas.microsoft.com/office/drawing/2014/main" id="{759E165A-14E7-468C-809D-442B51706C89}"/>
+          <p:cNvPr id="4" name="Title 3">
+            <a:extLst>
+              <a:ext uri="{FF2B5EF4-FFF2-40B4-BE49-F238E27FC236}">
+                <a16:creationId xmlns:a16="http://schemas.microsoft.com/office/drawing/2014/main" id="{FE8B8CAA-5AD8-464C-9734-31FEB520A5FC}"/>
               </a:ext>
             </a:extLst>
           </p:cNvPr>
@@ -8983,7 +9256,7 @@
           <a:p>
             <a:r>
               <a:rPr lang="en-US" dirty="0"/>
-              <a:t>Some admin stuff</a:t>
+              <a:t>So this is the end</a:t>
             </a:r>
             <a:endParaRPr lang="en-GB" dirty="0"/>
           </a:p>
@@ -8991,10 +9264,106 @@
       </p:sp>
       <p:sp>
         <p:nvSpPr>
-          <p:cNvPr id="3" name="Content Placeholder 2">
-            <a:extLst>
-              <a:ext uri="{FF2B5EF4-FFF2-40B4-BE49-F238E27FC236}">
-                <a16:creationId xmlns:a16="http://schemas.microsoft.com/office/drawing/2014/main" id="{165E9D1B-C544-4598-B895-1C8F723A0C67}"/>
+          <p:cNvPr id="5" name="Text Placeholder 4">
+            <a:extLst>
+              <a:ext uri="{FF2B5EF4-FFF2-40B4-BE49-F238E27FC236}">
+                <a16:creationId xmlns:a16="http://schemas.microsoft.com/office/drawing/2014/main" id="{15416989-D3BC-4141-BADA-64DE595DD1D2}"/>
+              </a:ext>
+            </a:extLst>
+          </p:cNvPr>
+          <p:cNvSpPr>
+            <a:spLocks noGrp="1"/>
+          </p:cNvSpPr>
+          <p:nvPr>
+            <p:ph type="body" idx="1"/>
+          </p:nvPr>
+        </p:nvSpPr>
+        <p:spPr/>
+        <p:txBody>
+          <a:bodyPr/>
+          <a:lstStyle/>
+          <a:p>
+            <a:r>
+              <a:rPr lang="en-US" dirty="0"/>
+              <a:t>What’s next?</a:t>
+            </a:r>
+            <a:endParaRPr lang="en-GB" dirty="0"/>
+          </a:p>
+        </p:txBody>
+      </p:sp>
+    </p:spTree>
+    <p:extLst>
+      <p:ext uri="{BB962C8B-B14F-4D97-AF65-F5344CB8AC3E}">
+        <p14:creationId xmlns:p14="http://schemas.microsoft.com/office/powerpoint/2010/main" val="2221598679"/>
+      </p:ext>
+    </p:extLst>
+  </p:cSld>
+  <p:clrMapOvr>
+    <a:masterClrMapping/>
+  </p:clrMapOvr>
+</p:sld>
+</file>
+
+<file path=ppt/slides/slide30.xml><?xml version="1.0" encoding="utf-8"?>
+<p:sld xmlns:a="http://schemas.openxmlformats.org/drawingml/2006/main" xmlns:r="http://schemas.openxmlformats.org/officeDocument/2006/relationships" xmlns:p="http://schemas.openxmlformats.org/presentationml/2006/main">
+  <p:cSld>
+    <p:spTree>
+      <p:nvGrpSpPr>
+        <p:cNvPr id="1" name=""/>
+        <p:cNvGrpSpPr/>
+        <p:nvPr/>
+      </p:nvGrpSpPr>
+      <p:grpSpPr>
+        <a:xfrm>
+          <a:off x="0" y="0"/>
+          <a:ext cx="0" cy="0"/>
+          <a:chOff x="0" y="0"/>
+          <a:chExt cx="0" cy="0"/>
+        </a:xfrm>
+      </p:grpSpPr>
+      <p:sp>
+        <p:nvSpPr>
+          <p:cNvPr id="4" name="Title 3">
+            <a:extLst>
+              <a:ext uri="{FF2B5EF4-FFF2-40B4-BE49-F238E27FC236}">
+                <a16:creationId xmlns:a16="http://schemas.microsoft.com/office/drawing/2014/main" id="{1715EAD9-59BF-46C0-9089-6E366691CAE9}"/>
+              </a:ext>
+            </a:extLst>
+          </p:cNvPr>
+          <p:cNvSpPr>
+            <a:spLocks noGrp="1"/>
+          </p:cNvSpPr>
+          <p:nvPr>
+            <p:ph type="title"/>
+          </p:nvPr>
+        </p:nvSpPr>
+        <p:spPr/>
+        <p:txBody>
+          <a:bodyPr/>
+          <a:lstStyle/>
+          <a:p>
+            <a:r>
+              <a:rPr lang="en-US" dirty="0"/>
+              <a:t>Add these researchers, companies and research </a:t>
+            </a:r>
+            <a:r>
+              <a:rPr lang="en-US" dirty="0" err="1"/>
+              <a:t>groupes</a:t>
+            </a:r>
+            <a:r>
+              <a:rPr lang="en-US" dirty="0"/>
+              <a:t> to your watchlist</a:t>
+            </a:r>
+            <a:endParaRPr lang="en-GB" dirty="0"/>
+          </a:p>
+        </p:txBody>
+      </p:sp>
+      <p:sp>
+        <p:nvSpPr>
+          <p:cNvPr id="5" name="Content Placeholder 4">
+            <a:extLst>
+              <a:ext uri="{FF2B5EF4-FFF2-40B4-BE49-F238E27FC236}">
+                <a16:creationId xmlns:a16="http://schemas.microsoft.com/office/drawing/2014/main" id="{279FF99D-84CB-436E-9373-43EB3F28720A}"/>
               </a:ext>
             </a:extLst>
           </p:cNvPr>
@@ -9012,90 +9381,1559 @@
           </a:xfrm>
         </p:spPr>
         <p:txBody>
-          <a:bodyPr/>
-          <a:lstStyle/>
-          <a:p>
-            <a:pPr marL="0" indent="0">
-              <a:buNone/>
-            </a:pPr>
+          <a:bodyPr>
+            <a:normAutofit/>
+          </a:bodyPr>
+          <a:lstStyle/>
+          <a:p>
+            <a:r>
+              <a:rPr lang="en-GB" b="1" dirty="0"/>
+              <a:t>Anil</a:t>
+            </a:r>
+            <a:r>
+              <a:rPr lang="en-GB" dirty="0"/>
+              <a:t> </a:t>
+            </a:r>
+            <a:r>
+              <a:rPr lang="en-GB" b="1" dirty="0"/>
+              <a:t>K. </a:t>
+            </a:r>
+            <a:r>
+              <a:rPr lang="en-GB" b="1" dirty="0">
+                <a:solidFill>
+                  <a:schemeClr val="accent2">
+                    <a:lumMod val="50000"/>
+                  </a:schemeClr>
+                </a:solidFill>
+              </a:rPr>
+              <a:t>Jain</a:t>
+            </a:r>
+            <a:r>
+              <a:rPr lang="en-GB" dirty="0"/>
+              <a:t>: </a:t>
+            </a:r>
+            <a:r>
+              <a:rPr lang="en-GB" b="1" dirty="0"/>
+              <a:t>Professor</a:t>
+            </a:r>
+            <a:r>
+              <a:rPr lang="en-GB" dirty="0"/>
+              <a:t> at </a:t>
+            </a:r>
+            <a:r>
+              <a:rPr lang="en-GB" b="1" dirty="0"/>
+              <a:t>Michigan</a:t>
+            </a:r>
+            <a:r>
+              <a:rPr lang="en-GB" dirty="0"/>
+              <a:t> </a:t>
+            </a:r>
+            <a:r>
+              <a:rPr lang="en-GB" b="1" dirty="0"/>
+              <a:t>State</a:t>
+            </a:r>
+            <a:r>
+              <a:rPr lang="en-GB" dirty="0"/>
+              <a:t> </a:t>
+            </a:r>
+            <a:r>
+              <a:rPr lang="en-GB" b="1" dirty="0"/>
+              <a:t>University</a:t>
+            </a:r>
+            <a:r>
+              <a:rPr lang="en-GB" dirty="0"/>
+              <a:t>. Many contributions to Computer Vision and Statistical Learning.</a:t>
+            </a:r>
+            <a:br>
+              <a:rPr lang="en-GB" dirty="0"/>
+            </a:br>
+            <a:r>
+              <a:rPr lang="en-GB" dirty="0">
+                <a:hlinkClick r:id="rId2"/>
+              </a:rPr>
+              <a:t>https://scholar.google.com/citations?user=g-_ZXGsAAAAJ&amp;hl=fr</a:t>
+            </a:r>
+            <a:endParaRPr lang="en-GB" dirty="0"/>
+          </a:p>
+          <a:p>
+            <a:r>
+              <a:rPr lang="en-GB" b="1" dirty="0"/>
+              <a:t>Jitendra</a:t>
+            </a:r>
+            <a:r>
+              <a:rPr lang="en-GB" dirty="0"/>
+              <a:t> </a:t>
+            </a:r>
+            <a:r>
+              <a:rPr lang="en-GB" b="1" dirty="0">
+                <a:solidFill>
+                  <a:schemeClr val="accent2">
+                    <a:lumMod val="50000"/>
+                  </a:schemeClr>
+                </a:solidFill>
+              </a:rPr>
+              <a:t>Malik</a:t>
+            </a:r>
+            <a:r>
+              <a:rPr lang="en-GB" dirty="0"/>
+              <a:t>: </a:t>
+            </a:r>
+            <a:r>
+              <a:rPr lang="en-GB" b="1" dirty="0"/>
+              <a:t>Professor</a:t>
+            </a:r>
+            <a:r>
+              <a:rPr lang="en-GB" dirty="0"/>
+              <a:t> at </a:t>
+            </a:r>
+            <a:r>
+              <a:rPr lang="en-GB" b="1" dirty="0"/>
+              <a:t>UC</a:t>
+            </a:r>
+            <a:r>
+              <a:rPr lang="en-GB" dirty="0"/>
+              <a:t> </a:t>
+            </a:r>
+            <a:r>
+              <a:rPr lang="en-GB" b="1" dirty="0"/>
+              <a:t>Berkeley</a:t>
+            </a:r>
+            <a:r>
+              <a:rPr lang="en-GB" dirty="0"/>
+              <a:t>. Many contributions to Computer Vision and Statistical Learning. </a:t>
+            </a:r>
+            <a:r>
+              <a:rPr lang="en-GB" dirty="0">
+                <a:hlinkClick r:id="rId3"/>
+              </a:rPr>
+              <a:t>https://scholar.google.com/citations?user=oY9R5YQAAAAJ&amp;hl=fr</a:t>
+            </a:r>
+            <a:endParaRPr lang="en-GB" dirty="0"/>
+          </a:p>
+          <a:p>
+            <a:r>
+              <a:rPr lang="en-GB" b="1" dirty="0"/>
+              <a:t>Sebastian</a:t>
+            </a:r>
+            <a:r>
+              <a:rPr lang="en-GB" dirty="0"/>
+              <a:t> </a:t>
+            </a:r>
+            <a:r>
+              <a:rPr lang="en-GB" b="1" dirty="0" err="1">
+                <a:solidFill>
+                  <a:schemeClr val="accent2">
+                    <a:lumMod val="50000"/>
+                  </a:schemeClr>
+                </a:solidFill>
+              </a:rPr>
+              <a:t>Thrun</a:t>
+            </a:r>
+            <a:r>
+              <a:rPr lang="en-GB" dirty="0"/>
+              <a:t>: </a:t>
+            </a:r>
+            <a:r>
+              <a:rPr lang="en-GB" b="1" dirty="0"/>
+              <a:t>Stanford</a:t>
+            </a:r>
+            <a:r>
+              <a:rPr lang="en-GB" dirty="0"/>
+              <a:t>, cool stuff on </a:t>
+            </a:r>
+            <a:r>
+              <a:rPr lang="en-GB" b="1" dirty="0"/>
+              <a:t>robotics</a:t>
+            </a:r>
+            <a:r>
+              <a:rPr lang="en-GB" dirty="0"/>
+              <a:t>.</a:t>
+            </a:r>
+            <a:br>
+              <a:rPr lang="en-GB" dirty="0"/>
+            </a:br>
+            <a:r>
+              <a:rPr lang="en-GB" dirty="0">
+                <a:hlinkClick r:id="rId4"/>
+              </a:rPr>
+              <a:t>https://scholar.google.com/citations?user=7K34d7cAAAAJ&amp;hl=fr</a:t>
+            </a:r>
+            <a:endParaRPr lang="en-GB" dirty="0"/>
+          </a:p>
+          <a:p>
             <a:r>
               <a:rPr lang="en-US" b="1" dirty="0"/>
-              <a:t>Conferences (to replace classes this week)</a:t>
-            </a:r>
-          </a:p>
-          <a:p>
+              <a:t>Daphne</a:t>
+            </a:r>
+            <a:r>
+              <a:rPr lang="en-US" dirty="0"/>
+              <a:t> </a:t>
+            </a:r>
+            <a:r>
+              <a:rPr lang="en-US" b="1" dirty="0">
+                <a:solidFill>
+                  <a:schemeClr val="accent2">
+                    <a:lumMod val="50000"/>
+                  </a:schemeClr>
+                </a:solidFill>
+              </a:rPr>
+              <a:t>Koller</a:t>
+            </a:r>
+            <a:r>
+              <a:rPr lang="en-US" dirty="0"/>
+              <a:t>: </a:t>
+            </a:r>
+            <a:r>
+              <a:rPr lang="en-US" b="1" dirty="0"/>
+              <a:t>CEO</a:t>
+            </a:r>
+            <a:r>
+              <a:rPr lang="en-US" dirty="0"/>
+              <a:t> at </a:t>
+            </a:r>
             <a:r>
               <a:rPr lang="en-US" b="1" dirty="0" err="1"/>
-              <a:t>Paypal</a:t>
+              <a:t>InSitro</a:t>
+            </a:r>
+            <a:r>
+              <a:rPr lang="en-US" dirty="0"/>
+              <a:t>, some cool </a:t>
             </a:r>
             <a:r>
               <a:rPr lang="en-US" b="1" dirty="0"/>
-              <a:t>: Friday 22</a:t>
-            </a:r>
-            <a:r>
-              <a:rPr lang="en-US" b="1" baseline="30000" dirty="0"/>
-              <a:t>nd</a:t>
-            </a:r>
-            <a:r>
-              <a:rPr lang="en-US" b="1" dirty="0"/>
-              <a:t>, 11.30am</a:t>
-            </a:r>
-          </a:p>
-          <a:p>
-            <a:r>
-              <a:rPr lang="en-US" b="1" dirty="0" err="1"/>
-              <a:t>Gojek</a:t>
-            </a:r>
-            <a:r>
-              <a:rPr lang="en-US" b="1" dirty="0"/>
-              <a:t>: Thursday 21</a:t>
-            </a:r>
-            <a:r>
-              <a:rPr lang="en-US" b="1" baseline="30000" dirty="0"/>
-              <a:t>st</a:t>
-            </a:r>
-            <a:r>
-              <a:rPr lang="en-US" b="1" dirty="0"/>
-              <a:t>, 10am</a:t>
-            </a:r>
-          </a:p>
-          <a:p>
-            <a:endParaRPr lang="en-US" b="1" dirty="0"/>
-          </a:p>
-          <a:p>
-            <a:pPr marL="0" indent="0">
-              <a:buNone/>
-            </a:pPr>
-            <a:r>
-              <a:rPr lang="en-US" b="1" dirty="0"/>
-              <a:t>Over Zoom</a:t>
-            </a:r>
-            <a:r>
-              <a:rPr lang="en-US" b="1"/>
-              <a:t>, links to be sent later.</a:t>
-            </a:r>
-          </a:p>
-          <a:p>
-            <a:pPr marL="0" indent="0">
-              <a:buNone/>
-            </a:pPr>
-            <a:endParaRPr lang="en-US" b="1" dirty="0"/>
-          </a:p>
-          <a:p>
-            <a:pPr marL="0" indent="0">
-              <a:buNone/>
-            </a:pPr>
-            <a:r>
-              <a:rPr lang="en-US" b="1" dirty="0"/>
-              <a:t>Attendance is mandatory (unless you have clashes with other courses, in which case you will be excused).</a:t>
-            </a:r>
+              <a:t>courses on Coursera</a:t>
+            </a:r>
+            <a:r>
+              <a:rPr lang="en-US" dirty="0"/>
+              <a:t>, she might be the co-founder of Coursera (?).</a:t>
+            </a:r>
+            <a:br>
+              <a:rPr lang="en-US" dirty="0"/>
+            </a:br>
+            <a:r>
+              <a:rPr lang="en-US" dirty="0">
+                <a:hlinkClick r:id="rId5"/>
+              </a:rPr>
+              <a:t>https://scholar.google.com/citations?user=5Iqe53IAAAAJ&amp;hl=en</a:t>
+            </a:r>
+            <a:endParaRPr lang="en-US" dirty="0"/>
+          </a:p>
+          <a:p>
+            <a:endParaRPr lang="en-US" dirty="0"/>
+          </a:p>
+          <a:p>
+            <a:endParaRPr lang="en-GB" dirty="0"/>
           </a:p>
         </p:txBody>
       </p:sp>
     </p:spTree>
     <p:extLst>
       <p:ext uri="{BB962C8B-B14F-4D97-AF65-F5344CB8AC3E}">
-        <p14:creationId xmlns:p14="http://schemas.microsoft.com/office/powerpoint/2010/main" val="3159760077"/>
+        <p14:creationId xmlns:p14="http://schemas.microsoft.com/office/powerpoint/2010/main" val="898875826"/>
+      </p:ext>
+    </p:extLst>
+  </p:cSld>
+  <p:clrMapOvr>
+    <a:masterClrMapping/>
+  </p:clrMapOvr>
+</p:sld>
+</file>
+
+<file path=ppt/slides/slide31.xml><?xml version="1.0" encoding="utf-8"?>
+<p:sld xmlns:a="http://schemas.openxmlformats.org/drawingml/2006/main" xmlns:r="http://schemas.openxmlformats.org/officeDocument/2006/relationships" xmlns:p="http://schemas.openxmlformats.org/presentationml/2006/main">
+  <p:cSld>
+    <p:spTree>
+      <p:nvGrpSpPr>
+        <p:cNvPr id="1" name=""/>
+        <p:cNvGrpSpPr/>
+        <p:nvPr/>
+      </p:nvGrpSpPr>
+      <p:grpSpPr>
+        <a:xfrm>
+          <a:off x="0" y="0"/>
+          <a:ext cx="0" cy="0"/>
+          <a:chOff x="0" y="0"/>
+          <a:chExt cx="0" cy="0"/>
+        </a:xfrm>
+      </p:grpSpPr>
+      <p:sp>
+        <p:nvSpPr>
+          <p:cNvPr id="4" name="Title 3">
+            <a:extLst>
+              <a:ext uri="{FF2B5EF4-FFF2-40B4-BE49-F238E27FC236}">
+                <a16:creationId xmlns:a16="http://schemas.microsoft.com/office/drawing/2014/main" id="{1715EAD9-59BF-46C0-9089-6E366691CAE9}"/>
+              </a:ext>
+            </a:extLst>
+          </p:cNvPr>
+          <p:cNvSpPr>
+            <a:spLocks noGrp="1"/>
+          </p:cNvSpPr>
+          <p:nvPr>
+            <p:ph type="title"/>
+          </p:nvPr>
+        </p:nvSpPr>
+        <p:spPr/>
+        <p:txBody>
+          <a:bodyPr/>
+          <a:lstStyle/>
+          <a:p>
+            <a:r>
+              <a:rPr lang="en-US" dirty="0"/>
+              <a:t>Add these researchers, companies and research </a:t>
+            </a:r>
+            <a:r>
+              <a:rPr lang="en-US" dirty="0" err="1"/>
+              <a:t>groupes</a:t>
+            </a:r>
+            <a:r>
+              <a:rPr lang="en-US" dirty="0"/>
+              <a:t> to your watchlist</a:t>
+            </a:r>
+            <a:endParaRPr lang="en-GB" dirty="0"/>
+          </a:p>
+        </p:txBody>
+      </p:sp>
+      <p:sp>
+        <p:nvSpPr>
+          <p:cNvPr id="5" name="Content Placeholder 4">
+            <a:extLst>
+              <a:ext uri="{FF2B5EF4-FFF2-40B4-BE49-F238E27FC236}">
+                <a16:creationId xmlns:a16="http://schemas.microsoft.com/office/drawing/2014/main" id="{279FF99D-84CB-436E-9373-43EB3F28720A}"/>
+              </a:ext>
+            </a:extLst>
+          </p:cNvPr>
+          <p:cNvSpPr>
+            <a:spLocks noGrp="1"/>
+          </p:cNvSpPr>
+          <p:nvPr>
+            <p:ph idx="1"/>
+          </p:nvPr>
+        </p:nvSpPr>
+        <p:spPr>
+          <a:xfrm>
+            <a:off x="838200" y="1825624"/>
+            <a:ext cx="10515600" cy="5032375"/>
+          </a:xfrm>
+        </p:spPr>
+        <p:txBody>
+          <a:bodyPr>
+            <a:noAutofit/>
+          </a:bodyPr>
+          <a:lstStyle/>
+          <a:p>
+            <a:r>
+              <a:rPr lang="en-US" b="1" dirty="0"/>
+              <a:t>Andrew </a:t>
+            </a:r>
+            <a:r>
+              <a:rPr lang="en-US" b="1" dirty="0">
+                <a:solidFill>
+                  <a:schemeClr val="accent2">
+                    <a:lumMod val="50000"/>
+                  </a:schemeClr>
+                </a:solidFill>
+              </a:rPr>
+              <a:t>Ng</a:t>
+            </a:r>
+            <a:r>
+              <a:rPr lang="en-US" dirty="0"/>
+              <a:t>: </a:t>
+            </a:r>
+            <a:r>
+              <a:rPr lang="en-US" b="1" dirty="0"/>
+              <a:t>Professor</a:t>
+            </a:r>
+            <a:r>
+              <a:rPr lang="en-US" dirty="0"/>
+              <a:t> at </a:t>
+            </a:r>
+            <a:r>
+              <a:rPr lang="en-US" b="1" dirty="0"/>
+              <a:t>Stanford</a:t>
+            </a:r>
+            <a:r>
+              <a:rPr lang="en-US" dirty="0"/>
+              <a:t>, co-creator of </a:t>
+            </a:r>
+            <a:r>
+              <a:rPr lang="en-US" b="1" dirty="0">
+                <a:solidFill>
+                  <a:schemeClr val="accent2">
+                    <a:lumMod val="50000"/>
+                  </a:schemeClr>
+                </a:solidFill>
+              </a:rPr>
+              <a:t>Coursera</a:t>
+            </a:r>
+            <a:r>
+              <a:rPr lang="en-US" dirty="0"/>
+              <a:t>. Has one of the best online courses on Deep Learning.</a:t>
+            </a:r>
+            <a:br>
+              <a:rPr lang="en-US" dirty="0"/>
+            </a:br>
+            <a:r>
+              <a:rPr lang="en-US" dirty="0">
+                <a:hlinkClick r:id="rId2"/>
+              </a:rPr>
+              <a:t>https://scholar.google.com/citations?user=mG4imMEAAAAJ&amp;hl=en</a:t>
+            </a:r>
+            <a:endParaRPr lang="en-US" dirty="0"/>
+          </a:p>
+          <a:p>
+            <a:r>
+              <a:rPr lang="en-US" b="1" dirty="0"/>
+              <a:t>Jeremy</a:t>
+            </a:r>
+            <a:r>
+              <a:rPr lang="en-US" dirty="0"/>
+              <a:t> </a:t>
+            </a:r>
+            <a:r>
+              <a:rPr lang="en-US" b="1" dirty="0">
+                <a:solidFill>
+                  <a:schemeClr val="accent2">
+                    <a:lumMod val="50000"/>
+                  </a:schemeClr>
+                </a:solidFill>
+              </a:rPr>
+              <a:t>Howard</a:t>
+            </a:r>
+            <a:r>
+              <a:rPr lang="en-US" dirty="0"/>
+              <a:t>: </a:t>
+            </a:r>
+            <a:r>
+              <a:rPr lang="en-US" b="1" dirty="0"/>
+              <a:t>Research</a:t>
+            </a:r>
+            <a:r>
+              <a:rPr lang="en-US" dirty="0"/>
+              <a:t> </a:t>
+            </a:r>
+            <a:r>
+              <a:rPr lang="en-US" b="1" dirty="0"/>
+              <a:t>Scientist</a:t>
+            </a:r>
+            <a:r>
+              <a:rPr lang="en-US" dirty="0"/>
+              <a:t> at </a:t>
+            </a:r>
+            <a:r>
+              <a:rPr lang="en-US" b="1" dirty="0"/>
+              <a:t>University</a:t>
+            </a:r>
+            <a:r>
+              <a:rPr lang="en-US" dirty="0"/>
+              <a:t> </a:t>
+            </a:r>
+            <a:r>
+              <a:rPr lang="en-US" b="1" dirty="0"/>
+              <a:t>of</a:t>
+            </a:r>
+            <a:r>
+              <a:rPr lang="en-US" dirty="0"/>
+              <a:t> </a:t>
+            </a:r>
+            <a:r>
+              <a:rPr lang="en-US" b="1" dirty="0"/>
+              <a:t>San</a:t>
+            </a:r>
+            <a:r>
+              <a:rPr lang="en-US" dirty="0"/>
+              <a:t> </a:t>
+            </a:r>
+            <a:r>
+              <a:rPr lang="en-US" b="1" dirty="0"/>
+              <a:t>Francisco</a:t>
+            </a:r>
+            <a:r>
+              <a:rPr lang="en-US" dirty="0"/>
+              <a:t>, a good scout for notable research papers on Twitter and </a:t>
+            </a:r>
+            <a:r>
+              <a:rPr lang="en-US" b="1" dirty="0"/>
+              <a:t>TED</a:t>
+            </a:r>
+            <a:r>
+              <a:rPr lang="en-US" dirty="0"/>
+              <a:t> </a:t>
+            </a:r>
+            <a:r>
+              <a:rPr lang="en-US" b="1" dirty="0"/>
+              <a:t>talks</a:t>
+            </a:r>
+            <a:r>
+              <a:rPr lang="en-US" dirty="0"/>
+              <a:t>.</a:t>
+            </a:r>
+            <a:br>
+              <a:rPr lang="en-US" dirty="0"/>
+            </a:br>
+            <a:r>
+              <a:rPr lang="en-US" dirty="0">
+                <a:hlinkClick r:id="rId3"/>
+              </a:rPr>
+              <a:t>https://scholar.google.com/citations?user=ZWdEJ54AAAAJ&amp;hl=en</a:t>
+            </a:r>
+            <a:endParaRPr lang="en-US" dirty="0"/>
+          </a:p>
+          <a:p>
+            <a:r>
+              <a:rPr lang="en-GB" b="1" dirty="0" err="1"/>
+              <a:t>Yaser</a:t>
+            </a:r>
+            <a:r>
+              <a:rPr lang="en-GB" b="1" dirty="0"/>
+              <a:t> S. </a:t>
+            </a:r>
+            <a:r>
+              <a:rPr lang="en-GB" b="1" dirty="0">
+                <a:solidFill>
+                  <a:schemeClr val="accent2">
+                    <a:lumMod val="50000"/>
+                  </a:schemeClr>
+                </a:solidFill>
+              </a:rPr>
+              <a:t>Abu-Mostafa</a:t>
+            </a:r>
+            <a:r>
+              <a:rPr lang="en-GB" dirty="0"/>
+              <a:t>: </a:t>
+            </a:r>
+            <a:r>
+              <a:rPr lang="en-GB" b="1" dirty="0"/>
+              <a:t>Professor</a:t>
+            </a:r>
+            <a:r>
+              <a:rPr lang="en-GB" dirty="0"/>
+              <a:t> at </a:t>
+            </a:r>
+            <a:r>
+              <a:rPr lang="en-GB" b="1" dirty="0" err="1"/>
+              <a:t>CalTech</a:t>
+            </a:r>
+            <a:r>
+              <a:rPr lang="en-GB" dirty="0"/>
+              <a:t>, one of the best professors for Deep Learning out there.</a:t>
+            </a:r>
+            <a:br>
+              <a:rPr lang="en-GB" b="1" dirty="0"/>
+            </a:br>
+            <a:r>
+              <a:rPr lang="en-US" dirty="0">
+                <a:hlinkClick r:id="rId4"/>
+              </a:rPr>
+              <a:t>https://dblp.org/pid/69/3008.html</a:t>
+            </a:r>
+            <a:endParaRPr lang="en-US" dirty="0"/>
+          </a:p>
+          <a:p>
+            <a:r>
+              <a:rPr lang="en-GB" b="1" dirty="0"/>
+              <a:t>Rachel L. </a:t>
+            </a:r>
+            <a:r>
+              <a:rPr lang="en-GB" b="1" dirty="0">
+                <a:solidFill>
+                  <a:schemeClr val="accent2">
+                    <a:lumMod val="50000"/>
+                  </a:schemeClr>
+                </a:solidFill>
+              </a:rPr>
+              <a:t>Thomas</a:t>
+            </a:r>
+            <a:r>
+              <a:rPr lang="en-GB" dirty="0"/>
+              <a:t>: </a:t>
+            </a:r>
+            <a:r>
+              <a:rPr lang="en-GB" b="1" dirty="0"/>
+              <a:t>University</a:t>
+            </a:r>
+            <a:r>
+              <a:rPr lang="en-GB" dirty="0"/>
+              <a:t> of </a:t>
+            </a:r>
+            <a:r>
+              <a:rPr lang="en-GB" b="1" dirty="0"/>
+              <a:t>San</a:t>
+            </a:r>
+            <a:r>
+              <a:rPr lang="en-GB" dirty="0"/>
+              <a:t> </a:t>
+            </a:r>
+            <a:r>
+              <a:rPr lang="en-GB" b="1" dirty="0"/>
+              <a:t>Francisco</a:t>
+            </a:r>
+            <a:r>
+              <a:rPr lang="en-GB" dirty="0"/>
+              <a:t>, </a:t>
+            </a:r>
+            <a:r>
+              <a:rPr lang="en-GB" b="1" dirty="0" err="1">
+                <a:solidFill>
+                  <a:schemeClr val="accent2">
+                    <a:lumMod val="50000"/>
+                  </a:schemeClr>
+                </a:solidFill>
+              </a:rPr>
+              <a:t>FastAI</a:t>
+            </a:r>
+            <a:r>
+              <a:rPr lang="en-GB" dirty="0"/>
+              <a:t>, some great TED conferences on AI and Deep Learning. </a:t>
+            </a:r>
+            <a:r>
+              <a:rPr lang="en-US" dirty="0">
+                <a:hlinkClick r:id="rId5"/>
+              </a:rPr>
+              <a:t>https://scholar.google.com/citations?user=BDsAYUsAAAAJ&amp;hl=en</a:t>
+            </a:r>
+            <a:endParaRPr lang="en-US" dirty="0"/>
+          </a:p>
+          <a:p>
+            <a:endParaRPr lang="en-US" dirty="0"/>
+          </a:p>
+          <a:p>
+            <a:endParaRPr lang="en-US" dirty="0"/>
+          </a:p>
+          <a:p>
+            <a:endParaRPr lang="en-US" dirty="0"/>
+          </a:p>
+          <a:p>
+            <a:endParaRPr lang="en-US" dirty="0"/>
+          </a:p>
+          <a:p>
+            <a:endParaRPr lang="en-GB" dirty="0"/>
+          </a:p>
+        </p:txBody>
+      </p:sp>
+    </p:spTree>
+    <p:extLst>
+      <p:ext uri="{BB962C8B-B14F-4D97-AF65-F5344CB8AC3E}">
+        <p14:creationId xmlns:p14="http://schemas.microsoft.com/office/powerpoint/2010/main" val="58723962"/>
+      </p:ext>
+    </p:extLst>
+  </p:cSld>
+  <p:clrMapOvr>
+    <a:masterClrMapping/>
+  </p:clrMapOvr>
+</p:sld>
+</file>
+
+<file path=ppt/slides/slide32.xml><?xml version="1.0" encoding="utf-8"?>
+<p:sld xmlns:a="http://schemas.openxmlformats.org/drawingml/2006/main" xmlns:r="http://schemas.openxmlformats.org/officeDocument/2006/relationships" xmlns:p="http://schemas.openxmlformats.org/presentationml/2006/main">
+  <p:cSld>
+    <p:spTree>
+      <p:nvGrpSpPr>
+        <p:cNvPr id="1" name=""/>
+        <p:cNvGrpSpPr/>
+        <p:nvPr/>
+      </p:nvGrpSpPr>
+      <p:grpSpPr>
+        <a:xfrm>
+          <a:off x="0" y="0"/>
+          <a:ext cx="0" cy="0"/>
+          <a:chOff x="0" y="0"/>
+          <a:chExt cx="0" cy="0"/>
+        </a:xfrm>
+      </p:grpSpPr>
+      <p:sp>
+        <p:nvSpPr>
+          <p:cNvPr id="2" name="Title 1">
+            <a:extLst>
+              <a:ext uri="{FF2B5EF4-FFF2-40B4-BE49-F238E27FC236}">
+                <a16:creationId xmlns:a16="http://schemas.microsoft.com/office/drawing/2014/main" id="{B92DC6AA-6003-92C9-D6A7-FDE5AD7DEF4F}"/>
+              </a:ext>
+            </a:extLst>
+          </p:cNvPr>
+          <p:cNvSpPr>
+            <a:spLocks noGrp="1"/>
+          </p:cNvSpPr>
+          <p:nvPr>
+            <p:ph type="title"/>
+          </p:nvPr>
+        </p:nvSpPr>
+        <p:spPr/>
+        <p:txBody>
+          <a:bodyPr/>
+          <a:lstStyle/>
+          <a:p>
+            <a:r>
+              <a:rPr lang="en-GB" dirty="0"/>
+              <a:t>Also worth subscribing to a few free newsletters about AI/DL</a:t>
+            </a:r>
+            <a:endParaRPr lang="en-SG" dirty="0"/>
+          </a:p>
+        </p:txBody>
+      </p:sp>
+      <p:sp>
+        <p:nvSpPr>
+          <p:cNvPr id="3" name="Content Placeholder 2">
+            <a:extLst>
+              <a:ext uri="{FF2B5EF4-FFF2-40B4-BE49-F238E27FC236}">
+                <a16:creationId xmlns:a16="http://schemas.microsoft.com/office/drawing/2014/main" id="{4276CAE7-B917-7B38-533B-E801722307F4}"/>
+              </a:ext>
+            </a:extLst>
+          </p:cNvPr>
+          <p:cNvSpPr>
+            <a:spLocks noGrp="1"/>
+          </p:cNvSpPr>
+          <p:nvPr>
+            <p:ph idx="1"/>
+          </p:nvPr>
+        </p:nvSpPr>
+        <p:spPr>
+          <a:xfrm>
+            <a:off x="838200" y="1825624"/>
+            <a:ext cx="10515600" cy="5032375"/>
+          </a:xfrm>
+        </p:spPr>
+        <p:txBody>
+          <a:bodyPr>
+            <a:normAutofit/>
+          </a:bodyPr>
+          <a:lstStyle/>
+          <a:p>
+            <a:r>
+              <a:rPr lang="en-GB" dirty="0"/>
+              <a:t>The Batch newsletter by DeepLearning.ai (</a:t>
+            </a:r>
+            <a:r>
+              <a:rPr lang="en-GB" dirty="0">
+                <a:hlinkClick r:id="rId2"/>
+              </a:rPr>
+              <a:t>https://www.deeplearning.ai/the-batch/</a:t>
+            </a:r>
+            <a:r>
+              <a:rPr lang="en-GB" dirty="0"/>
+              <a:t>)</a:t>
+            </a:r>
+          </a:p>
+          <a:p>
+            <a:r>
+              <a:rPr lang="en-GB" dirty="0"/>
+              <a:t>The Algorithm by MIT Tech Review (</a:t>
+            </a:r>
+            <a:r>
+              <a:rPr lang="en-GB" dirty="0">
+                <a:hlinkClick r:id="rId3"/>
+              </a:rPr>
+              <a:t>https://www.technologyreview.com/newsletter-preferences/</a:t>
+            </a:r>
+            <a:r>
+              <a:rPr lang="en-GB" dirty="0"/>
+              <a:t>)</a:t>
+            </a:r>
+          </a:p>
+          <a:p>
+            <a:r>
+              <a:rPr lang="en-GB" dirty="0"/>
+              <a:t>The TLDR; newsletter (</a:t>
+            </a:r>
+            <a:r>
+              <a:rPr lang="en-GB" dirty="0">
+                <a:hlinkClick r:id="rId4"/>
+              </a:rPr>
+              <a:t>https://tldr.tech/</a:t>
+            </a:r>
+            <a:r>
+              <a:rPr lang="en-GB" dirty="0"/>
+              <a:t>)</a:t>
+            </a:r>
+          </a:p>
+          <a:p>
+            <a:r>
+              <a:rPr lang="en-GB" dirty="0"/>
+              <a:t>The NLP Newsletter (</a:t>
+            </a:r>
+            <a:r>
+              <a:rPr lang="en-GB" dirty="0">
+                <a:hlinkClick r:id="rId5"/>
+              </a:rPr>
+              <a:t>https://www.ruder.io/nlp-news/</a:t>
+            </a:r>
+            <a:r>
+              <a:rPr lang="en-GB" dirty="0"/>
+              <a:t>)</a:t>
+            </a:r>
+          </a:p>
+          <a:p>
+            <a:pPr marL="0" indent="0">
+              <a:buNone/>
+            </a:pPr>
+            <a:endParaRPr lang="en-GB" dirty="0"/>
+          </a:p>
+          <a:p>
+            <a:r>
+              <a:rPr lang="en-GB" dirty="0"/>
+              <a:t>Some Medium subscription never hurts (sometimes nice, easy and accessible discussions about AI).</a:t>
+            </a:r>
+          </a:p>
+          <a:p>
+            <a:r>
+              <a:rPr lang="en-GB" dirty="0"/>
+              <a:t>But most seriously though, go for Twitter and follow people.</a:t>
+            </a:r>
+          </a:p>
+          <a:p>
+            <a:endParaRPr lang="en-SG" dirty="0"/>
+          </a:p>
+        </p:txBody>
+      </p:sp>
+    </p:spTree>
+    <p:extLst>
+      <p:ext uri="{BB962C8B-B14F-4D97-AF65-F5344CB8AC3E}">
+        <p14:creationId xmlns:p14="http://schemas.microsoft.com/office/powerpoint/2010/main" val="630819480"/>
+      </p:ext>
+    </p:extLst>
+  </p:cSld>
+  <p:clrMapOvr>
+    <a:masterClrMapping/>
+  </p:clrMapOvr>
+</p:sld>
+</file>
+
+<file path=ppt/slides/slide33.xml><?xml version="1.0" encoding="utf-8"?>
+<p:sld xmlns:a="http://schemas.openxmlformats.org/drawingml/2006/main" xmlns:r="http://schemas.openxmlformats.org/officeDocument/2006/relationships" xmlns:p="http://schemas.openxmlformats.org/presentationml/2006/main">
+  <p:cSld>
+    <p:spTree>
+      <p:nvGrpSpPr>
+        <p:cNvPr id="1" name=""/>
+        <p:cNvGrpSpPr/>
+        <p:nvPr/>
+      </p:nvGrpSpPr>
+      <p:grpSpPr>
+        <a:xfrm>
+          <a:off x="0" y="0"/>
+          <a:ext cx="0" cy="0"/>
+          <a:chOff x="0" y="0"/>
+          <a:chExt cx="0" cy="0"/>
+        </a:xfrm>
+      </p:grpSpPr>
+      <p:sp>
+        <p:nvSpPr>
+          <p:cNvPr id="2" name="Title 1">
+            <a:extLst>
+              <a:ext uri="{FF2B5EF4-FFF2-40B4-BE49-F238E27FC236}">
+                <a16:creationId xmlns:a16="http://schemas.microsoft.com/office/drawing/2014/main" id="{B1A60A88-5173-1242-4140-FC3E7017323F}"/>
+              </a:ext>
+            </a:extLst>
+          </p:cNvPr>
+          <p:cNvSpPr>
+            <a:spLocks noGrp="1"/>
+          </p:cNvSpPr>
+          <p:nvPr>
+            <p:ph type="title"/>
+          </p:nvPr>
+        </p:nvSpPr>
+        <p:spPr/>
+        <p:txBody>
+          <a:bodyPr/>
+          <a:lstStyle/>
+          <a:p>
+            <a:r>
+              <a:rPr lang="en-GB" dirty="0"/>
+              <a:t>A quick word on </a:t>
+            </a:r>
+            <a:r>
+              <a:rPr lang="en-GB" dirty="0" err="1"/>
+              <a:t>PyTorch</a:t>
+            </a:r>
+            <a:r>
+              <a:rPr lang="en-GB" dirty="0"/>
+              <a:t> 2.0</a:t>
+            </a:r>
+            <a:endParaRPr lang="en-SG" dirty="0"/>
+          </a:p>
+        </p:txBody>
+      </p:sp>
+      <p:sp>
+        <p:nvSpPr>
+          <p:cNvPr id="4" name="Content Placeholder 3">
+            <a:extLst>
+              <a:ext uri="{FF2B5EF4-FFF2-40B4-BE49-F238E27FC236}">
+                <a16:creationId xmlns:a16="http://schemas.microsoft.com/office/drawing/2014/main" id="{D9E7860B-CB25-969C-27C8-4B0422EA8DEB}"/>
+              </a:ext>
+            </a:extLst>
+          </p:cNvPr>
+          <p:cNvSpPr>
+            <a:spLocks noGrp="1"/>
+          </p:cNvSpPr>
+          <p:nvPr>
+            <p:ph idx="1"/>
+          </p:nvPr>
+        </p:nvSpPr>
+        <p:spPr>
+          <a:xfrm>
+            <a:off x="838200" y="1825624"/>
+            <a:ext cx="10515600" cy="5032375"/>
+          </a:xfrm>
+        </p:spPr>
+        <p:txBody>
+          <a:bodyPr/>
+          <a:lstStyle/>
+          <a:p>
+            <a:pPr marL="0" indent="0">
+              <a:buNone/>
+            </a:pPr>
+            <a:r>
+              <a:rPr lang="en-SG" b="1" dirty="0" err="1"/>
+              <a:t>PyTorch</a:t>
+            </a:r>
+            <a:r>
+              <a:rPr lang="en-SG" b="1" dirty="0"/>
+              <a:t> 2.0, released on 23 March 2023.</a:t>
+            </a:r>
+          </a:p>
+          <a:p>
+            <a:r>
+              <a:rPr lang="en-SG" dirty="0"/>
+              <a:t>If you go for it, make sure to correctly set your CUDA (will most likely not be the same version of CUDA if you were using 1.13 before!)</a:t>
+            </a:r>
+          </a:p>
+          <a:p>
+            <a:r>
+              <a:rPr lang="en-SG" dirty="0">
+                <a:hlinkClick r:id="rId2"/>
+              </a:rPr>
+              <a:t>https://pytorch.org/get-started/pytorch-2.0/</a:t>
+            </a:r>
+            <a:endParaRPr lang="en-SG" dirty="0"/>
+          </a:p>
+          <a:p>
+            <a:endParaRPr lang="en-SG" dirty="0"/>
+          </a:p>
+          <a:p>
+            <a:pPr marL="0" indent="0">
+              <a:buNone/>
+            </a:pPr>
+            <a:r>
+              <a:rPr lang="en-SG" dirty="0"/>
+              <a:t>New and remarkable features:</a:t>
+            </a:r>
+          </a:p>
+          <a:p>
+            <a:r>
+              <a:rPr lang="en-SG" dirty="0"/>
+              <a:t>Fully backward compatible (all previous codes should still work).</a:t>
+            </a:r>
+          </a:p>
+          <a:p>
+            <a:r>
+              <a:rPr lang="en-SG" dirty="0"/>
+              <a:t>More advanced compile function (three modes) to transform model written in Python into something very fast to execute.</a:t>
+            </a:r>
+          </a:p>
+          <a:p>
+            <a:r>
+              <a:rPr lang="en-SG" dirty="0"/>
+              <a:t>(More primitive functions and user experience tools.)</a:t>
+            </a:r>
+          </a:p>
+        </p:txBody>
+      </p:sp>
+    </p:spTree>
+    <p:extLst>
+      <p:ext uri="{BB962C8B-B14F-4D97-AF65-F5344CB8AC3E}">
+        <p14:creationId xmlns:p14="http://schemas.microsoft.com/office/powerpoint/2010/main" val="2597435637"/>
+      </p:ext>
+    </p:extLst>
+  </p:cSld>
+  <p:clrMapOvr>
+    <a:masterClrMapping/>
+  </p:clrMapOvr>
+</p:sld>
+</file>
+
+<file path=ppt/slides/slide34.xml><?xml version="1.0" encoding="utf-8"?>
+<p:sld xmlns:a="http://schemas.openxmlformats.org/drawingml/2006/main" xmlns:r="http://schemas.openxmlformats.org/officeDocument/2006/relationships" xmlns:p="http://schemas.openxmlformats.org/presentationml/2006/main">
+  <p:cSld>
+    <p:spTree>
+      <p:nvGrpSpPr>
+        <p:cNvPr id="1" name=""/>
+        <p:cNvGrpSpPr/>
+        <p:nvPr/>
+      </p:nvGrpSpPr>
+      <p:grpSpPr>
+        <a:xfrm>
+          <a:off x="0" y="0"/>
+          <a:ext cx="0" cy="0"/>
+          <a:chOff x="0" y="0"/>
+          <a:chExt cx="0" cy="0"/>
+        </a:xfrm>
+      </p:grpSpPr>
+      <p:sp>
+        <p:nvSpPr>
+          <p:cNvPr id="2" name="Title 1">
+            <a:extLst>
+              <a:ext uri="{FF2B5EF4-FFF2-40B4-BE49-F238E27FC236}">
+                <a16:creationId xmlns:a16="http://schemas.microsoft.com/office/drawing/2014/main" id="{B1A60A88-5173-1242-4140-FC3E7017323F}"/>
+              </a:ext>
+            </a:extLst>
+          </p:cNvPr>
+          <p:cNvSpPr>
+            <a:spLocks noGrp="1"/>
+          </p:cNvSpPr>
+          <p:nvPr>
+            <p:ph type="title"/>
+          </p:nvPr>
+        </p:nvSpPr>
+        <p:spPr/>
+        <p:txBody>
+          <a:bodyPr/>
+          <a:lstStyle/>
+          <a:p>
+            <a:r>
+              <a:rPr lang="en-GB" dirty="0"/>
+              <a:t>A quick word on </a:t>
+            </a:r>
+            <a:r>
+              <a:rPr lang="en-GB" dirty="0" err="1"/>
+              <a:t>PyTorch</a:t>
+            </a:r>
+            <a:r>
+              <a:rPr lang="en-GB" dirty="0"/>
+              <a:t> 2.0</a:t>
+            </a:r>
+            <a:endParaRPr lang="en-SG" dirty="0"/>
+          </a:p>
+        </p:txBody>
+      </p:sp>
+      <p:sp>
+        <p:nvSpPr>
+          <p:cNvPr id="4" name="Content Placeholder 3">
+            <a:extLst>
+              <a:ext uri="{FF2B5EF4-FFF2-40B4-BE49-F238E27FC236}">
+                <a16:creationId xmlns:a16="http://schemas.microsoft.com/office/drawing/2014/main" id="{D9E7860B-CB25-969C-27C8-4B0422EA8DEB}"/>
+              </a:ext>
+            </a:extLst>
+          </p:cNvPr>
+          <p:cNvSpPr>
+            <a:spLocks noGrp="1"/>
+          </p:cNvSpPr>
+          <p:nvPr>
+            <p:ph idx="1"/>
+          </p:nvPr>
+        </p:nvSpPr>
+        <p:spPr>
+          <a:xfrm>
+            <a:off x="838200" y="1825624"/>
+            <a:ext cx="10515600" cy="5032375"/>
+          </a:xfrm>
+        </p:spPr>
+        <p:txBody>
+          <a:bodyPr/>
+          <a:lstStyle/>
+          <a:p>
+            <a:r>
+              <a:rPr lang="en-SG" dirty="0"/>
+              <a:t>More advanced compile function (three modes) to transform model written in Python into something very fast to execute.</a:t>
+            </a:r>
+          </a:p>
+        </p:txBody>
+      </p:sp>
+      <p:pic>
+        <p:nvPicPr>
+          <p:cNvPr id="5" name="Picture 4" descr="Text, letter&#10;&#10;Description automatically generated">
+            <a:extLst>
+              <a:ext uri="{FF2B5EF4-FFF2-40B4-BE49-F238E27FC236}">
+                <a16:creationId xmlns:a16="http://schemas.microsoft.com/office/drawing/2014/main" id="{49D90BA4-BD8F-00BE-98E5-CBCB15123674}"/>
+              </a:ext>
+            </a:extLst>
+          </p:cNvPr>
+          <p:cNvPicPr>
+            <a:picLocks noChangeAspect="1"/>
+          </p:cNvPicPr>
+          <p:nvPr/>
+        </p:nvPicPr>
+        <p:blipFill>
+          <a:blip r:embed="rId2">
+            <a:extLst>
+              <a:ext uri="{28A0092B-C50C-407E-A947-70E740481C1C}">
+                <a14:useLocalDpi xmlns:a14="http://schemas.microsoft.com/office/drawing/2010/main" val="0"/>
+              </a:ext>
+            </a:extLst>
+          </a:blip>
+          <a:stretch>
+            <a:fillRect/>
+          </a:stretch>
+        </p:blipFill>
+        <p:spPr>
+          <a:xfrm>
+            <a:off x="1471829" y="3245779"/>
+            <a:ext cx="9248341" cy="2904928"/>
+          </a:xfrm>
+          <a:prstGeom prst="rect">
+            <a:avLst/>
+          </a:prstGeom>
+        </p:spPr>
+      </p:pic>
+    </p:spTree>
+    <p:extLst>
+      <p:ext uri="{BB962C8B-B14F-4D97-AF65-F5344CB8AC3E}">
+        <p14:creationId xmlns:p14="http://schemas.microsoft.com/office/powerpoint/2010/main" val="1400478764"/>
+      </p:ext>
+    </p:extLst>
+  </p:cSld>
+  <p:clrMapOvr>
+    <a:masterClrMapping/>
+  </p:clrMapOvr>
+</p:sld>
+</file>
+
+<file path=ppt/slides/slide35.xml><?xml version="1.0" encoding="utf-8"?>
+<p:sld xmlns:a="http://schemas.openxmlformats.org/drawingml/2006/main" xmlns:r="http://schemas.openxmlformats.org/officeDocument/2006/relationships" xmlns:p="http://schemas.openxmlformats.org/presentationml/2006/main">
+  <p:cSld>
+    <p:spTree>
+      <p:nvGrpSpPr>
+        <p:cNvPr id="1" name=""/>
+        <p:cNvGrpSpPr/>
+        <p:nvPr/>
+      </p:nvGrpSpPr>
+      <p:grpSpPr>
+        <a:xfrm>
+          <a:off x="0" y="0"/>
+          <a:ext cx="0" cy="0"/>
+          <a:chOff x="0" y="0"/>
+          <a:chExt cx="0" cy="0"/>
+        </a:xfrm>
+      </p:grpSpPr>
+      <p:sp>
+        <p:nvSpPr>
+          <p:cNvPr id="2" name="Title 1">
+            <a:extLst>
+              <a:ext uri="{FF2B5EF4-FFF2-40B4-BE49-F238E27FC236}">
+                <a16:creationId xmlns:a16="http://schemas.microsoft.com/office/drawing/2014/main" id="{B1A60A88-5173-1242-4140-FC3E7017323F}"/>
+              </a:ext>
+            </a:extLst>
+          </p:cNvPr>
+          <p:cNvSpPr>
+            <a:spLocks noGrp="1"/>
+          </p:cNvSpPr>
+          <p:nvPr>
+            <p:ph type="title"/>
+          </p:nvPr>
+        </p:nvSpPr>
+        <p:spPr/>
+        <p:txBody>
+          <a:bodyPr/>
+          <a:lstStyle/>
+          <a:p>
+            <a:r>
+              <a:rPr lang="en-GB" dirty="0"/>
+              <a:t>A quick word on </a:t>
+            </a:r>
+            <a:r>
+              <a:rPr lang="en-GB" dirty="0" err="1"/>
+              <a:t>PyTorch</a:t>
+            </a:r>
+            <a:r>
+              <a:rPr lang="en-GB" dirty="0"/>
+              <a:t> 2.0</a:t>
+            </a:r>
+            <a:endParaRPr lang="en-SG" dirty="0"/>
+          </a:p>
+        </p:txBody>
+      </p:sp>
+      <p:sp>
+        <p:nvSpPr>
+          <p:cNvPr id="4" name="Content Placeholder 3">
+            <a:extLst>
+              <a:ext uri="{FF2B5EF4-FFF2-40B4-BE49-F238E27FC236}">
+                <a16:creationId xmlns:a16="http://schemas.microsoft.com/office/drawing/2014/main" id="{D9E7860B-CB25-969C-27C8-4B0422EA8DEB}"/>
+              </a:ext>
+            </a:extLst>
+          </p:cNvPr>
+          <p:cNvSpPr>
+            <a:spLocks noGrp="1"/>
+          </p:cNvSpPr>
+          <p:nvPr>
+            <p:ph idx="1"/>
+          </p:nvPr>
+        </p:nvSpPr>
+        <p:spPr>
+          <a:xfrm>
+            <a:off x="838200" y="1825624"/>
+            <a:ext cx="10515600" cy="5032375"/>
+          </a:xfrm>
+        </p:spPr>
+        <p:txBody>
+          <a:bodyPr/>
+          <a:lstStyle/>
+          <a:p>
+            <a:r>
+              <a:rPr lang="en-SG" dirty="0"/>
+              <a:t>More advanced compile function (three modes) to transform model written in Python into something very fast to execute.</a:t>
+            </a:r>
+          </a:p>
+        </p:txBody>
+      </p:sp>
+      <p:pic>
+        <p:nvPicPr>
+          <p:cNvPr id="6" name="Picture 5">
+            <a:extLst>
+              <a:ext uri="{FF2B5EF4-FFF2-40B4-BE49-F238E27FC236}">
+                <a16:creationId xmlns:a16="http://schemas.microsoft.com/office/drawing/2014/main" id="{3CECF7B7-BC55-AE60-08B1-AA624F422E5F}"/>
+              </a:ext>
+            </a:extLst>
+          </p:cNvPr>
+          <p:cNvPicPr>
+            <a:picLocks noChangeAspect="1"/>
+          </p:cNvPicPr>
+          <p:nvPr/>
+        </p:nvPicPr>
+        <p:blipFill>
+          <a:blip r:embed="rId2"/>
+          <a:stretch>
+            <a:fillRect/>
+          </a:stretch>
+        </p:blipFill>
+        <p:spPr>
+          <a:xfrm>
+            <a:off x="1910907" y="2977611"/>
+            <a:ext cx="8370186" cy="3515264"/>
+          </a:xfrm>
+          <a:prstGeom prst="rect">
+            <a:avLst/>
+          </a:prstGeom>
+        </p:spPr>
+      </p:pic>
+      <p:sp>
+        <p:nvSpPr>
+          <p:cNvPr id="7" name="TextBox 6">
+            <a:extLst>
+              <a:ext uri="{FF2B5EF4-FFF2-40B4-BE49-F238E27FC236}">
+                <a16:creationId xmlns:a16="http://schemas.microsoft.com/office/drawing/2014/main" id="{6BF3A116-79A6-24C9-8DAF-5F46DF08AB3A}"/>
+              </a:ext>
+            </a:extLst>
+          </p:cNvPr>
+          <p:cNvSpPr txBox="1"/>
+          <p:nvPr/>
+        </p:nvSpPr>
+        <p:spPr>
+          <a:xfrm>
+            <a:off x="7791938" y="4921111"/>
+            <a:ext cx="3915508" cy="1754326"/>
+          </a:xfrm>
+          <a:prstGeom prst="rect">
+            <a:avLst/>
+          </a:prstGeom>
+          <a:noFill/>
+        </p:spPr>
+        <p:txBody>
+          <a:bodyPr wrap="square" rtlCol="0">
+            <a:spAutoFit/>
+          </a:bodyPr>
+          <a:lstStyle/>
+          <a:p>
+            <a:r>
+              <a:rPr lang="en-GB" dirty="0"/>
+              <a:t>From what I have tested:</a:t>
+            </a:r>
+          </a:p>
+          <a:p>
+            <a:pPr marL="285750" indent="-285750">
+              <a:buFont typeface="Arial" panose="020B0604020202020204" pitchFamily="34" charset="0"/>
+              <a:buChar char="•"/>
+            </a:pPr>
+            <a:r>
+              <a:rPr lang="en-GB" dirty="0"/>
+              <a:t>Little improvements on small sized Linear and Conv models.</a:t>
+            </a:r>
+            <a:br>
+              <a:rPr lang="en-GB" dirty="0"/>
+            </a:br>
+            <a:r>
+              <a:rPr lang="en-GB" dirty="0"/>
+              <a:t>(Typically the ones in Notebooks)</a:t>
+            </a:r>
+          </a:p>
+          <a:p>
+            <a:pPr marL="285750" indent="-285750">
+              <a:buFont typeface="Arial" panose="020B0604020202020204" pitchFamily="34" charset="0"/>
+              <a:buChar char="•"/>
+            </a:pPr>
+            <a:r>
+              <a:rPr lang="en-GB" dirty="0"/>
+              <a:t>1.5x-2x faster to train on large-scale transformer architectures?</a:t>
+            </a:r>
+            <a:endParaRPr lang="en-SG" dirty="0"/>
+          </a:p>
+        </p:txBody>
+      </p:sp>
+      <p:cxnSp>
+        <p:nvCxnSpPr>
+          <p:cNvPr id="9" name="Straight Arrow Connector 8">
+            <a:extLst>
+              <a:ext uri="{FF2B5EF4-FFF2-40B4-BE49-F238E27FC236}">
+                <a16:creationId xmlns:a16="http://schemas.microsoft.com/office/drawing/2014/main" id="{68E28109-B4B3-BAC9-6802-742D4E52CC21}"/>
+              </a:ext>
+            </a:extLst>
+          </p:cNvPr>
+          <p:cNvCxnSpPr>
+            <a:cxnSpLocks/>
+            <a:endCxn id="7" idx="1"/>
+          </p:cNvCxnSpPr>
+          <p:nvPr/>
+        </p:nvCxnSpPr>
+        <p:spPr>
+          <a:xfrm>
+            <a:off x="5955323" y="5798274"/>
+            <a:ext cx="1836615" cy="0"/>
+          </a:xfrm>
+          <a:prstGeom prst="straightConnector1">
+            <a:avLst/>
+          </a:prstGeom>
+          <a:ln w="38100">
+            <a:headEnd type="none" w="med" len="med"/>
+            <a:tailEnd type="arrow" w="med" len="med"/>
+          </a:ln>
+        </p:spPr>
+        <p:style>
+          <a:lnRef idx="1">
+            <a:schemeClr val="dk1"/>
+          </a:lnRef>
+          <a:fillRef idx="0">
+            <a:schemeClr val="dk1"/>
+          </a:fillRef>
+          <a:effectRef idx="0">
+            <a:schemeClr val="dk1"/>
+          </a:effectRef>
+          <a:fontRef idx="minor">
+            <a:schemeClr val="tx1"/>
+          </a:fontRef>
+        </p:style>
+      </p:cxnSp>
+    </p:spTree>
+    <p:extLst>
+      <p:ext uri="{BB962C8B-B14F-4D97-AF65-F5344CB8AC3E}">
+        <p14:creationId xmlns:p14="http://schemas.microsoft.com/office/powerpoint/2010/main" val="2375703616"/>
+      </p:ext>
+    </p:extLst>
+  </p:cSld>
+  <p:clrMapOvr>
+    <a:masterClrMapping/>
+  </p:clrMapOvr>
+</p:sld>
+</file>
+
+<file path=ppt/slides/slide36.xml><?xml version="1.0" encoding="utf-8"?>
+<p:sld xmlns:a="http://schemas.openxmlformats.org/drawingml/2006/main" xmlns:r="http://schemas.openxmlformats.org/officeDocument/2006/relationships" xmlns:p="http://schemas.openxmlformats.org/presentationml/2006/main">
+  <p:cSld>
+    <p:spTree>
+      <p:nvGrpSpPr>
+        <p:cNvPr id="1" name=""/>
+        <p:cNvGrpSpPr/>
+        <p:nvPr/>
+      </p:nvGrpSpPr>
+      <p:grpSpPr>
+        <a:xfrm>
+          <a:off x="0" y="0"/>
+          <a:ext cx="0" cy="0"/>
+          <a:chOff x="0" y="0"/>
+          <a:chExt cx="0" cy="0"/>
+        </a:xfrm>
+      </p:grpSpPr>
+      <p:sp>
+        <p:nvSpPr>
+          <p:cNvPr id="2" name="Title 1">
+            <a:extLst>
+              <a:ext uri="{FF2B5EF4-FFF2-40B4-BE49-F238E27FC236}">
+                <a16:creationId xmlns:a16="http://schemas.microsoft.com/office/drawing/2014/main" id="{B1A60A88-5173-1242-4140-FC3E7017323F}"/>
+              </a:ext>
+            </a:extLst>
+          </p:cNvPr>
+          <p:cNvSpPr>
+            <a:spLocks noGrp="1"/>
+          </p:cNvSpPr>
+          <p:nvPr>
+            <p:ph type="title"/>
+          </p:nvPr>
+        </p:nvSpPr>
+        <p:spPr/>
+        <p:txBody>
+          <a:bodyPr/>
+          <a:lstStyle/>
+          <a:p>
+            <a:r>
+              <a:rPr lang="en-GB" dirty="0"/>
+              <a:t>A quick word on </a:t>
+            </a:r>
+            <a:r>
+              <a:rPr lang="en-GB" dirty="0" err="1"/>
+              <a:t>PyTorch</a:t>
+            </a:r>
+            <a:r>
+              <a:rPr lang="en-GB" dirty="0"/>
+              <a:t> 2.0</a:t>
+            </a:r>
+            <a:endParaRPr lang="en-SG" dirty="0"/>
+          </a:p>
+        </p:txBody>
+      </p:sp>
+      <p:sp>
+        <p:nvSpPr>
+          <p:cNvPr id="4" name="Content Placeholder 3">
+            <a:extLst>
+              <a:ext uri="{FF2B5EF4-FFF2-40B4-BE49-F238E27FC236}">
+                <a16:creationId xmlns:a16="http://schemas.microsoft.com/office/drawing/2014/main" id="{D9E7860B-CB25-969C-27C8-4B0422EA8DEB}"/>
+              </a:ext>
+            </a:extLst>
+          </p:cNvPr>
+          <p:cNvSpPr>
+            <a:spLocks noGrp="1"/>
+          </p:cNvSpPr>
+          <p:nvPr>
+            <p:ph idx="1"/>
+          </p:nvPr>
+        </p:nvSpPr>
+        <p:spPr>
+          <a:xfrm>
+            <a:off x="838200" y="1825624"/>
+            <a:ext cx="10515600" cy="5032375"/>
+          </a:xfrm>
+        </p:spPr>
+        <p:txBody>
+          <a:bodyPr/>
+          <a:lstStyle/>
+          <a:p>
+            <a:r>
+              <a:rPr lang="en-SG" dirty="0"/>
+              <a:t>More advanced compile function (three modes) to transform model written in Python into something very fast to execute.</a:t>
+            </a:r>
+          </a:p>
+        </p:txBody>
+      </p:sp>
+      <p:pic>
+        <p:nvPicPr>
+          <p:cNvPr id="6" name="Picture 5">
+            <a:extLst>
+              <a:ext uri="{FF2B5EF4-FFF2-40B4-BE49-F238E27FC236}">
+                <a16:creationId xmlns:a16="http://schemas.microsoft.com/office/drawing/2014/main" id="{3CECF7B7-BC55-AE60-08B1-AA624F422E5F}"/>
+              </a:ext>
+            </a:extLst>
+          </p:cNvPr>
+          <p:cNvPicPr>
+            <a:picLocks noChangeAspect="1"/>
+          </p:cNvPicPr>
+          <p:nvPr/>
+        </p:nvPicPr>
+        <p:blipFill>
+          <a:blip r:embed="rId2"/>
+          <a:stretch>
+            <a:fillRect/>
+          </a:stretch>
+        </p:blipFill>
+        <p:spPr>
+          <a:xfrm>
+            <a:off x="1910907" y="2977611"/>
+            <a:ext cx="8370186" cy="3515264"/>
+          </a:xfrm>
+          <a:prstGeom prst="rect">
+            <a:avLst/>
+          </a:prstGeom>
+        </p:spPr>
+      </p:pic>
+      <p:pic>
+        <p:nvPicPr>
+          <p:cNvPr id="5" name="Picture 4">
+            <a:extLst>
+              <a:ext uri="{FF2B5EF4-FFF2-40B4-BE49-F238E27FC236}">
+                <a16:creationId xmlns:a16="http://schemas.microsoft.com/office/drawing/2014/main" id="{44BF6276-8DE4-8BEA-F9C6-5F33F7B173F8}"/>
+              </a:ext>
+            </a:extLst>
+          </p:cNvPr>
+          <p:cNvPicPr>
+            <a:picLocks noChangeAspect="1"/>
+          </p:cNvPicPr>
+          <p:nvPr/>
+        </p:nvPicPr>
+        <p:blipFill>
+          <a:blip r:embed="rId3"/>
+          <a:stretch>
+            <a:fillRect/>
+          </a:stretch>
+        </p:blipFill>
+        <p:spPr>
+          <a:xfrm>
+            <a:off x="1418700" y="2842674"/>
+            <a:ext cx="9774496" cy="3761325"/>
+          </a:xfrm>
+          <a:prstGeom prst="rect">
+            <a:avLst/>
+          </a:prstGeom>
+        </p:spPr>
+      </p:pic>
+      <p:sp>
+        <p:nvSpPr>
+          <p:cNvPr id="7" name="TextBox 6">
+            <a:extLst>
+              <a:ext uri="{FF2B5EF4-FFF2-40B4-BE49-F238E27FC236}">
+                <a16:creationId xmlns:a16="http://schemas.microsoft.com/office/drawing/2014/main" id="{314E5CE2-9623-B087-DF50-EBB774109719}"/>
+              </a:ext>
+            </a:extLst>
+          </p:cNvPr>
+          <p:cNvSpPr txBox="1"/>
+          <p:nvPr/>
+        </p:nvSpPr>
+        <p:spPr>
+          <a:xfrm>
+            <a:off x="7791938" y="4921111"/>
+            <a:ext cx="3915508" cy="1754326"/>
+          </a:xfrm>
+          <a:prstGeom prst="rect">
+            <a:avLst/>
+          </a:prstGeom>
+          <a:noFill/>
+        </p:spPr>
+        <p:txBody>
+          <a:bodyPr wrap="square" rtlCol="0">
+            <a:spAutoFit/>
+          </a:bodyPr>
+          <a:lstStyle/>
+          <a:p>
+            <a:r>
+              <a:rPr lang="en-GB" dirty="0"/>
+              <a:t>From what I have tested:</a:t>
+            </a:r>
+          </a:p>
+          <a:p>
+            <a:pPr marL="285750" indent="-285750">
+              <a:buFont typeface="Arial" panose="020B0604020202020204" pitchFamily="34" charset="0"/>
+              <a:buChar char="•"/>
+            </a:pPr>
+            <a:r>
+              <a:rPr lang="en-GB" dirty="0"/>
+              <a:t>Little improvements on small sized Linear and Conv models.</a:t>
+            </a:r>
+            <a:br>
+              <a:rPr lang="en-GB" dirty="0"/>
+            </a:br>
+            <a:r>
+              <a:rPr lang="en-GB" dirty="0"/>
+              <a:t>(Typically the ones in Notebooks)</a:t>
+            </a:r>
+          </a:p>
+          <a:p>
+            <a:pPr marL="285750" indent="-285750">
+              <a:buFont typeface="Arial" panose="020B0604020202020204" pitchFamily="34" charset="0"/>
+              <a:buChar char="•"/>
+            </a:pPr>
+            <a:r>
+              <a:rPr lang="en-GB" dirty="0"/>
+              <a:t>1.5x-2x faster to train on large-scale transformer architectures?</a:t>
+            </a:r>
+            <a:endParaRPr lang="en-SG" dirty="0"/>
+          </a:p>
+        </p:txBody>
+      </p:sp>
+    </p:spTree>
+    <p:extLst>
+      <p:ext uri="{BB962C8B-B14F-4D97-AF65-F5344CB8AC3E}">
+        <p14:creationId xmlns:p14="http://schemas.microsoft.com/office/powerpoint/2010/main" val="2410329214"/>
       </p:ext>
     </p:extLst>
   </p:cSld>
@@ -9127,7 +10965,7 @@
           <p:cNvPr id="4" name="Title 3">
             <a:extLst>
               <a:ext uri="{FF2B5EF4-FFF2-40B4-BE49-F238E27FC236}">
-                <a16:creationId xmlns:a16="http://schemas.microsoft.com/office/drawing/2014/main" id="{FE8B8CAA-5AD8-464C-9734-31FEB520A5FC}"/>
+                <a16:creationId xmlns:a16="http://schemas.microsoft.com/office/drawing/2014/main" id="{15864A73-91DC-47E6-BFC6-77EC81F88251}"/>
               </a:ext>
             </a:extLst>
           </p:cNvPr>
@@ -9145,7 +10983,7 @@
           <a:p>
             <a:r>
               <a:rPr lang="en-US" dirty="0"/>
-              <a:t>So this is the end</a:t>
+              <a:t>Develop a deeper understanding of…</a:t>
             </a:r>
             <a:endParaRPr lang="en-GB" dirty="0"/>
           </a:p>
@@ -9153,18 +10991,18 @@
       </p:sp>
       <p:sp>
         <p:nvSpPr>
-          <p:cNvPr id="5" name="Text Placeholder 4">
-            <a:extLst>
-              <a:ext uri="{FF2B5EF4-FFF2-40B4-BE49-F238E27FC236}">
-                <a16:creationId xmlns:a16="http://schemas.microsoft.com/office/drawing/2014/main" id="{15416989-D3BC-4141-BADA-64DE595DD1D2}"/>
-              </a:ext>
-            </a:extLst>
-          </p:cNvPr>
-          <p:cNvSpPr>
-            <a:spLocks noGrp="1"/>
-          </p:cNvSpPr>
-          <p:nvPr>
-            <p:ph type="body" idx="1"/>
+          <p:cNvPr id="5" name="Content Placeholder 4">
+            <a:extLst>
+              <a:ext uri="{FF2B5EF4-FFF2-40B4-BE49-F238E27FC236}">
+                <a16:creationId xmlns:a16="http://schemas.microsoft.com/office/drawing/2014/main" id="{8D68AA04-CE99-4E3D-A743-B4FE0611BB3C}"/>
+              </a:ext>
+            </a:extLst>
+          </p:cNvPr>
+          <p:cNvSpPr>
+            <a:spLocks noGrp="1"/>
+          </p:cNvSpPr>
+          <p:nvPr>
+            <p:ph idx="1"/>
           </p:nvPr>
         </p:nvSpPr>
         <p:spPr/>
@@ -9172,10 +11010,73 @@
           <a:bodyPr/>
           <a:lstStyle/>
           <a:p>
-            <a:r>
-              <a:rPr lang="en-US" dirty="0"/>
-              <a:t>What’s next?</a:t>
-            </a:r>
+            <a:pPr marL="0" indent="0">
+              <a:buNone/>
+            </a:pPr>
+            <a:r>
+              <a:rPr lang="en-US" b="1" dirty="0"/>
+              <a:t>Improving training procedures (W2++)</a:t>
+            </a:r>
+          </a:p>
+          <a:p>
+            <a:pPr marL="0" indent="0">
+              <a:buNone/>
+            </a:pPr>
+            <a:r>
+              <a:rPr lang="en-GB" dirty="0"/>
+              <a:t>At the moment, mostly using gradient descent based algorithms to train our models…</a:t>
+            </a:r>
+          </a:p>
+          <a:p>
+            <a:pPr marL="0" indent="0">
+              <a:buNone/>
+            </a:pPr>
+            <a:r>
+              <a:rPr lang="en-GB" dirty="0"/>
+              <a:t>Many different directions have been considered, for instance:</a:t>
+            </a:r>
+          </a:p>
+          <a:p>
+            <a:r>
+              <a:rPr lang="en-GB" dirty="0"/>
+              <a:t>Using Forward-Forward (2022 proposal from Hinton, to replace our conventional backprop): </a:t>
+            </a:r>
+            <a:r>
+              <a:rPr lang="en-GB" dirty="0">
+                <a:hlinkClick r:id="rId2"/>
+              </a:rPr>
+              <a:t>https://arxiv.org/abs/2212.13345</a:t>
+            </a:r>
+            <a:r>
+              <a:rPr lang="en-GB" dirty="0"/>
+              <a:t> </a:t>
+            </a:r>
+          </a:p>
+          <a:p>
+            <a:r>
+              <a:rPr lang="en-GB" dirty="0"/>
+              <a:t>Training AIs to train other AIs?: “learning to learn” or “meta-learning”</a:t>
+            </a:r>
+            <a:br>
+              <a:rPr lang="en-GB" dirty="0"/>
+            </a:br>
+            <a:r>
+              <a:rPr lang="en-GB" dirty="0"/>
+              <a:t>Curious?: </a:t>
+            </a:r>
+            <a:r>
+              <a:rPr lang="en-GB" dirty="0">
+                <a:hlinkClick r:id="rId3"/>
+              </a:rPr>
+              <a:t>https://machinelearningmastery.com/meta-learning-in-machine-learning/</a:t>
+            </a:r>
+            <a:r>
+              <a:rPr lang="en-GB" dirty="0"/>
+              <a:t> </a:t>
+            </a:r>
+            <a:endParaRPr lang="en-US" dirty="0"/>
+          </a:p>
+          <a:p>
             <a:endParaRPr lang="en-GB" dirty="0"/>
           </a:p>
         </p:txBody>
@@ -9183,7 +11084,7 @@
     </p:spTree>
     <p:extLst>
       <p:ext uri="{BB962C8B-B14F-4D97-AF65-F5344CB8AC3E}">
-        <p14:creationId xmlns:p14="http://schemas.microsoft.com/office/powerpoint/2010/main" val="2221598679"/>
+        <p14:creationId xmlns:p14="http://schemas.microsoft.com/office/powerpoint/2010/main" val="2489181972"/>
       </p:ext>
     </p:extLst>
   </p:cSld>
@@ -9212,10 +11113,10 @@
       </p:grpSpPr>
       <p:sp>
         <p:nvSpPr>
-          <p:cNvPr id="4" name="Title 3">
-            <a:extLst>
-              <a:ext uri="{FF2B5EF4-FFF2-40B4-BE49-F238E27FC236}">
-                <a16:creationId xmlns:a16="http://schemas.microsoft.com/office/drawing/2014/main" id="{15864A73-91DC-47E6-BFC6-77EC81F88251}"/>
+          <p:cNvPr id="2" name="Title 1">
+            <a:extLst>
+              <a:ext uri="{FF2B5EF4-FFF2-40B4-BE49-F238E27FC236}">
+                <a16:creationId xmlns:a16="http://schemas.microsoft.com/office/drawing/2014/main" id="{C826F7A7-7731-488B-8DF2-1407712F1EC1}"/>
               </a:ext>
             </a:extLst>
           </p:cNvPr>
@@ -9233,7 +11134,7 @@
           <a:p>
             <a:r>
               <a:rPr lang="en-US" dirty="0"/>
-              <a:t>Develop a deeper understanding of…</a:t>
+              <a:t>On top of everything we have seen…</a:t>
             </a:r>
             <a:endParaRPr lang="en-GB" dirty="0"/>
           </a:p>
@@ -9241,10 +11142,10 @@
       </p:sp>
       <p:sp>
         <p:nvSpPr>
-          <p:cNvPr id="5" name="Content Placeholder 4">
-            <a:extLst>
-              <a:ext uri="{FF2B5EF4-FFF2-40B4-BE49-F238E27FC236}">
-                <a16:creationId xmlns:a16="http://schemas.microsoft.com/office/drawing/2014/main" id="{8D68AA04-CE99-4E3D-A743-B4FE0611BB3C}"/>
+          <p:cNvPr id="3" name="Content Placeholder 2">
+            <a:extLst>
+              <a:ext uri="{FF2B5EF4-FFF2-40B4-BE49-F238E27FC236}">
+                <a16:creationId xmlns:a16="http://schemas.microsoft.com/office/drawing/2014/main" id="{9D882609-53DF-4B06-91C6-50E0570C62D5}"/>
               </a:ext>
             </a:extLst>
           </p:cNvPr>
@@ -9255,43 +11156,65 @@
             <p:ph idx="1"/>
           </p:nvPr>
         </p:nvSpPr>
-        <p:spPr/>
-        <p:txBody>
-          <a:bodyPr/>
+        <p:spPr>
+          <a:xfrm>
+            <a:off x="838200" y="1825624"/>
+            <a:ext cx="10515600" cy="5032375"/>
+          </a:xfrm>
+        </p:spPr>
+        <p:txBody>
+          <a:bodyPr>
+            <a:normAutofit/>
+          </a:bodyPr>
           <a:lstStyle/>
           <a:p>
             <a:pPr marL="0" indent="0">
               <a:buNone/>
             </a:pPr>
             <a:r>
-              <a:rPr lang="en-US" b="1" dirty="0"/>
-              <a:t>Advanced attacks and Defense mechanisms (W6++)</a:t>
-            </a:r>
+              <a:rPr lang="en-GB" b="1" dirty="0"/>
+              <a:t>Advanced Computer Vision (W4++ and W10++)</a:t>
+            </a:r>
+            <a:endParaRPr lang="en-GB" dirty="0"/>
           </a:p>
           <a:p>
             <a:pPr marL="0" indent="0">
               <a:buNone/>
             </a:pPr>
             <a:r>
-              <a:rPr lang="en-US" dirty="0"/>
-              <a:t>Many more mechanisms when it comes to attacking and defending a Neural Network, e.g. new types of attacks, such as:</a:t>
-            </a:r>
-          </a:p>
-          <a:p>
-            <a:r>
-              <a:rPr lang="en-US" dirty="0"/>
-              <a:t>Poisoning attacks (attempt to poison the dataset so the NN cannot re-train properly),</a:t>
-            </a:r>
-          </a:p>
-          <a:p>
-            <a:r>
-              <a:rPr lang="en-US" dirty="0"/>
-              <a:t>Weights changes (attempt to change a small subset of the weights of the NN to prevent it from working in certain ways),</a:t>
-            </a:r>
-          </a:p>
-          <a:p>
-            <a:r>
-              <a:rPr lang="en-US" dirty="0"/>
+              <a:rPr lang="en-GB" dirty="0"/>
+              <a:t>Consider enrolling for the Computer Vision Term 7 course for more advanced concepts on CV, such as:</a:t>
+            </a:r>
+          </a:p>
+          <a:p>
+            <a:r>
+              <a:rPr lang="en-GB" dirty="0"/>
+              <a:t>More advanced loss functions like triplet loss, </a:t>
+            </a:r>
+          </a:p>
+          <a:p>
+            <a:r>
+              <a:rPr lang="en-GB" dirty="0"/>
+              <a:t>Advanced architectures like </a:t>
+            </a:r>
+            <a:r>
+              <a:rPr lang="en-GB" dirty="0" err="1"/>
+              <a:t>siamese</a:t>
+            </a:r>
+            <a:r>
+              <a:rPr lang="en-GB" dirty="0"/>
+              <a:t> networks,</a:t>
+            </a:r>
+          </a:p>
+          <a:p>
+            <a:r>
+              <a:rPr lang="en-GB" dirty="0"/>
+              <a:t>Video data models, </a:t>
+            </a:r>
+          </a:p>
+          <a:p>
+            <a:r>
+              <a:rPr lang="en-GB" dirty="0"/>
               <a:t>Etc.</a:t>
             </a:r>
           </a:p>
@@ -9303,11 +11226,23 @@
               <a:rPr lang="en-GB" dirty="0">
                 <a:hlinkClick r:id="rId2"/>
               </a:rPr>
-              <a:t>https://www.comp.nus.edu.sg/~reza/courses/cs6231/</a:t>
-            </a:r>
-            <a:endParaRPr lang="en-US" dirty="0"/>
-          </a:p>
-          <a:p>
+              <a:t>https://istd.sutd.edu.sg/undergraduate/courses/50035-computer-vision</a:t>
+            </a:r>
+            <a:endParaRPr lang="en-GB" dirty="0"/>
+          </a:p>
+          <a:p>
+            <a:endParaRPr lang="en-GB" dirty="0"/>
+          </a:p>
+          <a:p>
+            <a:pPr marL="0" indent="0">
+              <a:buNone/>
+            </a:pPr>
+            <a:endParaRPr lang="en-GB" dirty="0"/>
+          </a:p>
+          <a:p>
+            <a:pPr marL="0" indent="0">
+              <a:buNone/>
+            </a:pPr>
             <a:endParaRPr lang="en-GB" dirty="0"/>
           </a:p>
         </p:txBody>
@@ -9315,7 +11250,7 @@
     </p:spTree>
     <p:extLst>
       <p:ext uri="{BB962C8B-B14F-4D97-AF65-F5344CB8AC3E}">
-        <p14:creationId xmlns:p14="http://schemas.microsoft.com/office/powerpoint/2010/main" val="2489181972"/>
+        <p14:creationId xmlns:p14="http://schemas.microsoft.com/office/powerpoint/2010/main" val="2853804024"/>
       </p:ext>
     </p:extLst>
   </p:cSld>
@@ -9397,7 +11332,7 @@
             </a:pPr>
             <a:r>
               <a:rPr lang="en-US" b="1" dirty="0"/>
-              <a:t>Advanced word embedding and NLP problems (W5++ and W8++)</a:t>
+              <a:t>Advanced attacks and Defense mechanisms (W5++)</a:t>
             </a:r>
           </a:p>
           <a:p>
@@ -9406,29 +11341,26 @@
             </a:pPr>
             <a:r>
               <a:rPr lang="en-US" dirty="0"/>
-              <a:t>Many more mechanisms when it comes to embedding and language related problems.</a:t>
+              <a:t>Many more mechanisms when it comes to attacking and defending a Neural Network, e.g. new types of attacks, such as:</a:t>
             </a:r>
           </a:p>
           <a:p>
             <a:r>
               <a:rPr lang="en-US" dirty="0"/>
-              <a:t>E.g. more advanced embeddings</a:t>
+              <a:t>Poisoning attacks (attempt to poison the dataset so the NN cannot re-train properly),</a:t>
             </a:r>
           </a:p>
           <a:p>
             <a:r>
               <a:rPr lang="en-US" dirty="0"/>
-              <a:t>Typical tasks in NLP (chatbots, context propagation, sentiment analysis, translation, etc.)</a:t>
+              <a:t>Weights changes (attempt to change a small subset of the weights of the NN to prevent it from working in certain ways),</a:t>
             </a:r>
           </a:p>
           <a:p>
             <a:r>
               <a:rPr lang="en-US" dirty="0"/>
-              <a:t>Go for the Term 8 NLP course!</a:t>
-            </a:r>
-            <a:endParaRPr lang="en-US" dirty="0">
-              <a:hlinkClick r:id="rId2"/>
-            </a:endParaRPr>
+              <a:t>Etc.</a:t>
+            </a:r>
           </a:p>
           <a:p>
             <a:pPr marL="0" indent="0">
@@ -9436,16 +11368,13 @@
             </a:pPr>
             <a:r>
               <a:rPr lang="en-GB" dirty="0">
-                <a:hlinkClick r:id="rId3"/>
+                <a:hlinkClick r:id="rId2"/>
               </a:rPr>
-              <a:t>https://istd.sutd.edu.sg/undergraduate/courses/50040-natural-language-processing</a:t>
-            </a:r>
-            <a:endParaRPr lang="en-GB" dirty="0"/>
-          </a:p>
-          <a:p>
-            <a:pPr marL="0" indent="0">
-              <a:buNone/>
-            </a:pPr>
+              <a:t>https://www.comp.nus.edu.sg/~reza/courses/cs6231/</a:t>
+            </a:r>
+            <a:endParaRPr lang="en-US" dirty="0"/>
+          </a:p>
+          <a:p>
             <a:endParaRPr lang="en-GB" dirty="0"/>
           </a:p>
         </p:txBody>
@@ -9453,7 +11382,7 @@
     </p:spTree>
     <p:extLst>
       <p:ext uri="{BB962C8B-B14F-4D97-AF65-F5344CB8AC3E}">
-        <p14:creationId xmlns:p14="http://schemas.microsoft.com/office/powerpoint/2010/main" val="2210072154"/>
+        <p14:creationId xmlns:p14="http://schemas.microsoft.com/office/powerpoint/2010/main" val="3328516863"/>
       </p:ext>
     </p:extLst>
   </p:cSld>
@@ -9525,16 +11454,9 @@
             <p:ph idx="1"/>
           </p:nvPr>
         </p:nvSpPr>
-        <p:spPr>
-          <a:xfrm>
-            <a:off x="838200" y="1825624"/>
-            <a:ext cx="10515600" cy="5032375"/>
-          </a:xfrm>
-        </p:spPr>
-        <p:txBody>
-          <a:bodyPr>
-            <a:normAutofit/>
-          </a:bodyPr>
+        <p:spPr/>
+        <p:txBody>
+          <a:bodyPr/>
           <a:lstStyle/>
           <a:p>
             <a:pPr marL="0" indent="0">
@@ -9542,7 +11464,7 @@
             </a:pPr>
             <a:r>
               <a:rPr lang="en-US" b="1" dirty="0"/>
-              <a:t>Advanced Graph Neural Networks (W9++)</a:t>
+              <a:t>Advanced word embedding and NLP problems (W6++ and W8++)</a:t>
             </a:r>
           </a:p>
           <a:p>
@@ -9551,57 +11473,46 @@
             </a:pPr>
             <a:r>
               <a:rPr lang="en-US" dirty="0"/>
-              <a:t>We barely scratched the surface of Graph Theory. If you need to study a new math theory, let it be graph theory!</a:t>
+              <a:t>Many more mechanisms when it comes to embedding and language related problems.</a:t>
             </a:r>
           </a:p>
           <a:p>
             <a:r>
               <a:rPr lang="en-US" dirty="0"/>
-              <a:t>Good graph theory course here:</a:t>
-            </a:r>
+              <a:t>E.g. more advanced embeddings</a:t>
+            </a:r>
+          </a:p>
+          <a:p>
+            <a:r>
+              <a:rPr lang="en-US" dirty="0"/>
+              <a:t>Typical tasks in NLP (chatbots, context propagation, sentiment analysis, translation, etc.)</a:t>
+            </a:r>
+          </a:p>
+          <a:p>
+            <a:r>
+              <a:rPr lang="en-US" dirty="0"/>
+              <a:t>Go for the Term 7 NLP course!</a:t>
+            </a:r>
+            <a:endParaRPr lang="en-US" dirty="0">
+              <a:hlinkClick r:id="rId2"/>
+            </a:endParaRPr>
           </a:p>
           <a:p>
             <a:pPr marL="0" indent="0">
               <a:buNone/>
             </a:pPr>
             <a:r>
-              <a:rPr lang="en-US" dirty="0">
-                <a:hlinkClick r:id="rId2"/>
-              </a:rPr>
-              <a:t>https://ocw.mit.edu/courses/mathematics/18-217-graph-theory-and-additive-combinatorics-fall-2019/</a:t>
-            </a:r>
-            <a:endParaRPr lang="en-US" dirty="0"/>
-          </a:p>
-          <a:p>
-            <a:r>
-              <a:rPr lang="en-US" dirty="0"/>
-              <a:t>More advanced problems and concepts on Graph Neural Networks in lectures 1-9 of course here:</a:t>
-            </a:r>
-          </a:p>
-          <a:p>
-            <a:pPr marL="0" indent="0">
-              <a:buNone/>
-            </a:pPr>
-            <a:r>
-              <a:rPr lang="en-US" dirty="0">
+              <a:rPr lang="en-GB" dirty="0">
                 <a:hlinkClick r:id="rId3"/>
               </a:rPr>
-              <a:t>https://www.cs.ox.ac.uk/teaching/courses/2020-2021/advml/</a:t>
-            </a:r>
-            <a:endParaRPr lang="en-US" dirty="0"/>
-          </a:p>
-          <a:p>
-            <a:endParaRPr lang="en-US" b="1" dirty="0"/>
+              <a:t>https://istd.sutd.edu.sg/undergraduate/courses/50040-natural-language-processing</a:t>
+            </a:r>
+            <a:endParaRPr lang="en-GB" dirty="0"/>
           </a:p>
           <a:p>
             <a:pPr marL="0" indent="0">
               <a:buNone/>
             </a:pPr>
-            <a:endParaRPr lang="en-US" dirty="0">
-              <a:hlinkClick r:id="rId4"/>
-            </a:endParaRPr>
-          </a:p>
-          <a:p>
             <a:endParaRPr lang="en-GB" dirty="0"/>
           </a:p>
         </p:txBody>
@@ -9609,7 +11520,7 @@
     </p:spTree>
     <p:extLst>
       <p:ext uri="{BB962C8B-B14F-4D97-AF65-F5344CB8AC3E}">
-        <p14:creationId xmlns:p14="http://schemas.microsoft.com/office/powerpoint/2010/main" val="714959462"/>
+        <p14:creationId xmlns:p14="http://schemas.microsoft.com/office/powerpoint/2010/main" val="2210072154"/>
       </p:ext>
     </p:extLst>
   </p:cSld>
@@ -9707,38 +11618,43 @@
             </a:pPr>
             <a:r>
               <a:rPr lang="en-US" dirty="0"/>
-              <a:t>Also, keep in mind that Neural Networks are graphs…</a:t>
+              <a:t>We barely scratched the surface of Graph Theory. If you need to study a new math theory, let it be graph theory!</a:t>
             </a:r>
           </a:p>
           <a:p>
             <a:r>
               <a:rPr lang="en-US" dirty="0"/>
-              <a:t>So technically, we could build a Neural Network, which receives another Neural Network as its input…!</a:t>
-            </a:r>
-          </a:p>
-          <a:p>
-            <a:r>
-              <a:rPr lang="en-US" dirty="0"/>
-              <a:t>What could be the uses for such a technique?</a:t>
-            </a:r>
-          </a:p>
-          <a:p>
-            <a:r>
-              <a:rPr lang="en-US" dirty="0"/>
-              <a:t>Meta-learning? (i.e. training an AI to train another AI?!)</a:t>
-            </a:r>
-            <a:br>
-              <a:rPr lang="en-US" dirty="0"/>
-            </a:br>
+              <a:t>Good graph theory course here:</a:t>
+            </a:r>
+          </a:p>
+          <a:p>
+            <a:pPr marL="0" indent="0">
+              <a:buNone/>
+            </a:pPr>
             <a:r>
               <a:rPr lang="en-US" dirty="0">
                 <a:hlinkClick r:id="rId2"/>
               </a:rPr>
-              <a:t>https://machinelearningmastery.com/meta-learning-in-machine-learning/</a:t>
+              <a:t>https://ocw.mit.edu/courses/mathematics/18-217-graph-theory-and-additive-combinatorics-fall-2019/</a:t>
             </a:r>
             <a:endParaRPr lang="en-US" dirty="0"/>
           </a:p>
           <a:p>
+            <a:r>
+              <a:rPr lang="en-US" dirty="0"/>
+              <a:t>More advanced problems and concepts on Graph Neural Networks in lectures 1-9 of course here:</a:t>
+            </a:r>
+          </a:p>
+          <a:p>
+            <a:pPr marL="0" indent="0">
+              <a:buNone/>
+            </a:pPr>
+            <a:r>
+              <a:rPr lang="en-US" dirty="0">
+                <a:hlinkClick r:id="rId3"/>
+              </a:rPr>
+              <a:t>https://www.cs.ox.ac.uk/teaching/courses/2020-2021/advml/</a:t>
+            </a:r>
             <a:endParaRPr lang="en-US" dirty="0"/>
           </a:p>
           <a:p>
@@ -9749,7 +11665,7 @@
               <a:buNone/>
             </a:pPr>
             <a:endParaRPr lang="en-US" dirty="0">
-              <a:hlinkClick r:id="rId3"/>
+              <a:hlinkClick r:id="rId4"/>
             </a:endParaRPr>
           </a:p>
           <a:p>
@@ -9760,7 +11676,7 @@
     </p:spTree>
     <p:extLst>
       <p:ext uri="{BB962C8B-B14F-4D97-AF65-F5344CB8AC3E}">
-        <p14:creationId xmlns:p14="http://schemas.microsoft.com/office/powerpoint/2010/main" val="2398190619"/>
+        <p14:creationId xmlns:p14="http://schemas.microsoft.com/office/powerpoint/2010/main" val="714959462"/>
       </p:ext>
     </p:extLst>
   </p:cSld>
@@ -9849,37 +11765,50 @@
             </a:pPr>
             <a:r>
               <a:rPr lang="en-US" b="1" dirty="0"/>
-              <a:t>Advanced Generative Models (W10++)</a:t>
-            </a:r>
-          </a:p>
-          <a:p>
+              <a:t>Advanced Graph Neural Networks (W9++)</a:t>
+            </a:r>
+          </a:p>
+          <a:p>
+            <a:pPr marL="0" indent="0">
+              <a:buNone/>
+            </a:pPr>
             <a:r>
               <a:rPr lang="en-US" dirty="0"/>
-              <a:t>Advanced GANs, operating on other types of data than just images (sound, text, etc.)</a:t>
+              <a:t>Also, keep in mind that Neural Networks are graphs…</a:t>
             </a:r>
           </a:p>
           <a:p>
             <a:r>
               <a:rPr lang="en-US" dirty="0"/>
-              <a:t>Very good online course here:</a:t>
-            </a:r>
-          </a:p>
-          <a:p>
-            <a:pPr marL="0" indent="0">
-              <a:buNone/>
-            </a:pPr>
+              <a:t>So technically, we could build a Neural Network, which receives another Neural Network as its input…!</a:t>
+            </a:r>
+          </a:p>
+          <a:p>
+            <a:r>
+              <a:rPr lang="en-US" dirty="0"/>
+              <a:t>What could be the uses for such a technique?</a:t>
+            </a:r>
+          </a:p>
+          <a:p>
+            <a:r>
+              <a:rPr lang="en-US" dirty="0"/>
+              <a:t>Meta-learning? (i.e. training an AI to train another AI?!)</a:t>
+            </a:r>
+            <a:br>
+              <a:rPr lang="en-US" dirty="0"/>
+            </a:br>
             <a:r>
               <a:rPr lang="en-US" dirty="0">
                 <a:hlinkClick r:id="rId2"/>
               </a:rPr>
-              <a:t>https://cs236g.stanford.edu/</a:t>
+              <a:t>https://machinelearningmastery.com/meta-learning-in-machine-learning/</a:t>
             </a:r>
             <a:endParaRPr lang="en-US" dirty="0"/>
           </a:p>
           <a:p>
-            <a:pPr marL="0" indent="0">
-              <a:buNone/>
-            </a:pPr>
+            <a:endParaRPr lang="en-US" dirty="0"/>
+          </a:p>
+          <a:p>
             <a:endParaRPr lang="en-US" b="1" dirty="0"/>
           </a:p>
           <a:p>
@@ -9898,7 +11827,7 @@
     </p:spTree>
     <p:extLst>
       <p:ext uri="{BB962C8B-B14F-4D97-AF65-F5344CB8AC3E}">
-        <p14:creationId xmlns:p14="http://schemas.microsoft.com/office/powerpoint/2010/main" val="3189324614"/>
+        <p14:creationId xmlns:p14="http://schemas.microsoft.com/office/powerpoint/2010/main" val="2398190619"/>
       </p:ext>
     </p:extLst>
   </p:cSld>

--- a/W12/3. W12S3 final/W12S3.pptx
+++ b/W12/3. W12S3 final/W12S3.pptx
@@ -5,7 +5,7 @@
     <p:sldMasterId id="2147483648" r:id="rId1"/>
   </p:sldMasterIdLst>
   <p:notesMasterIdLst>
-    <p:notesMasterId r:id="rId38"/>
+    <p:notesMasterId r:id="rId41"/>
   </p:notesMasterIdLst>
   <p:sldIdLst>
     <p:sldId id="377" r:id="rId2"/>
@@ -27,23 +27,26 @@
     <p:sldId id="718" r:id="rId18"/>
     <p:sldId id="701" r:id="rId19"/>
     <p:sldId id="706" r:id="rId20"/>
-    <p:sldId id="704" r:id="rId21"/>
-    <p:sldId id="720" r:id="rId22"/>
-    <p:sldId id="722" r:id="rId23"/>
-    <p:sldId id="723" r:id="rId24"/>
-    <p:sldId id="699" r:id="rId25"/>
-    <p:sldId id="707" r:id="rId26"/>
-    <p:sldId id="708" r:id="rId27"/>
-    <p:sldId id="712" r:id="rId28"/>
-    <p:sldId id="711" r:id="rId29"/>
-    <p:sldId id="716" r:id="rId30"/>
-    <p:sldId id="717" r:id="rId31"/>
-    <p:sldId id="714" r:id="rId32"/>
-    <p:sldId id="724" r:id="rId33"/>
-    <p:sldId id="725" r:id="rId34"/>
-    <p:sldId id="726" r:id="rId35"/>
-    <p:sldId id="727" r:id="rId36"/>
-    <p:sldId id="728" r:id="rId37"/>
+    <p:sldId id="730" r:id="rId21"/>
+    <p:sldId id="704" r:id="rId22"/>
+    <p:sldId id="720" r:id="rId23"/>
+    <p:sldId id="722" r:id="rId24"/>
+    <p:sldId id="723" r:id="rId25"/>
+    <p:sldId id="699" r:id="rId26"/>
+    <p:sldId id="707" r:id="rId27"/>
+    <p:sldId id="708" r:id="rId28"/>
+    <p:sldId id="712" r:id="rId29"/>
+    <p:sldId id="711" r:id="rId30"/>
+    <p:sldId id="716" r:id="rId31"/>
+    <p:sldId id="717" r:id="rId32"/>
+    <p:sldId id="714" r:id="rId33"/>
+    <p:sldId id="724" r:id="rId34"/>
+    <p:sldId id="731" r:id="rId35"/>
+    <p:sldId id="732" r:id="rId36"/>
+    <p:sldId id="725" r:id="rId37"/>
+    <p:sldId id="726" r:id="rId38"/>
+    <p:sldId id="727" r:id="rId39"/>
+    <p:sldId id="728" r:id="rId40"/>
   </p:sldIdLst>
   <p:sldSz cx="12192000" cy="6858000"/>
   <p:notesSz cx="6858000" cy="9144000"/>
@@ -174,6 +177,7 @@
             <p14:sldId id="718"/>
             <p14:sldId id="701"/>
             <p14:sldId id="706"/>
+            <p14:sldId id="730"/>
             <p14:sldId id="704"/>
             <p14:sldId id="720"/>
             <p14:sldId id="722"/>
@@ -191,6 +195,12 @@
             <p14:sldId id="717"/>
             <p14:sldId id="714"/>
             <p14:sldId id="724"/>
+          </p14:sldIdLst>
+        </p14:section>
+        <p14:section name="Cracking the Deep Learning interview" id="{51F28123-1794-4BC9-8448-7272DFC865EB}">
+          <p14:sldIdLst>
+            <p14:sldId id="731"/>
+            <p14:sldId id="732"/>
           </p14:sldIdLst>
         </p14:section>
         <p14:section name="PyTorch 2.0" id="{935B0895-05FA-46E5-A92E-5FD6E815F531}">
@@ -213,7 +223,7 @@
 <file path=ppt/revisionInfo.xml><?xml version="1.0" encoding="utf-8"?>
 <p1510:revInfo xmlns:a="http://schemas.openxmlformats.org/drawingml/2006/main" xmlns:r="http://schemas.openxmlformats.org/officeDocument/2006/relationships" xmlns:p1510="http://schemas.microsoft.com/office/powerpoint/2015/10/main">
   <p1510:revLst>
-    <p1510:client id="{BB2724B5-25CB-48CB-80ED-AC0C7558B6CD}" v="17" dt="2023-04-08T12:20:41.791"/>
+    <p1510:client id="{1C20FA8B-D315-4EDF-967A-6B5C98F8BE64}" v="10" dt="2023-09-07T09:33:49.973"/>
   </p1510:revLst>
 </p1510:revInfo>
 </file>
@@ -588,6 +598,318 @@
           </ac:spMkLst>
         </pc:spChg>
       </pc:sldMasterChg>
+    </pc:docChg>
+  </pc:docChgLst>
+  <pc:docChgLst>
+    <pc:chgData name="Matthieu De Mari" userId="dfb708c9-d8dc-439f-9a3b-c772bf4a311c" providerId="ADAL" clId="{1C20FA8B-D315-4EDF-967A-6B5C98F8BE64}"/>
+    <pc:docChg chg="undo custSel addSld delSld modSld addSection modSection">
+      <pc:chgData name="Matthieu De Mari" userId="dfb708c9-d8dc-439f-9a3b-c772bf4a311c" providerId="ADAL" clId="{1C20FA8B-D315-4EDF-967A-6B5C98F8BE64}" dt="2023-09-07T09:34:31.102" v="1191" actId="20577"/>
+      <pc:docMkLst>
+        <pc:docMk/>
+      </pc:docMkLst>
+      <pc:sldChg chg="modSp mod">
+        <pc:chgData name="Matthieu De Mari" userId="dfb708c9-d8dc-439f-9a3b-c772bf4a311c" providerId="ADAL" clId="{1C20FA8B-D315-4EDF-967A-6B5C98F8BE64}" dt="2023-09-07T09:08:38.305" v="1" actId="20577"/>
+        <pc:sldMkLst>
+          <pc:docMk/>
+          <pc:sldMk cId="33100385" sldId="684"/>
+        </pc:sldMkLst>
+        <pc:spChg chg="mod">
+          <ac:chgData name="Matthieu De Mari" userId="dfb708c9-d8dc-439f-9a3b-c772bf4a311c" providerId="ADAL" clId="{1C20FA8B-D315-4EDF-967A-6B5C98F8BE64}" dt="2023-09-07T09:08:38.305" v="1" actId="20577"/>
+          <ac:spMkLst>
+            <pc:docMk/>
+            <pc:sldMk cId="33100385" sldId="684"/>
+            <ac:spMk id="3" creationId="{165E9D1B-C544-4598-B895-1C8F723A0C67}"/>
+          </ac:spMkLst>
+        </pc:spChg>
+      </pc:sldChg>
+      <pc:sldChg chg="modSp mod">
+        <pc:chgData name="Matthieu De Mari" userId="dfb708c9-d8dc-439f-9a3b-c772bf4a311c" providerId="ADAL" clId="{1C20FA8B-D315-4EDF-967A-6B5C98F8BE64}" dt="2023-09-07T09:09:18.553" v="5" actId="313"/>
+        <pc:sldMkLst>
+          <pc:docMk/>
+          <pc:sldMk cId="2853804024" sldId="686"/>
+        </pc:sldMkLst>
+        <pc:spChg chg="mod">
+          <ac:chgData name="Matthieu De Mari" userId="dfb708c9-d8dc-439f-9a3b-c772bf4a311c" providerId="ADAL" clId="{1C20FA8B-D315-4EDF-967A-6B5C98F8BE64}" dt="2023-09-07T09:09:18.553" v="5" actId="313"/>
+          <ac:spMkLst>
+            <pc:docMk/>
+            <pc:sldMk cId="2853804024" sldId="686"/>
+            <ac:spMk id="3" creationId="{9D882609-53DF-4B06-91C6-50E0570C62D5}"/>
+          </ac:spMkLst>
+        </pc:spChg>
+      </pc:sldChg>
+      <pc:sldChg chg="modSp mod">
+        <pc:chgData name="Matthieu De Mari" userId="dfb708c9-d8dc-439f-9a3b-c772bf4a311c" providerId="ADAL" clId="{1C20FA8B-D315-4EDF-967A-6B5C98F8BE64}" dt="2023-09-07T09:09:13.623" v="4" actId="14100"/>
+        <pc:sldMkLst>
+          <pc:docMk/>
+          <pc:sldMk cId="2489181972" sldId="689"/>
+        </pc:sldMkLst>
+        <pc:spChg chg="mod">
+          <ac:chgData name="Matthieu De Mari" userId="dfb708c9-d8dc-439f-9a3b-c772bf4a311c" providerId="ADAL" clId="{1C20FA8B-D315-4EDF-967A-6B5C98F8BE64}" dt="2023-09-07T09:09:13.623" v="4" actId="14100"/>
+          <ac:spMkLst>
+            <pc:docMk/>
+            <pc:sldMk cId="2489181972" sldId="689"/>
+            <ac:spMk id="5" creationId="{8D68AA04-CE99-4E3D-A743-B4FE0611BB3C}"/>
+          </ac:spMkLst>
+        </pc:spChg>
+      </pc:sldChg>
+      <pc:sldChg chg="modSp mod">
+        <pc:chgData name="Matthieu De Mari" userId="dfb708c9-d8dc-439f-9a3b-c772bf4a311c" providerId="ADAL" clId="{1C20FA8B-D315-4EDF-967A-6B5C98F8BE64}" dt="2023-09-07T09:10:23.700" v="53" actId="27636"/>
+        <pc:sldMkLst>
+          <pc:docMk/>
+          <pc:sldMk cId="3189324614" sldId="692"/>
+        </pc:sldMkLst>
+        <pc:spChg chg="mod">
+          <ac:chgData name="Matthieu De Mari" userId="dfb708c9-d8dc-439f-9a3b-c772bf4a311c" providerId="ADAL" clId="{1C20FA8B-D315-4EDF-967A-6B5C98F8BE64}" dt="2023-09-07T09:10:23.700" v="53" actId="27636"/>
+          <ac:spMkLst>
+            <pc:docMk/>
+            <pc:sldMk cId="3189324614" sldId="692"/>
+            <ac:spMk id="5" creationId="{8D68AA04-CE99-4E3D-A743-B4FE0611BB3C}"/>
+          </ac:spMkLst>
+        </pc:spChg>
+      </pc:sldChg>
+      <pc:sldChg chg="modSp mod">
+        <pc:chgData name="Matthieu De Mari" userId="dfb708c9-d8dc-439f-9a3b-c772bf4a311c" providerId="ADAL" clId="{1C20FA8B-D315-4EDF-967A-6B5C98F8BE64}" dt="2023-09-07T09:11:04.806" v="101" actId="20577"/>
+        <pc:sldMkLst>
+          <pc:docMk/>
+          <pc:sldMk cId="1227707544" sldId="693"/>
+        </pc:sldMkLst>
+        <pc:spChg chg="mod">
+          <ac:chgData name="Matthieu De Mari" userId="dfb708c9-d8dc-439f-9a3b-c772bf4a311c" providerId="ADAL" clId="{1C20FA8B-D315-4EDF-967A-6B5C98F8BE64}" dt="2023-09-07T09:11:04.806" v="101" actId="20577"/>
+          <ac:spMkLst>
+            <pc:docMk/>
+            <pc:sldMk cId="1227707544" sldId="693"/>
+            <ac:spMk id="5" creationId="{8D68AA04-CE99-4E3D-A743-B4FE0611BB3C}"/>
+          </ac:spMkLst>
+        </pc:spChg>
+      </pc:sldChg>
+      <pc:sldChg chg="modSp mod">
+        <pc:chgData name="Matthieu De Mari" userId="dfb708c9-d8dc-439f-9a3b-c772bf4a311c" providerId="ADAL" clId="{1C20FA8B-D315-4EDF-967A-6B5C98F8BE64}" dt="2023-09-07T09:10:56.098" v="100" actId="20577"/>
+        <pc:sldMkLst>
+          <pc:docMk/>
+          <pc:sldMk cId="3161243228" sldId="694"/>
+        </pc:sldMkLst>
+        <pc:spChg chg="mod">
+          <ac:chgData name="Matthieu De Mari" userId="dfb708c9-d8dc-439f-9a3b-c772bf4a311c" providerId="ADAL" clId="{1C20FA8B-D315-4EDF-967A-6B5C98F8BE64}" dt="2023-09-07T09:10:56.098" v="100" actId="20577"/>
+          <ac:spMkLst>
+            <pc:docMk/>
+            <pc:sldMk cId="3161243228" sldId="694"/>
+            <ac:spMk id="5" creationId="{8D68AA04-CE99-4E3D-A743-B4FE0611BB3C}"/>
+          </ac:spMkLst>
+        </pc:spChg>
+      </pc:sldChg>
+      <pc:sldChg chg="modSp mod">
+        <pc:chgData name="Matthieu De Mari" userId="dfb708c9-d8dc-439f-9a3b-c772bf4a311c" providerId="ADAL" clId="{1C20FA8B-D315-4EDF-967A-6B5C98F8BE64}" dt="2023-09-07T09:13:44.469" v="201" actId="20577"/>
+        <pc:sldMkLst>
+          <pc:docMk/>
+          <pc:sldMk cId="86124098" sldId="706"/>
+        </pc:sldMkLst>
+        <pc:spChg chg="mod">
+          <ac:chgData name="Matthieu De Mari" userId="dfb708c9-d8dc-439f-9a3b-c772bf4a311c" providerId="ADAL" clId="{1C20FA8B-D315-4EDF-967A-6B5C98F8BE64}" dt="2023-09-07T09:13:44.469" v="201" actId="20577"/>
+          <ac:spMkLst>
+            <pc:docMk/>
+            <pc:sldMk cId="86124098" sldId="706"/>
+            <ac:spMk id="3" creationId="{9D882609-53DF-4B06-91C6-50E0570C62D5}"/>
+          </ac:spMkLst>
+        </pc:spChg>
+      </pc:sldChg>
+      <pc:sldChg chg="modSp mod">
+        <pc:chgData name="Matthieu De Mari" userId="dfb708c9-d8dc-439f-9a3b-c772bf4a311c" providerId="ADAL" clId="{1C20FA8B-D315-4EDF-967A-6B5C98F8BE64}" dt="2023-09-07T09:09:35.998" v="44" actId="20577"/>
+        <pc:sldMkLst>
+          <pc:docMk/>
+          <pc:sldMk cId="3328516863" sldId="719"/>
+        </pc:sldMkLst>
+        <pc:spChg chg="mod">
+          <ac:chgData name="Matthieu De Mari" userId="dfb708c9-d8dc-439f-9a3b-c772bf4a311c" providerId="ADAL" clId="{1C20FA8B-D315-4EDF-967A-6B5C98F8BE64}" dt="2023-09-07T09:09:35.998" v="44" actId="20577"/>
+          <ac:spMkLst>
+            <pc:docMk/>
+            <pc:sldMk cId="3328516863" sldId="719"/>
+            <ac:spMk id="5" creationId="{8D68AA04-CE99-4E3D-A743-B4FE0611BB3C}"/>
+          </ac:spMkLst>
+        </pc:spChg>
+      </pc:sldChg>
+      <pc:sldChg chg="addSp delSp modSp mod chgLayout">
+        <pc:chgData name="Matthieu De Mari" userId="dfb708c9-d8dc-439f-9a3b-c772bf4a311c" providerId="ADAL" clId="{1C20FA8B-D315-4EDF-967A-6B5C98F8BE64}" dt="2023-09-07T09:22:47.225" v="278" actId="5793"/>
+        <pc:sldMkLst>
+          <pc:docMk/>
+          <pc:sldMk cId="1543612158" sldId="720"/>
+        </pc:sldMkLst>
+        <pc:spChg chg="mod ord">
+          <ac:chgData name="Matthieu De Mari" userId="dfb708c9-d8dc-439f-9a3b-c772bf4a311c" providerId="ADAL" clId="{1C20FA8B-D315-4EDF-967A-6B5C98F8BE64}" dt="2023-09-07T09:19:37.947" v="203" actId="700"/>
+          <ac:spMkLst>
+            <pc:docMk/>
+            <pc:sldMk cId="1543612158" sldId="720"/>
+            <ac:spMk id="2" creationId="{23F725B5-F049-3C40-3E21-40F3FED6C20E}"/>
+          </ac:spMkLst>
+        </pc:spChg>
+        <pc:spChg chg="mod ord">
+          <ac:chgData name="Matthieu De Mari" userId="dfb708c9-d8dc-439f-9a3b-c772bf4a311c" providerId="ADAL" clId="{1C20FA8B-D315-4EDF-967A-6B5C98F8BE64}" dt="2023-09-07T09:22:47.225" v="278" actId="5793"/>
+          <ac:spMkLst>
+            <pc:docMk/>
+            <pc:sldMk cId="1543612158" sldId="720"/>
+            <ac:spMk id="3" creationId="{95326F2F-4A02-8FC6-DBCF-1F609132343E}"/>
+          </ac:spMkLst>
+        </pc:spChg>
+        <pc:spChg chg="del">
+          <ac:chgData name="Matthieu De Mari" userId="dfb708c9-d8dc-439f-9a3b-c772bf4a311c" providerId="ADAL" clId="{1C20FA8B-D315-4EDF-967A-6B5C98F8BE64}" dt="2023-09-07T09:13:58.441" v="202" actId="478"/>
+          <ac:spMkLst>
+            <pc:docMk/>
+            <pc:sldMk cId="1543612158" sldId="720"/>
+            <ac:spMk id="4" creationId="{6F822E86-5204-2408-255C-A3DEF3402416}"/>
+          </ac:spMkLst>
+        </pc:spChg>
+        <pc:spChg chg="add mod ord">
+          <ac:chgData name="Matthieu De Mari" userId="dfb708c9-d8dc-439f-9a3b-c772bf4a311c" providerId="ADAL" clId="{1C20FA8B-D315-4EDF-967A-6B5C98F8BE64}" dt="2023-09-07T09:22:27.625" v="277" actId="20577"/>
+          <ac:spMkLst>
+            <pc:docMk/>
+            <pc:sldMk cId="1543612158" sldId="720"/>
+            <ac:spMk id="5" creationId="{FB591C76-9FB9-FB8F-6776-4BF050830EFB}"/>
+          </ac:spMkLst>
+        </pc:spChg>
+        <pc:picChg chg="add mod">
+          <ac:chgData name="Matthieu De Mari" userId="dfb708c9-d8dc-439f-9a3b-c772bf4a311c" providerId="ADAL" clId="{1C20FA8B-D315-4EDF-967A-6B5C98F8BE64}" dt="2023-09-07T09:22:19.274" v="273" actId="1076"/>
+          <ac:picMkLst>
+            <pc:docMk/>
+            <pc:sldMk cId="1543612158" sldId="720"/>
+            <ac:picMk id="7" creationId="{7D3E12A6-DF4B-CFBF-B8A1-A50C45CE29BD}"/>
+          </ac:picMkLst>
+        </pc:picChg>
+      </pc:sldChg>
+      <pc:sldChg chg="modSp mod">
+        <pc:chgData name="Matthieu De Mari" userId="dfb708c9-d8dc-439f-9a3b-c772bf4a311c" providerId="ADAL" clId="{1C20FA8B-D315-4EDF-967A-6B5C98F8BE64}" dt="2023-09-07T09:23:47.773" v="322" actId="6549"/>
+        <pc:sldMkLst>
+          <pc:docMk/>
+          <pc:sldMk cId="630819480" sldId="724"/>
+        </pc:sldMkLst>
+        <pc:spChg chg="mod">
+          <ac:chgData name="Matthieu De Mari" userId="dfb708c9-d8dc-439f-9a3b-c772bf4a311c" providerId="ADAL" clId="{1C20FA8B-D315-4EDF-967A-6B5C98F8BE64}" dt="2023-09-07T09:23:47.773" v="322" actId="6549"/>
+          <ac:spMkLst>
+            <pc:docMk/>
+            <pc:sldMk cId="630819480" sldId="724"/>
+            <ac:spMk id="3" creationId="{4276CAE7-B917-7B38-533B-E801722307F4}"/>
+          </ac:spMkLst>
+        </pc:spChg>
+      </pc:sldChg>
+      <pc:sldChg chg="modSp mod">
+        <pc:chgData name="Matthieu De Mari" userId="dfb708c9-d8dc-439f-9a3b-c772bf4a311c" providerId="ADAL" clId="{1C20FA8B-D315-4EDF-967A-6B5C98F8BE64}" dt="2023-09-07T09:24:04.220" v="326" actId="114"/>
+        <pc:sldMkLst>
+          <pc:docMk/>
+          <pc:sldMk cId="1400478764" sldId="726"/>
+        </pc:sldMkLst>
+        <pc:spChg chg="mod">
+          <ac:chgData name="Matthieu De Mari" userId="dfb708c9-d8dc-439f-9a3b-c772bf4a311c" providerId="ADAL" clId="{1C20FA8B-D315-4EDF-967A-6B5C98F8BE64}" dt="2023-09-07T09:24:04.220" v="326" actId="114"/>
+          <ac:spMkLst>
+            <pc:docMk/>
+            <pc:sldMk cId="1400478764" sldId="726"/>
+            <ac:spMk id="4" creationId="{D9E7860B-CB25-969C-27C8-4B0422EA8DEB}"/>
+          </ac:spMkLst>
+        </pc:spChg>
+      </pc:sldChg>
+      <pc:sldChg chg="modSp mod">
+        <pc:chgData name="Matthieu De Mari" userId="dfb708c9-d8dc-439f-9a3b-c772bf4a311c" providerId="ADAL" clId="{1C20FA8B-D315-4EDF-967A-6B5C98F8BE64}" dt="2023-09-07T09:24:11.716" v="327"/>
+        <pc:sldMkLst>
+          <pc:docMk/>
+          <pc:sldMk cId="2375703616" sldId="727"/>
+        </pc:sldMkLst>
+        <pc:spChg chg="mod">
+          <ac:chgData name="Matthieu De Mari" userId="dfb708c9-d8dc-439f-9a3b-c772bf4a311c" providerId="ADAL" clId="{1C20FA8B-D315-4EDF-967A-6B5C98F8BE64}" dt="2023-09-07T09:24:11.716" v="327"/>
+          <ac:spMkLst>
+            <pc:docMk/>
+            <pc:sldMk cId="2375703616" sldId="727"/>
+            <ac:spMk id="4" creationId="{D9E7860B-CB25-969C-27C8-4B0422EA8DEB}"/>
+          </ac:spMkLst>
+        </pc:spChg>
+      </pc:sldChg>
+      <pc:sldChg chg="modSp mod">
+        <pc:chgData name="Matthieu De Mari" userId="dfb708c9-d8dc-439f-9a3b-c772bf4a311c" providerId="ADAL" clId="{1C20FA8B-D315-4EDF-967A-6B5C98F8BE64}" dt="2023-09-07T09:24:32.130" v="335" actId="1076"/>
+        <pc:sldMkLst>
+          <pc:docMk/>
+          <pc:sldMk cId="2410329214" sldId="728"/>
+        </pc:sldMkLst>
+        <pc:spChg chg="mod">
+          <ac:chgData name="Matthieu De Mari" userId="dfb708c9-d8dc-439f-9a3b-c772bf4a311c" providerId="ADAL" clId="{1C20FA8B-D315-4EDF-967A-6B5C98F8BE64}" dt="2023-09-07T09:24:16.150" v="328"/>
+          <ac:spMkLst>
+            <pc:docMk/>
+            <pc:sldMk cId="2410329214" sldId="728"/>
+            <ac:spMk id="4" creationId="{D9E7860B-CB25-969C-27C8-4B0422EA8DEB}"/>
+          </ac:spMkLst>
+        </pc:spChg>
+        <pc:spChg chg="mod">
+          <ac:chgData name="Matthieu De Mari" userId="dfb708c9-d8dc-439f-9a3b-c772bf4a311c" providerId="ADAL" clId="{1C20FA8B-D315-4EDF-967A-6B5C98F8BE64}" dt="2023-09-07T09:24:32.130" v="335" actId="1076"/>
+          <ac:spMkLst>
+            <pc:docMk/>
+            <pc:sldMk cId="2410329214" sldId="728"/>
+            <ac:spMk id="7" creationId="{314E5CE2-9623-B087-DF50-EBB774109719}"/>
+          </ac:spMkLst>
+        </pc:spChg>
+        <pc:picChg chg="mod">
+          <ac:chgData name="Matthieu De Mari" userId="dfb708c9-d8dc-439f-9a3b-c772bf4a311c" providerId="ADAL" clId="{1C20FA8B-D315-4EDF-967A-6B5C98F8BE64}" dt="2023-09-07T09:24:28.970" v="334" actId="1076"/>
+          <ac:picMkLst>
+            <pc:docMk/>
+            <pc:sldMk cId="2410329214" sldId="728"/>
+            <ac:picMk id="5" creationId="{44BF6276-8DE4-8BEA-F9C6-5F33F7B173F8}"/>
+          </ac:picMkLst>
+        </pc:picChg>
+      </pc:sldChg>
+      <pc:sldChg chg="new del">
+        <pc:chgData name="Matthieu De Mari" userId="dfb708c9-d8dc-439f-9a3b-c772bf4a311c" providerId="ADAL" clId="{1C20FA8B-D315-4EDF-967A-6B5C98F8BE64}" dt="2023-09-07T09:26:00.246" v="338" actId="47"/>
+        <pc:sldMkLst>
+          <pc:docMk/>
+          <pc:sldMk cId="914537534" sldId="729"/>
+        </pc:sldMkLst>
+      </pc:sldChg>
+      <pc:sldChg chg="modSp add mod">
+        <pc:chgData name="Matthieu De Mari" userId="dfb708c9-d8dc-439f-9a3b-c772bf4a311c" providerId="ADAL" clId="{1C20FA8B-D315-4EDF-967A-6B5C98F8BE64}" dt="2023-09-07T09:27:23.887" v="509" actId="5793"/>
+        <pc:sldMkLst>
+          <pc:docMk/>
+          <pc:sldMk cId="2346545552" sldId="730"/>
+        </pc:sldMkLst>
+        <pc:spChg chg="mod">
+          <ac:chgData name="Matthieu De Mari" userId="dfb708c9-d8dc-439f-9a3b-c772bf4a311c" providerId="ADAL" clId="{1C20FA8B-D315-4EDF-967A-6B5C98F8BE64}" dt="2023-09-07T09:27:23.887" v="509" actId="5793"/>
+          <ac:spMkLst>
+            <pc:docMk/>
+            <pc:sldMk cId="2346545552" sldId="730"/>
+            <ac:spMk id="3" creationId="{9D882609-53DF-4B06-91C6-50E0570C62D5}"/>
+          </ac:spMkLst>
+        </pc:spChg>
+      </pc:sldChg>
+      <pc:sldChg chg="modSp new mod">
+        <pc:chgData name="Matthieu De Mari" userId="dfb708c9-d8dc-439f-9a3b-c772bf4a311c" providerId="ADAL" clId="{1C20FA8B-D315-4EDF-967A-6B5C98F8BE64}" dt="2023-09-07T09:32:35.568" v="947" actId="21"/>
+        <pc:sldMkLst>
+          <pc:docMk/>
+          <pc:sldMk cId="2770851000" sldId="731"/>
+        </pc:sldMkLst>
+        <pc:spChg chg="mod">
+          <ac:chgData name="Matthieu De Mari" userId="dfb708c9-d8dc-439f-9a3b-c772bf4a311c" providerId="ADAL" clId="{1C20FA8B-D315-4EDF-967A-6B5C98F8BE64}" dt="2023-09-07T09:28:31.366" v="564" actId="20577"/>
+          <ac:spMkLst>
+            <pc:docMk/>
+            <pc:sldMk cId="2770851000" sldId="731"/>
+            <ac:spMk id="2" creationId="{019176B1-DBFC-41ED-61D8-A32E47CBE543}"/>
+          </ac:spMkLst>
+        </pc:spChg>
+        <pc:spChg chg="mod">
+          <ac:chgData name="Matthieu De Mari" userId="dfb708c9-d8dc-439f-9a3b-c772bf4a311c" providerId="ADAL" clId="{1C20FA8B-D315-4EDF-967A-6B5C98F8BE64}" dt="2023-09-07T09:32:35.568" v="947" actId="21"/>
+          <ac:spMkLst>
+            <pc:docMk/>
+            <pc:sldMk cId="2770851000" sldId="731"/>
+            <ac:spMk id="3" creationId="{42E94496-CCBC-467D-504B-C943DBDCBD88}"/>
+          </ac:spMkLst>
+        </pc:spChg>
+      </pc:sldChg>
+      <pc:sldChg chg="modSp add mod">
+        <pc:chgData name="Matthieu De Mari" userId="dfb708c9-d8dc-439f-9a3b-c772bf4a311c" providerId="ADAL" clId="{1C20FA8B-D315-4EDF-967A-6B5C98F8BE64}" dt="2023-09-07T09:34:31.102" v="1191" actId="20577"/>
+        <pc:sldMkLst>
+          <pc:docMk/>
+          <pc:sldMk cId="885132000" sldId="732"/>
+        </pc:sldMkLst>
+        <pc:spChg chg="mod">
+          <ac:chgData name="Matthieu De Mari" userId="dfb708c9-d8dc-439f-9a3b-c772bf4a311c" providerId="ADAL" clId="{1C20FA8B-D315-4EDF-967A-6B5C98F8BE64}" dt="2023-09-07T09:34:31.102" v="1191" actId="20577"/>
+          <ac:spMkLst>
+            <pc:docMk/>
+            <pc:sldMk cId="885132000" sldId="732"/>
+            <ac:spMk id="3" creationId="{42E94496-CCBC-467D-504B-C943DBDCBD88}"/>
+          </ac:spMkLst>
+        </pc:spChg>
+      </pc:sldChg>
     </pc:docChg>
   </pc:docChgLst>
   <pc:docChgLst>
@@ -1255,7 +1577,7 @@
           <a:p>
             <a:fld id="{61478373-EB31-4867-8CF0-FA31364748A5}" type="datetimeFigureOut">
               <a:rPr lang="en-GB" smtClean="0"/>
-              <a:t>08/04/2023</a:t>
+              <a:t>07/09/2023</a:t>
             </a:fld>
             <a:endParaRPr lang="en-GB"/>
           </a:p>
@@ -1672,7 +1994,7 @@
           <a:p>
             <a:fld id="{E85DF616-B21E-4EF6-A6A5-95E2FB3EB1A1}" type="datetimeFigureOut">
               <a:rPr lang="en-GB" smtClean="0"/>
-              <a:t>08/04/2023</a:t>
+              <a:t>07/09/2023</a:t>
             </a:fld>
             <a:endParaRPr lang="en-GB"/>
           </a:p>
@@ -1872,7 +2194,7 @@
           <a:p>
             <a:fld id="{E85DF616-B21E-4EF6-A6A5-95E2FB3EB1A1}" type="datetimeFigureOut">
               <a:rPr lang="en-GB" smtClean="0"/>
-              <a:t>08/04/2023</a:t>
+              <a:t>07/09/2023</a:t>
             </a:fld>
             <a:endParaRPr lang="en-GB"/>
           </a:p>
@@ -2082,7 +2404,7 @@
           <a:p>
             <a:fld id="{E85DF616-B21E-4EF6-A6A5-95E2FB3EB1A1}" type="datetimeFigureOut">
               <a:rPr lang="en-GB" smtClean="0"/>
-              <a:t>08/04/2023</a:t>
+              <a:t>07/09/2023</a:t>
             </a:fld>
             <a:endParaRPr lang="en-GB"/>
           </a:p>
@@ -2282,7 +2604,7 @@
           <a:p>
             <a:fld id="{E85DF616-B21E-4EF6-A6A5-95E2FB3EB1A1}" type="datetimeFigureOut">
               <a:rPr lang="en-GB" smtClean="0"/>
-              <a:t>08/04/2023</a:t>
+              <a:t>07/09/2023</a:t>
             </a:fld>
             <a:endParaRPr lang="en-GB"/>
           </a:p>
@@ -2558,7 +2880,7 @@
           <a:p>
             <a:fld id="{E85DF616-B21E-4EF6-A6A5-95E2FB3EB1A1}" type="datetimeFigureOut">
               <a:rPr lang="en-GB" smtClean="0"/>
-              <a:t>08/04/2023</a:t>
+              <a:t>07/09/2023</a:t>
             </a:fld>
             <a:endParaRPr lang="en-GB"/>
           </a:p>
@@ -2826,7 +3148,7 @@
           <a:p>
             <a:fld id="{E85DF616-B21E-4EF6-A6A5-95E2FB3EB1A1}" type="datetimeFigureOut">
               <a:rPr lang="en-GB" smtClean="0"/>
-              <a:t>08/04/2023</a:t>
+              <a:t>07/09/2023</a:t>
             </a:fld>
             <a:endParaRPr lang="en-GB"/>
           </a:p>
@@ -3241,7 +3563,7 @@
           <a:p>
             <a:fld id="{E85DF616-B21E-4EF6-A6A5-95E2FB3EB1A1}" type="datetimeFigureOut">
               <a:rPr lang="en-GB" smtClean="0"/>
-              <a:t>08/04/2023</a:t>
+              <a:t>07/09/2023</a:t>
             </a:fld>
             <a:endParaRPr lang="en-GB"/>
           </a:p>
@@ -3383,7 +3705,7 @@
           <a:p>
             <a:fld id="{E85DF616-B21E-4EF6-A6A5-95E2FB3EB1A1}" type="datetimeFigureOut">
               <a:rPr lang="en-GB" smtClean="0"/>
-              <a:t>08/04/2023</a:t>
+              <a:t>07/09/2023</a:t>
             </a:fld>
             <a:endParaRPr lang="en-GB"/>
           </a:p>
@@ -3496,7 +3818,7 @@
           <a:p>
             <a:fld id="{E85DF616-B21E-4EF6-A6A5-95E2FB3EB1A1}" type="datetimeFigureOut">
               <a:rPr lang="en-GB" smtClean="0"/>
-              <a:t>08/04/2023</a:t>
+              <a:t>07/09/2023</a:t>
             </a:fld>
             <a:endParaRPr lang="en-GB"/>
           </a:p>
@@ -3809,7 +4131,7 @@
           <a:p>
             <a:fld id="{E85DF616-B21E-4EF6-A6A5-95E2FB3EB1A1}" type="datetimeFigureOut">
               <a:rPr lang="en-GB" smtClean="0"/>
-              <a:t>08/04/2023</a:t>
+              <a:t>07/09/2023</a:t>
             </a:fld>
             <a:endParaRPr lang="en-GB"/>
           </a:p>
@@ -4098,7 +4420,7 @@
           <a:p>
             <a:fld id="{E85DF616-B21E-4EF6-A6A5-95E2FB3EB1A1}" type="datetimeFigureOut">
               <a:rPr lang="en-GB" smtClean="0"/>
-              <a:t>08/04/2023</a:t>
+              <a:t>07/09/2023</a:t>
             </a:fld>
             <a:endParaRPr lang="en-GB"/>
           </a:p>
@@ -4341,7 +4663,7 @@
           <a:p>
             <a:fld id="{E85DF616-B21E-4EF6-A6A5-95E2FB3EB1A1}" type="datetimeFigureOut">
               <a:rPr lang="en-GB" smtClean="0"/>
-              <a:t>08/04/2023</a:t>
+              <a:t>07/09/2023</a:t>
             </a:fld>
             <a:endParaRPr lang="en-GB"/>
           </a:p>
@@ -5101,6 +5423,22 @@
             </a:r>
           </a:p>
           <a:p>
+            <a:pPr marL="0" indent="0">
+              <a:buNone/>
+            </a:pPr>
+            <a:r>
+              <a:rPr lang="en-SG" dirty="0">
+                <a:hlinkClick r:id="rId3"/>
+              </a:rPr>
+              <a:t>https://www.fast.ai/posts/part2-2023.html</a:t>
+            </a:r>
+            <a:r>
+              <a:rPr lang="en-GB" dirty="0"/>
+              <a:t> </a:t>
+            </a:r>
+            <a:endParaRPr lang="en-US" dirty="0"/>
+          </a:p>
+          <a:p>
             <a:r>
               <a:rPr lang="en-US" dirty="0"/>
               <a:t>Might be covered in </a:t>
@@ -5125,7 +5463,7 @@
               <a:buNone/>
             </a:pPr>
             <a:endParaRPr lang="en-US" dirty="0">
-              <a:hlinkClick r:id="rId3"/>
+              <a:hlinkClick r:id="rId4"/>
             </a:endParaRPr>
           </a:p>
           <a:p>
@@ -5240,7 +5578,7 @@
           <a:p>
             <a:r>
               <a:rPr lang="en-US" dirty="0"/>
-              <a:t>Currently considering to create a RL course at SUTD for Term 8. Thoughts?</a:t>
+              <a:t>Currently considering to create a Reinforcement Learning elective course at SUTD for Term 8. Any thoughts?</a:t>
             </a:r>
           </a:p>
           <a:p>
@@ -5432,7 +5770,7 @@
           <a:p>
             <a:r>
               <a:rPr lang="en-US" dirty="0"/>
-              <a:t>Not that many course out there, but worth keeping an eye out…</a:t>
+              <a:t>Not that many courses out there, but worth keeping an eye out…</a:t>
             </a:r>
           </a:p>
           <a:p>
@@ -6557,9 +6895,37 @@
               <a:rPr lang="en-US" dirty="0"/>
               <a:t>What insects can tell us about the origins of consciousness”, 2015.</a:t>
             </a:r>
-            <a:endParaRPr lang="en-GB" dirty="0"/>
-          </a:p>
-          <a:p>
+            <a:br>
+              <a:rPr lang="en-US" dirty="0"/>
+            </a:br>
+            <a:r>
+              <a:rPr lang="en-US" dirty="0"/>
+              <a:t>[</a:t>
+            </a:r>
+            <a:r>
+              <a:rPr lang="en-GB" dirty="0"/>
+              <a:t>Kurzweil</a:t>
+            </a:r>
+            <a:r>
+              <a:rPr lang="en-US" dirty="0"/>
+              <a:t>] </a:t>
+            </a:r>
+            <a:r>
+              <a:rPr lang="en-GB" dirty="0"/>
+              <a:t>R. Kurzweil, “How to Create a Mind: The Secret of Human Thought Revealed”, 2012.</a:t>
+            </a:r>
+            <a:br>
+              <a:rPr lang="en-GB" dirty="0"/>
+            </a:br>
+            <a:r>
+              <a:rPr lang="en-GB" dirty="0"/>
+              <a:t>[Marcus] G. Marcus, “The Future of the Brain”, 2014.</a:t>
+            </a:r>
+          </a:p>
+          <a:p>
+            <a:pPr marL="0" indent="0">
+              <a:buNone/>
+            </a:pPr>
             <a:r>
               <a:rPr lang="en-GB" dirty="0"/>
               <a:t>Etc.</a:t>
@@ -6687,7 +7053,7 @@
           <a:p>
             <a:r>
               <a:rPr lang="en-US" dirty="0"/>
-              <a:t>Content will be everything from W1 to W11 included.</a:t>
+              <a:t>Content will be everything from W1 to W12 included.</a:t>
             </a:r>
           </a:p>
           <a:p>
@@ -6847,45 +7213,66 @@
             </a:r>
           </a:p>
           <a:p>
-            <a:r>
-              <a:rPr lang="en-GB" dirty="0"/>
-              <a:t>Using DL to solve complex differential equations.</a:t>
-            </a:r>
-            <a:br>
-              <a:rPr lang="en-GB" dirty="0"/>
-            </a:br>
+            <a:pPr marL="0" indent="0">
+              <a:buNone/>
+            </a:pPr>
+            <a:r>
+              <a:rPr lang="en-GB" dirty="0"/>
+              <a:t>Many more courses available for free/cheap out there…</a:t>
+            </a:r>
+          </a:p>
+          <a:p>
             <a:r>
               <a:rPr lang="en-GB" dirty="0">
                 <a:hlinkClick r:id="rId2"/>
               </a:rPr>
-              <a:t>https://medium.com/swlh/artificial-intelligence-can-now-solve-a-mathematical-problem-that-can-make-researchers-life-easier-9602c869128</a:t>
-            </a:r>
-            <a:endParaRPr lang="en-GB" dirty="0"/>
-          </a:p>
-          <a:p>
-            <a:r>
-              <a:rPr lang="en-GB" dirty="0"/>
-              <a:t>General AI, i.e. designing an AI will full human cognitive capabilities (vision, hearing, speech, movement, etc.).</a:t>
-            </a:r>
-            <a:br>
-              <a:rPr lang="en-GB" dirty="0"/>
-            </a:br>
+              <a:t>https://www.linkedin.com/posts/endritrestelica_ai-artificialintelliegence-activity-7069768595978776576-Cvsk/</a:t>
+            </a:r>
+            <a:r>
+              <a:rPr lang="en-GB" dirty="0"/>
+              <a:t> </a:t>
+            </a:r>
+          </a:p>
+          <a:p>
             <a:r>
               <a:rPr lang="en-GB" dirty="0">
                 <a:hlinkClick r:id="rId3"/>
               </a:rPr>
-              <a:t>https://www.forbes.com/sites/forbestechcouncil/2021/07/16/the-future-of-artificial-general-intelligence/?sh=c9223323ba99</a:t>
-            </a:r>
-            <a:endParaRPr lang="en-GB" dirty="0"/>
-          </a:p>
-          <a:p>
-            <a:r>
-              <a:rPr lang="en-GB" dirty="0"/>
-              <a:t>Etc.</a:t>
-            </a:r>
-          </a:p>
-          <a:p>
-            <a:endParaRPr lang="en-GB" dirty="0"/>
+              <a:t>https://www.linkedin.com/posts/amanc_artificialintelligence-machinelearning-ai-activity-7052863983908753408-OPfM/</a:t>
+            </a:r>
+            <a:r>
+              <a:rPr lang="en-GB" dirty="0"/>
+              <a:t> </a:t>
+            </a:r>
+          </a:p>
+          <a:p>
+            <a:endParaRPr lang="en-GB" dirty="0">
+              <a:hlinkClick r:id="rId4"/>
+            </a:endParaRPr>
+          </a:p>
+          <a:p>
+            <a:pPr marL="0" indent="0">
+              <a:buNone/>
+            </a:pPr>
+            <a:r>
+              <a:rPr lang="en-GB" dirty="0"/>
+              <a:t>Possibly the best repo ever created on GitHub for CS stuff…</a:t>
+            </a:r>
+            <a:endParaRPr lang="en-GB" dirty="0">
+              <a:hlinkClick r:id="rId4"/>
+            </a:endParaRPr>
+          </a:p>
+          <a:p>
+            <a:r>
+              <a:rPr lang="en-GB" dirty="0">
+                <a:hlinkClick r:id="rId4"/>
+              </a:rPr>
+              <a:t>https://github.com/Developer-Y/cs-video-courses</a:t>
+            </a:r>
+            <a:r>
+              <a:rPr lang="en-GB" dirty="0"/>
+              <a:t> </a:t>
+            </a:r>
           </a:p>
           <a:p>
             <a:pPr marL="0" indent="0">
@@ -6913,7 +7300,7 @@
     </p:spTree>
     <p:extLst>
       <p:ext uri="{BB962C8B-B14F-4D97-AF65-F5344CB8AC3E}">
-        <p14:creationId xmlns:p14="http://schemas.microsoft.com/office/powerpoint/2010/main" val="1319851450"/>
+        <p14:creationId xmlns:p14="http://schemas.microsoft.com/office/powerpoint/2010/main" val="2346545552"/>
       </p:ext>
     </p:extLst>
   </p:cSld>
@@ -6945,7 +7332,7 @@
           <p:cNvPr id="2" name="Title 1">
             <a:extLst>
               <a:ext uri="{FF2B5EF4-FFF2-40B4-BE49-F238E27FC236}">
-                <a16:creationId xmlns:a16="http://schemas.microsoft.com/office/drawing/2014/main" id="{23F725B5-F049-3C40-3E21-40F3FED6C20E}"/>
+                <a16:creationId xmlns:a16="http://schemas.microsoft.com/office/drawing/2014/main" id="{C826F7A7-7731-488B-8DF2-1407712F1EC1}"/>
               </a:ext>
             </a:extLst>
           </p:cNvPr>
@@ -6962,10 +7349,10 @@
           <a:lstStyle/>
           <a:p>
             <a:r>
-              <a:rPr lang="en-GB" dirty="0"/>
-              <a:t>Debates about AGI</a:t>
-            </a:r>
-            <a:endParaRPr lang="en-SG" dirty="0"/>
+              <a:rPr lang="en-US" dirty="0"/>
+              <a:t>On top of everything we have seen…</a:t>
+            </a:r>
+            <a:endParaRPr lang="en-GB" dirty="0"/>
           </a:p>
         </p:txBody>
       </p:sp>
@@ -6974,21 +7361,21 @@
           <p:cNvPr id="3" name="Content Placeholder 2">
             <a:extLst>
               <a:ext uri="{FF2B5EF4-FFF2-40B4-BE49-F238E27FC236}">
-                <a16:creationId xmlns:a16="http://schemas.microsoft.com/office/drawing/2014/main" id="{95326F2F-4A02-8FC6-DBCF-1F609132343E}"/>
-              </a:ext>
-            </a:extLst>
-          </p:cNvPr>
-          <p:cNvSpPr>
-            <a:spLocks noGrp="1"/>
-          </p:cNvSpPr>
-          <p:nvPr>
-            <p:ph sz="half" idx="1"/>
+                <a16:creationId xmlns:a16="http://schemas.microsoft.com/office/drawing/2014/main" id="{9D882609-53DF-4B06-91C6-50E0570C62D5}"/>
+              </a:ext>
+            </a:extLst>
+          </p:cNvPr>
+          <p:cNvSpPr>
+            <a:spLocks noGrp="1"/>
+          </p:cNvSpPr>
+          <p:nvPr>
+            <p:ph idx="1"/>
           </p:nvPr>
         </p:nvSpPr>
         <p:spPr>
           <a:xfrm>
             <a:off x="838200" y="1825624"/>
-            <a:ext cx="5181600" cy="5032375"/>
+            <a:ext cx="10515600" cy="5032375"/>
           </a:xfrm>
         </p:spPr>
         <p:txBody>
@@ -6997,81 +7384,293 @@
           </a:bodyPr>
           <a:lstStyle/>
           <a:p>
+            <a:pPr marL="0" indent="0">
+              <a:buNone/>
+            </a:pPr>
             <a:r>
               <a:rPr lang="en-GB" b="1" dirty="0"/>
-              <a:t>AGI: </a:t>
-            </a:r>
-            <a:r>
-              <a:rPr lang="en-GB" dirty="0"/>
-              <a:t>Artificial General Intelligence, naming the idea of an AI that would match all the cognitive abilities of a human.</a:t>
-            </a:r>
-          </a:p>
-          <a:p>
-            <a:r>
-              <a:rPr lang="en-GB" dirty="0"/>
-              <a:t>At the moment, definitely a dream, but the ultimate goal.</a:t>
-            </a:r>
-          </a:p>
-          <a:p>
-            <a:r>
-              <a:rPr lang="en-GB" dirty="0"/>
-              <a:t>Very active discussion topic after </a:t>
-            </a:r>
-            <a:r>
-              <a:rPr lang="en-GB" dirty="0" err="1"/>
-              <a:t>ChatGPT</a:t>
-            </a:r>
-            <a:r>
-              <a:rPr lang="en-GB" dirty="0"/>
-              <a:t> has been released.</a:t>
-            </a:r>
-          </a:p>
-          <a:p>
-            <a:r>
-              <a:rPr lang="en-GB" dirty="0" err="1"/>
-              <a:t>ChatGPT</a:t>
-            </a:r>
-            <a:r>
-              <a:rPr lang="en-GB" dirty="0"/>
-              <a:t> is nowhere near AGI, but a big step in that direction?</a:t>
-            </a:r>
-          </a:p>
-          <a:p>
-            <a:r>
-              <a:rPr lang="en-GB" b="1" dirty="0"/>
-              <a:t>I’m staying out of this debate!</a:t>
-            </a:r>
-            <a:endParaRPr lang="en-SG" b="1" dirty="0"/>
-          </a:p>
-        </p:txBody>
-      </p:sp>
-      <p:sp>
-        <p:nvSpPr>
-          <p:cNvPr id="4" name="Content Placeholder 3">
-            <a:extLst>
-              <a:ext uri="{FF2B5EF4-FFF2-40B4-BE49-F238E27FC236}">
-                <a16:creationId xmlns:a16="http://schemas.microsoft.com/office/drawing/2014/main" id="{6F822E86-5204-2408-255C-A3DEF3402416}"/>
-              </a:ext>
-            </a:extLst>
-          </p:cNvPr>
-          <p:cNvSpPr>
-            <a:spLocks noGrp="1"/>
-          </p:cNvSpPr>
-          <p:nvPr>
-            <p:ph sz="half" idx="2"/>
+              <a:t>More stuff</a:t>
+            </a:r>
+          </a:p>
+          <a:p>
+            <a:r>
+              <a:rPr lang="en-GB" dirty="0"/>
+              <a:t>Using DL to solve complex differential equations.</a:t>
+            </a:r>
+            <a:br>
+              <a:rPr lang="en-GB" dirty="0"/>
+            </a:br>
+            <a:r>
+              <a:rPr lang="en-GB" dirty="0">
+                <a:hlinkClick r:id="rId2"/>
+              </a:rPr>
+              <a:t>https://medium.com/swlh/artificial-intelligence-can-now-solve-a-mathematical-problem-that-can-make-researchers-life-easier-9602c869128</a:t>
+            </a:r>
+            <a:endParaRPr lang="en-GB" dirty="0"/>
+          </a:p>
+          <a:p>
+            <a:r>
+              <a:rPr lang="en-GB" dirty="0"/>
+              <a:t>General AI, i.e. designing an AI will full human cognitive capabilities (vision, hearing, speech, movement, etc.).</a:t>
+            </a:r>
+            <a:br>
+              <a:rPr lang="en-GB" dirty="0"/>
+            </a:br>
+            <a:r>
+              <a:rPr lang="en-GB" dirty="0">
+                <a:hlinkClick r:id="rId3"/>
+              </a:rPr>
+              <a:t>https://www.forbes.com/sites/forbestechcouncil/2021/07/16/the-future-of-artificial-general-intelligence/?sh=c9223323ba99</a:t>
+            </a:r>
+            <a:endParaRPr lang="en-GB" dirty="0"/>
+          </a:p>
+          <a:p>
+            <a:r>
+              <a:rPr lang="en-GB" dirty="0"/>
+              <a:t>Etc.</a:t>
+            </a:r>
+          </a:p>
+          <a:p>
+            <a:endParaRPr lang="en-GB" dirty="0"/>
+          </a:p>
+          <a:p>
+            <a:pPr marL="0" indent="0">
+              <a:buNone/>
+            </a:pPr>
+            <a:endParaRPr lang="en-GB" dirty="0"/>
+          </a:p>
+          <a:p>
+            <a:endParaRPr lang="en-GB" dirty="0"/>
+          </a:p>
+          <a:p>
+            <a:pPr marL="0" indent="0">
+              <a:buNone/>
+            </a:pPr>
+            <a:endParaRPr lang="en-GB" dirty="0"/>
+          </a:p>
+          <a:p>
+            <a:pPr marL="0" indent="0">
+              <a:buNone/>
+            </a:pPr>
+            <a:endParaRPr lang="en-GB" dirty="0"/>
+          </a:p>
+        </p:txBody>
+      </p:sp>
+    </p:spTree>
+    <p:extLst>
+      <p:ext uri="{BB962C8B-B14F-4D97-AF65-F5344CB8AC3E}">
+        <p14:creationId xmlns:p14="http://schemas.microsoft.com/office/powerpoint/2010/main" val="1319851450"/>
+      </p:ext>
+    </p:extLst>
+  </p:cSld>
+  <p:clrMapOvr>
+    <a:masterClrMapping/>
+  </p:clrMapOvr>
+</p:sld>
+</file>
+
+<file path=ppt/slides/slide22.xml><?xml version="1.0" encoding="utf-8"?>
+<p:sld xmlns:a="http://schemas.openxmlformats.org/drawingml/2006/main" xmlns:r="http://schemas.openxmlformats.org/officeDocument/2006/relationships" xmlns:p="http://schemas.openxmlformats.org/presentationml/2006/main">
+  <p:cSld>
+    <p:spTree>
+      <p:nvGrpSpPr>
+        <p:cNvPr id="1" name=""/>
+        <p:cNvGrpSpPr/>
+        <p:nvPr/>
+      </p:nvGrpSpPr>
+      <p:grpSpPr>
+        <a:xfrm>
+          <a:off x="0" y="0"/>
+          <a:ext cx="0" cy="0"/>
+          <a:chOff x="0" y="0"/>
+          <a:chExt cx="0" cy="0"/>
+        </a:xfrm>
+      </p:grpSpPr>
+      <p:sp>
+        <p:nvSpPr>
+          <p:cNvPr id="2" name="Title 1">
+            <a:extLst>
+              <a:ext uri="{FF2B5EF4-FFF2-40B4-BE49-F238E27FC236}">
+                <a16:creationId xmlns:a16="http://schemas.microsoft.com/office/drawing/2014/main" id="{23F725B5-F049-3C40-3E21-40F3FED6C20E}"/>
+              </a:ext>
+            </a:extLst>
+          </p:cNvPr>
+          <p:cNvSpPr>
+            <a:spLocks noGrp="1"/>
+          </p:cNvSpPr>
+          <p:nvPr>
+            <p:ph type="title"/>
           </p:nvPr>
         </p:nvSpPr>
         <p:spPr/>
+        <p:txBody>
+          <a:bodyPr/>
+          <a:lstStyle/>
+          <a:p>
+            <a:r>
+              <a:rPr lang="en-GB" dirty="0"/>
+              <a:t>Debates about AGI</a:t>
+            </a:r>
+            <a:endParaRPr lang="en-SG" dirty="0"/>
+          </a:p>
+        </p:txBody>
+      </p:sp>
+      <p:sp>
+        <p:nvSpPr>
+          <p:cNvPr id="3" name="Content Placeholder 2">
+            <a:extLst>
+              <a:ext uri="{FF2B5EF4-FFF2-40B4-BE49-F238E27FC236}">
+                <a16:creationId xmlns:a16="http://schemas.microsoft.com/office/drawing/2014/main" id="{95326F2F-4A02-8FC6-DBCF-1F609132343E}"/>
+              </a:ext>
+            </a:extLst>
+          </p:cNvPr>
+          <p:cNvSpPr>
+            <a:spLocks noGrp="1"/>
+          </p:cNvSpPr>
+          <p:nvPr>
+            <p:ph sz="half" idx="1"/>
+          </p:nvPr>
+        </p:nvSpPr>
+        <p:spPr>
+          <a:xfrm>
+            <a:off x="838200" y="1825625"/>
+            <a:ext cx="5181600" cy="5032376"/>
+          </a:xfrm>
+        </p:spPr>
         <p:txBody>
           <a:bodyPr>
             <a:normAutofit/>
           </a:bodyPr>
           <a:lstStyle/>
           <a:p>
-            <a:endParaRPr lang="en-SG"/>
-          </a:p>
-        </p:txBody>
-      </p:sp>
+            <a:pPr marL="0" indent="0">
+              <a:buNone/>
+            </a:pPr>
+            <a:r>
+              <a:rPr lang="en-GB" b="1" dirty="0"/>
+              <a:t>AGI: </a:t>
+            </a:r>
+            <a:r>
+              <a:rPr lang="en-GB" dirty="0"/>
+              <a:t>Artificial General Intelligence, naming the idea of an AI that would match all the cognitive abilities of a human.</a:t>
+            </a:r>
+          </a:p>
+          <a:p>
+            <a:r>
+              <a:rPr lang="en-GB" dirty="0"/>
+              <a:t>At the moment, definitely a dream, but the ultimate goal.</a:t>
+            </a:r>
+          </a:p>
+          <a:p>
+            <a:r>
+              <a:rPr lang="en-GB" dirty="0"/>
+              <a:t>Very active discussion topic after </a:t>
+            </a:r>
+            <a:r>
+              <a:rPr lang="en-GB" dirty="0" err="1"/>
+              <a:t>ChatGPT</a:t>
+            </a:r>
+            <a:r>
+              <a:rPr lang="en-GB" dirty="0"/>
+              <a:t> has been released.</a:t>
+            </a:r>
+          </a:p>
+          <a:p>
+            <a:r>
+              <a:rPr lang="en-GB" dirty="0"/>
+              <a:t>ChatGPT is nowhere near AGI, but is it a big step in that direction?</a:t>
+            </a:r>
+          </a:p>
+        </p:txBody>
+      </p:sp>
+      <p:sp>
+        <p:nvSpPr>
+          <p:cNvPr id="5" name="Content Placeholder 4">
+            <a:extLst>
+              <a:ext uri="{FF2B5EF4-FFF2-40B4-BE49-F238E27FC236}">
+                <a16:creationId xmlns:a16="http://schemas.microsoft.com/office/drawing/2014/main" id="{FB591C76-9FB9-FB8F-6776-4BF050830EFB}"/>
+              </a:ext>
+            </a:extLst>
+          </p:cNvPr>
+          <p:cNvSpPr>
+            <a:spLocks noGrp="1"/>
+          </p:cNvSpPr>
+          <p:nvPr>
+            <p:ph sz="half" idx="2"/>
+          </p:nvPr>
+        </p:nvSpPr>
+        <p:spPr/>
+        <p:txBody>
+          <a:bodyPr>
+            <a:normAutofit/>
+          </a:bodyPr>
+          <a:lstStyle/>
+          <a:p>
+            <a:pPr marL="0" indent="0">
+              <a:buNone/>
+            </a:pPr>
+            <a:r>
+              <a:rPr lang="en-GB" b="1" dirty="0"/>
+              <a:t>I’m staying out of this debate! (Still watching it unfold though *popcorn*)</a:t>
+            </a:r>
+            <a:endParaRPr lang="en-SG" b="1" dirty="0"/>
+          </a:p>
+          <a:p>
+            <a:pPr marL="0" indent="0">
+              <a:buNone/>
+            </a:pPr>
+            <a:r>
+              <a:rPr lang="en-GB" dirty="0">
+                <a:hlinkClick r:id="rId2"/>
+              </a:rPr>
+              <a:t>https://openai.com/blog/planning-for-agi-and-beyond</a:t>
+            </a:r>
+            <a:endParaRPr lang="en-GB" dirty="0"/>
+          </a:p>
+          <a:p>
+            <a:pPr marL="0" indent="0">
+              <a:buNone/>
+            </a:pPr>
+            <a:endParaRPr lang="en-GB" dirty="0"/>
+          </a:p>
+        </p:txBody>
+      </p:sp>
+      <p:pic>
+        <p:nvPicPr>
+          <p:cNvPr id="7" name="Picture 6" descr="Cartoon of people talking to each other&#10;&#10;Description automatically generated">
+            <a:extLst>
+              <a:ext uri="{FF2B5EF4-FFF2-40B4-BE49-F238E27FC236}">
+                <a16:creationId xmlns:a16="http://schemas.microsoft.com/office/drawing/2014/main" id="{7D3E12A6-DF4B-CFBF-B8A1-A50C45CE29BD}"/>
+              </a:ext>
+            </a:extLst>
+          </p:cNvPr>
+          <p:cNvPicPr>
+            <a:picLocks noChangeAspect="1"/>
+          </p:cNvPicPr>
+          <p:nvPr/>
+        </p:nvPicPr>
+        <p:blipFill>
+          <a:blip r:embed="rId3">
+            <a:extLst>
+              <a:ext uri="{28A0092B-C50C-407E-A947-70E740481C1C}">
+                <a14:useLocalDpi xmlns:a14="http://schemas.microsoft.com/office/drawing/2010/main" val="0"/>
+              </a:ext>
+            </a:extLst>
+          </a:blip>
+          <a:stretch>
+            <a:fillRect/>
+          </a:stretch>
+        </p:blipFill>
+        <p:spPr>
+          <a:xfrm>
+            <a:off x="6877538" y="4235708"/>
+            <a:ext cx="3876432" cy="2622292"/>
+          </a:xfrm>
+          <a:prstGeom prst="rect">
+            <a:avLst/>
+          </a:prstGeom>
+        </p:spPr>
+      </p:pic>
     </p:spTree>
     <p:extLst>
       <p:ext uri="{BB962C8B-B14F-4D97-AF65-F5344CB8AC3E}">
@@ -7085,7 +7684,7 @@
 </p:sld>
 </file>
 
-<file path=ppt/slides/slide22.xml><?xml version="1.0" encoding="utf-8"?>
+<file path=ppt/slides/slide23.xml><?xml version="1.0" encoding="utf-8"?>
 <p:sld xmlns:a="http://schemas.openxmlformats.org/drawingml/2006/main" xmlns:r="http://schemas.openxmlformats.org/officeDocument/2006/relationships" xmlns:p="http://schemas.openxmlformats.org/presentationml/2006/main">
   <p:cSld>
     <p:spTree>
@@ -7270,7 +7869,7 @@
 </p:sld>
 </file>
 
-<file path=ppt/slides/slide23.xml><?xml version="1.0" encoding="utf-8"?>
+<file path=ppt/slides/slide24.xml><?xml version="1.0" encoding="utf-8"?>
 <p:sld xmlns:a="http://schemas.openxmlformats.org/drawingml/2006/main" xmlns:r="http://schemas.openxmlformats.org/officeDocument/2006/relationships" xmlns:p="http://schemas.openxmlformats.org/presentationml/2006/main">
   <p:cSld>
     <p:spTree>
@@ -7490,7 +8089,7 @@
 </p:sld>
 </file>
 
-<file path=ppt/slides/slide24.xml><?xml version="1.0" encoding="utf-8"?>
+<file path=ppt/slides/slide25.xml><?xml version="1.0" encoding="utf-8"?>
 <p:sld xmlns:a="http://schemas.openxmlformats.org/drawingml/2006/main" xmlns:r="http://schemas.openxmlformats.org/officeDocument/2006/relationships" xmlns:p="http://schemas.openxmlformats.org/presentationml/2006/main">
   <p:cSld>
     <p:spTree>
@@ -7590,7 +8189,7 @@
 </p:sld>
 </file>
 
-<file path=ppt/slides/slide25.xml><?xml version="1.0" encoding="utf-8"?>
+<file path=ppt/slides/slide26.xml><?xml version="1.0" encoding="utf-8"?>
 <p:sld xmlns:a="http://schemas.openxmlformats.org/drawingml/2006/main" xmlns:r="http://schemas.openxmlformats.org/officeDocument/2006/relationships" xmlns:p="http://schemas.openxmlformats.org/presentationml/2006/main">
   <p:cSld>
     <p:spTree>
@@ -7793,400 +8392,6 @@
 </p:sld>
 </file>
 
-<file path=ppt/slides/slide26.xml><?xml version="1.0" encoding="utf-8"?>
-<p:sld xmlns:a="http://schemas.openxmlformats.org/drawingml/2006/main" xmlns:r="http://schemas.openxmlformats.org/officeDocument/2006/relationships" xmlns:p="http://schemas.openxmlformats.org/presentationml/2006/main">
-  <p:cSld>
-    <p:spTree>
-      <p:nvGrpSpPr>
-        <p:cNvPr id="1" name=""/>
-        <p:cNvGrpSpPr/>
-        <p:nvPr/>
-      </p:nvGrpSpPr>
-      <p:grpSpPr>
-        <a:xfrm>
-          <a:off x="0" y="0"/>
-          <a:ext cx="0" cy="0"/>
-          <a:chOff x="0" y="0"/>
-          <a:chExt cx="0" cy="0"/>
-        </a:xfrm>
-      </p:grpSpPr>
-      <p:sp>
-        <p:nvSpPr>
-          <p:cNvPr id="4" name="Title 3">
-            <a:extLst>
-              <a:ext uri="{FF2B5EF4-FFF2-40B4-BE49-F238E27FC236}">
-                <a16:creationId xmlns:a16="http://schemas.microsoft.com/office/drawing/2014/main" id="{1715EAD9-59BF-46C0-9089-6E366691CAE9}"/>
-              </a:ext>
-            </a:extLst>
-          </p:cNvPr>
-          <p:cNvSpPr>
-            <a:spLocks noGrp="1"/>
-          </p:cNvSpPr>
-          <p:nvPr>
-            <p:ph type="title"/>
-          </p:nvPr>
-        </p:nvSpPr>
-        <p:spPr/>
-        <p:txBody>
-          <a:bodyPr/>
-          <a:lstStyle/>
-          <a:p>
-            <a:r>
-              <a:rPr lang="en-US" dirty="0"/>
-              <a:t>Add these researchers, companies and research </a:t>
-            </a:r>
-            <a:r>
-              <a:rPr lang="en-US" dirty="0" err="1"/>
-              <a:t>groupes</a:t>
-            </a:r>
-            <a:r>
-              <a:rPr lang="en-US" dirty="0"/>
-              <a:t> to your watchlist</a:t>
-            </a:r>
-            <a:endParaRPr lang="en-GB" dirty="0"/>
-          </a:p>
-        </p:txBody>
-      </p:sp>
-      <p:sp>
-        <p:nvSpPr>
-          <p:cNvPr id="5" name="Content Placeholder 4">
-            <a:extLst>
-              <a:ext uri="{FF2B5EF4-FFF2-40B4-BE49-F238E27FC236}">
-                <a16:creationId xmlns:a16="http://schemas.microsoft.com/office/drawing/2014/main" id="{279FF99D-84CB-436E-9373-43EB3F28720A}"/>
-              </a:ext>
-            </a:extLst>
-          </p:cNvPr>
-          <p:cNvSpPr>
-            <a:spLocks noGrp="1"/>
-          </p:cNvSpPr>
-          <p:nvPr>
-            <p:ph idx="1"/>
-          </p:nvPr>
-        </p:nvSpPr>
-        <p:spPr>
-          <a:xfrm>
-            <a:off x="838200" y="1825624"/>
-            <a:ext cx="10515600" cy="5032375"/>
-          </a:xfrm>
-        </p:spPr>
-        <p:txBody>
-          <a:bodyPr>
-            <a:noAutofit/>
-          </a:bodyPr>
-          <a:lstStyle/>
-          <a:p>
-            <a:r>
-              <a:rPr lang="en-GB" b="1" dirty="0" err="1"/>
-              <a:t>Demis</a:t>
-            </a:r>
-            <a:r>
-              <a:rPr lang="en-GB" dirty="0"/>
-              <a:t> </a:t>
-            </a:r>
-            <a:r>
-              <a:rPr lang="en-GB" b="1" dirty="0">
-                <a:solidFill>
-                  <a:schemeClr val="accent2">
-                    <a:lumMod val="50000"/>
-                  </a:schemeClr>
-                </a:solidFill>
-              </a:rPr>
-              <a:t>Hassabis</a:t>
-            </a:r>
-            <a:r>
-              <a:rPr lang="en-GB" dirty="0"/>
-              <a:t>: Co-founder of </a:t>
-            </a:r>
-            <a:r>
-              <a:rPr lang="en-GB" b="1" dirty="0">
-                <a:solidFill>
-                  <a:schemeClr val="accent2">
-                    <a:lumMod val="50000"/>
-                  </a:schemeClr>
-                </a:solidFill>
-              </a:rPr>
-              <a:t>DeepMind</a:t>
-            </a:r>
-            <a:r>
-              <a:rPr lang="en-GB" dirty="0"/>
-              <a:t>, </a:t>
-            </a:r>
-            <a:r>
-              <a:rPr lang="en-GB" b="1" dirty="0">
-                <a:solidFill>
-                  <a:schemeClr val="accent2">
-                    <a:lumMod val="50000"/>
-                  </a:schemeClr>
-                </a:solidFill>
-              </a:rPr>
-              <a:t>AlphaGo</a:t>
-            </a:r>
-            <a:r>
-              <a:rPr lang="en-GB" dirty="0"/>
-              <a:t>. Several contributions in </a:t>
-            </a:r>
-            <a:r>
-              <a:rPr lang="en-GB" b="1" dirty="0"/>
-              <a:t>Reinforcement</a:t>
-            </a:r>
-            <a:r>
-              <a:rPr lang="en-GB" dirty="0"/>
-              <a:t> </a:t>
-            </a:r>
-            <a:r>
-              <a:rPr lang="en-GB" b="1" dirty="0"/>
-              <a:t>Learning</a:t>
-            </a:r>
-            <a:r>
-              <a:rPr lang="en-GB" dirty="0"/>
-              <a:t>.</a:t>
-            </a:r>
-            <a:br>
-              <a:rPr lang="en-GB" dirty="0"/>
-            </a:br>
-            <a:r>
-              <a:rPr lang="en-GB" dirty="0">
-                <a:hlinkClick r:id="rId2"/>
-              </a:rPr>
-              <a:t>https://scholar.google.com/citations?hl=en&amp;user=dYpPMQEAAAAJ</a:t>
-            </a:r>
-            <a:endParaRPr lang="en-GB" dirty="0"/>
-          </a:p>
-          <a:p>
-            <a:r>
-              <a:rPr lang="en-GB" b="1" dirty="0"/>
-              <a:t>Alex</a:t>
-            </a:r>
-            <a:r>
-              <a:rPr lang="en-GB" dirty="0"/>
-              <a:t> </a:t>
-            </a:r>
-            <a:r>
-              <a:rPr lang="en-GB" b="1" dirty="0">
-                <a:solidFill>
-                  <a:schemeClr val="accent2">
-                    <a:lumMod val="50000"/>
-                  </a:schemeClr>
-                </a:solidFill>
-              </a:rPr>
-              <a:t>Graves</a:t>
-            </a:r>
-            <a:r>
-              <a:rPr lang="en-GB" dirty="0"/>
-              <a:t>: </a:t>
-            </a:r>
-            <a:r>
-              <a:rPr lang="en-GB" b="1" dirty="0"/>
-              <a:t>Professor</a:t>
-            </a:r>
-            <a:r>
-              <a:rPr lang="en-GB" dirty="0"/>
-              <a:t> at </a:t>
-            </a:r>
-            <a:r>
-              <a:rPr lang="en-GB" b="1" dirty="0"/>
-              <a:t>University</a:t>
-            </a:r>
-            <a:r>
-              <a:rPr lang="en-GB" dirty="0"/>
-              <a:t> </a:t>
-            </a:r>
-            <a:r>
-              <a:rPr lang="en-GB" b="1" dirty="0"/>
-              <a:t>of</a:t>
-            </a:r>
-            <a:r>
-              <a:rPr lang="en-GB" dirty="0"/>
-              <a:t> </a:t>
-            </a:r>
-            <a:r>
-              <a:rPr lang="en-GB" b="1" dirty="0"/>
-              <a:t>Toronto</a:t>
-            </a:r>
-            <a:r>
-              <a:rPr lang="en-GB" dirty="0"/>
-              <a:t>. Several contributions in </a:t>
-            </a:r>
-            <a:r>
-              <a:rPr lang="en-GB" b="1" dirty="0"/>
-              <a:t>Reinforcement</a:t>
-            </a:r>
-            <a:r>
-              <a:rPr lang="en-GB" dirty="0"/>
-              <a:t> </a:t>
-            </a:r>
-            <a:r>
-              <a:rPr lang="en-GB" b="1" dirty="0"/>
-              <a:t>Learning</a:t>
-            </a:r>
-            <a:r>
-              <a:rPr lang="en-GB" dirty="0"/>
-              <a:t>. </a:t>
-            </a:r>
-            <a:r>
-              <a:rPr lang="en-GB" dirty="0">
-                <a:hlinkClick r:id="rId3"/>
-              </a:rPr>
-              <a:t>https://scholar.google.co.uk/citations?user=DaFHynwAAAAJ&amp;hl=en</a:t>
-            </a:r>
-            <a:endParaRPr lang="en-GB" dirty="0"/>
-          </a:p>
-          <a:p>
-            <a:r>
-              <a:rPr lang="en-GB" b="1" dirty="0"/>
-              <a:t>Michael</a:t>
-            </a:r>
-            <a:r>
-              <a:rPr lang="en-GB" dirty="0"/>
-              <a:t> </a:t>
-            </a:r>
-            <a:r>
-              <a:rPr lang="en-GB" b="1" dirty="0"/>
-              <a:t>I.</a:t>
-            </a:r>
-            <a:r>
-              <a:rPr lang="en-GB" dirty="0"/>
-              <a:t> </a:t>
-            </a:r>
-            <a:r>
-              <a:rPr lang="en-GB" b="1" dirty="0">
-                <a:solidFill>
-                  <a:schemeClr val="accent2">
-                    <a:lumMod val="50000"/>
-                  </a:schemeClr>
-                </a:solidFill>
-              </a:rPr>
-              <a:t>Jordan</a:t>
-            </a:r>
-            <a:r>
-              <a:rPr lang="en-GB" dirty="0"/>
-              <a:t>: Professor at </a:t>
-            </a:r>
-            <a:r>
-              <a:rPr lang="en-GB" b="1" dirty="0"/>
-              <a:t>UC Berkeley</a:t>
-            </a:r>
-            <a:r>
-              <a:rPr lang="en-GB" dirty="0"/>
-              <a:t>, co-inventor of LDA.</a:t>
-            </a:r>
-            <a:br>
-              <a:rPr lang="en-GB" dirty="0"/>
-            </a:br>
-            <a:r>
-              <a:rPr lang="en-GB" dirty="0">
-                <a:hlinkClick r:id="rId4"/>
-              </a:rPr>
-              <a:t>https://scholar.google.com/citations?user=yxUduqMAAAAJ&amp;hl=fr</a:t>
-            </a:r>
-            <a:endParaRPr lang="en-GB" dirty="0"/>
-          </a:p>
-          <a:p>
-            <a:r>
-              <a:rPr lang="en-GB" b="1" dirty="0"/>
-              <a:t>Terrence</a:t>
-            </a:r>
-            <a:r>
-              <a:rPr lang="en-GB" dirty="0"/>
-              <a:t> </a:t>
-            </a:r>
-            <a:r>
-              <a:rPr lang="en-GB" b="1" dirty="0" err="1">
-                <a:solidFill>
-                  <a:schemeClr val="accent2">
-                    <a:lumMod val="50000"/>
-                  </a:schemeClr>
-                </a:solidFill>
-              </a:rPr>
-              <a:t>Sejnowski</a:t>
-            </a:r>
-            <a:r>
-              <a:rPr lang="en-GB" dirty="0"/>
-              <a:t>: </a:t>
-            </a:r>
-            <a:r>
-              <a:rPr lang="en-GB" b="1" dirty="0"/>
-              <a:t>Professor</a:t>
-            </a:r>
-            <a:r>
-              <a:rPr lang="en-GB" dirty="0"/>
-              <a:t> at </a:t>
-            </a:r>
-            <a:r>
-              <a:rPr lang="en-GB" b="1" dirty="0"/>
-              <a:t>UC</a:t>
-            </a:r>
-            <a:r>
-              <a:rPr lang="en-GB" dirty="0"/>
-              <a:t> </a:t>
-            </a:r>
-            <a:r>
-              <a:rPr lang="en-GB" b="1" dirty="0"/>
-              <a:t>San</a:t>
-            </a:r>
-            <a:r>
-              <a:rPr lang="en-GB" dirty="0"/>
-              <a:t> </a:t>
-            </a:r>
-            <a:r>
-              <a:rPr lang="en-GB" b="1" dirty="0"/>
-              <a:t>Diego</a:t>
-            </a:r>
-            <a:r>
-              <a:rPr lang="en-GB" dirty="0"/>
-              <a:t>, </a:t>
-            </a:r>
-            <a:r>
-              <a:rPr lang="en-GB" b="1" dirty="0">
-                <a:solidFill>
-                  <a:schemeClr val="accent2">
-                    <a:lumMod val="50000"/>
-                  </a:schemeClr>
-                </a:solidFill>
-              </a:rPr>
-              <a:t>Boltzmann</a:t>
-            </a:r>
-            <a:r>
-              <a:rPr lang="en-GB" dirty="0"/>
-              <a:t> </a:t>
-            </a:r>
-            <a:r>
-              <a:rPr lang="en-GB" b="1" dirty="0">
-                <a:solidFill>
-                  <a:schemeClr val="accent2">
-                    <a:lumMod val="50000"/>
-                  </a:schemeClr>
-                </a:solidFill>
-              </a:rPr>
-              <a:t>machines</a:t>
-            </a:r>
-            <a:r>
-              <a:rPr lang="en-GB" dirty="0"/>
-              <a:t>. </a:t>
-            </a:r>
-            <a:r>
-              <a:rPr lang="en-US" dirty="0">
-                <a:hlinkClick r:id="rId5"/>
-              </a:rPr>
-              <a:t>https://scholar.google.ca/citations?user=m1qAiOUAAAAJ&amp;hl=en</a:t>
-            </a:r>
-            <a:endParaRPr lang="en-US" dirty="0"/>
-          </a:p>
-        </p:txBody>
-      </p:sp>
-    </p:spTree>
-    <p:extLst>
-      <p:ext uri="{BB962C8B-B14F-4D97-AF65-F5344CB8AC3E}">
-        <p14:creationId xmlns:p14="http://schemas.microsoft.com/office/powerpoint/2010/main" val="3044459727"/>
-      </p:ext>
-    </p:extLst>
-  </p:cSld>
-  <p:clrMapOvr>
-    <a:masterClrMapping/>
-  </p:clrMapOvr>
-</p:sld>
-</file>
-
 <file path=ppt/slides/slide27.xml><?xml version="1.0" encoding="utf-8"?>
 <p:sld xmlns:a="http://schemas.openxmlformats.org/drawingml/2006/main" xmlns:r="http://schemas.openxmlformats.org/officeDocument/2006/relationships" xmlns:p="http://schemas.openxmlformats.org/presentationml/2006/main">
   <p:cSld>
@@ -8257,16 +8462,21 @@
             <p:ph idx="1"/>
           </p:nvPr>
         </p:nvSpPr>
-        <p:spPr/>
+        <p:spPr>
+          <a:xfrm>
+            <a:off x="838200" y="1825624"/>
+            <a:ext cx="10515600" cy="5032375"/>
+          </a:xfrm>
+        </p:spPr>
         <p:txBody>
           <a:bodyPr>
-            <a:normAutofit/>
+            <a:noAutofit/>
           </a:bodyPr>
           <a:lstStyle/>
           <a:p>
             <a:r>
-              <a:rPr lang="en-GB" b="1" dirty="0"/>
-              <a:t>Peter</a:t>
+              <a:rPr lang="en-GB" b="1" dirty="0" err="1"/>
+              <a:t>Demis</a:t>
             </a:r>
             <a:r>
               <a:rPr lang="en-GB" dirty="0"/>
@@ -8280,72 +8490,11 @@
                   </a:schemeClr>
                 </a:solidFill>
               </a:rPr>
-              <a:t>Norvig</a:t>
-            </a:r>
-            <a:r>
-              <a:rPr lang="en-GB" dirty="0"/>
-              <a:t>: </a:t>
-            </a:r>
-            <a:r>
-              <a:rPr lang="en-GB" b="1" dirty="0"/>
-              <a:t>Director</a:t>
-            </a:r>
-            <a:r>
-              <a:rPr lang="en-GB" dirty="0"/>
-              <a:t> </a:t>
-            </a:r>
-            <a:r>
-              <a:rPr lang="en-GB" b="1" dirty="0"/>
-              <a:t>of</a:t>
-            </a:r>
-            <a:r>
-              <a:rPr lang="en-GB" dirty="0"/>
-              <a:t> </a:t>
-            </a:r>
-            <a:r>
-              <a:rPr lang="en-GB" b="1" dirty="0"/>
-              <a:t>Research</a:t>
-            </a:r>
-            <a:r>
-              <a:rPr lang="en-GB" dirty="0"/>
-              <a:t> at </a:t>
-            </a:r>
-            <a:r>
-              <a:rPr lang="en-GB" b="1" dirty="0"/>
-              <a:t>Google</a:t>
-            </a:r>
-            <a:r>
-              <a:rPr lang="en-GB" dirty="0"/>
-              <a:t>, co-author of the other Bible of Deep Learning</a:t>
-            </a:r>
-            <a:br>
-              <a:rPr lang="en-GB" dirty="0"/>
-            </a:br>
-            <a:r>
-              <a:rPr lang="en-GB" dirty="0">
-                <a:hlinkClick r:id="rId2"/>
-              </a:rPr>
-              <a:t>https://scholar.google.com/citations?user=Ol0vcWgAAAAJ&amp;hl=en</a:t>
-            </a:r>
-            <a:br>
-              <a:rPr lang="en-GB" dirty="0"/>
-            </a:br>
-            <a:r>
-              <a:rPr lang="en-GB" dirty="0">
-                <a:hlinkClick r:id="rId3"/>
-              </a:rPr>
-              <a:t>http://aima.cs.berkeley.edu/</a:t>
-            </a:r>
-            <a:endParaRPr lang="en-GB" dirty="0"/>
-          </a:p>
-          <a:p>
-            <a:r>
-              <a:rPr lang="en-GB" b="1" dirty="0"/>
-              <a:t>Stuart</a:t>
-            </a:r>
-            <a:r>
-              <a:rPr lang="en-GB" dirty="0"/>
-              <a:t> </a:t>
+              <a:t>Hassabis</a:t>
+            </a:r>
+            <a:r>
+              <a:rPr lang="en-GB" dirty="0"/>
+              <a:t>: Co-founder of </a:t>
             </a:r>
             <a:r>
               <a:rPr lang="en-GB" b="1" dirty="0">
@@ -8355,55 +8504,11 @@
                   </a:schemeClr>
                 </a:solidFill>
               </a:rPr>
-              <a:t>Russell</a:t>
-            </a:r>
-            <a:r>
-              <a:rPr lang="en-GB" dirty="0"/>
-              <a:t>: </a:t>
-            </a:r>
-            <a:r>
-              <a:rPr lang="en-GB" b="1" dirty="0"/>
-              <a:t>Professor</a:t>
-            </a:r>
-            <a:r>
-              <a:rPr lang="en-GB" dirty="0"/>
-              <a:t> at </a:t>
-            </a:r>
-            <a:r>
-              <a:rPr lang="en-GB" b="1" dirty="0"/>
-              <a:t>UC</a:t>
-            </a:r>
-            <a:r>
-              <a:rPr lang="en-GB" dirty="0"/>
-              <a:t> </a:t>
-            </a:r>
-            <a:r>
-              <a:rPr lang="en-GB" b="1" dirty="0"/>
-              <a:t>Berkely</a:t>
-            </a:r>
-            <a:r>
-              <a:rPr lang="en-GB" dirty="0"/>
-              <a:t>, co-author of the other Bible of Deep Learning</a:t>
-            </a:r>
-            <a:br>
-              <a:rPr lang="en-GB" dirty="0"/>
-            </a:br>
-            <a:r>
-              <a:rPr lang="en-GB" dirty="0">
-                <a:hlinkClick r:id="rId4"/>
-              </a:rPr>
-              <a:t>https://scholar.google.com/citations?user=2oy3OXYAAAAJ&amp;hl=en</a:t>
-            </a:r>
-            <a:endParaRPr lang="en-GB" dirty="0"/>
-          </a:p>
-          <a:p>
-            <a:r>
-              <a:rPr lang="en-GB" b="1" dirty="0"/>
-              <a:t>Francois</a:t>
-            </a:r>
-            <a:r>
-              <a:rPr lang="en-GB" dirty="0"/>
-              <a:t> </a:t>
+              <a:t>DeepMind</a:t>
+            </a:r>
+            <a:r>
+              <a:rPr lang="en-GB" dirty="0"/>
+              <a:t>, </a:t>
             </a:r>
             <a:r>
               <a:rPr lang="en-GB" b="1" dirty="0">
@@ -8413,7 +8518,57 @@
                   </a:schemeClr>
                 </a:solidFill>
               </a:rPr>
-              <a:t>Chollet</a:t>
+              <a:t>AlphaGo</a:t>
+            </a:r>
+            <a:r>
+              <a:rPr lang="en-GB" dirty="0"/>
+              <a:t>. Several contributions in </a:t>
+            </a:r>
+            <a:r>
+              <a:rPr lang="en-GB" b="1" dirty="0"/>
+              <a:t>Reinforcement</a:t>
+            </a:r>
+            <a:r>
+              <a:rPr lang="en-GB" dirty="0"/>
+              <a:t> </a:t>
+            </a:r>
+            <a:r>
+              <a:rPr lang="en-GB" b="1" dirty="0"/>
+              <a:t>Learning</a:t>
+            </a:r>
+            <a:r>
+              <a:rPr lang="en-GB" dirty="0"/>
+              <a:t>.</a:t>
+            </a:r>
+            <a:br>
+              <a:rPr lang="en-GB" dirty="0"/>
+            </a:br>
+            <a:r>
+              <a:rPr lang="en-GB" dirty="0">
+                <a:hlinkClick r:id="rId2"/>
+              </a:rPr>
+              <a:t>https://scholar.google.com/citations?hl=en&amp;user=dYpPMQEAAAAJ</a:t>
+            </a:r>
+            <a:endParaRPr lang="en-GB" dirty="0"/>
+          </a:p>
+          <a:p>
+            <a:r>
+              <a:rPr lang="en-GB" b="1" dirty="0"/>
+              <a:t>Alex</a:t>
+            </a:r>
+            <a:r>
+              <a:rPr lang="en-GB" dirty="0"/>
+              <a:t> </a:t>
+            </a:r>
+            <a:r>
+              <a:rPr lang="en-GB" b="1" dirty="0">
+                <a:solidFill>
+                  <a:schemeClr val="accent2">
+                    <a:lumMod val="50000"/>
+                  </a:schemeClr>
+                </a:solidFill>
+              </a:rPr>
+              <a:t>Graves</a:t>
             </a:r>
             <a:r>
               <a:rPr lang="en-GB" dirty="0"/>
@@ -8421,7 +8576,7 @@
             </a:r>
             <a:r>
               <a:rPr lang="en-GB" b="1" dirty="0"/>
-              <a:t>Researcher</a:t>
+              <a:t>Professor</a:t>
             </a:r>
             <a:r>
               <a:rPr lang="en-GB" dirty="0"/>
@@ -8429,11 +8584,110 @@
             </a:r>
             <a:r>
               <a:rPr lang="en-GB" b="1" dirty="0"/>
-              <a:t>Google</a:t>
-            </a:r>
-            <a:r>
-              <a:rPr lang="en-GB" dirty="0"/>
-              <a:t>. The man behind the </a:t>
+              <a:t>University</a:t>
+            </a:r>
+            <a:r>
+              <a:rPr lang="en-GB" dirty="0"/>
+              <a:t> </a:t>
+            </a:r>
+            <a:r>
+              <a:rPr lang="en-GB" b="1" dirty="0"/>
+              <a:t>of</a:t>
+            </a:r>
+            <a:r>
+              <a:rPr lang="en-GB" dirty="0"/>
+              <a:t> </a:t>
+            </a:r>
+            <a:r>
+              <a:rPr lang="en-GB" b="1" dirty="0"/>
+              <a:t>Toronto</a:t>
+            </a:r>
+            <a:r>
+              <a:rPr lang="en-GB" dirty="0"/>
+              <a:t>. Several contributions in </a:t>
+            </a:r>
+            <a:r>
+              <a:rPr lang="en-GB" b="1" dirty="0"/>
+              <a:t>Reinforcement</a:t>
+            </a:r>
+            <a:r>
+              <a:rPr lang="en-GB" dirty="0"/>
+              <a:t> </a:t>
+            </a:r>
+            <a:r>
+              <a:rPr lang="en-GB" b="1" dirty="0"/>
+              <a:t>Learning</a:t>
+            </a:r>
+            <a:r>
+              <a:rPr lang="en-GB" dirty="0"/>
+              <a:t>. </a:t>
+            </a:r>
+            <a:r>
+              <a:rPr lang="en-GB" dirty="0">
+                <a:hlinkClick r:id="rId3"/>
+              </a:rPr>
+              <a:t>https://scholar.google.co.uk/citations?user=DaFHynwAAAAJ&amp;hl=en</a:t>
+            </a:r>
+            <a:endParaRPr lang="en-GB" dirty="0"/>
+          </a:p>
+          <a:p>
+            <a:r>
+              <a:rPr lang="en-GB" b="1" dirty="0"/>
+              <a:t>Michael</a:t>
+            </a:r>
+            <a:r>
+              <a:rPr lang="en-GB" dirty="0"/>
+              <a:t> </a:t>
+            </a:r>
+            <a:r>
+              <a:rPr lang="en-GB" b="1" dirty="0"/>
+              <a:t>I.</a:t>
+            </a:r>
+            <a:r>
+              <a:rPr lang="en-GB" dirty="0"/>
+              <a:t> </a:t>
+            </a:r>
+            <a:r>
+              <a:rPr lang="en-GB" b="1" dirty="0">
+                <a:solidFill>
+                  <a:schemeClr val="accent2">
+                    <a:lumMod val="50000"/>
+                  </a:schemeClr>
+                </a:solidFill>
+              </a:rPr>
+              <a:t>Jordan</a:t>
+            </a:r>
+            <a:r>
+              <a:rPr lang="en-GB" dirty="0"/>
+              <a:t>: Professor at </a:t>
+            </a:r>
+            <a:r>
+              <a:rPr lang="en-GB" b="1" dirty="0"/>
+              <a:t>UC Berkeley</a:t>
+            </a:r>
+            <a:r>
+              <a:rPr lang="en-GB" dirty="0"/>
+              <a:t>, co-inventor of LDA.</a:t>
+            </a:r>
+            <a:br>
+              <a:rPr lang="en-GB" dirty="0"/>
+            </a:br>
+            <a:r>
+              <a:rPr lang="en-GB" dirty="0">
+                <a:hlinkClick r:id="rId4"/>
+              </a:rPr>
+              <a:t>https://scholar.google.com/citations?user=yxUduqMAAAAJ&amp;hl=fr</a:t>
+            </a:r>
+            <a:endParaRPr lang="en-GB" dirty="0"/>
+          </a:p>
+          <a:p>
+            <a:r>
+              <a:rPr lang="en-GB" b="1" dirty="0"/>
+              <a:t>Terrence</a:t>
+            </a:r>
+            <a:r>
+              <a:rPr lang="en-GB" dirty="0"/>
+              <a:t> </a:t>
             </a:r>
             <a:r>
               <a:rPr lang="en-GB" b="1" dirty="0" err="1">
@@ -8443,52 +8697,86 @@
                   </a:schemeClr>
                 </a:solidFill>
               </a:rPr>
-              <a:t>Keras</a:t>
-            </a:r>
-            <a:r>
-              <a:rPr lang="en-GB" dirty="0"/>
-              <a:t> framework and </a:t>
-            </a:r>
-            <a:r>
-              <a:rPr lang="en-GB" b="1" dirty="0" err="1"/>
-              <a:t>Xception</a:t>
-            </a:r>
-            <a:r>
-              <a:rPr lang="en-GB" dirty="0"/>
-              <a:t>.</a:t>
-            </a:r>
-            <a:br>
-              <a:rPr lang="en-GB" dirty="0"/>
-            </a:br>
-            <a:r>
-              <a:rPr lang="en-GB" dirty="0">
+              <a:t>Sejnowski</a:t>
+            </a:r>
+            <a:r>
+              <a:rPr lang="en-GB" dirty="0"/>
+              <a:t>: </a:t>
+            </a:r>
+            <a:r>
+              <a:rPr lang="en-GB" b="1" dirty="0"/>
+              <a:t>Professor</a:t>
+            </a:r>
+            <a:r>
+              <a:rPr lang="en-GB" dirty="0"/>
+              <a:t> at </a:t>
+            </a:r>
+            <a:r>
+              <a:rPr lang="en-GB" b="1" dirty="0"/>
+              <a:t>UC</a:t>
+            </a:r>
+            <a:r>
+              <a:rPr lang="en-GB" dirty="0"/>
+              <a:t> </a:t>
+            </a:r>
+            <a:r>
+              <a:rPr lang="en-GB" b="1" dirty="0"/>
+              <a:t>San</a:t>
+            </a:r>
+            <a:r>
+              <a:rPr lang="en-GB" dirty="0"/>
+              <a:t> </a:t>
+            </a:r>
+            <a:r>
+              <a:rPr lang="en-GB" b="1" dirty="0"/>
+              <a:t>Diego</a:t>
+            </a:r>
+            <a:r>
+              <a:rPr lang="en-GB" dirty="0"/>
+              <a:t>, </a:t>
+            </a:r>
+            <a:r>
+              <a:rPr lang="en-GB" b="1" dirty="0">
+                <a:solidFill>
+                  <a:schemeClr val="accent2">
+                    <a:lumMod val="50000"/>
+                  </a:schemeClr>
+                </a:solidFill>
+              </a:rPr>
+              <a:t>Boltzmann</a:t>
+            </a:r>
+            <a:r>
+              <a:rPr lang="en-GB" dirty="0"/>
+              <a:t> </a:t>
+            </a:r>
+            <a:r>
+              <a:rPr lang="en-GB" b="1" dirty="0">
+                <a:solidFill>
+                  <a:schemeClr val="accent2">
+                    <a:lumMod val="50000"/>
+                  </a:schemeClr>
+                </a:solidFill>
+              </a:rPr>
+              <a:t>machines</a:t>
+            </a:r>
+            <a:r>
+              <a:rPr lang="en-GB" dirty="0"/>
+              <a:t>. </a:t>
+            </a:r>
+            <a:r>
+              <a:rPr lang="en-US" dirty="0">
                 <a:hlinkClick r:id="rId5"/>
               </a:rPr>
-              <a:t>https://scholar.google.com/citations?user=VfYhf2wAAAAJ&amp;hl=en</a:t>
-            </a:r>
-            <a:endParaRPr lang="en-GB" dirty="0"/>
-          </a:p>
-          <a:p>
-            <a:endParaRPr lang="en-GB" dirty="0"/>
-          </a:p>
-          <a:p>
+              <a:t>https://scholar.google.ca/citations?user=m1qAiOUAAAAJ&amp;hl=en</a:t>
+            </a:r>
             <a:endParaRPr lang="en-US" dirty="0"/>
-          </a:p>
-          <a:p>
-            <a:endParaRPr lang="en-US" dirty="0"/>
-          </a:p>
-          <a:p>
-            <a:endParaRPr lang="en-US" dirty="0"/>
-          </a:p>
-          <a:p>
-            <a:endParaRPr lang="en-GB" dirty="0"/>
           </a:p>
         </p:txBody>
       </p:sp>
     </p:spTree>
     <p:extLst>
       <p:ext uri="{BB962C8B-B14F-4D97-AF65-F5344CB8AC3E}">
-        <p14:creationId xmlns:p14="http://schemas.microsoft.com/office/powerpoint/2010/main" val="213952004"/>
+        <p14:creationId xmlns:p14="http://schemas.microsoft.com/office/powerpoint/2010/main" val="3044459727"/>
       </p:ext>
     </p:extLst>
   </p:cSld>
@@ -8568,12 +8856,7 @@
             <p:ph idx="1"/>
           </p:nvPr>
         </p:nvSpPr>
-        <p:spPr>
-          <a:xfrm>
-            <a:off x="838200" y="1825624"/>
-            <a:ext cx="10515600" cy="5032375"/>
-          </a:xfrm>
-        </p:spPr>
+        <p:spPr/>
         <p:txBody>
           <a:bodyPr>
             <a:normAutofit/>
@@ -8581,75 +8864,175 @@
           <a:lstStyle/>
           <a:p>
             <a:r>
-              <a:rPr lang="en-US" b="1" dirty="0"/>
-              <a:t>Trevor </a:t>
-            </a:r>
-            <a:r>
-              <a:rPr lang="en-US" b="1" dirty="0">
+              <a:rPr lang="en-GB" b="1" dirty="0"/>
+              <a:t>Peter</a:t>
+            </a:r>
+            <a:r>
+              <a:rPr lang="en-GB" dirty="0"/>
+              <a:t> </a:t>
+            </a:r>
+            <a:r>
+              <a:rPr lang="en-GB" b="1" dirty="0">
                 <a:solidFill>
                   <a:schemeClr val="accent2">
                     <a:lumMod val="50000"/>
                   </a:schemeClr>
                 </a:solidFill>
               </a:rPr>
-              <a:t>Hastie</a:t>
-            </a:r>
-            <a:r>
-              <a:rPr lang="en-US" dirty="0"/>
+              <a:t>Norvig</a:t>
+            </a:r>
+            <a:r>
+              <a:rPr lang="en-GB" dirty="0"/>
               <a:t>: </a:t>
             </a:r>
             <a:r>
-              <a:rPr lang="en-US" b="1" dirty="0"/>
-              <a:t>Professor</a:t>
-            </a:r>
-            <a:r>
-              <a:rPr lang="en-US" dirty="0"/>
+              <a:rPr lang="en-GB" b="1" dirty="0"/>
+              <a:t>Director</a:t>
+            </a:r>
+            <a:r>
+              <a:rPr lang="en-GB" dirty="0"/>
+              <a:t> </a:t>
+            </a:r>
+            <a:r>
+              <a:rPr lang="en-GB" b="1" dirty="0"/>
+              <a:t>of</a:t>
+            </a:r>
+            <a:r>
+              <a:rPr lang="en-GB" dirty="0"/>
+              <a:t> </a:t>
+            </a:r>
+            <a:r>
+              <a:rPr lang="en-GB" b="1" dirty="0"/>
+              <a:t>Research</a:t>
+            </a:r>
+            <a:r>
+              <a:rPr lang="en-GB" dirty="0"/>
               <a:t> at </a:t>
             </a:r>
             <a:r>
-              <a:rPr lang="en-US" b="1" dirty="0"/>
-              <a:t>Stanford</a:t>
-            </a:r>
-            <a:r>
-              <a:rPr lang="en-US" dirty="0"/>
-              <a:t>, co-</a:t>
-            </a:r>
-            <a:r>
-              <a:rPr lang="en-US" dirty="0" err="1"/>
-              <a:t>autor</a:t>
-            </a:r>
-            <a:r>
-              <a:rPr lang="en-US" dirty="0"/>
-              <a:t> of the Bible of Statistical Learning.</a:t>
+              <a:rPr lang="en-GB" b="1" dirty="0"/>
+              <a:t>Google</a:t>
+            </a:r>
+            <a:r>
+              <a:rPr lang="en-GB" dirty="0"/>
+              <a:t>, co-author of the other Bible of Deep Learning</a:t>
             </a:r>
             <a:br>
-              <a:rPr lang="en-US" dirty="0"/>
+              <a:rPr lang="en-GB" dirty="0"/>
             </a:br>
             <a:r>
-              <a:rPr lang="en-US" dirty="0">
+              <a:rPr lang="en-GB" dirty="0">
                 <a:hlinkClick r:id="rId2"/>
               </a:rPr>
-              <a:t>https://scholar.google.ca/citations?user=tQVe-fAAAAAJ&amp;hl=en</a:t>
+              <a:t>https://scholar.google.com/citations?user=Ol0vcWgAAAAJ&amp;hl=en</a:t>
             </a:r>
             <a:br>
-              <a:rPr lang="en-US" dirty="0"/>
+              <a:rPr lang="en-GB" dirty="0"/>
             </a:br>
             <a:r>
-              <a:rPr lang="en-US" dirty="0">
+              <a:rPr lang="en-GB" dirty="0">
                 <a:hlinkClick r:id="rId3"/>
               </a:rPr>
-              <a:t>https://hastie.su.domains/ElemStatLearn/download.html</a:t>
-            </a:r>
-            <a:endParaRPr lang="en-US" dirty="0"/>
+              <a:t>http://aima.cs.berkeley.edu/</a:t>
+            </a:r>
+            <a:endParaRPr lang="en-GB" dirty="0"/>
           </a:p>
           <a:p>
             <a:r>
               <a:rPr lang="en-GB" b="1" dirty="0"/>
-              <a:t>Robert</a:t>
+              <a:t>Stuart</a:t>
             </a:r>
             <a:r>
               <a:rPr lang="en-GB" dirty="0"/>
               <a:t> </a:t>
+            </a:r>
+            <a:r>
+              <a:rPr lang="en-GB" b="1" dirty="0">
+                <a:solidFill>
+                  <a:schemeClr val="accent2">
+                    <a:lumMod val="50000"/>
+                  </a:schemeClr>
+                </a:solidFill>
+              </a:rPr>
+              <a:t>Russell</a:t>
+            </a:r>
+            <a:r>
+              <a:rPr lang="en-GB" dirty="0"/>
+              <a:t>: </a:t>
+            </a:r>
+            <a:r>
+              <a:rPr lang="en-GB" b="1" dirty="0"/>
+              <a:t>Professor</a:t>
+            </a:r>
+            <a:r>
+              <a:rPr lang="en-GB" dirty="0"/>
+              <a:t> at </a:t>
+            </a:r>
+            <a:r>
+              <a:rPr lang="en-GB" b="1" dirty="0"/>
+              <a:t>UC</a:t>
+            </a:r>
+            <a:r>
+              <a:rPr lang="en-GB" dirty="0"/>
+              <a:t> </a:t>
+            </a:r>
+            <a:r>
+              <a:rPr lang="en-GB" b="1" dirty="0"/>
+              <a:t>Berkely</a:t>
+            </a:r>
+            <a:r>
+              <a:rPr lang="en-GB" dirty="0"/>
+              <a:t>, co-author of the other Bible of Deep Learning</a:t>
+            </a:r>
+            <a:br>
+              <a:rPr lang="en-GB" dirty="0"/>
+            </a:br>
+            <a:r>
+              <a:rPr lang="en-GB" dirty="0">
+                <a:hlinkClick r:id="rId4"/>
+              </a:rPr>
+              <a:t>https://scholar.google.com/citations?user=2oy3OXYAAAAJ&amp;hl=en</a:t>
+            </a:r>
+            <a:endParaRPr lang="en-GB" dirty="0"/>
+          </a:p>
+          <a:p>
+            <a:r>
+              <a:rPr lang="en-GB" b="1" dirty="0"/>
+              <a:t>Francois</a:t>
+            </a:r>
+            <a:r>
+              <a:rPr lang="en-GB" dirty="0"/>
+              <a:t> </a:t>
+            </a:r>
+            <a:r>
+              <a:rPr lang="en-GB" b="1" dirty="0">
+                <a:solidFill>
+                  <a:schemeClr val="accent2">
+                    <a:lumMod val="50000"/>
+                  </a:schemeClr>
+                </a:solidFill>
+              </a:rPr>
+              <a:t>Chollet</a:t>
+            </a:r>
+            <a:r>
+              <a:rPr lang="en-GB" dirty="0"/>
+              <a:t>: </a:t>
+            </a:r>
+            <a:r>
+              <a:rPr lang="en-GB" b="1" dirty="0"/>
+              <a:t>Researcher</a:t>
+            </a:r>
+            <a:r>
+              <a:rPr lang="en-GB" dirty="0"/>
+              <a:t> at </a:t>
+            </a:r>
+            <a:r>
+              <a:rPr lang="en-GB" b="1" dirty="0"/>
+              <a:t>Google</a:t>
+            </a:r>
+            <a:r>
+              <a:rPr lang="en-GB" dirty="0"/>
+              <a:t>. The man behind the </a:t>
             </a:r>
             <a:r>
               <a:rPr lang="en-GB" b="1" dirty="0" err="1">
@@ -8659,137 +9042,35 @@
                   </a:schemeClr>
                 </a:solidFill>
               </a:rPr>
-              <a:t>Tibshirani</a:t>
-            </a:r>
-            <a:r>
-              <a:rPr lang="en-US" dirty="0"/>
-              <a:t>: </a:t>
-            </a:r>
-            <a:r>
-              <a:rPr lang="en-US" b="1" dirty="0"/>
-              <a:t>Professor</a:t>
-            </a:r>
-            <a:r>
-              <a:rPr lang="en-US" dirty="0"/>
-              <a:t> at </a:t>
-            </a:r>
-            <a:r>
-              <a:rPr lang="en-US" b="1" dirty="0"/>
-              <a:t>Stanford</a:t>
-            </a:r>
-            <a:r>
-              <a:rPr lang="en-US" dirty="0"/>
-              <a:t>, co-</a:t>
-            </a:r>
-            <a:r>
-              <a:rPr lang="en-US" dirty="0" err="1"/>
-              <a:t>autor</a:t>
-            </a:r>
-            <a:r>
-              <a:rPr lang="en-US" dirty="0"/>
-              <a:t> of the Bible of Statistical Learning. Inventor of the LASSO algorithm.</a:t>
+              <a:t>Keras</a:t>
+            </a:r>
+            <a:r>
+              <a:rPr lang="en-GB" dirty="0"/>
+              <a:t> framework and </a:t>
+            </a:r>
+            <a:r>
+              <a:rPr lang="en-GB" b="1" dirty="0" err="1"/>
+              <a:t>Xception</a:t>
+            </a:r>
+            <a:r>
+              <a:rPr lang="en-GB" dirty="0"/>
+              <a:t>.</a:t>
             </a:r>
             <a:br>
-              <a:rPr lang="en-US" dirty="0"/>
+              <a:rPr lang="en-GB" dirty="0"/>
             </a:br>
             <a:r>
-              <a:rPr lang="en-US" dirty="0">
-                <a:hlinkClick r:id="rId4"/>
-              </a:rPr>
-              <a:t>https://scholar.google.ca/citations?user=ZpG_cJwAAAAJ&amp;hl=en</a:t>
-            </a:r>
-            <a:endParaRPr lang="en-US" dirty="0"/>
-          </a:p>
-          <a:p>
-            <a:r>
-              <a:rPr lang="en-GB" b="1" dirty="0"/>
-              <a:t>Vladimir </a:t>
-            </a:r>
-            <a:r>
-              <a:rPr lang="en-GB" b="1" dirty="0" err="1">
-                <a:solidFill>
-                  <a:schemeClr val="accent2">
-                    <a:lumMod val="50000"/>
-                  </a:schemeClr>
-                </a:solidFill>
-              </a:rPr>
-              <a:t>Vapnik</a:t>
-            </a:r>
-            <a:r>
-              <a:rPr lang="en-GB" b="1" dirty="0"/>
-              <a:t>: Retired Professor</a:t>
-            </a:r>
-            <a:r>
-              <a:rPr lang="en-GB" dirty="0"/>
-              <a:t>, inventor of </a:t>
-            </a:r>
-            <a:r>
-              <a:rPr lang="en-GB" b="1" dirty="0"/>
-              <a:t>SVMs</a:t>
-            </a:r>
-            <a:r>
-              <a:rPr lang="en-GB" dirty="0"/>
-              <a:t> and many other concepts. Worked with </a:t>
-            </a:r>
-            <a:r>
-              <a:rPr lang="en-GB" b="1" dirty="0"/>
-              <a:t>Yann</a:t>
-            </a:r>
-            <a:r>
-              <a:rPr lang="en-GB" dirty="0"/>
-              <a:t> </a:t>
-            </a:r>
-            <a:r>
-              <a:rPr lang="en-GB" b="1" dirty="0" err="1">
-                <a:solidFill>
-                  <a:schemeClr val="accent2">
-                    <a:lumMod val="50000"/>
-                  </a:schemeClr>
-                </a:solidFill>
-              </a:rPr>
-              <a:t>LeCun</a:t>
-            </a:r>
-            <a:r>
-              <a:rPr lang="en-GB" dirty="0"/>
-              <a:t> at </a:t>
-            </a:r>
-            <a:r>
-              <a:rPr lang="en-GB" b="1" dirty="0">
-                <a:solidFill>
-                  <a:schemeClr val="accent2">
-                    <a:lumMod val="50000"/>
-                  </a:schemeClr>
-                </a:solidFill>
-              </a:rPr>
-              <a:t>Facebook</a:t>
-            </a:r>
-            <a:r>
-              <a:rPr lang="en-GB" b="1" dirty="0"/>
-              <a:t> </a:t>
-            </a:r>
-            <a:r>
-              <a:rPr lang="en-GB" b="1" dirty="0">
-                <a:solidFill>
-                  <a:schemeClr val="accent2">
-                    <a:lumMod val="50000"/>
-                  </a:schemeClr>
-                </a:solidFill>
-              </a:rPr>
-              <a:t>AI</a:t>
-            </a:r>
-            <a:r>
-              <a:rPr lang="en-GB" dirty="0"/>
-              <a:t>.</a:t>
-            </a:r>
-            <a:br>
-              <a:rPr lang="en-GB" dirty="0"/>
-            </a:br>
-            <a:r>
-              <a:rPr lang="en-US" dirty="0">
+              <a:rPr lang="en-GB" dirty="0">
                 <a:hlinkClick r:id="rId5"/>
               </a:rPr>
-              <a:t>https://scholar.google.com/citations?user=vtegaJgAAAAJ&amp;hl=fr</a:t>
-            </a:r>
+              <a:t>https://scholar.google.com/citations?user=VfYhf2wAAAAJ&amp;hl=en</a:t>
+            </a:r>
+            <a:endParaRPr lang="en-GB" dirty="0"/>
+          </a:p>
+          <a:p>
+            <a:endParaRPr lang="en-GB" dirty="0"/>
+          </a:p>
+          <a:p>
             <a:endParaRPr lang="en-US" dirty="0"/>
           </a:p>
           <a:p>
@@ -8806,7 +9087,7 @@
     </p:spTree>
     <p:extLst>
       <p:ext uri="{BB962C8B-B14F-4D97-AF65-F5344CB8AC3E}">
-        <p14:creationId xmlns:p14="http://schemas.microsoft.com/office/powerpoint/2010/main" val="1934179735"/>
+        <p14:creationId xmlns:p14="http://schemas.microsoft.com/office/powerpoint/2010/main" val="213952004"/>
       </p:ext>
     </p:extLst>
   </p:cSld>
@@ -8894,17 +9175,182 @@
         </p:spPr>
         <p:txBody>
           <a:bodyPr>
-            <a:normAutofit lnSpcReduction="10000"/>
+            <a:normAutofit/>
           </a:bodyPr>
           <a:lstStyle/>
           <a:p>
             <a:r>
+              <a:rPr lang="en-US" b="1" dirty="0"/>
+              <a:t>Trevor </a:t>
+            </a:r>
+            <a:r>
+              <a:rPr lang="en-US" b="1" dirty="0">
+                <a:solidFill>
+                  <a:schemeClr val="accent2">
+                    <a:lumMod val="50000"/>
+                  </a:schemeClr>
+                </a:solidFill>
+              </a:rPr>
+              <a:t>Hastie</a:t>
+            </a:r>
+            <a:r>
+              <a:rPr lang="en-US" dirty="0"/>
+              <a:t>: </a:t>
+            </a:r>
+            <a:r>
+              <a:rPr lang="en-US" b="1" dirty="0"/>
+              <a:t>Professor</a:t>
+            </a:r>
+            <a:r>
+              <a:rPr lang="en-US" dirty="0"/>
+              <a:t> at </a:t>
+            </a:r>
+            <a:r>
+              <a:rPr lang="en-US" b="1" dirty="0"/>
+              <a:t>Stanford</a:t>
+            </a:r>
+            <a:r>
+              <a:rPr lang="en-US" dirty="0"/>
+              <a:t>, co-</a:t>
+            </a:r>
+            <a:r>
+              <a:rPr lang="en-US" dirty="0" err="1"/>
+              <a:t>autor</a:t>
+            </a:r>
+            <a:r>
+              <a:rPr lang="en-US" dirty="0"/>
+              <a:t> of the Bible of Statistical Learning.</a:t>
+            </a:r>
+            <a:br>
+              <a:rPr lang="en-US" dirty="0"/>
+            </a:br>
+            <a:r>
+              <a:rPr lang="en-US" dirty="0">
+                <a:hlinkClick r:id="rId2"/>
+              </a:rPr>
+              <a:t>https://scholar.google.ca/citations?user=tQVe-fAAAAAJ&amp;hl=en</a:t>
+            </a:r>
+            <a:br>
+              <a:rPr lang="en-US" dirty="0"/>
+            </a:br>
+            <a:r>
+              <a:rPr lang="en-US" dirty="0">
+                <a:hlinkClick r:id="rId3"/>
+              </a:rPr>
+              <a:t>https://hastie.su.domains/ElemStatLearn/download.html</a:t>
+            </a:r>
+            <a:endParaRPr lang="en-US" dirty="0"/>
+          </a:p>
+          <a:p>
+            <a:r>
               <a:rPr lang="en-GB" b="1" dirty="0"/>
-              <a:t>Fred</a:t>
+              <a:t>Robert</a:t>
             </a:r>
             <a:r>
               <a:rPr lang="en-GB" dirty="0"/>
               <a:t> </a:t>
+            </a:r>
+            <a:r>
+              <a:rPr lang="en-GB" b="1" dirty="0" err="1">
+                <a:solidFill>
+                  <a:schemeClr val="accent2">
+                    <a:lumMod val="50000"/>
+                  </a:schemeClr>
+                </a:solidFill>
+              </a:rPr>
+              <a:t>Tibshirani</a:t>
+            </a:r>
+            <a:r>
+              <a:rPr lang="en-US" dirty="0"/>
+              <a:t>: </a:t>
+            </a:r>
+            <a:r>
+              <a:rPr lang="en-US" b="1" dirty="0"/>
+              <a:t>Professor</a:t>
+            </a:r>
+            <a:r>
+              <a:rPr lang="en-US" dirty="0"/>
+              <a:t> at </a:t>
+            </a:r>
+            <a:r>
+              <a:rPr lang="en-US" b="1" dirty="0"/>
+              <a:t>Stanford</a:t>
+            </a:r>
+            <a:r>
+              <a:rPr lang="en-US" dirty="0"/>
+              <a:t>, co-</a:t>
+            </a:r>
+            <a:r>
+              <a:rPr lang="en-US" dirty="0" err="1"/>
+              <a:t>autor</a:t>
+            </a:r>
+            <a:r>
+              <a:rPr lang="en-US" dirty="0"/>
+              <a:t> of the Bible of Statistical Learning. Inventor of the LASSO algorithm.</a:t>
+            </a:r>
+            <a:br>
+              <a:rPr lang="en-US" dirty="0"/>
+            </a:br>
+            <a:r>
+              <a:rPr lang="en-US" dirty="0">
+                <a:hlinkClick r:id="rId4"/>
+              </a:rPr>
+              <a:t>https://scholar.google.ca/citations?user=ZpG_cJwAAAAJ&amp;hl=en</a:t>
+            </a:r>
+            <a:endParaRPr lang="en-US" dirty="0"/>
+          </a:p>
+          <a:p>
+            <a:r>
+              <a:rPr lang="en-GB" b="1" dirty="0"/>
+              <a:t>Vladimir </a:t>
+            </a:r>
+            <a:r>
+              <a:rPr lang="en-GB" b="1" dirty="0" err="1">
+                <a:solidFill>
+                  <a:schemeClr val="accent2">
+                    <a:lumMod val="50000"/>
+                  </a:schemeClr>
+                </a:solidFill>
+              </a:rPr>
+              <a:t>Vapnik</a:t>
+            </a:r>
+            <a:r>
+              <a:rPr lang="en-GB" b="1" dirty="0"/>
+              <a:t>: Retired Professor</a:t>
+            </a:r>
+            <a:r>
+              <a:rPr lang="en-GB" dirty="0"/>
+              <a:t>, inventor of </a:t>
+            </a:r>
+            <a:r>
+              <a:rPr lang="en-GB" b="1" dirty="0"/>
+              <a:t>SVMs</a:t>
+            </a:r>
+            <a:r>
+              <a:rPr lang="en-GB" dirty="0"/>
+              <a:t> and many other concepts. Worked with </a:t>
+            </a:r>
+            <a:r>
+              <a:rPr lang="en-GB" b="1" dirty="0"/>
+              <a:t>Yann</a:t>
+            </a:r>
+            <a:r>
+              <a:rPr lang="en-GB" dirty="0"/>
+              <a:t> </a:t>
+            </a:r>
+            <a:r>
+              <a:rPr lang="en-GB" b="1" dirty="0" err="1">
+                <a:solidFill>
+                  <a:schemeClr val="accent2">
+                    <a:lumMod val="50000"/>
+                  </a:schemeClr>
+                </a:solidFill>
+              </a:rPr>
+              <a:t>LeCun</a:t>
+            </a:r>
+            <a:r>
+              <a:rPr lang="en-GB" dirty="0"/>
+              <a:t> at </a:t>
             </a:r>
             <a:r>
               <a:rPr lang="en-GB" b="1" dirty="0">
@@ -8914,125 +9360,11 @@
                   </a:schemeClr>
                 </a:solidFill>
               </a:rPr>
-              <a:t>Cummins</a:t>
-            </a:r>
-            <a:r>
-              <a:rPr lang="en-GB" dirty="0"/>
-              <a:t>: </a:t>
+              <a:t>Facebook</a:t>
             </a:r>
             <a:r>
               <a:rPr lang="en-GB" b="1" dirty="0"/>
-              <a:t>Professor</a:t>
-            </a:r>
-            <a:r>
-              <a:rPr lang="en-GB" dirty="0"/>
-              <a:t> at </a:t>
-            </a:r>
-            <a:r>
-              <a:rPr lang="en-GB" b="1" dirty="0"/>
-              <a:t>University</a:t>
-            </a:r>
-            <a:r>
-              <a:rPr lang="en-GB" dirty="0"/>
               <a:t> </a:t>
-            </a:r>
-            <a:r>
-              <a:rPr lang="en-GB" b="1" dirty="0"/>
-              <a:t>College</a:t>
-            </a:r>
-            <a:r>
-              <a:rPr lang="en-GB" dirty="0"/>
-              <a:t> </a:t>
-            </a:r>
-            <a:r>
-              <a:rPr lang="en-GB" b="1" dirty="0"/>
-              <a:t>Dublin</a:t>
-            </a:r>
-            <a:r>
-              <a:rPr lang="en-GB" dirty="0"/>
-              <a:t>, contributions to </a:t>
-            </a:r>
-            <a:r>
-              <a:rPr lang="en-GB" b="1" dirty="0"/>
-              <a:t>LSTMs</a:t>
-            </a:r>
-            <a:r>
-              <a:rPr lang="en-GB" dirty="0"/>
-              <a:t> and </a:t>
-            </a:r>
-            <a:r>
-              <a:rPr lang="en-GB" b="1" dirty="0"/>
-              <a:t>NLP</a:t>
-            </a:r>
-            <a:r>
-              <a:rPr lang="en-GB" dirty="0"/>
-              <a:t>.</a:t>
-            </a:r>
-            <a:br>
-              <a:rPr lang="en-GB" dirty="0"/>
-            </a:br>
-            <a:r>
-              <a:rPr lang="en-GB" dirty="0">
-                <a:hlinkClick r:id="rId2"/>
-              </a:rPr>
-              <a:t>https://scholar.google.com/citations?user=E-vg2zQAAAAJ&amp;hl=fr</a:t>
-            </a:r>
-            <a:endParaRPr lang="en-GB" b="1" dirty="0"/>
-          </a:p>
-          <a:p>
-            <a:r>
-              <a:rPr lang="en-GB" b="1" dirty="0"/>
-              <a:t>Andrej</a:t>
-            </a:r>
-            <a:r>
-              <a:rPr lang="en-GB" dirty="0"/>
-              <a:t> </a:t>
-            </a:r>
-            <a:r>
-              <a:rPr lang="en-GB" b="1" dirty="0" err="1">
-                <a:solidFill>
-                  <a:schemeClr val="accent2">
-                    <a:lumMod val="50000"/>
-                  </a:schemeClr>
-                </a:solidFill>
-              </a:rPr>
-              <a:t>Karpathy</a:t>
-            </a:r>
-            <a:r>
-              <a:rPr lang="en-GB" dirty="0"/>
-              <a:t>: </a:t>
-            </a:r>
-            <a:r>
-              <a:rPr lang="en-GB" b="1" dirty="0"/>
-              <a:t>Former</a:t>
-            </a:r>
-            <a:r>
-              <a:rPr lang="en-GB" dirty="0"/>
-              <a:t> </a:t>
-            </a:r>
-            <a:r>
-              <a:rPr lang="en-GB" b="1" dirty="0"/>
-              <a:t>Director</a:t>
-            </a:r>
-            <a:r>
-              <a:rPr lang="en-GB" dirty="0"/>
-              <a:t> </a:t>
-            </a:r>
-            <a:r>
-              <a:rPr lang="en-GB" b="1" dirty="0"/>
-              <a:t>of</a:t>
-            </a:r>
-            <a:r>
-              <a:rPr lang="en-GB" dirty="0"/>
-              <a:t> </a:t>
-            </a:r>
-            <a:r>
-              <a:rPr lang="en-GB" b="1" dirty="0"/>
-              <a:t>AI</a:t>
-            </a:r>
-            <a:r>
-              <a:rPr lang="en-GB" dirty="0"/>
-              <a:t> at </a:t>
             </a:r>
             <a:r>
               <a:rPr lang="en-GB" b="1" dirty="0">
@@ -9042,171 +9374,38 @@
                   </a:schemeClr>
                 </a:solidFill>
               </a:rPr>
-              <a:t>Tesla</a:t>
-            </a:r>
-            <a:r>
-              <a:rPr lang="en-GB" dirty="0"/>
-              <a:t>. Many contributions to Computer Vision (</a:t>
-            </a:r>
-            <a:r>
-              <a:rPr lang="en-GB" b="1" dirty="0" err="1"/>
-              <a:t>Imagenet</a:t>
-            </a:r>
-            <a:r>
-              <a:rPr lang="en-GB" dirty="0"/>
-              <a:t>) and NLP (</a:t>
-            </a:r>
-            <a:r>
-              <a:rPr lang="en-GB" b="1" dirty="0"/>
-              <a:t>RNNs</a:t>
-            </a:r>
-            <a:r>
-              <a:rPr lang="en-GB" dirty="0"/>
-              <a:t>).</a:t>
+              <a:t>AI</a:t>
+            </a:r>
+            <a:r>
+              <a:rPr lang="en-GB" dirty="0"/>
+              <a:t>.</a:t>
             </a:r>
             <a:br>
               <a:rPr lang="en-GB" dirty="0"/>
             </a:br>
             <a:r>
-              <a:rPr lang="en-GB" dirty="0"/>
-              <a:t>(Probably better to follow him than Elon Musk.)</a:t>
-            </a:r>
-            <a:br>
-              <a:rPr lang="en-GB" dirty="0"/>
-            </a:br>
-            <a:r>
-              <a:rPr lang="en-GB" dirty="0">
-                <a:hlinkClick r:id="rId3"/>
-              </a:rPr>
-              <a:t>https://scholar.google.com/citations?user=l8WuQJgAAAAJ&amp;hl=fr</a:t>
-            </a:r>
-            <a:endParaRPr lang="en-GB" dirty="0"/>
-          </a:p>
-          <a:p>
-            <a:r>
-              <a:rPr lang="en-GB" b="1" dirty="0"/>
-              <a:t>Li</a:t>
-            </a:r>
-            <a:r>
-              <a:rPr lang="en-GB" dirty="0"/>
-              <a:t> </a:t>
-            </a:r>
-            <a:r>
-              <a:rPr lang="en-GB" b="1" dirty="0">
-                <a:solidFill>
-                  <a:schemeClr val="accent2">
-                    <a:lumMod val="50000"/>
-                  </a:schemeClr>
-                </a:solidFill>
-              </a:rPr>
-              <a:t>Fei-Fei</a:t>
-            </a:r>
-            <a:r>
-              <a:rPr lang="en-GB" dirty="0"/>
-              <a:t>: </a:t>
-            </a:r>
-            <a:r>
-              <a:rPr lang="en-GB" b="1" dirty="0"/>
-              <a:t>Professor</a:t>
-            </a:r>
-            <a:r>
-              <a:rPr lang="en-GB" dirty="0"/>
-              <a:t> at </a:t>
-            </a:r>
-            <a:r>
-              <a:rPr lang="en-GB" b="1" dirty="0"/>
-              <a:t>Stanford</a:t>
-            </a:r>
-            <a:r>
-              <a:rPr lang="en-GB" dirty="0"/>
-              <a:t>. Many contributions to Computer Vision (</a:t>
-            </a:r>
-            <a:r>
-              <a:rPr lang="en-GB" b="1" dirty="0" err="1"/>
-              <a:t>Imagenet</a:t>
-            </a:r>
-            <a:r>
-              <a:rPr lang="en-GB" dirty="0"/>
-              <a:t>).</a:t>
-            </a:r>
-            <a:br>
-              <a:rPr lang="en-GB" dirty="0"/>
-            </a:br>
-            <a:r>
-              <a:rPr lang="en-GB" dirty="0">
-                <a:hlinkClick r:id="rId4"/>
-              </a:rPr>
-              <a:t>https://scholar.google.com/citations?user=rDfyQnIAAAAJ&amp;hl=fr</a:t>
-            </a:r>
-            <a:endParaRPr lang="en-GB" dirty="0"/>
-          </a:p>
-          <a:p>
-            <a:r>
-              <a:rPr lang="en-GB" b="1" dirty="0"/>
-              <a:t>Pieter</a:t>
-            </a:r>
-            <a:r>
-              <a:rPr lang="en-GB" dirty="0"/>
-              <a:t> </a:t>
-            </a:r>
-            <a:r>
-              <a:rPr lang="en-GB" b="1" dirty="0" err="1">
-                <a:solidFill>
-                  <a:schemeClr val="accent2">
-                    <a:lumMod val="50000"/>
-                  </a:schemeClr>
-                </a:solidFill>
-              </a:rPr>
-              <a:t>Abbeel</a:t>
-            </a:r>
-            <a:r>
-              <a:rPr lang="en-GB" dirty="0"/>
-              <a:t>: </a:t>
-            </a:r>
-            <a:r>
-              <a:rPr lang="en-GB" b="1" dirty="0"/>
-              <a:t>Professor</a:t>
-            </a:r>
-            <a:r>
-              <a:rPr lang="en-GB" dirty="0"/>
-              <a:t> at </a:t>
-            </a:r>
-            <a:r>
-              <a:rPr lang="en-GB" b="1" dirty="0"/>
-              <a:t>UC</a:t>
-            </a:r>
-            <a:r>
-              <a:rPr lang="en-GB" dirty="0"/>
-              <a:t> </a:t>
-            </a:r>
-            <a:r>
-              <a:rPr lang="en-GB" b="1" dirty="0"/>
-              <a:t>Berkeley</a:t>
-            </a:r>
-            <a:r>
-              <a:rPr lang="en-GB" dirty="0"/>
-              <a:t>, and a leading researcher in reinforcement learning and robotics.</a:t>
-            </a:r>
-            <a:br>
-              <a:rPr lang="en-GB" dirty="0"/>
-            </a:br>
-            <a:r>
-              <a:rPr lang="en-GB" dirty="0">
+              <a:rPr lang="en-US" dirty="0">
                 <a:hlinkClick r:id="rId5"/>
               </a:rPr>
-              <a:t>https://scholar.google.com/citations?user=vtwH6GkAAAAJ&amp;hl=en</a:t>
-            </a:r>
-            <a:r>
-              <a:rPr lang="en-GB" dirty="0"/>
-              <a:t> </a:t>
-            </a:r>
+              <a:t>https://scholar.google.com/citations?user=vtegaJgAAAAJ&amp;hl=fr</a:t>
+            </a:r>
+            <a:endParaRPr lang="en-US" dirty="0"/>
+          </a:p>
+          <a:p>
+            <a:endParaRPr lang="en-US" dirty="0"/>
+          </a:p>
+          <a:p>
+            <a:endParaRPr lang="en-US" dirty="0"/>
+          </a:p>
+          <a:p>
+            <a:endParaRPr lang="en-GB" dirty="0"/>
           </a:p>
         </p:txBody>
       </p:sp>
     </p:spTree>
     <p:extLst>
       <p:ext uri="{BB962C8B-B14F-4D97-AF65-F5344CB8AC3E}">
-        <p14:creationId xmlns:p14="http://schemas.microsoft.com/office/powerpoint/2010/main" val="3324188887"/>
+        <p14:creationId xmlns:p14="http://schemas.microsoft.com/office/powerpoint/2010/main" val="1934179735"/>
       </p:ext>
     </p:extLst>
   </p:cSld>
@@ -9382,21 +9581,17 @@
         </p:spPr>
         <p:txBody>
           <a:bodyPr>
-            <a:normAutofit/>
+            <a:normAutofit lnSpcReduction="10000"/>
           </a:bodyPr>
           <a:lstStyle/>
           <a:p>
             <a:r>
               <a:rPr lang="en-GB" b="1" dirty="0"/>
-              <a:t>Anil</a:t>
+              <a:t>Fred</a:t>
             </a:r>
             <a:r>
               <a:rPr lang="en-GB" dirty="0"/>
               <a:t> </a:t>
-            </a:r>
-            <a:r>
-              <a:rPr lang="en-GB" b="1" dirty="0"/>
-              <a:t>K. </a:t>
             </a:r>
             <a:r>
               <a:rPr lang="en-GB" b="1" dirty="0">
@@ -9406,7 +9601,7 @@
                   </a:schemeClr>
                 </a:solidFill>
               </a:rPr>
-              <a:t>Jain</a:t>
+              <a:t>Cummins</a:t>
             </a:r>
             <a:r>
               <a:rPr lang="en-GB" dirty="0"/>
@@ -9422,7 +9617,7 @@
             </a:r>
             <a:r>
               <a:rPr lang="en-GB" b="1" dirty="0"/>
-              <a:t>Michigan</a:t>
+              <a:t>University</a:t>
             </a:r>
             <a:r>
               <a:rPr lang="en-GB" dirty="0"/>
@@ -9430,7 +9625,7 @@
             </a:r>
             <a:r>
               <a:rPr lang="en-GB" b="1" dirty="0"/>
-              <a:t>State</a:t>
+              <a:t>College</a:t>
             </a:r>
             <a:r>
               <a:rPr lang="en-GB" dirty="0"/>
@@ -9438,11 +9633,27 @@
             </a:r>
             <a:r>
               <a:rPr lang="en-GB" b="1" dirty="0"/>
-              <a:t>University</a:t>
-            </a:r>
-            <a:r>
-              <a:rPr lang="en-GB" dirty="0"/>
-              <a:t>. Many contributions to Computer Vision and Statistical Learning.</a:t>
+              <a:t>Dublin</a:t>
+            </a:r>
+            <a:r>
+              <a:rPr lang="en-GB" dirty="0"/>
+              <a:t>, contributions to </a:t>
+            </a:r>
+            <a:r>
+              <a:rPr lang="en-GB" b="1" dirty="0"/>
+              <a:t>LSTMs</a:t>
+            </a:r>
+            <a:r>
+              <a:rPr lang="en-GB" dirty="0"/>
+              <a:t> and </a:t>
+            </a:r>
+            <a:r>
+              <a:rPr lang="en-GB" b="1" dirty="0"/>
+              <a:t>NLP</a:t>
+            </a:r>
+            <a:r>
+              <a:rPr lang="en-GB" dirty="0"/>
+              <a:t>.</a:t>
             </a:r>
             <a:br>
               <a:rPr lang="en-GB" dirty="0"/>
@@ -9451,18 +9662,64 @@
               <a:rPr lang="en-GB" dirty="0">
                 <a:hlinkClick r:id="rId2"/>
               </a:rPr>
-              <a:t>https://scholar.google.com/citations?user=g-_ZXGsAAAAJ&amp;hl=fr</a:t>
-            </a:r>
-            <a:endParaRPr lang="en-GB" dirty="0"/>
+              <a:t>https://scholar.google.com/citations?user=E-vg2zQAAAAJ&amp;hl=fr</a:t>
+            </a:r>
+            <a:endParaRPr lang="en-GB" b="1" dirty="0"/>
           </a:p>
           <a:p>
             <a:r>
               <a:rPr lang="en-GB" b="1" dirty="0"/>
-              <a:t>Jitendra</a:t>
+              <a:t>Andrej</a:t>
             </a:r>
             <a:r>
               <a:rPr lang="en-GB" dirty="0"/>
               <a:t> </a:t>
+            </a:r>
+            <a:r>
+              <a:rPr lang="en-GB" b="1" dirty="0" err="1">
+                <a:solidFill>
+                  <a:schemeClr val="accent2">
+                    <a:lumMod val="50000"/>
+                  </a:schemeClr>
+                </a:solidFill>
+              </a:rPr>
+              <a:t>Karpathy</a:t>
+            </a:r>
+            <a:r>
+              <a:rPr lang="en-GB" dirty="0"/>
+              <a:t>: </a:t>
+            </a:r>
+            <a:r>
+              <a:rPr lang="en-GB" b="1" dirty="0"/>
+              <a:t>Former</a:t>
+            </a:r>
+            <a:r>
+              <a:rPr lang="en-GB" dirty="0"/>
+              <a:t> </a:t>
+            </a:r>
+            <a:r>
+              <a:rPr lang="en-GB" b="1" dirty="0"/>
+              <a:t>Director</a:t>
+            </a:r>
+            <a:r>
+              <a:rPr lang="en-GB" dirty="0"/>
+              <a:t> </a:t>
+            </a:r>
+            <a:r>
+              <a:rPr lang="en-GB" b="1" dirty="0"/>
+              <a:t>of</a:t>
+            </a:r>
+            <a:r>
+              <a:rPr lang="en-GB" dirty="0"/>
+              <a:t> </a:t>
+            </a:r>
+            <a:r>
+              <a:rPr lang="en-GB" b="1" dirty="0"/>
+              <a:t>AI</a:t>
+            </a:r>
+            <a:r>
+              <a:rPr lang="en-GB" dirty="0"/>
+              <a:t> at </a:t>
             </a:r>
             <a:r>
               <a:rPr lang="en-GB" b="1" dirty="0">
@@ -9472,48 +9729,108 @@
                   </a:schemeClr>
                 </a:solidFill>
               </a:rPr>
-              <a:t>Malik</a:t>
-            </a:r>
-            <a:r>
-              <a:rPr lang="en-GB" dirty="0"/>
-              <a:t>: </a:t>
+              <a:t>Tesla</a:t>
+            </a:r>
+            <a:r>
+              <a:rPr lang="en-GB" dirty="0"/>
+              <a:t>. Many contributions to Computer Vision (</a:t>
+            </a:r>
+            <a:r>
+              <a:rPr lang="en-GB" b="1" dirty="0" err="1"/>
+              <a:t>Imagenet</a:t>
+            </a:r>
+            <a:r>
+              <a:rPr lang="en-GB" dirty="0"/>
+              <a:t>) and NLP (</a:t>
             </a:r>
             <a:r>
               <a:rPr lang="en-GB" b="1" dirty="0"/>
-              <a:t>Professor</a:t>
-            </a:r>
-            <a:r>
-              <a:rPr lang="en-GB" dirty="0"/>
-              <a:t> at </a:t>
-            </a:r>
-            <a:r>
-              <a:rPr lang="en-GB" b="1" dirty="0"/>
-              <a:t>UC</a:t>
-            </a:r>
-            <a:r>
-              <a:rPr lang="en-GB" dirty="0"/>
-              <a:t> </a:t>
-            </a:r>
-            <a:r>
-              <a:rPr lang="en-GB" b="1" dirty="0"/>
-              <a:t>Berkeley</a:t>
-            </a:r>
-            <a:r>
-              <a:rPr lang="en-GB" dirty="0"/>
-              <a:t>. Many contributions to Computer Vision and Statistical Learning. </a:t>
-            </a:r>
+              <a:t>RNNs</a:t>
+            </a:r>
+            <a:r>
+              <a:rPr lang="en-GB" dirty="0"/>
+              <a:t>).</a:t>
+            </a:r>
+            <a:br>
+              <a:rPr lang="en-GB" dirty="0"/>
+            </a:br>
+            <a:r>
+              <a:rPr lang="en-GB" dirty="0"/>
+              <a:t>(Probably better to follow him than Elon Musk.)</a:t>
+            </a:r>
+            <a:br>
+              <a:rPr lang="en-GB" dirty="0"/>
+            </a:br>
             <a:r>
               <a:rPr lang="en-GB" dirty="0">
                 <a:hlinkClick r:id="rId3"/>
               </a:rPr>
-              <a:t>https://scholar.google.com/citations?user=oY9R5YQAAAAJ&amp;hl=fr</a:t>
+              <a:t>https://scholar.google.com/citations?user=l8WuQJgAAAAJ&amp;hl=fr</a:t>
             </a:r>
             <a:endParaRPr lang="en-GB" dirty="0"/>
           </a:p>
           <a:p>
             <a:r>
               <a:rPr lang="en-GB" b="1" dirty="0"/>
-              <a:t>Sebastian</a:t>
+              <a:t>Li</a:t>
+            </a:r>
+            <a:r>
+              <a:rPr lang="en-GB" dirty="0"/>
+              <a:t> </a:t>
+            </a:r>
+            <a:r>
+              <a:rPr lang="en-GB" b="1" dirty="0">
+                <a:solidFill>
+                  <a:schemeClr val="accent2">
+                    <a:lumMod val="50000"/>
+                  </a:schemeClr>
+                </a:solidFill>
+              </a:rPr>
+              <a:t>Fei-Fei</a:t>
+            </a:r>
+            <a:r>
+              <a:rPr lang="en-GB" dirty="0"/>
+              <a:t>: </a:t>
+            </a:r>
+            <a:r>
+              <a:rPr lang="en-GB" b="1" dirty="0"/>
+              <a:t>Professor</a:t>
+            </a:r>
+            <a:r>
+              <a:rPr lang="en-GB" dirty="0"/>
+              <a:t> at </a:t>
+            </a:r>
+            <a:r>
+              <a:rPr lang="en-GB" b="1" dirty="0"/>
+              <a:t>Stanford</a:t>
+            </a:r>
+            <a:r>
+              <a:rPr lang="en-GB" dirty="0"/>
+              <a:t>. Many contributions to Computer Vision (</a:t>
+            </a:r>
+            <a:r>
+              <a:rPr lang="en-GB" b="1" dirty="0" err="1"/>
+              <a:t>Imagenet</a:t>
+            </a:r>
+            <a:r>
+              <a:rPr lang="en-GB" dirty="0"/>
+              <a:t>).</a:t>
+            </a:r>
+            <a:br>
+              <a:rPr lang="en-GB" dirty="0"/>
+            </a:br>
+            <a:r>
+              <a:rPr lang="en-GB" dirty="0">
+                <a:hlinkClick r:id="rId4"/>
+              </a:rPr>
+              <a:t>https://scholar.google.com/citations?user=rDfyQnIAAAAJ&amp;hl=fr</a:t>
+            </a:r>
+            <a:endParaRPr lang="en-GB" dirty="0"/>
+          </a:p>
+          <a:p>
+            <a:r>
+              <a:rPr lang="en-GB" b="1" dirty="0"/>
+              <a:t>Pieter</a:t>
             </a:r>
             <a:r>
               <a:rPr lang="en-GB" dirty="0"/>
@@ -9527,7 +9844,7 @@
                   </a:schemeClr>
                 </a:solidFill>
               </a:rPr>
-              <a:t>Thrun</a:t>
+              <a:t>Abbeel</a:t>
             </a:r>
             <a:r>
               <a:rPr lang="en-GB" dirty="0"/>
@@ -9535,101 +9852,48 @@
             </a:r>
             <a:r>
               <a:rPr lang="en-GB" b="1" dirty="0"/>
-              <a:t>Stanford</a:t>
-            </a:r>
-            <a:r>
-              <a:rPr lang="en-GB" dirty="0"/>
-              <a:t>, cool stuff on </a:t>
+              <a:t>Professor</a:t>
+            </a:r>
+            <a:r>
+              <a:rPr lang="en-GB" dirty="0"/>
+              <a:t> at </a:t>
             </a:r>
             <a:r>
               <a:rPr lang="en-GB" b="1" dirty="0"/>
-              <a:t>robotics</a:t>
-            </a:r>
-            <a:r>
-              <a:rPr lang="en-GB" dirty="0"/>
-              <a:t>.</a:t>
+              <a:t>UC</a:t>
+            </a:r>
+            <a:r>
+              <a:rPr lang="en-GB" dirty="0"/>
+              <a:t> </a:t>
+            </a:r>
+            <a:r>
+              <a:rPr lang="en-GB" b="1" dirty="0"/>
+              <a:t>Berkeley</a:t>
+            </a:r>
+            <a:r>
+              <a:rPr lang="en-GB" dirty="0"/>
+              <a:t>, and a leading researcher in reinforcement learning and robotics.</a:t>
             </a:r>
             <a:br>
               <a:rPr lang="en-GB" dirty="0"/>
             </a:br>
             <a:r>
               <a:rPr lang="en-GB" dirty="0">
-                <a:hlinkClick r:id="rId4"/>
-              </a:rPr>
-              <a:t>https://scholar.google.com/citations?user=7K34d7cAAAAJ&amp;hl=fr</a:t>
-            </a:r>
-            <a:endParaRPr lang="en-GB" dirty="0"/>
-          </a:p>
-          <a:p>
-            <a:r>
-              <a:rPr lang="en-US" b="1" dirty="0"/>
-              <a:t>Daphne</a:t>
-            </a:r>
-            <a:r>
-              <a:rPr lang="en-US" dirty="0"/>
-              <a:t> </a:t>
-            </a:r>
-            <a:r>
-              <a:rPr lang="en-US" b="1" dirty="0">
-                <a:solidFill>
-                  <a:schemeClr val="accent2">
-                    <a:lumMod val="50000"/>
-                  </a:schemeClr>
-                </a:solidFill>
-              </a:rPr>
-              <a:t>Koller</a:t>
-            </a:r>
-            <a:r>
-              <a:rPr lang="en-US" dirty="0"/>
-              <a:t>: </a:t>
-            </a:r>
-            <a:r>
-              <a:rPr lang="en-US" b="1" dirty="0"/>
-              <a:t>CEO</a:t>
-            </a:r>
-            <a:r>
-              <a:rPr lang="en-US" dirty="0"/>
-              <a:t> at </a:t>
-            </a:r>
-            <a:r>
-              <a:rPr lang="en-US" b="1" dirty="0" err="1"/>
-              <a:t>InSitro</a:t>
-            </a:r>
-            <a:r>
-              <a:rPr lang="en-US" dirty="0"/>
-              <a:t>, some cool </a:t>
-            </a:r>
-            <a:r>
-              <a:rPr lang="en-US" b="1" dirty="0"/>
-              <a:t>courses on Coursera</a:t>
-            </a:r>
-            <a:r>
-              <a:rPr lang="en-US" dirty="0"/>
-              <a:t>, she might be the co-founder of Coursera (?).</a:t>
-            </a:r>
-            <a:br>
-              <a:rPr lang="en-US" dirty="0"/>
-            </a:br>
-            <a:r>
-              <a:rPr lang="en-US" dirty="0">
                 <a:hlinkClick r:id="rId5"/>
               </a:rPr>
-              <a:t>https://scholar.google.com/citations?user=5Iqe53IAAAAJ&amp;hl=en</a:t>
-            </a:r>
-            <a:endParaRPr lang="en-US" dirty="0"/>
-          </a:p>
-          <a:p>
-            <a:endParaRPr lang="en-US" dirty="0"/>
-          </a:p>
-          <a:p>
-            <a:endParaRPr lang="en-GB" dirty="0"/>
+              <a:t>https://scholar.google.com/citations?user=vtwH6GkAAAAJ&amp;hl=en</a:t>
+            </a:r>
+            <a:r>
+              <a:rPr lang="en-GB" dirty="0"/>
+              <a:t> </a:t>
+            </a:r>
           </a:p>
         </p:txBody>
       </p:sp>
     </p:spTree>
     <p:extLst>
       <p:ext uri="{BB962C8B-B14F-4D97-AF65-F5344CB8AC3E}">
-        <p14:creationId xmlns:p14="http://schemas.microsoft.com/office/powerpoint/2010/main" val="898875826"/>
+        <p14:creationId xmlns:p14="http://schemas.microsoft.com/office/powerpoint/2010/main" val="3324188887"/>
       </p:ext>
     </p:extLst>
   </p:cSld>
@@ -9717,13 +9981,192 @@
         </p:spPr>
         <p:txBody>
           <a:bodyPr>
-            <a:noAutofit/>
+            <a:normAutofit/>
           </a:bodyPr>
           <a:lstStyle/>
           <a:p>
             <a:r>
+              <a:rPr lang="en-GB" b="1" dirty="0"/>
+              <a:t>Anil</a:t>
+            </a:r>
+            <a:r>
+              <a:rPr lang="en-GB" dirty="0"/>
+              <a:t> </a:t>
+            </a:r>
+            <a:r>
+              <a:rPr lang="en-GB" b="1" dirty="0"/>
+              <a:t>K. </a:t>
+            </a:r>
+            <a:r>
+              <a:rPr lang="en-GB" b="1" dirty="0">
+                <a:solidFill>
+                  <a:schemeClr val="accent2">
+                    <a:lumMod val="50000"/>
+                  </a:schemeClr>
+                </a:solidFill>
+              </a:rPr>
+              <a:t>Jain</a:t>
+            </a:r>
+            <a:r>
+              <a:rPr lang="en-GB" dirty="0"/>
+              <a:t>: </a:t>
+            </a:r>
+            <a:r>
+              <a:rPr lang="en-GB" b="1" dirty="0"/>
+              <a:t>Professor</a:t>
+            </a:r>
+            <a:r>
+              <a:rPr lang="en-GB" dirty="0"/>
+              <a:t> at </a:t>
+            </a:r>
+            <a:r>
+              <a:rPr lang="en-GB" b="1" dirty="0"/>
+              <a:t>Michigan</a:t>
+            </a:r>
+            <a:r>
+              <a:rPr lang="en-GB" dirty="0"/>
+              <a:t> </a:t>
+            </a:r>
+            <a:r>
+              <a:rPr lang="en-GB" b="1" dirty="0"/>
+              <a:t>State</a:t>
+            </a:r>
+            <a:r>
+              <a:rPr lang="en-GB" dirty="0"/>
+              <a:t> </a:t>
+            </a:r>
+            <a:r>
+              <a:rPr lang="en-GB" b="1" dirty="0"/>
+              <a:t>University</a:t>
+            </a:r>
+            <a:r>
+              <a:rPr lang="en-GB" dirty="0"/>
+              <a:t>. Many contributions to Computer Vision and Statistical Learning.</a:t>
+            </a:r>
+            <a:br>
+              <a:rPr lang="en-GB" dirty="0"/>
+            </a:br>
+            <a:r>
+              <a:rPr lang="en-GB" dirty="0">
+                <a:hlinkClick r:id="rId2"/>
+              </a:rPr>
+              <a:t>https://scholar.google.com/citations?user=g-_ZXGsAAAAJ&amp;hl=fr</a:t>
+            </a:r>
+            <a:endParaRPr lang="en-GB" dirty="0"/>
+          </a:p>
+          <a:p>
+            <a:r>
+              <a:rPr lang="en-GB" b="1" dirty="0"/>
+              <a:t>Jitendra</a:t>
+            </a:r>
+            <a:r>
+              <a:rPr lang="en-GB" dirty="0"/>
+              <a:t> </a:t>
+            </a:r>
+            <a:r>
+              <a:rPr lang="en-GB" b="1" dirty="0">
+                <a:solidFill>
+                  <a:schemeClr val="accent2">
+                    <a:lumMod val="50000"/>
+                  </a:schemeClr>
+                </a:solidFill>
+              </a:rPr>
+              <a:t>Malik</a:t>
+            </a:r>
+            <a:r>
+              <a:rPr lang="en-GB" dirty="0"/>
+              <a:t>: </a:t>
+            </a:r>
+            <a:r>
+              <a:rPr lang="en-GB" b="1" dirty="0"/>
+              <a:t>Professor</a:t>
+            </a:r>
+            <a:r>
+              <a:rPr lang="en-GB" dirty="0"/>
+              <a:t> at </a:t>
+            </a:r>
+            <a:r>
+              <a:rPr lang="en-GB" b="1" dirty="0"/>
+              <a:t>UC</a:t>
+            </a:r>
+            <a:r>
+              <a:rPr lang="en-GB" dirty="0"/>
+              <a:t> </a:t>
+            </a:r>
+            <a:r>
+              <a:rPr lang="en-GB" b="1" dirty="0"/>
+              <a:t>Berkeley</a:t>
+            </a:r>
+            <a:r>
+              <a:rPr lang="en-GB" dirty="0"/>
+              <a:t>. Many contributions to Computer Vision and Statistical Learning. </a:t>
+            </a:r>
+            <a:r>
+              <a:rPr lang="en-GB" dirty="0">
+                <a:hlinkClick r:id="rId3"/>
+              </a:rPr>
+              <a:t>https://scholar.google.com/citations?user=oY9R5YQAAAAJ&amp;hl=fr</a:t>
+            </a:r>
+            <a:endParaRPr lang="en-GB" dirty="0"/>
+          </a:p>
+          <a:p>
+            <a:r>
+              <a:rPr lang="en-GB" b="1" dirty="0"/>
+              <a:t>Sebastian</a:t>
+            </a:r>
+            <a:r>
+              <a:rPr lang="en-GB" dirty="0"/>
+              <a:t> </a:t>
+            </a:r>
+            <a:r>
+              <a:rPr lang="en-GB" b="1" dirty="0" err="1">
+                <a:solidFill>
+                  <a:schemeClr val="accent2">
+                    <a:lumMod val="50000"/>
+                  </a:schemeClr>
+                </a:solidFill>
+              </a:rPr>
+              <a:t>Thrun</a:t>
+            </a:r>
+            <a:r>
+              <a:rPr lang="en-GB" dirty="0"/>
+              <a:t>: </a:t>
+            </a:r>
+            <a:r>
+              <a:rPr lang="en-GB" b="1" dirty="0"/>
+              <a:t>Stanford</a:t>
+            </a:r>
+            <a:r>
+              <a:rPr lang="en-GB" dirty="0"/>
+              <a:t>, cool stuff on </a:t>
+            </a:r>
+            <a:r>
+              <a:rPr lang="en-GB" b="1" dirty="0"/>
+              <a:t>robotics</a:t>
+            </a:r>
+            <a:r>
+              <a:rPr lang="en-GB" dirty="0"/>
+              <a:t>.</a:t>
+            </a:r>
+            <a:br>
+              <a:rPr lang="en-GB" dirty="0"/>
+            </a:br>
+            <a:r>
+              <a:rPr lang="en-GB" dirty="0">
+                <a:hlinkClick r:id="rId4"/>
+              </a:rPr>
+              <a:t>https://scholar.google.com/citations?user=7K34d7cAAAAJ&amp;hl=fr</a:t>
+            </a:r>
+            <a:endParaRPr lang="en-GB" dirty="0"/>
+          </a:p>
+          <a:p>
+            <a:r>
               <a:rPr lang="en-US" b="1" dirty="0"/>
-              <a:t>Andrew </a:t>
+              <a:t>Daphne</a:t>
+            </a:r>
+            <a:r>
+              <a:rPr lang="en-US" dirty="0"/>
+              <a:t> </a:t>
             </a:r>
             <a:r>
               <a:rPr lang="en-US" b="1" dirty="0">
@@ -9733,7 +10176,7 @@
                   </a:schemeClr>
                 </a:solidFill>
               </a:rPr>
-              <a:t>Ng</a:t>
+              <a:t>Koller</a:t>
             </a:r>
             <a:r>
               <a:rPr lang="en-US" dirty="0"/>
@@ -9741,265 +10184,37 @@
             </a:r>
             <a:r>
               <a:rPr lang="en-US" b="1" dirty="0"/>
-              <a:t>Professor</a:t>
+              <a:t>CEO</a:t>
             </a:r>
             <a:r>
               <a:rPr lang="en-US" dirty="0"/>
               <a:t> at </a:t>
             </a:r>
             <a:r>
+              <a:rPr lang="en-US" b="1" dirty="0" err="1"/>
+              <a:t>InSitro</a:t>
+            </a:r>
+            <a:r>
+              <a:rPr lang="en-US" dirty="0"/>
+              <a:t>, some cool </a:t>
+            </a:r>
+            <a:r>
               <a:rPr lang="en-US" b="1" dirty="0"/>
-              <a:t>Stanford</a:t>
+              <a:t>courses on Coursera</a:t>
             </a:r>
             <a:r>
               <a:rPr lang="en-US" dirty="0"/>
-              <a:t>, co-creator of </a:t>
-            </a:r>
-            <a:r>
-              <a:rPr lang="en-US" b="1" dirty="0">
-                <a:solidFill>
-                  <a:schemeClr val="accent2">
-                    <a:lumMod val="50000"/>
-                  </a:schemeClr>
-                </a:solidFill>
-              </a:rPr>
-              <a:t>Coursera</a:t>
-            </a:r>
-            <a:r>
-              <a:rPr lang="en-US" dirty="0"/>
-              <a:t>. Has one of the best online courses on Deep Learning.</a:t>
+              <a:t>, she might be the co-founder of Coursera (?).</a:t>
             </a:r>
             <a:br>
               <a:rPr lang="en-US" dirty="0"/>
             </a:br>
             <a:r>
               <a:rPr lang="en-US" dirty="0">
-                <a:hlinkClick r:id="rId2"/>
-              </a:rPr>
-              <a:t>https://scholar.google.com/citations?user=mG4imMEAAAAJ&amp;hl=en</a:t>
-            </a:r>
-            <a:endParaRPr lang="en-US" dirty="0"/>
-          </a:p>
-          <a:p>
-            <a:r>
-              <a:rPr lang="en-US" b="1" dirty="0"/>
-              <a:t>Jeremy</a:t>
-            </a:r>
-            <a:r>
-              <a:rPr lang="en-US" dirty="0"/>
-              <a:t> </a:t>
-            </a:r>
-            <a:r>
-              <a:rPr lang="en-US" b="1" dirty="0">
-                <a:solidFill>
-                  <a:schemeClr val="accent2">
-                    <a:lumMod val="50000"/>
-                  </a:schemeClr>
-                </a:solidFill>
-              </a:rPr>
-              <a:t>Howard</a:t>
-            </a:r>
-            <a:r>
-              <a:rPr lang="en-US" dirty="0"/>
-              <a:t>: </a:t>
-            </a:r>
-            <a:r>
-              <a:rPr lang="en-US" b="1" dirty="0"/>
-              <a:t>Research</a:t>
-            </a:r>
-            <a:r>
-              <a:rPr lang="en-US" dirty="0"/>
-              <a:t> </a:t>
-            </a:r>
-            <a:r>
-              <a:rPr lang="en-US" b="1" dirty="0"/>
-              <a:t>Scientist</a:t>
-            </a:r>
-            <a:r>
-              <a:rPr lang="en-US" dirty="0"/>
-              <a:t> at </a:t>
-            </a:r>
-            <a:r>
-              <a:rPr lang="en-US" b="1" dirty="0"/>
-              <a:t>University</a:t>
-            </a:r>
-            <a:r>
-              <a:rPr lang="en-US" dirty="0"/>
-              <a:t> </a:t>
-            </a:r>
-            <a:r>
-              <a:rPr lang="en-US" b="1" dirty="0"/>
-              <a:t>of</a:t>
-            </a:r>
-            <a:r>
-              <a:rPr lang="en-US" dirty="0"/>
-              <a:t> </a:t>
-            </a:r>
-            <a:r>
-              <a:rPr lang="en-US" b="1" dirty="0"/>
-              <a:t>San</a:t>
-            </a:r>
-            <a:r>
-              <a:rPr lang="en-US" dirty="0"/>
-              <a:t> </a:t>
-            </a:r>
-            <a:r>
-              <a:rPr lang="en-US" b="1" dirty="0"/>
-              <a:t>Francisco</a:t>
-            </a:r>
-            <a:r>
-              <a:rPr lang="en-US" dirty="0"/>
-              <a:t>, a good scout for notable research papers on Twitter and </a:t>
-            </a:r>
-            <a:r>
-              <a:rPr lang="en-US" b="1" dirty="0"/>
-              <a:t>TED</a:t>
-            </a:r>
-            <a:r>
-              <a:rPr lang="en-US" dirty="0"/>
-              <a:t> </a:t>
-            </a:r>
-            <a:r>
-              <a:rPr lang="en-US" b="1" dirty="0"/>
-              <a:t>talks</a:t>
-            </a:r>
-            <a:r>
-              <a:rPr lang="en-US" dirty="0"/>
-              <a:t>.</a:t>
-            </a:r>
-            <a:br>
-              <a:rPr lang="en-US" dirty="0"/>
-            </a:br>
-            <a:r>
-              <a:rPr lang="en-US" dirty="0">
-                <a:hlinkClick r:id="rId3"/>
-              </a:rPr>
-              <a:t>https://scholar.google.com/citations?user=ZWdEJ54AAAAJ&amp;hl=en</a:t>
-            </a:r>
-            <a:endParaRPr lang="en-US" dirty="0"/>
-          </a:p>
-          <a:p>
-            <a:r>
-              <a:rPr lang="en-GB" b="1" dirty="0" err="1"/>
-              <a:t>Yaser</a:t>
-            </a:r>
-            <a:r>
-              <a:rPr lang="en-GB" b="1" dirty="0"/>
-              <a:t> S. </a:t>
-            </a:r>
-            <a:r>
-              <a:rPr lang="en-GB" b="1" dirty="0">
-                <a:solidFill>
-                  <a:schemeClr val="accent2">
-                    <a:lumMod val="50000"/>
-                  </a:schemeClr>
-                </a:solidFill>
-              </a:rPr>
-              <a:t>Abu-Mostafa</a:t>
-            </a:r>
-            <a:r>
-              <a:rPr lang="en-GB" dirty="0"/>
-              <a:t>: </a:t>
-            </a:r>
-            <a:r>
-              <a:rPr lang="en-GB" b="1" dirty="0"/>
-              <a:t>Professor</a:t>
-            </a:r>
-            <a:r>
-              <a:rPr lang="en-GB" dirty="0"/>
-              <a:t> at </a:t>
-            </a:r>
-            <a:r>
-              <a:rPr lang="en-GB" b="1" dirty="0" err="1"/>
-              <a:t>CalTech</a:t>
-            </a:r>
-            <a:r>
-              <a:rPr lang="en-GB" dirty="0"/>
-              <a:t>, one of the best professors for Deep Learning out there.</a:t>
-            </a:r>
-            <a:br>
-              <a:rPr lang="en-GB" b="1" dirty="0"/>
-            </a:br>
-            <a:r>
-              <a:rPr lang="en-US" dirty="0">
-                <a:hlinkClick r:id="rId4"/>
-              </a:rPr>
-              <a:t>https://dblp.org/pid/69/3008.html</a:t>
-            </a:r>
-            <a:endParaRPr lang="en-US" dirty="0"/>
-          </a:p>
-          <a:p>
-            <a:r>
-              <a:rPr lang="en-GB" b="1" dirty="0"/>
-              <a:t>Rachel L. </a:t>
-            </a:r>
-            <a:r>
-              <a:rPr lang="en-GB" b="1" dirty="0">
-                <a:solidFill>
-                  <a:schemeClr val="accent2">
-                    <a:lumMod val="50000"/>
-                  </a:schemeClr>
-                </a:solidFill>
-              </a:rPr>
-              <a:t>Thomas</a:t>
-            </a:r>
-            <a:r>
-              <a:rPr lang="en-GB" dirty="0"/>
-              <a:t>: </a:t>
-            </a:r>
-            <a:r>
-              <a:rPr lang="en-GB" b="1" dirty="0"/>
-              <a:t>University</a:t>
-            </a:r>
-            <a:r>
-              <a:rPr lang="en-GB" dirty="0"/>
-              <a:t> of </a:t>
-            </a:r>
-            <a:r>
-              <a:rPr lang="en-GB" b="1" dirty="0"/>
-              <a:t>San</a:t>
-            </a:r>
-            <a:r>
-              <a:rPr lang="en-GB" dirty="0"/>
-              <a:t> </a:t>
-            </a:r>
-            <a:r>
-              <a:rPr lang="en-GB" b="1" dirty="0"/>
-              <a:t>Francisco</a:t>
-            </a:r>
-            <a:r>
-              <a:rPr lang="en-GB" dirty="0"/>
-              <a:t>, </a:t>
-            </a:r>
-            <a:r>
-              <a:rPr lang="en-GB" b="1" dirty="0" err="1">
-                <a:solidFill>
-                  <a:schemeClr val="accent2">
-                    <a:lumMod val="50000"/>
-                  </a:schemeClr>
-                </a:solidFill>
-              </a:rPr>
-              <a:t>FastAI</a:t>
-            </a:r>
-            <a:r>
-              <a:rPr lang="en-GB" dirty="0"/>
-              <a:t>, some great TED conferences on AI and Deep Learning. </a:t>
-            </a:r>
-            <a:r>
-              <a:rPr lang="en-US" dirty="0">
                 <a:hlinkClick r:id="rId5"/>
               </a:rPr>
-              <a:t>https://scholar.google.com/citations?user=BDsAYUsAAAAJ&amp;hl=en</a:t>
-            </a:r>
-            <a:endParaRPr lang="en-US" dirty="0"/>
-          </a:p>
-          <a:p>
-            <a:endParaRPr lang="en-US" dirty="0"/>
-          </a:p>
-          <a:p>
-            <a:endParaRPr lang="en-US" dirty="0"/>
-          </a:p>
-          <a:p>
+              <a:t>https://scholar.google.com/citations?user=5Iqe53IAAAAJ&amp;hl=en</a:t>
+            </a:r>
             <a:endParaRPr lang="en-US" dirty="0"/>
           </a:p>
           <a:p>
@@ -10013,7 +10228,7 @@
     </p:spTree>
     <p:extLst>
       <p:ext uri="{BB962C8B-B14F-4D97-AF65-F5344CB8AC3E}">
-        <p14:creationId xmlns:p14="http://schemas.microsoft.com/office/powerpoint/2010/main" val="58723962"/>
+        <p14:creationId xmlns:p14="http://schemas.microsoft.com/office/powerpoint/2010/main" val="898875826"/>
       </p:ext>
     </p:extLst>
   </p:cSld>
@@ -10042,10 +10257,10 @@
       </p:grpSpPr>
       <p:sp>
         <p:nvSpPr>
-          <p:cNvPr id="2" name="Title 1">
-            <a:extLst>
-              <a:ext uri="{FF2B5EF4-FFF2-40B4-BE49-F238E27FC236}">
-                <a16:creationId xmlns:a16="http://schemas.microsoft.com/office/drawing/2014/main" id="{B92DC6AA-6003-92C9-D6A7-FDE5AD7DEF4F}"/>
+          <p:cNvPr id="4" name="Title 3">
+            <a:extLst>
+              <a:ext uri="{FF2B5EF4-FFF2-40B4-BE49-F238E27FC236}">
+                <a16:creationId xmlns:a16="http://schemas.microsoft.com/office/drawing/2014/main" id="{1715EAD9-59BF-46C0-9089-6E366691CAE9}"/>
               </a:ext>
             </a:extLst>
           </p:cNvPr>
@@ -10062,19 +10277,27 @@
           <a:lstStyle/>
           <a:p>
             <a:r>
-              <a:rPr lang="en-GB" dirty="0"/>
-              <a:t>Also worth subscribing to a few free newsletters about AI/DL</a:t>
-            </a:r>
-            <a:endParaRPr lang="en-SG" dirty="0"/>
-          </a:p>
-        </p:txBody>
-      </p:sp>
-      <p:sp>
-        <p:nvSpPr>
-          <p:cNvPr id="3" name="Content Placeholder 2">
-            <a:extLst>
-              <a:ext uri="{FF2B5EF4-FFF2-40B4-BE49-F238E27FC236}">
-                <a16:creationId xmlns:a16="http://schemas.microsoft.com/office/drawing/2014/main" id="{4276CAE7-B917-7B38-533B-E801722307F4}"/>
+              <a:rPr lang="en-US" dirty="0"/>
+              <a:t>Add these researchers, companies and research </a:t>
+            </a:r>
+            <a:r>
+              <a:rPr lang="en-US" dirty="0" err="1"/>
+              <a:t>groupes</a:t>
+            </a:r>
+            <a:r>
+              <a:rPr lang="en-US" dirty="0"/>
+              <a:t> to your watchlist</a:t>
+            </a:r>
+            <a:endParaRPr lang="en-GB" dirty="0"/>
+          </a:p>
+        </p:txBody>
+      </p:sp>
+      <p:sp>
+        <p:nvSpPr>
+          <p:cNvPr id="5" name="Content Placeholder 4">
+            <a:extLst>
+              <a:ext uri="{FF2B5EF4-FFF2-40B4-BE49-F238E27FC236}">
+                <a16:creationId xmlns:a16="http://schemas.microsoft.com/office/drawing/2014/main" id="{279FF99D-84CB-436E-9373-43EB3F28720A}"/>
               </a:ext>
             </a:extLst>
           </p:cNvPr>
@@ -10093,100 +10316,303 @@
         </p:spPr>
         <p:txBody>
           <a:bodyPr>
-            <a:normAutofit/>
+            <a:noAutofit/>
           </a:bodyPr>
           <a:lstStyle/>
           <a:p>
             <a:r>
-              <a:rPr lang="en-GB" dirty="0"/>
-              <a:t>The Batch newsletter by DeepLearning.ai (</a:t>
-            </a:r>
-            <a:r>
-              <a:rPr lang="en-GB" dirty="0">
+              <a:rPr lang="en-US" b="1" dirty="0"/>
+              <a:t>Andrew </a:t>
+            </a:r>
+            <a:r>
+              <a:rPr lang="en-US" b="1" dirty="0">
+                <a:solidFill>
+                  <a:schemeClr val="accent2">
+                    <a:lumMod val="50000"/>
+                  </a:schemeClr>
+                </a:solidFill>
+              </a:rPr>
+              <a:t>Ng</a:t>
+            </a:r>
+            <a:r>
+              <a:rPr lang="en-US" dirty="0"/>
+              <a:t>: </a:t>
+            </a:r>
+            <a:r>
+              <a:rPr lang="en-US" b="1" dirty="0"/>
+              <a:t>Professor</a:t>
+            </a:r>
+            <a:r>
+              <a:rPr lang="en-US" dirty="0"/>
+              <a:t> at </a:t>
+            </a:r>
+            <a:r>
+              <a:rPr lang="en-US" b="1" dirty="0"/>
+              <a:t>Stanford</a:t>
+            </a:r>
+            <a:r>
+              <a:rPr lang="en-US" dirty="0"/>
+              <a:t>, co-creator of </a:t>
+            </a:r>
+            <a:r>
+              <a:rPr lang="en-US" b="1" dirty="0">
+                <a:solidFill>
+                  <a:schemeClr val="accent2">
+                    <a:lumMod val="50000"/>
+                  </a:schemeClr>
+                </a:solidFill>
+              </a:rPr>
+              <a:t>Coursera</a:t>
+            </a:r>
+            <a:r>
+              <a:rPr lang="en-US" dirty="0"/>
+              <a:t>. Has one of the best online courses on Deep Learning.</a:t>
+            </a:r>
+            <a:br>
+              <a:rPr lang="en-US" dirty="0"/>
+            </a:br>
+            <a:r>
+              <a:rPr lang="en-US" dirty="0">
                 <a:hlinkClick r:id="rId2"/>
               </a:rPr>
-              <a:t>https://www.deeplearning.ai/the-batch/</a:t>
-            </a:r>
-            <a:r>
-              <a:rPr lang="en-GB" dirty="0"/>
-              <a:t>)</a:t>
-            </a:r>
-          </a:p>
-          <a:p>
-            <a:r>
-              <a:rPr lang="en-GB" dirty="0"/>
-              <a:t>The Algorithm by MIT Tech Review (</a:t>
-            </a:r>
-            <a:r>
-              <a:rPr lang="en-GB" dirty="0">
+              <a:t>https://scholar.google.com/citations?user=mG4imMEAAAAJ&amp;hl=en</a:t>
+            </a:r>
+            <a:endParaRPr lang="en-US" dirty="0"/>
+          </a:p>
+          <a:p>
+            <a:r>
+              <a:rPr lang="en-US" b="1" dirty="0"/>
+              <a:t>Jeremy</a:t>
+            </a:r>
+            <a:r>
+              <a:rPr lang="en-US" dirty="0"/>
+              <a:t> </a:t>
+            </a:r>
+            <a:r>
+              <a:rPr lang="en-US" b="1" dirty="0">
+                <a:solidFill>
+                  <a:schemeClr val="accent2">
+                    <a:lumMod val="50000"/>
+                  </a:schemeClr>
+                </a:solidFill>
+              </a:rPr>
+              <a:t>Howard</a:t>
+            </a:r>
+            <a:r>
+              <a:rPr lang="en-US" dirty="0"/>
+              <a:t>: </a:t>
+            </a:r>
+            <a:r>
+              <a:rPr lang="en-US" b="1" dirty="0"/>
+              <a:t>Research</a:t>
+            </a:r>
+            <a:r>
+              <a:rPr lang="en-US" dirty="0"/>
+              <a:t> </a:t>
+            </a:r>
+            <a:r>
+              <a:rPr lang="en-US" b="1" dirty="0"/>
+              <a:t>Scientist</a:t>
+            </a:r>
+            <a:r>
+              <a:rPr lang="en-US" dirty="0"/>
+              <a:t> at </a:t>
+            </a:r>
+            <a:r>
+              <a:rPr lang="en-US" b="1" dirty="0"/>
+              <a:t>University</a:t>
+            </a:r>
+            <a:r>
+              <a:rPr lang="en-US" dirty="0"/>
+              <a:t> </a:t>
+            </a:r>
+            <a:r>
+              <a:rPr lang="en-US" b="1" dirty="0"/>
+              <a:t>of</a:t>
+            </a:r>
+            <a:r>
+              <a:rPr lang="en-US" dirty="0"/>
+              <a:t> </a:t>
+            </a:r>
+            <a:r>
+              <a:rPr lang="en-US" b="1" dirty="0"/>
+              <a:t>San</a:t>
+            </a:r>
+            <a:r>
+              <a:rPr lang="en-US" dirty="0"/>
+              <a:t> </a:t>
+            </a:r>
+            <a:r>
+              <a:rPr lang="en-US" b="1" dirty="0"/>
+              <a:t>Francisco</a:t>
+            </a:r>
+            <a:r>
+              <a:rPr lang="en-US" dirty="0"/>
+              <a:t>, a good scout for notable research papers on Twitter and </a:t>
+            </a:r>
+            <a:r>
+              <a:rPr lang="en-US" b="1" dirty="0"/>
+              <a:t>TED</a:t>
+            </a:r>
+            <a:r>
+              <a:rPr lang="en-US" dirty="0"/>
+              <a:t> </a:t>
+            </a:r>
+            <a:r>
+              <a:rPr lang="en-US" b="1" dirty="0"/>
+              <a:t>talks</a:t>
+            </a:r>
+            <a:r>
+              <a:rPr lang="en-US" dirty="0"/>
+              <a:t>.</a:t>
+            </a:r>
+            <a:br>
+              <a:rPr lang="en-US" dirty="0"/>
+            </a:br>
+            <a:r>
+              <a:rPr lang="en-US" dirty="0">
                 <a:hlinkClick r:id="rId3"/>
               </a:rPr>
-              <a:t>https://www.technologyreview.com/newsletter-preferences/</a:t>
-            </a:r>
-            <a:r>
-              <a:rPr lang="en-GB" dirty="0"/>
-              <a:t>)</a:t>
-            </a:r>
-          </a:p>
-          <a:p>
-            <a:r>
-              <a:rPr lang="en-GB" dirty="0"/>
-              <a:t>The TLDR; newsletter (</a:t>
-            </a:r>
-            <a:r>
-              <a:rPr lang="en-GB" dirty="0">
+              <a:t>https://scholar.google.com/citations?user=ZWdEJ54AAAAJ&amp;hl=en</a:t>
+            </a:r>
+            <a:endParaRPr lang="en-US" dirty="0"/>
+          </a:p>
+          <a:p>
+            <a:r>
+              <a:rPr lang="en-GB" b="1" dirty="0" err="1"/>
+              <a:t>Yaser</a:t>
+            </a:r>
+            <a:r>
+              <a:rPr lang="en-GB" b="1" dirty="0"/>
+              <a:t> S. </a:t>
+            </a:r>
+            <a:r>
+              <a:rPr lang="en-GB" b="1" dirty="0">
+                <a:solidFill>
+                  <a:schemeClr val="accent2">
+                    <a:lumMod val="50000"/>
+                  </a:schemeClr>
+                </a:solidFill>
+              </a:rPr>
+              <a:t>Abu-Mostafa</a:t>
+            </a:r>
+            <a:r>
+              <a:rPr lang="en-GB" dirty="0"/>
+              <a:t>: </a:t>
+            </a:r>
+            <a:r>
+              <a:rPr lang="en-GB" b="1" dirty="0"/>
+              <a:t>Professor</a:t>
+            </a:r>
+            <a:r>
+              <a:rPr lang="en-GB" dirty="0"/>
+              <a:t> at </a:t>
+            </a:r>
+            <a:r>
+              <a:rPr lang="en-GB" b="1" dirty="0" err="1"/>
+              <a:t>CalTech</a:t>
+            </a:r>
+            <a:r>
+              <a:rPr lang="en-GB" dirty="0"/>
+              <a:t>, one of the best professors for Deep Learning out there.</a:t>
+            </a:r>
+            <a:br>
+              <a:rPr lang="en-GB" b="1" dirty="0"/>
+            </a:br>
+            <a:r>
+              <a:rPr lang="en-US" dirty="0">
                 <a:hlinkClick r:id="rId4"/>
               </a:rPr>
-              <a:t>https://tldr.tech/</a:t>
-            </a:r>
-            <a:r>
-              <a:rPr lang="en-GB" dirty="0"/>
-              <a:t>)</a:t>
-            </a:r>
-          </a:p>
-          <a:p>
-            <a:r>
-              <a:rPr lang="en-GB" dirty="0"/>
-              <a:t>The NLP Newsletter (</a:t>
-            </a:r>
-            <a:r>
-              <a:rPr lang="en-GB" dirty="0">
+              <a:t>https://dblp.org/pid/69/3008.html</a:t>
+            </a:r>
+            <a:endParaRPr lang="en-US" dirty="0"/>
+          </a:p>
+          <a:p>
+            <a:r>
+              <a:rPr lang="en-GB" b="1" dirty="0"/>
+              <a:t>Rachel L. </a:t>
+            </a:r>
+            <a:r>
+              <a:rPr lang="en-GB" b="1" dirty="0">
+                <a:solidFill>
+                  <a:schemeClr val="accent2">
+                    <a:lumMod val="50000"/>
+                  </a:schemeClr>
+                </a:solidFill>
+              </a:rPr>
+              <a:t>Thomas</a:t>
+            </a:r>
+            <a:r>
+              <a:rPr lang="en-GB" dirty="0"/>
+              <a:t>: </a:t>
+            </a:r>
+            <a:r>
+              <a:rPr lang="en-GB" b="1" dirty="0"/>
+              <a:t>University</a:t>
+            </a:r>
+            <a:r>
+              <a:rPr lang="en-GB" dirty="0"/>
+              <a:t> of </a:t>
+            </a:r>
+            <a:r>
+              <a:rPr lang="en-GB" b="1" dirty="0"/>
+              <a:t>San</a:t>
+            </a:r>
+            <a:r>
+              <a:rPr lang="en-GB" dirty="0"/>
+              <a:t> </a:t>
+            </a:r>
+            <a:r>
+              <a:rPr lang="en-GB" b="1" dirty="0"/>
+              <a:t>Francisco</a:t>
+            </a:r>
+            <a:r>
+              <a:rPr lang="en-GB" dirty="0"/>
+              <a:t>, </a:t>
+            </a:r>
+            <a:r>
+              <a:rPr lang="en-GB" b="1" dirty="0" err="1">
+                <a:solidFill>
+                  <a:schemeClr val="accent2">
+                    <a:lumMod val="50000"/>
+                  </a:schemeClr>
+                </a:solidFill>
+              </a:rPr>
+              <a:t>FastAI</a:t>
+            </a:r>
+            <a:r>
+              <a:rPr lang="en-GB" dirty="0"/>
+              <a:t>, some great TED conferences on AI and Deep Learning. </a:t>
+            </a:r>
+            <a:r>
+              <a:rPr lang="en-US" dirty="0">
                 <a:hlinkClick r:id="rId5"/>
               </a:rPr>
-              <a:t>https://www.ruder.io/nlp-news/</a:t>
-            </a:r>
-            <a:r>
-              <a:rPr lang="en-GB" dirty="0"/>
-              <a:t>)</a:t>
-            </a:r>
-          </a:p>
-          <a:p>
-            <a:pPr marL="0" indent="0">
-              <a:buNone/>
-            </a:pPr>
+              <a:t>https://scholar.google.com/citations?user=BDsAYUsAAAAJ&amp;hl=en</a:t>
+            </a:r>
+            <a:endParaRPr lang="en-US" dirty="0"/>
+          </a:p>
+          <a:p>
+            <a:endParaRPr lang="en-US" dirty="0"/>
+          </a:p>
+          <a:p>
+            <a:endParaRPr lang="en-US" dirty="0"/>
+          </a:p>
+          <a:p>
+            <a:endParaRPr lang="en-US" dirty="0"/>
+          </a:p>
+          <a:p>
+            <a:endParaRPr lang="en-US" dirty="0"/>
+          </a:p>
+          <a:p>
             <a:endParaRPr lang="en-GB" dirty="0"/>
-          </a:p>
-          <a:p>
-            <a:r>
-              <a:rPr lang="en-GB" dirty="0"/>
-              <a:t>Some Medium subscription never hurts (sometimes nice, easy and accessible discussions about AI).</a:t>
-            </a:r>
-          </a:p>
-          <a:p>
-            <a:r>
-              <a:rPr lang="en-GB" dirty="0"/>
-              <a:t>But most seriously though, go for Twitter and follow people.</a:t>
-            </a:r>
-          </a:p>
-          <a:p>
-            <a:endParaRPr lang="en-SG" dirty="0"/>
           </a:p>
         </p:txBody>
       </p:sp>
     </p:spTree>
     <p:extLst>
       <p:ext uri="{BB962C8B-B14F-4D97-AF65-F5344CB8AC3E}">
-        <p14:creationId xmlns:p14="http://schemas.microsoft.com/office/powerpoint/2010/main" val="630819480"/>
+        <p14:creationId xmlns:p14="http://schemas.microsoft.com/office/powerpoint/2010/main" val="58723962"/>
       </p:ext>
     </p:extLst>
   </p:cSld>
@@ -10218,7 +10644,7 @@
           <p:cNvPr id="2" name="Title 1">
             <a:extLst>
               <a:ext uri="{FF2B5EF4-FFF2-40B4-BE49-F238E27FC236}">
-                <a16:creationId xmlns:a16="http://schemas.microsoft.com/office/drawing/2014/main" id="{B1A60A88-5173-1242-4140-FC3E7017323F}"/>
+                <a16:creationId xmlns:a16="http://schemas.microsoft.com/office/drawing/2014/main" id="{B92DC6AA-6003-92C9-D6A7-FDE5AD7DEF4F}"/>
               </a:ext>
             </a:extLst>
           </p:cNvPr>
@@ -10236,15 +10662,7 @@
           <a:p>
             <a:r>
               <a:rPr lang="en-GB" dirty="0"/>
-              <a:t>A quick word on </a:t>
-            </a:r>
-            <a:r>
-              <a:rPr lang="en-GB" dirty="0" err="1"/>
-              <a:t>PyTorch</a:t>
-            </a:r>
-            <a:r>
-              <a:rPr lang="en-GB" dirty="0"/>
-              <a:t> 2.0</a:t>
+              <a:t>Also worth subscribing to a few free newsletters about AI/DL</a:t>
             </a:r>
             <a:endParaRPr lang="en-SG" dirty="0"/>
           </a:p>
@@ -10252,10 +10670,10 @@
       </p:sp>
       <p:sp>
         <p:nvSpPr>
-          <p:cNvPr id="4" name="Content Placeholder 3">
-            <a:extLst>
-              <a:ext uri="{FF2B5EF4-FFF2-40B4-BE49-F238E27FC236}">
-                <a16:creationId xmlns:a16="http://schemas.microsoft.com/office/drawing/2014/main" id="{D9E7860B-CB25-969C-27C8-4B0422EA8DEB}"/>
+          <p:cNvPr id="3" name="Content Placeholder 2">
+            <a:extLst>
+              <a:ext uri="{FF2B5EF4-FFF2-40B4-BE49-F238E27FC236}">
+                <a16:creationId xmlns:a16="http://schemas.microsoft.com/office/drawing/2014/main" id="{4276CAE7-B917-7B38-533B-E801722307F4}"/>
               </a:ext>
             </a:extLst>
           </p:cNvPr>
@@ -10273,72 +10691,125 @@
           </a:xfrm>
         </p:spPr>
         <p:txBody>
-          <a:bodyPr/>
-          <a:lstStyle/>
-          <a:p>
-            <a:pPr marL="0" indent="0">
-              <a:buNone/>
-            </a:pPr>
-            <a:r>
-              <a:rPr lang="en-SG" b="1" dirty="0" err="1"/>
-              <a:t>PyTorch</a:t>
-            </a:r>
-            <a:r>
-              <a:rPr lang="en-SG" b="1" dirty="0"/>
-              <a:t> 2.0, released on 23 March 2023.</a:t>
-            </a:r>
-          </a:p>
-          <a:p>
-            <a:r>
-              <a:rPr lang="en-SG" dirty="0"/>
-              <a:t>If you go for it, make sure to correctly set your CUDA (will most likely not be the same version of CUDA if you were using 1.13 before!)</a:t>
-            </a:r>
-          </a:p>
-          <a:p>
-            <a:r>
-              <a:rPr lang="en-SG" dirty="0">
+          <a:bodyPr>
+            <a:normAutofit/>
+          </a:bodyPr>
+          <a:lstStyle/>
+          <a:p>
+            <a:r>
+              <a:rPr lang="en-GB" dirty="0"/>
+              <a:t>The Batch newsletter by DeepLearning.ai (</a:t>
+            </a:r>
+            <a:r>
+              <a:rPr lang="en-GB" dirty="0">
                 <a:hlinkClick r:id="rId2"/>
               </a:rPr>
-              <a:t>https://pytorch.org/get-started/pytorch-2.0/</a:t>
-            </a:r>
+              <a:t>https://www.deeplearning.ai/the-batch/</a:t>
+            </a:r>
+            <a:r>
+              <a:rPr lang="en-GB" dirty="0"/>
+              <a:t>)</a:t>
+            </a:r>
+          </a:p>
+          <a:p>
+            <a:r>
+              <a:rPr lang="en-GB" dirty="0"/>
+              <a:t>The Algorithm by MIT Tech Review (</a:t>
+            </a:r>
+            <a:r>
+              <a:rPr lang="en-GB" dirty="0">
+                <a:hlinkClick r:id="rId3"/>
+              </a:rPr>
+              <a:t>https://www.technologyreview.com/newsletter-preferences/</a:t>
+            </a:r>
+            <a:r>
+              <a:rPr lang="en-GB" dirty="0"/>
+              <a:t>)</a:t>
+            </a:r>
+          </a:p>
+          <a:p>
+            <a:r>
+              <a:rPr lang="en-GB" dirty="0"/>
+              <a:t>The TLDR; newsletter (</a:t>
+            </a:r>
+            <a:r>
+              <a:rPr lang="en-GB" dirty="0">
+                <a:hlinkClick r:id="rId4"/>
+              </a:rPr>
+              <a:t>https://tldr.tech/</a:t>
+            </a:r>
+            <a:r>
+              <a:rPr lang="en-GB" dirty="0"/>
+              <a:t>)</a:t>
+            </a:r>
+          </a:p>
+          <a:p>
+            <a:r>
+              <a:rPr lang="en-GB" dirty="0"/>
+              <a:t>The NLP Newsletter (</a:t>
+            </a:r>
+            <a:r>
+              <a:rPr lang="en-GB" dirty="0">
+                <a:hlinkClick r:id="rId5"/>
+              </a:rPr>
+              <a:t>https://www.ruder.io/nlp-news/</a:t>
+            </a:r>
+            <a:r>
+              <a:rPr lang="en-GB" dirty="0"/>
+              <a:t>)</a:t>
+            </a:r>
+          </a:p>
+          <a:p>
+            <a:r>
+              <a:rPr lang="en-GB" dirty="0"/>
+              <a:t>The </a:t>
+            </a:r>
+            <a:r>
+              <a:rPr lang="en-GB" dirty="0" err="1"/>
+              <a:t>AlphaSignal</a:t>
+            </a:r>
+            <a:r>
+              <a:rPr lang="en-GB" dirty="0"/>
+              <a:t> newsletter (</a:t>
+            </a:r>
+            <a:r>
+              <a:rPr lang="en-GB" dirty="0">
+                <a:hlinkClick r:id="rId6"/>
+              </a:rPr>
+              <a:t>https://alphasignal.ai/</a:t>
+            </a:r>
+            <a:r>
+              <a:rPr lang="en-GB" dirty="0"/>
+              <a:t>)</a:t>
+            </a:r>
+          </a:p>
+          <a:p>
+            <a:pPr marL="0" indent="0">
+              <a:buNone/>
+            </a:pPr>
+            <a:r>
+              <a:rPr lang="en-GB" dirty="0"/>
+              <a:t>Some Medium subscription never hurts (sometimes nice, easy and accessible discussions about AI).</a:t>
+            </a:r>
+          </a:p>
+          <a:p>
+            <a:pPr marL="0" indent="0">
+              <a:buNone/>
+            </a:pPr>
+            <a:r>
+              <a:rPr lang="en-GB" dirty="0"/>
+              <a:t>But most seriously though, go for Twitter and follow people.</a:t>
+            </a:r>
+          </a:p>
+          <a:p>
             <a:endParaRPr lang="en-SG" dirty="0"/>
-          </a:p>
-          <a:p>
-            <a:endParaRPr lang="en-SG" dirty="0"/>
-          </a:p>
-          <a:p>
-            <a:pPr marL="0" indent="0">
-              <a:buNone/>
-            </a:pPr>
-            <a:r>
-              <a:rPr lang="en-SG" dirty="0"/>
-              <a:t>New and remarkable features:</a:t>
-            </a:r>
-          </a:p>
-          <a:p>
-            <a:r>
-              <a:rPr lang="en-SG" dirty="0"/>
-              <a:t>Fully backward compatible (all previous codes should still work).</a:t>
-            </a:r>
-          </a:p>
-          <a:p>
-            <a:r>
-              <a:rPr lang="en-SG" dirty="0"/>
-              <a:t>More advanced compile function (three modes) to transform model written in Python into something very fast to execute.</a:t>
-            </a:r>
-          </a:p>
-          <a:p>
-            <a:r>
-              <a:rPr lang="en-SG" dirty="0"/>
-              <a:t>(More primitive functions and user experience tools.)</a:t>
-            </a:r>
           </a:p>
         </p:txBody>
       </p:sp>
     </p:spTree>
     <p:extLst>
       <p:ext uri="{BB962C8B-B14F-4D97-AF65-F5344CB8AC3E}">
-        <p14:creationId xmlns:p14="http://schemas.microsoft.com/office/powerpoint/2010/main" val="2597435637"/>
+        <p14:creationId xmlns:p14="http://schemas.microsoft.com/office/powerpoint/2010/main" val="630819480"/>
       </p:ext>
     </p:extLst>
   </p:cSld>
@@ -10370,7 +10841,7 @@
           <p:cNvPr id="2" name="Title 1">
             <a:extLst>
               <a:ext uri="{FF2B5EF4-FFF2-40B4-BE49-F238E27FC236}">
-                <a16:creationId xmlns:a16="http://schemas.microsoft.com/office/drawing/2014/main" id="{B1A60A88-5173-1242-4140-FC3E7017323F}"/>
+                <a16:creationId xmlns:a16="http://schemas.microsoft.com/office/drawing/2014/main" id="{019176B1-DBFC-41ED-61D8-A32E47CBE543}"/>
               </a:ext>
             </a:extLst>
           </p:cNvPr>
@@ -10388,26 +10859,17 @@
           <a:p>
             <a:r>
               <a:rPr lang="en-GB" dirty="0"/>
-              <a:t>A quick word on </a:t>
-            </a:r>
-            <a:r>
-              <a:rPr lang="en-GB" dirty="0" err="1"/>
-              <a:t>PyTorch</a:t>
-            </a:r>
-            <a:r>
-              <a:rPr lang="en-GB" dirty="0"/>
-              <a:t> 2.0</a:t>
-            </a:r>
-            <a:endParaRPr lang="en-SG" dirty="0"/>
-          </a:p>
-        </p:txBody>
-      </p:sp>
-      <p:sp>
-        <p:nvSpPr>
-          <p:cNvPr id="4" name="Content Placeholder 3">
-            <a:extLst>
-              <a:ext uri="{FF2B5EF4-FFF2-40B4-BE49-F238E27FC236}">
-                <a16:creationId xmlns:a16="http://schemas.microsoft.com/office/drawing/2014/main" id="{D9E7860B-CB25-969C-27C8-4B0422EA8DEB}"/>
+              <a:t>Cracking the Deep Learning interview</a:t>
+            </a:r>
+          </a:p>
+        </p:txBody>
+      </p:sp>
+      <p:sp>
+        <p:nvSpPr>
+          <p:cNvPr id="3" name="Content Placeholder 2">
+            <a:extLst>
+              <a:ext uri="{FF2B5EF4-FFF2-40B4-BE49-F238E27FC236}">
+                <a16:creationId xmlns:a16="http://schemas.microsoft.com/office/drawing/2014/main" id="{42E94496-CCBC-467D-504B-C943DBDCBD88}"/>
               </a:ext>
             </a:extLst>
           </p:cNvPr>
@@ -10425,12 +10887,479 @@
           </a:xfrm>
         </p:spPr>
         <p:txBody>
+          <a:bodyPr>
+            <a:normAutofit/>
+          </a:bodyPr>
+          <a:lstStyle/>
+          <a:p>
+            <a:pPr marL="0" indent="0">
+              <a:buNone/>
+            </a:pPr>
+            <a:r>
+              <a:rPr lang="en-GB" dirty="0"/>
+              <a:t>Most </a:t>
+            </a:r>
+            <a:r>
+              <a:rPr lang="en-GB" dirty="0" err="1"/>
+              <a:t>BigTech</a:t>
+            </a:r>
+            <a:r>
+              <a:rPr lang="en-GB" dirty="0"/>
+              <a:t> companies out there will test you on your CS/DL skills upon applying to positions/jobs in their companies.</a:t>
+            </a:r>
+          </a:p>
+          <a:p>
+            <a:r>
+              <a:rPr lang="en-GB" dirty="0"/>
+              <a:t>Train!</a:t>
+            </a:r>
+          </a:p>
+          <a:p>
+            <a:r>
+              <a:rPr lang="en-GB" dirty="0"/>
+              <a:t>Many flashcards with typical AI/ML/DL questions and tasks given in technical interviews at </a:t>
+            </a:r>
+            <a:r>
+              <a:rPr lang="en-GB" dirty="0" err="1"/>
+              <a:t>BigTech</a:t>
+            </a:r>
+            <a:r>
+              <a:rPr lang="en-GB" dirty="0"/>
+              <a:t> companies.</a:t>
+            </a:r>
+          </a:p>
+          <a:p>
+            <a:r>
+              <a:rPr lang="en-GB" dirty="0">
+                <a:hlinkClick r:id="rId2"/>
+              </a:rPr>
+              <a:t>https://www.algoexpert.io/machine-learning/product</a:t>
+            </a:r>
+            <a:endParaRPr lang="en-GB" dirty="0"/>
+          </a:p>
+          <a:p>
+            <a:r>
+              <a:rPr lang="en-GB" dirty="0">
+                <a:hlinkClick r:id="rId3"/>
+              </a:rPr>
+              <a:t>https://www.mlexpert.io/</a:t>
+            </a:r>
+            <a:endParaRPr lang="en-GB" dirty="0"/>
+          </a:p>
+          <a:p>
+            <a:endParaRPr lang="en-GB" dirty="0"/>
+          </a:p>
+          <a:p>
+            <a:endParaRPr lang="en-GB" dirty="0"/>
+          </a:p>
+        </p:txBody>
+      </p:sp>
+    </p:spTree>
+    <p:extLst>
+      <p:ext uri="{BB962C8B-B14F-4D97-AF65-F5344CB8AC3E}">
+        <p14:creationId xmlns:p14="http://schemas.microsoft.com/office/powerpoint/2010/main" val="2770851000"/>
+      </p:ext>
+    </p:extLst>
+  </p:cSld>
+  <p:clrMapOvr>
+    <a:masterClrMapping/>
+  </p:clrMapOvr>
+</p:sld>
+</file>
+
+<file path=ppt/slides/slide35.xml><?xml version="1.0" encoding="utf-8"?>
+<p:sld xmlns:a="http://schemas.openxmlformats.org/drawingml/2006/main" xmlns:r="http://schemas.openxmlformats.org/officeDocument/2006/relationships" xmlns:p="http://schemas.openxmlformats.org/presentationml/2006/main">
+  <p:cSld>
+    <p:spTree>
+      <p:nvGrpSpPr>
+        <p:cNvPr id="1" name=""/>
+        <p:cNvGrpSpPr/>
+        <p:nvPr/>
+      </p:nvGrpSpPr>
+      <p:grpSpPr>
+        <a:xfrm>
+          <a:off x="0" y="0"/>
+          <a:ext cx="0" cy="0"/>
+          <a:chOff x="0" y="0"/>
+          <a:chExt cx="0" cy="0"/>
+        </a:xfrm>
+      </p:grpSpPr>
+      <p:sp>
+        <p:nvSpPr>
+          <p:cNvPr id="2" name="Title 1">
+            <a:extLst>
+              <a:ext uri="{FF2B5EF4-FFF2-40B4-BE49-F238E27FC236}">
+                <a16:creationId xmlns:a16="http://schemas.microsoft.com/office/drawing/2014/main" id="{019176B1-DBFC-41ED-61D8-A32E47CBE543}"/>
+              </a:ext>
+            </a:extLst>
+          </p:cNvPr>
+          <p:cNvSpPr>
+            <a:spLocks noGrp="1"/>
+          </p:cNvSpPr>
+          <p:nvPr>
+            <p:ph type="title"/>
+          </p:nvPr>
+        </p:nvSpPr>
+        <p:spPr/>
+        <p:txBody>
           <a:bodyPr/>
           <a:lstStyle/>
+          <a:p>
+            <a:r>
+              <a:rPr lang="en-GB" dirty="0"/>
+              <a:t>Cracking the Deep Learning interview</a:t>
+            </a:r>
+          </a:p>
+        </p:txBody>
+      </p:sp>
+      <p:sp>
+        <p:nvSpPr>
+          <p:cNvPr id="3" name="Content Placeholder 2">
+            <a:extLst>
+              <a:ext uri="{FF2B5EF4-FFF2-40B4-BE49-F238E27FC236}">
+                <a16:creationId xmlns:a16="http://schemas.microsoft.com/office/drawing/2014/main" id="{42E94496-CCBC-467D-504B-C943DBDCBD88}"/>
+              </a:ext>
+            </a:extLst>
+          </p:cNvPr>
+          <p:cNvSpPr>
+            <a:spLocks noGrp="1"/>
+          </p:cNvSpPr>
+          <p:nvPr>
+            <p:ph idx="1"/>
+          </p:nvPr>
+        </p:nvSpPr>
+        <p:spPr>
+          <a:xfrm>
+            <a:off x="838200" y="1825624"/>
+            <a:ext cx="10515600" cy="5032375"/>
+          </a:xfrm>
+        </p:spPr>
+        <p:txBody>
+          <a:bodyPr>
+            <a:normAutofit/>
+          </a:bodyPr>
+          <a:lstStyle/>
+          <a:p>
+            <a:pPr marL="0" indent="0">
+              <a:buNone/>
+            </a:pPr>
+            <a:r>
+              <a:rPr lang="en-GB" dirty="0"/>
+              <a:t>More importantly, polish your GitHub with some nice ML/AI/DL projects that you can show and discuss in interviews!</a:t>
+            </a:r>
+          </a:p>
+          <a:p>
+            <a:r>
+              <a:rPr lang="en-GB" dirty="0"/>
+              <a:t>Document your codes and notebooks over the summer break!</a:t>
+            </a:r>
+          </a:p>
+          <a:p>
+            <a:r>
+              <a:rPr lang="en-GB" dirty="0"/>
+              <a:t>Many problems out there, easily investigated.</a:t>
+            </a:r>
+          </a:p>
+          <a:p>
+            <a:r>
+              <a:rPr lang="en-GB" dirty="0">
+                <a:hlinkClick r:id="rId2"/>
+              </a:rPr>
+              <a:t>https://twitter.com/0xbnomial/status/1523256409529667584?t=YWXdKryCUrrJSCKWLiT4Tg&amp;s=03</a:t>
+            </a:r>
+            <a:endParaRPr lang="en-GB" dirty="0"/>
+          </a:p>
+          <a:p>
+            <a:pPr marL="0" indent="0">
+              <a:buNone/>
+            </a:pPr>
+            <a:endParaRPr lang="en-GB" dirty="0"/>
+          </a:p>
+          <a:p>
+            <a:r>
+              <a:rPr lang="en-GB"/>
+              <a:t>Other </a:t>
+            </a:r>
+            <a:r>
+              <a:rPr lang="en-GB" dirty="0"/>
+              <a:t>p</a:t>
+            </a:r>
+            <a:r>
+              <a:rPr lang="en-GB"/>
+              <a:t>ossible </a:t>
+            </a:r>
+            <a:r>
+              <a:rPr lang="en-GB" dirty="0"/>
+              <a:t>idea: Find one problem for each concept we discussed each week this term and make a repo/project about it!</a:t>
+            </a:r>
+          </a:p>
+          <a:p>
+            <a:endParaRPr lang="en-GB" dirty="0"/>
+          </a:p>
+          <a:p>
+            <a:endParaRPr lang="en-GB" dirty="0"/>
+          </a:p>
+        </p:txBody>
+      </p:sp>
+    </p:spTree>
+    <p:extLst>
+      <p:ext uri="{BB962C8B-B14F-4D97-AF65-F5344CB8AC3E}">
+        <p14:creationId xmlns:p14="http://schemas.microsoft.com/office/powerpoint/2010/main" val="885132000"/>
+      </p:ext>
+    </p:extLst>
+  </p:cSld>
+  <p:clrMapOvr>
+    <a:masterClrMapping/>
+  </p:clrMapOvr>
+</p:sld>
+</file>
+
+<file path=ppt/slides/slide36.xml><?xml version="1.0" encoding="utf-8"?>
+<p:sld xmlns:a="http://schemas.openxmlformats.org/drawingml/2006/main" xmlns:r="http://schemas.openxmlformats.org/officeDocument/2006/relationships" xmlns:p="http://schemas.openxmlformats.org/presentationml/2006/main">
+  <p:cSld>
+    <p:spTree>
+      <p:nvGrpSpPr>
+        <p:cNvPr id="1" name=""/>
+        <p:cNvGrpSpPr/>
+        <p:nvPr/>
+      </p:nvGrpSpPr>
+      <p:grpSpPr>
+        <a:xfrm>
+          <a:off x="0" y="0"/>
+          <a:ext cx="0" cy="0"/>
+          <a:chOff x="0" y="0"/>
+          <a:chExt cx="0" cy="0"/>
+        </a:xfrm>
+      </p:grpSpPr>
+      <p:sp>
+        <p:nvSpPr>
+          <p:cNvPr id="2" name="Title 1">
+            <a:extLst>
+              <a:ext uri="{FF2B5EF4-FFF2-40B4-BE49-F238E27FC236}">
+                <a16:creationId xmlns:a16="http://schemas.microsoft.com/office/drawing/2014/main" id="{B1A60A88-5173-1242-4140-FC3E7017323F}"/>
+              </a:ext>
+            </a:extLst>
+          </p:cNvPr>
+          <p:cNvSpPr>
+            <a:spLocks noGrp="1"/>
+          </p:cNvSpPr>
+          <p:nvPr>
+            <p:ph type="title"/>
+          </p:nvPr>
+        </p:nvSpPr>
+        <p:spPr/>
+        <p:txBody>
+          <a:bodyPr/>
+          <a:lstStyle/>
+          <a:p>
+            <a:r>
+              <a:rPr lang="en-GB" dirty="0"/>
+              <a:t>A quick word on </a:t>
+            </a:r>
+            <a:r>
+              <a:rPr lang="en-GB" dirty="0" err="1"/>
+              <a:t>PyTorch</a:t>
+            </a:r>
+            <a:r>
+              <a:rPr lang="en-GB" dirty="0"/>
+              <a:t> 2.0</a:t>
+            </a:r>
+            <a:endParaRPr lang="en-SG" dirty="0"/>
+          </a:p>
+        </p:txBody>
+      </p:sp>
+      <p:sp>
+        <p:nvSpPr>
+          <p:cNvPr id="4" name="Content Placeholder 3">
+            <a:extLst>
+              <a:ext uri="{FF2B5EF4-FFF2-40B4-BE49-F238E27FC236}">
+                <a16:creationId xmlns:a16="http://schemas.microsoft.com/office/drawing/2014/main" id="{D9E7860B-CB25-969C-27C8-4B0422EA8DEB}"/>
+              </a:ext>
+            </a:extLst>
+          </p:cNvPr>
+          <p:cNvSpPr>
+            <a:spLocks noGrp="1"/>
+          </p:cNvSpPr>
+          <p:nvPr>
+            <p:ph idx="1"/>
+          </p:nvPr>
+        </p:nvSpPr>
+        <p:spPr>
+          <a:xfrm>
+            <a:off x="838200" y="1825624"/>
+            <a:ext cx="10515600" cy="5032375"/>
+          </a:xfrm>
+        </p:spPr>
+        <p:txBody>
+          <a:bodyPr/>
+          <a:lstStyle/>
+          <a:p>
+            <a:pPr marL="0" indent="0">
+              <a:buNone/>
+            </a:pPr>
+            <a:r>
+              <a:rPr lang="en-SG" b="1" dirty="0" err="1"/>
+              <a:t>PyTorch</a:t>
+            </a:r>
+            <a:r>
+              <a:rPr lang="en-SG" b="1" dirty="0"/>
+              <a:t> 2.0, released on 23 March 2023.</a:t>
+            </a:r>
+          </a:p>
+          <a:p>
+            <a:r>
+              <a:rPr lang="en-SG" dirty="0"/>
+              <a:t>If you go for it, make sure to correctly set your CUDA (will most likely not be the same version of CUDA if you were using 1.13 before!)</a:t>
+            </a:r>
+          </a:p>
+          <a:p>
+            <a:r>
+              <a:rPr lang="en-SG" dirty="0">
+                <a:hlinkClick r:id="rId2"/>
+              </a:rPr>
+              <a:t>https://pytorch.org/get-started/pytorch-2.0/</a:t>
+            </a:r>
+            <a:endParaRPr lang="en-SG" dirty="0"/>
+          </a:p>
+          <a:p>
+            <a:endParaRPr lang="en-SG" dirty="0"/>
+          </a:p>
+          <a:p>
+            <a:pPr marL="0" indent="0">
+              <a:buNone/>
+            </a:pPr>
+            <a:r>
+              <a:rPr lang="en-SG" dirty="0"/>
+              <a:t>New and remarkable features:</a:t>
+            </a:r>
+          </a:p>
+          <a:p>
+            <a:r>
+              <a:rPr lang="en-SG" dirty="0"/>
+              <a:t>Fully backward compatible (all previous codes should still work).</a:t>
+            </a:r>
+          </a:p>
           <a:p>
             <a:r>
               <a:rPr lang="en-SG" dirty="0"/>
               <a:t>More advanced compile function (three modes) to transform model written in Python into something very fast to execute.</a:t>
+            </a:r>
+          </a:p>
+          <a:p>
+            <a:r>
+              <a:rPr lang="en-SG" dirty="0"/>
+              <a:t>(More primitive functions and user experience tools.)</a:t>
+            </a:r>
+          </a:p>
+        </p:txBody>
+      </p:sp>
+    </p:spTree>
+    <p:extLst>
+      <p:ext uri="{BB962C8B-B14F-4D97-AF65-F5344CB8AC3E}">
+        <p14:creationId xmlns:p14="http://schemas.microsoft.com/office/powerpoint/2010/main" val="2597435637"/>
+      </p:ext>
+    </p:extLst>
+  </p:cSld>
+  <p:clrMapOvr>
+    <a:masterClrMapping/>
+  </p:clrMapOvr>
+</p:sld>
+</file>
+
+<file path=ppt/slides/slide37.xml><?xml version="1.0" encoding="utf-8"?>
+<p:sld xmlns:a="http://schemas.openxmlformats.org/drawingml/2006/main" xmlns:r="http://schemas.openxmlformats.org/officeDocument/2006/relationships" xmlns:p="http://schemas.openxmlformats.org/presentationml/2006/main">
+  <p:cSld>
+    <p:spTree>
+      <p:nvGrpSpPr>
+        <p:cNvPr id="1" name=""/>
+        <p:cNvGrpSpPr/>
+        <p:nvPr/>
+      </p:nvGrpSpPr>
+      <p:grpSpPr>
+        <a:xfrm>
+          <a:off x="0" y="0"/>
+          <a:ext cx="0" cy="0"/>
+          <a:chOff x="0" y="0"/>
+          <a:chExt cx="0" cy="0"/>
+        </a:xfrm>
+      </p:grpSpPr>
+      <p:sp>
+        <p:nvSpPr>
+          <p:cNvPr id="2" name="Title 1">
+            <a:extLst>
+              <a:ext uri="{FF2B5EF4-FFF2-40B4-BE49-F238E27FC236}">
+                <a16:creationId xmlns:a16="http://schemas.microsoft.com/office/drawing/2014/main" id="{B1A60A88-5173-1242-4140-FC3E7017323F}"/>
+              </a:ext>
+            </a:extLst>
+          </p:cNvPr>
+          <p:cNvSpPr>
+            <a:spLocks noGrp="1"/>
+          </p:cNvSpPr>
+          <p:nvPr>
+            <p:ph type="title"/>
+          </p:nvPr>
+        </p:nvSpPr>
+        <p:spPr/>
+        <p:txBody>
+          <a:bodyPr/>
+          <a:lstStyle/>
+          <a:p>
+            <a:r>
+              <a:rPr lang="en-GB" dirty="0"/>
+              <a:t>A quick word on </a:t>
+            </a:r>
+            <a:r>
+              <a:rPr lang="en-GB" dirty="0" err="1"/>
+              <a:t>PyTorch</a:t>
+            </a:r>
+            <a:r>
+              <a:rPr lang="en-GB" dirty="0"/>
+              <a:t> 2.0</a:t>
+            </a:r>
+            <a:endParaRPr lang="en-SG" dirty="0"/>
+          </a:p>
+        </p:txBody>
+      </p:sp>
+      <p:sp>
+        <p:nvSpPr>
+          <p:cNvPr id="4" name="Content Placeholder 3">
+            <a:extLst>
+              <a:ext uri="{FF2B5EF4-FFF2-40B4-BE49-F238E27FC236}">
+                <a16:creationId xmlns:a16="http://schemas.microsoft.com/office/drawing/2014/main" id="{D9E7860B-CB25-969C-27C8-4B0422EA8DEB}"/>
+              </a:ext>
+            </a:extLst>
+          </p:cNvPr>
+          <p:cNvSpPr>
+            <a:spLocks noGrp="1"/>
+          </p:cNvSpPr>
+          <p:nvPr>
+            <p:ph idx="1"/>
+          </p:nvPr>
+        </p:nvSpPr>
+        <p:spPr>
+          <a:xfrm>
+            <a:off x="838200" y="1825624"/>
+            <a:ext cx="10515600" cy="5032375"/>
+          </a:xfrm>
+        </p:spPr>
+        <p:txBody>
+          <a:bodyPr/>
+          <a:lstStyle/>
+          <a:p>
+            <a:pPr marL="0" indent="0">
+              <a:buNone/>
+            </a:pPr>
+            <a:r>
+              <a:rPr lang="en-SG" dirty="0"/>
+              <a:t>More advanced </a:t>
+            </a:r>
+            <a:r>
+              <a:rPr lang="en-SG" i="1" dirty="0"/>
+              <a:t>compile() </a:t>
+            </a:r>
+            <a:r>
+              <a:rPr lang="en-SG" dirty="0"/>
+              <a:t>function (three modes) to transform model written in Python into something very fast to execute.</a:t>
             </a:r>
           </a:p>
         </p:txBody>
@@ -10484,7 +11413,7 @@
 </p:sld>
 </file>
 
-<file path=ppt/slides/slide35.xml><?xml version="1.0" encoding="utf-8"?>
+<file path=ppt/slides/slide38.xml><?xml version="1.0" encoding="utf-8"?>
 <p:sld xmlns:a="http://schemas.openxmlformats.org/drawingml/2006/main" xmlns:r="http://schemas.openxmlformats.org/officeDocument/2006/relationships" xmlns:p="http://schemas.openxmlformats.org/presentationml/2006/main">
   <p:cSld>
     <p:spTree>
@@ -10564,9 +11493,20 @@
           <a:bodyPr/>
           <a:lstStyle/>
           <a:p>
+            <a:pPr marL="0" indent="0">
+              <a:buNone/>
+            </a:pPr>
             <a:r>
               <a:rPr lang="en-SG" dirty="0"/>
-              <a:t>More advanced compile function (three modes) to transform model written in Python into something very fast to execute.</a:t>
+              <a:t>More advanced </a:t>
+            </a:r>
+            <a:r>
+              <a:rPr lang="en-SG" i="1" dirty="0"/>
+              <a:t>compile() </a:t>
+            </a:r>
+            <a:r>
+              <a:rPr lang="en-SG" dirty="0"/>
+              <a:t>function (three modes) to transform model written in Python into something very fast to execute.</a:t>
             </a:r>
           </a:p>
         </p:txBody>
@@ -10720,7 +11660,7 @@
 </p:sld>
 </file>
 
-<file path=ppt/slides/slide36.xml><?xml version="1.0" encoding="utf-8"?>
+<file path=ppt/slides/slide39.xml><?xml version="1.0" encoding="utf-8"?>
 <p:sld xmlns:a="http://schemas.openxmlformats.org/drawingml/2006/main" xmlns:r="http://schemas.openxmlformats.org/officeDocument/2006/relationships" xmlns:p="http://schemas.openxmlformats.org/presentationml/2006/main">
   <p:cSld>
     <p:spTree>
@@ -10800,9 +11740,20 @@
           <a:bodyPr/>
           <a:lstStyle/>
           <a:p>
+            <a:pPr marL="0" indent="0">
+              <a:buNone/>
+            </a:pPr>
             <a:r>
               <a:rPr lang="en-SG" dirty="0"/>
-              <a:t>More advanced compile function (three modes) to transform model written in Python into something very fast to execute.</a:t>
+              <a:t>More advanced </a:t>
+            </a:r>
+            <a:r>
+              <a:rPr lang="en-SG" i="1" dirty="0"/>
+              <a:t>compile() </a:t>
+            </a:r>
+            <a:r>
+              <a:rPr lang="en-SG" dirty="0"/>
+              <a:t>function (three modes) to transform model written in Python into something very fast to execute.</a:t>
             </a:r>
           </a:p>
         </p:txBody>
@@ -10881,8 +11832,8 @@
         </p:nvSpPr>
         <p:spPr>
           <a:xfrm>
-            <a:off x="7791938" y="4921111"/>
-            <a:ext cx="3915508" cy="1754326"/>
+            <a:off x="8459992" y="2858254"/>
+            <a:ext cx="3391877" cy="3785652"/>
           </a:xfrm>
           <a:prstGeom prst="rect">
             <a:avLst/>
@@ -10896,7 +11847,7 @@
           <a:lstStyle/>
           <a:p>
             <a:r>
-              <a:rPr lang="en-GB" dirty="0"/>
+              <a:rPr lang="en-GB" sz="2400" dirty="0"/>
               <a:t>From what I have tested:</a:t>
             </a:r>
           </a:p>
@@ -10906,14 +11857,14 @@
               <a:buChar char="•"/>
             </a:pPr>
             <a:r>
-              <a:rPr lang="en-GB" dirty="0"/>
+              <a:rPr lang="en-GB" sz="2400" dirty="0"/>
               <a:t>Little improvements on small sized Linear and Conv models.</a:t>
             </a:r>
             <a:br>
-              <a:rPr lang="en-GB" dirty="0"/>
+              <a:rPr lang="en-GB" sz="2400" dirty="0"/>
             </a:br>
             <a:r>
-              <a:rPr lang="en-GB" dirty="0"/>
+              <a:rPr lang="en-GB" sz="2400" dirty="0"/>
               <a:t>(Typically the ones in Notebooks)</a:t>
             </a:r>
           </a:p>
@@ -10923,10 +11874,10 @@
               <a:buChar char="•"/>
             </a:pPr>
             <a:r>
-              <a:rPr lang="en-GB" dirty="0"/>
+              <a:rPr lang="en-GB" sz="2400" dirty="0"/>
               <a:t>1.5x-2x faster to train on large-scale transformer architectures?</a:t>
             </a:r>
-            <a:endParaRPr lang="en-SG" dirty="0"/>
+            <a:endParaRPr lang="en-SG" sz="2400" dirty="0"/>
           </a:p>
         </p:txBody>
       </p:sp>
@@ -11005,7 +11956,12 @@
             <p:ph idx="1"/>
           </p:nvPr>
         </p:nvSpPr>
-        <p:spPr/>
+        <p:spPr>
+          <a:xfrm>
+            <a:off x="838200" y="1825624"/>
+            <a:ext cx="10515600" cy="5032375"/>
+          </a:xfrm>
+        </p:spPr>
         <p:txBody>
           <a:bodyPr/>
           <a:lstStyle/>
@@ -11024,7 +11980,7 @@
             </a:pPr>
             <a:r>
               <a:rPr lang="en-GB" dirty="0"/>
-              <a:t>At the moment, mostly using gradient descent based algorithms to train our models…</a:t>
+              <a:t>At the moment, mostly using gradient descent algorithms to train our models…</a:t>
             </a:r>
           </a:p>
           <a:p>
@@ -11039,7 +11995,7 @@
           <a:p>
             <a:r>
               <a:rPr lang="en-GB" dirty="0"/>
-              <a:t>Using Forward-Forward (2022 proposal from Hinton, to replace our conventional backprop): </a:t>
+              <a:t>Using Forward-Forward (2022 proposal from Hinton, to replace our conventional backprop?): </a:t>
             </a:r>
             <a:r>
               <a:rPr lang="en-GB" dirty="0">
@@ -11195,15 +12151,7 @@
           <a:p>
             <a:r>
               <a:rPr lang="en-GB" dirty="0"/>
-              <a:t>Advanced architectures like </a:t>
-            </a:r>
-            <a:r>
-              <a:rPr lang="en-GB" dirty="0" err="1"/>
-              <a:t>siamese</a:t>
-            </a:r>
-            <a:r>
-              <a:rPr lang="en-GB" dirty="0"/>
-              <a:t> networks,</a:t>
+              <a:t>Advanced architectures like Siamese networks,</a:t>
             </a:r>
           </a:p>
           <a:p>
@@ -11347,7 +12295,7 @@
           <a:p>
             <a:r>
               <a:rPr lang="en-US" dirty="0"/>
-              <a:t>Poisoning attacks (attempt to poison the dataset so the NN cannot re-train properly),</a:t>
+              <a:t>Poisoning attacks (attempt to poison the dataset so the NN cannot re-train properly, especially if online learning is used),</a:t>
             </a:r>
           </a:p>
           <a:p>

--- a/W12/3. W12S3 final/W12S3.pptx
+++ b/W12/3. W12S3 final/W12S3.pptx
@@ -5,7 +5,7 @@
     <p:sldMasterId id="2147483648" r:id="rId1"/>
   </p:sldMasterIdLst>
   <p:notesMasterIdLst>
-    <p:notesMasterId r:id="rId41"/>
+    <p:notesMasterId r:id="rId42"/>
   </p:notesMasterIdLst>
   <p:sldIdLst>
     <p:sldId id="377" r:id="rId2"/>
@@ -26,27 +26,28 @@
     <p:sldId id="700" r:id="rId17"/>
     <p:sldId id="718" r:id="rId18"/>
     <p:sldId id="701" r:id="rId19"/>
-    <p:sldId id="706" r:id="rId20"/>
-    <p:sldId id="730" r:id="rId21"/>
-    <p:sldId id="704" r:id="rId22"/>
-    <p:sldId id="720" r:id="rId23"/>
-    <p:sldId id="722" r:id="rId24"/>
-    <p:sldId id="723" r:id="rId25"/>
-    <p:sldId id="699" r:id="rId26"/>
-    <p:sldId id="707" r:id="rId27"/>
-    <p:sldId id="708" r:id="rId28"/>
-    <p:sldId id="712" r:id="rId29"/>
-    <p:sldId id="711" r:id="rId30"/>
-    <p:sldId id="716" r:id="rId31"/>
-    <p:sldId id="717" r:id="rId32"/>
-    <p:sldId id="714" r:id="rId33"/>
-    <p:sldId id="724" r:id="rId34"/>
-    <p:sldId id="731" r:id="rId35"/>
-    <p:sldId id="732" r:id="rId36"/>
-    <p:sldId id="725" r:id="rId37"/>
-    <p:sldId id="726" r:id="rId38"/>
-    <p:sldId id="727" r:id="rId39"/>
-    <p:sldId id="728" r:id="rId40"/>
+    <p:sldId id="734" r:id="rId20"/>
+    <p:sldId id="706" r:id="rId21"/>
+    <p:sldId id="730" r:id="rId22"/>
+    <p:sldId id="704" r:id="rId23"/>
+    <p:sldId id="720" r:id="rId24"/>
+    <p:sldId id="722" r:id="rId25"/>
+    <p:sldId id="723" r:id="rId26"/>
+    <p:sldId id="699" r:id="rId27"/>
+    <p:sldId id="707" r:id="rId28"/>
+    <p:sldId id="708" r:id="rId29"/>
+    <p:sldId id="712" r:id="rId30"/>
+    <p:sldId id="711" r:id="rId31"/>
+    <p:sldId id="716" r:id="rId32"/>
+    <p:sldId id="717" r:id="rId33"/>
+    <p:sldId id="714" r:id="rId34"/>
+    <p:sldId id="724" r:id="rId35"/>
+    <p:sldId id="731" r:id="rId36"/>
+    <p:sldId id="732" r:id="rId37"/>
+    <p:sldId id="725" r:id="rId38"/>
+    <p:sldId id="726" r:id="rId39"/>
+    <p:sldId id="727" r:id="rId40"/>
+    <p:sldId id="728" r:id="rId41"/>
   </p:sldIdLst>
   <p:sldSz cx="12192000" cy="6858000"/>
   <p:notesSz cx="6858000" cy="9144000"/>
@@ -176,6 +177,7 @@
             <p14:sldId id="700"/>
             <p14:sldId id="718"/>
             <p14:sldId id="701"/>
+            <p14:sldId id="734"/>
             <p14:sldId id="706"/>
             <p14:sldId id="730"/>
             <p14:sldId id="704"/>
@@ -223,7 +225,7 @@
 <file path=ppt/revisionInfo.xml><?xml version="1.0" encoding="utf-8"?>
 <p1510:revInfo xmlns:a="http://schemas.openxmlformats.org/drawingml/2006/main" xmlns:r="http://schemas.openxmlformats.org/officeDocument/2006/relationships" xmlns:p1510="http://schemas.microsoft.com/office/powerpoint/2015/10/main">
   <p1510:revLst>
-    <p1510:client id="{1C20FA8B-D315-4EDF-967A-6B5C98F8BE64}" v="10" dt="2023-09-07T09:33:49.973"/>
+    <p1510:client id="{1C20FA8B-D315-4EDF-967A-6B5C98F8BE64}" v="11" dt="2023-09-27T02:23:01.567"/>
   </p1510:revLst>
 </p1510:revInfo>
 </file>
@@ -603,7 +605,7 @@
   <pc:docChgLst>
     <pc:chgData name="Matthieu De Mari" userId="dfb708c9-d8dc-439f-9a3b-c772bf4a311c" providerId="ADAL" clId="{1C20FA8B-D315-4EDF-967A-6B5C98F8BE64}"/>
     <pc:docChg chg="undo custSel addSld delSld modSld addSection modSection">
-      <pc:chgData name="Matthieu De Mari" userId="dfb708c9-d8dc-439f-9a3b-c772bf4a311c" providerId="ADAL" clId="{1C20FA8B-D315-4EDF-967A-6B5C98F8BE64}" dt="2023-09-07T09:34:31.102" v="1191" actId="20577"/>
+      <pc:chgData name="Matthieu De Mari" userId="dfb708c9-d8dc-439f-9a3b-c772bf4a311c" providerId="ADAL" clId="{1C20FA8B-D315-4EDF-967A-6B5C98F8BE64}" dt="2023-09-27T02:23:46.157" v="1340" actId="20577"/>
       <pc:docMkLst>
         <pc:docMk/>
       </pc:docMkLst>
@@ -907,6 +909,28 @@
             <pc:docMk/>
             <pc:sldMk cId="885132000" sldId="732"/>
             <ac:spMk id="3" creationId="{42E94496-CCBC-467D-504B-C943DBDCBD88}"/>
+          </ac:spMkLst>
+        </pc:spChg>
+      </pc:sldChg>
+      <pc:sldChg chg="new del">
+        <pc:chgData name="Matthieu De Mari" userId="dfb708c9-d8dc-439f-9a3b-c772bf4a311c" providerId="ADAL" clId="{1C20FA8B-D315-4EDF-967A-6B5C98F8BE64}" dt="2023-09-27T02:21:24.850" v="1194" actId="47"/>
+        <pc:sldMkLst>
+          <pc:docMk/>
+          <pc:sldMk cId="4185206847" sldId="733"/>
+        </pc:sldMkLst>
+      </pc:sldChg>
+      <pc:sldChg chg="modSp add mod">
+        <pc:chgData name="Matthieu De Mari" userId="dfb708c9-d8dc-439f-9a3b-c772bf4a311c" providerId="ADAL" clId="{1C20FA8B-D315-4EDF-967A-6B5C98F8BE64}" dt="2023-09-27T02:23:46.157" v="1340" actId="20577"/>
+        <pc:sldMkLst>
+          <pc:docMk/>
+          <pc:sldMk cId="2788259127" sldId="734"/>
+        </pc:sldMkLst>
+        <pc:spChg chg="mod">
+          <ac:chgData name="Matthieu De Mari" userId="dfb708c9-d8dc-439f-9a3b-c772bf4a311c" providerId="ADAL" clId="{1C20FA8B-D315-4EDF-967A-6B5C98F8BE64}" dt="2023-09-27T02:23:46.157" v="1340" actId="20577"/>
+          <ac:spMkLst>
+            <pc:docMk/>
+            <pc:sldMk cId="2788259127" sldId="734"/>
+            <ac:spMk id="3" creationId="{9D882609-53DF-4B06-91C6-50E0570C62D5}"/>
           </ac:spMkLst>
         </pc:spChg>
       </pc:sldChg>
@@ -1577,7 +1601,7 @@
           <a:p>
             <a:fld id="{61478373-EB31-4867-8CF0-FA31364748A5}" type="datetimeFigureOut">
               <a:rPr lang="en-GB" smtClean="0"/>
-              <a:t>07/09/2023</a:t>
+              <a:t>27/09/2023</a:t>
             </a:fld>
             <a:endParaRPr lang="en-GB"/>
           </a:p>
@@ -1994,7 +2018,7 @@
           <a:p>
             <a:fld id="{E85DF616-B21E-4EF6-A6A5-95E2FB3EB1A1}" type="datetimeFigureOut">
               <a:rPr lang="en-GB" smtClean="0"/>
-              <a:t>07/09/2023</a:t>
+              <a:t>27/09/2023</a:t>
             </a:fld>
             <a:endParaRPr lang="en-GB"/>
           </a:p>
@@ -2194,7 +2218,7 @@
           <a:p>
             <a:fld id="{E85DF616-B21E-4EF6-A6A5-95E2FB3EB1A1}" type="datetimeFigureOut">
               <a:rPr lang="en-GB" smtClean="0"/>
-              <a:t>07/09/2023</a:t>
+              <a:t>27/09/2023</a:t>
             </a:fld>
             <a:endParaRPr lang="en-GB"/>
           </a:p>
@@ -2404,7 +2428,7 @@
           <a:p>
             <a:fld id="{E85DF616-B21E-4EF6-A6A5-95E2FB3EB1A1}" type="datetimeFigureOut">
               <a:rPr lang="en-GB" smtClean="0"/>
-              <a:t>07/09/2023</a:t>
+              <a:t>27/09/2023</a:t>
             </a:fld>
             <a:endParaRPr lang="en-GB"/>
           </a:p>
@@ -2604,7 +2628,7 @@
           <a:p>
             <a:fld id="{E85DF616-B21E-4EF6-A6A5-95E2FB3EB1A1}" type="datetimeFigureOut">
               <a:rPr lang="en-GB" smtClean="0"/>
-              <a:t>07/09/2023</a:t>
+              <a:t>27/09/2023</a:t>
             </a:fld>
             <a:endParaRPr lang="en-GB"/>
           </a:p>
@@ -2880,7 +2904,7 @@
           <a:p>
             <a:fld id="{E85DF616-B21E-4EF6-A6A5-95E2FB3EB1A1}" type="datetimeFigureOut">
               <a:rPr lang="en-GB" smtClean="0"/>
-              <a:t>07/09/2023</a:t>
+              <a:t>27/09/2023</a:t>
             </a:fld>
             <a:endParaRPr lang="en-GB"/>
           </a:p>
@@ -3148,7 +3172,7 @@
           <a:p>
             <a:fld id="{E85DF616-B21E-4EF6-A6A5-95E2FB3EB1A1}" type="datetimeFigureOut">
               <a:rPr lang="en-GB" smtClean="0"/>
-              <a:t>07/09/2023</a:t>
+              <a:t>27/09/2023</a:t>
             </a:fld>
             <a:endParaRPr lang="en-GB"/>
           </a:p>
@@ -3563,7 +3587,7 @@
           <a:p>
             <a:fld id="{E85DF616-B21E-4EF6-A6A5-95E2FB3EB1A1}" type="datetimeFigureOut">
               <a:rPr lang="en-GB" smtClean="0"/>
-              <a:t>07/09/2023</a:t>
+              <a:t>27/09/2023</a:t>
             </a:fld>
             <a:endParaRPr lang="en-GB"/>
           </a:p>
@@ -3705,7 +3729,7 @@
           <a:p>
             <a:fld id="{E85DF616-B21E-4EF6-A6A5-95E2FB3EB1A1}" type="datetimeFigureOut">
               <a:rPr lang="en-GB" smtClean="0"/>
-              <a:t>07/09/2023</a:t>
+              <a:t>27/09/2023</a:t>
             </a:fld>
             <a:endParaRPr lang="en-GB"/>
           </a:p>
@@ -3818,7 +3842,7 @@
           <a:p>
             <a:fld id="{E85DF616-B21E-4EF6-A6A5-95E2FB3EB1A1}" type="datetimeFigureOut">
               <a:rPr lang="en-GB" smtClean="0"/>
-              <a:t>07/09/2023</a:t>
+              <a:t>27/09/2023</a:t>
             </a:fld>
             <a:endParaRPr lang="en-GB"/>
           </a:p>
@@ -4131,7 +4155,7 @@
           <a:p>
             <a:fld id="{E85DF616-B21E-4EF6-A6A5-95E2FB3EB1A1}" type="datetimeFigureOut">
               <a:rPr lang="en-GB" smtClean="0"/>
-              <a:t>07/09/2023</a:t>
+              <a:t>27/09/2023</a:t>
             </a:fld>
             <a:endParaRPr lang="en-GB"/>
           </a:p>
@@ -4420,7 +4444,7 @@
           <a:p>
             <a:fld id="{E85DF616-B21E-4EF6-A6A5-95E2FB3EB1A1}" type="datetimeFigureOut">
               <a:rPr lang="en-GB" smtClean="0"/>
-              <a:t>07/09/2023</a:t>
+              <a:t>27/09/2023</a:t>
             </a:fld>
             <a:endParaRPr lang="en-GB"/>
           </a:p>
@@ -4663,7 +4687,7 @@
           <a:p>
             <a:fld id="{E85DF616-B21E-4EF6-A6A5-95E2FB3EB1A1}" type="datetimeFigureOut">
               <a:rPr lang="en-GB" smtClean="0"/>
-              <a:t>07/09/2023</a:t>
+              <a:t>27/09/2023</a:t>
             </a:fld>
             <a:endParaRPr lang="en-GB"/>
           </a:p>
@@ -6852,92 +6876,76 @@
             </a:pPr>
             <a:r>
               <a:rPr lang="en-GB" b="1" dirty="0"/>
-              <a:t>More stuff</a:t>
-            </a:r>
-          </a:p>
-          <a:p>
-            <a:r>
-              <a:rPr lang="en-GB" dirty="0"/>
-              <a:t>Advanced Probability and Statistics (a.k.a. Statistical Learning) is always a great plus…</a:t>
-            </a:r>
-            <a:br>
-              <a:rPr lang="en-GB" dirty="0"/>
-            </a:br>
+              <a:t>So, I hear you’re into physics?</a:t>
+            </a:r>
+          </a:p>
+          <a:p>
+            <a:pPr marL="0" indent="0">
+              <a:buNone/>
+            </a:pPr>
+            <a:r>
+              <a:rPr lang="en-GB" b="1" dirty="0"/>
+              <a:t>Physics-informed neural networks</a:t>
+            </a:r>
+            <a:r>
+              <a:rPr lang="en-GB" dirty="0"/>
+              <a:t> (</a:t>
+            </a:r>
+            <a:r>
+              <a:rPr lang="en-GB" b="1" dirty="0"/>
+              <a:t>PINNs</a:t>
+            </a:r>
+            <a:r>
+              <a:rPr lang="en-GB" dirty="0"/>
+              <a:t>) are a type of universal function approximators that can embed the knowledge of any physical laws that govern a given dataset in the learning process</a:t>
+            </a:r>
+          </a:p>
+          <a:p>
+            <a:pPr marL="0" indent="0">
+              <a:buNone/>
+            </a:pPr>
+            <a:r>
+              <a:rPr lang="en-GB" dirty="0"/>
+              <a:t>Typically, they can be used to describe, otherwise hard-to-solve, </a:t>
+            </a:r>
             <a:r>
               <a:rPr lang="en-GB" dirty="0">
-                <a:hlinkClick r:id="rId2"/>
+                <a:hlinkClick r:id="rId2" tooltip="Partial differential equation">
+                  <a:extLst>
+                    <a:ext uri="{A12FA001-AC4F-418D-AE19-62706E023703}">
+                      <ahyp:hlinkClr xmlns:ahyp="http://schemas.microsoft.com/office/drawing/2018/hyperlinkcolor" val="tx"/>
+                    </a:ext>
+                  </a:extLst>
+                </a:hlinkClick>
               </a:rPr>
-              <a:t>https://www.statlearning.com/</a:t>
+              <a:t>partial differential equations</a:t>
+            </a:r>
+            <a:r>
+              <a:rPr lang="en-GB" dirty="0"/>
+              <a:t> (PDEs).</a:t>
+            </a:r>
+          </a:p>
+          <a:p>
+            <a:pPr marL="0" indent="0">
+              <a:buNone/>
+            </a:pPr>
+            <a:r>
+              <a:rPr lang="en-GB" dirty="0"/>
+              <a:t>Curious? </a:t>
+            </a:r>
+            <a:r>
+              <a:rPr lang="en-GB"/>
+              <a:t>A tutorial below.</a:t>
             </a:r>
             <a:endParaRPr lang="en-GB" dirty="0"/>
           </a:p>
           <a:p>
             <a:r>
-              <a:rPr lang="en-GB" dirty="0"/>
-              <a:t>Neuroscience should probably be part of any serious AI curriculum…</a:t>
-            </a:r>
-            <a:br>
-              <a:rPr lang="en-GB" dirty="0"/>
-            </a:br>
-            <a:r>
-              <a:rPr lang="en-GB" dirty="0"/>
-              <a:t>[</a:t>
-            </a:r>
-            <a:r>
-              <a:rPr lang="en-GB" dirty="0" err="1"/>
-              <a:t>NeuroAI</a:t>
-            </a:r>
-            <a:r>
-              <a:rPr lang="en-GB" dirty="0"/>
-              <a:t>] Barron et al., “</a:t>
-            </a:r>
-            <a:r>
-              <a:rPr lang="en-US" dirty="0"/>
-              <a:t>What insects can tell us about the origins of consciousness”, 2015.</a:t>
-            </a:r>
-            <a:br>
-              <a:rPr lang="en-US" dirty="0"/>
-            </a:br>
-            <a:r>
-              <a:rPr lang="en-US" dirty="0"/>
-              <a:t>[</a:t>
-            </a:r>
-            <a:r>
-              <a:rPr lang="en-GB" dirty="0"/>
-              <a:t>Kurzweil</a:t>
-            </a:r>
-            <a:r>
-              <a:rPr lang="en-US" dirty="0"/>
-              <a:t>] </a:t>
-            </a:r>
-            <a:r>
-              <a:rPr lang="en-GB" dirty="0"/>
-              <a:t>R. Kurzweil, “How to Create a Mind: The Secret of Human Thought Revealed”, 2012.</a:t>
-            </a:r>
-            <a:br>
-              <a:rPr lang="en-GB" dirty="0"/>
-            </a:br>
-            <a:r>
-              <a:rPr lang="en-GB" dirty="0"/>
-              <a:t>[Marcus] G. Marcus, “The Future of the Brain”, 2014.</a:t>
-            </a:r>
-          </a:p>
-          <a:p>
-            <a:pPr marL="0" indent="0">
-              <a:buNone/>
-            </a:pPr>
-            <a:r>
-              <a:rPr lang="en-GB" dirty="0"/>
-              <a:t>Etc.</a:t>
-            </a:r>
-          </a:p>
-          <a:p>
-            <a:endParaRPr lang="en-GB" dirty="0"/>
-          </a:p>
-          <a:p>
-            <a:pPr marL="0" indent="0">
-              <a:buNone/>
-            </a:pPr>
+              <a:rPr lang="en-GB" dirty="0">
+                <a:hlinkClick r:id="rId3"/>
+              </a:rPr>
+              <a:t>https://towardsdatascience.com/solving-differential-equations-with-neural-networks-afdcf7b8bcc4</a:t>
+            </a:r>
             <a:endParaRPr lang="en-GB" dirty="0"/>
           </a:p>
           <a:p>
@@ -6960,7 +6968,7 @@
     </p:spTree>
     <p:extLst>
       <p:ext uri="{BB962C8B-B14F-4D97-AF65-F5344CB8AC3E}">
-        <p14:creationId xmlns:p14="http://schemas.microsoft.com/office/powerpoint/2010/main" val="86124098"/>
+        <p14:creationId xmlns:p14="http://schemas.microsoft.com/office/powerpoint/2010/main" val="2788259127"/>
       </p:ext>
     </p:extLst>
   </p:cSld>
@@ -7213,42 +7221,71 @@
             </a:r>
           </a:p>
           <a:p>
-            <a:pPr marL="0" indent="0">
-              <a:buNone/>
-            </a:pPr>
-            <a:r>
-              <a:rPr lang="en-GB" dirty="0"/>
-              <a:t>Many more courses available for free/cheap out there…</a:t>
-            </a:r>
-          </a:p>
-          <a:p>
+            <a:r>
+              <a:rPr lang="en-GB" dirty="0"/>
+              <a:t>Advanced Probability and Statistics (a.k.a. Statistical Learning) is always a great plus…</a:t>
+            </a:r>
+            <a:br>
+              <a:rPr lang="en-GB" dirty="0"/>
+            </a:br>
             <a:r>
               <a:rPr lang="en-GB" dirty="0">
                 <a:hlinkClick r:id="rId2"/>
               </a:rPr>
-              <a:t>https://www.linkedin.com/posts/endritrestelica_ai-artificialintelliegence-activity-7069768595978776576-Cvsk/</a:t>
-            </a:r>
-            <a:r>
-              <a:rPr lang="en-GB" dirty="0"/>
-              <a:t> </a:t>
-            </a:r>
-          </a:p>
-          <a:p>
-            <a:r>
-              <a:rPr lang="en-GB" dirty="0">
-                <a:hlinkClick r:id="rId3"/>
-              </a:rPr>
-              <a:t>https://www.linkedin.com/posts/amanc_artificialintelligence-machinelearning-ai-activity-7052863983908753408-OPfM/</a:t>
-            </a:r>
-            <a:r>
-              <a:rPr lang="en-GB" dirty="0"/>
-              <a:t> </a:t>
-            </a:r>
-          </a:p>
-          <a:p>
-            <a:endParaRPr lang="en-GB" dirty="0">
-              <a:hlinkClick r:id="rId4"/>
-            </a:endParaRPr>
+              <a:t>https://www.statlearning.com/</a:t>
+            </a:r>
+            <a:endParaRPr lang="en-GB" dirty="0"/>
+          </a:p>
+          <a:p>
+            <a:r>
+              <a:rPr lang="en-GB" dirty="0"/>
+              <a:t>Neuroscience should probably be part of any serious AI curriculum…</a:t>
+            </a:r>
+            <a:br>
+              <a:rPr lang="en-GB" dirty="0"/>
+            </a:br>
+            <a:r>
+              <a:rPr lang="en-GB" dirty="0"/>
+              <a:t>[</a:t>
+            </a:r>
+            <a:r>
+              <a:rPr lang="en-GB" dirty="0" err="1"/>
+              <a:t>NeuroAI</a:t>
+            </a:r>
+            <a:r>
+              <a:rPr lang="en-GB" dirty="0"/>
+              <a:t>] Barron et al., “</a:t>
+            </a:r>
+            <a:r>
+              <a:rPr lang="en-US" dirty="0"/>
+              <a:t>What insects can tell us about the origins of consciousness”, 2015.</a:t>
+            </a:r>
+            <a:br>
+              <a:rPr lang="en-US" dirty="0"/>
+            </a:br>
+            <a:r>
+              <a:rPr lang="en-US" dirty="0"/>
+              <a:t>[</a:t>
+            </a:r>
+            <a:r>
+              <a:rPr lang="en-GB" dirty="0"/>
+              <a:t>Kurzweil</a:t>
+            </a:r>
+            <a:r>
+              <a:rPr lang="en-US" dirty="0"/>
+              <a:t>] </a:t>
+            </a:r>
+            <a:r>
+              <a:rPr lang="en-GB" dirty="0"/>
+              <a:t>R. Kurzweil, “How to Create a Mind: The Secret of Human Thought Revealed”, 2012.</a:t>
+            </a:r>
+            <a:br>
+              <a:rPr lang="en-GB" dirty="0"/>
+            </a:br>
+            <a:r>
+              <a:rPr lang="en-GB" dirty="0"/>
+              <a:t>[Marcus] G. Marcus, “The Future of the Brain”, 2014.</a:t>
+            </a:r>
           </a:p>
           <a:p>
             <a:pPr marL="0" indent="0">
@@ -7256,23 +7293,11 @@
             </a:pPr>
             <a:r>
               <a:rPr lang="en-GB" dirty="0"/>
-              <a:t>Possibly the best repo ever created on GitHub for CS stuff…</a:t>
-            </a:r>
-            <a:endParaRPr lang="en-GB" dirty="0">
-              <a:hlinkClick r:id="rId4"/>
-            </a:endParaRPr>
-          </a:p>
-          <a:p>
-            <a:r>
-              <a:rPr lang="en-GB" dirty="0">
-                <a:hlinkClick r:id="rId4"/>
-              </a:rPr>
-              <a:t>https://github.com/Developer-Y/cs-video-courses</a:t>
-            </a:r>
-            <a:r>
-              <a:rPr lang="en-GB" dirty="0"/>
-              <a:t> </a:t>
-            </a:r>
+              <a:t>Etc.</a:t>
+            </a:r>
+          </a:p>
+          <a:p>
+            <a:endParaRPr lang="en-GB" dirty="0"/>
           </a:p>
           <a:p>
             <a:pPr marL="0" indent="0">
@@ -7300,7 +7325,7 @@
     </p:spTree>
     <p:extLst>
       <p:ext uri="{BB962C8B-B14F-4D97-AF65-F5344CB8AC3E}">
-        <p14:creationId xmlns:p14="http://schemas.microsoft.com/office/powerpoint/2010/main" val="2346545552"/>
+        <p14:creationId xmlns:p14="http://schemas.microsoft.com/office/powerpoint/2010/main" val="86124098"/>
       </p:ext>
     </p:extLst>
   </p:cSld>
@@ -7393,6 +7418,186 @@
             </a:r>
           </a:p>
           <a:p>
+            <a:pPr marL="0" indent="0">
+              <a:buNone/>
+            </a:pPr>
+            <a:r>
+              <a:rPr lang="en-GB" dirty="0"/>
+              <a:t>Many more courses available for free/cheap out there…</a:t>
+            </a:r>
+          </a:p>
+          <a:p>
+            <a:r>
+              <a:rPr lang="en-GB" dirty="0">
+                <a:hlinkClick r:id="rId2"/>
+              </a:rPr>
+              <a:t>https://www.linkedin.com/posts/endritrestelica_ai-artificialintelliegence-activity-7069768595978776576-Cvsk/</a:t>
+            </a:r>
+            <a:r>
+              <a:rPr lang="en-GB" dirty="0"/>
+              <a:t> </a:t>
+            </a:r>
+          </a:p>
+          <a:p>
+            <a:r>
+              <a:rPr lang="en-GB" dirty="0">
+                <a:hlinkClick r:id="rId3"/>
+              </a:rPr>
+              <a:t>https://www.linkedin.com/posts/amanc_artificialintelligence-machinelearning-ai-activity-7052863983908753408-OPfM/</a:t>
+            </a:r>
+            <a:r>
+              <a:rPr lang="en-GB" dirty="0"/>
+              <a:t> </a:t>
+            </a:r>
+          </a:p>
+          <a:p>
+            <a:endParaRPr lang="en-GB" dirty="0">
+              <a:hlinkClick r:id="rId4"/>
+            </a:endParaRPr>
+          </a:p>
+          <a:p>
+            <a:pPr marL="0" indent="0">
+              <a:buNone/>
+            </a:pPr>
+            <a:r>
+              <a:rPr lang="en-GB" dirty="0"/>
+              <a:t>Possibly the best repo ever created on GitHub for CS stuff…</a:t>
+            </a:r>
+            <a:endParaRPr lang="en-GB" dirty="0">
+              <a:hlinkClick r:id="rId4"/>
+            </a:endParaRPr>
+          </a:p>
+          <a:p>
+            <a:r>
+              <a:rPr lang="en-GB" dirty="0">
+                <a:hlinkClick r:id="rId4"/>
+              </a:rPr>
+              <a:t>https://github.com/Developer-Y/cs-video-courses</a:t>
+            </a:r>
+            <a:r>
+              <a:rPr lang="en-GB" dirty="0"/>
+              <a:t> </a:t>
+            </a:r>
+          </a:p>
+          <a:p>
+            <a:pPr marL="0" indent="0">
+              <a:buNone/>
+            </a:pPr>
+            <a:endParaRPr lang="en-GB" dirty="0"/>
+          </a:p>
+          <a:p>
+            <a:endParaRPr lang="en-GB" dirty="0"/>
+          </a:p>
+          <a:p>
+            <a:pPr marL="0" indent="0">
+              <a:buNone/>
+            </a:pPr>
+            <a:endParaRPr lang="en-GB" dirty="0"/>
+          </a:p>
+          <a:p>
+            <a:pPr marL="0" indent="0">
+              <a:buNone/>
+            </a:pPr>
+            <a:endParaRPr lang="en-GB" dirty="0"/>
+          </a:p>
+        </p:txBody>
+      </p:sp>
+    </p:spTree>
+    <p:extLst>
+      <p:ext uri="{BB962C8B-B14F-4D97-AF65-F5344CB8AC3E}">
+        <p14:creationId xmlns:p14="http://schemas.microsoft.com/office/powerpoint/2010/main" val="2346545552"/>
+      </p:ext>
+    </p:extLst>
+  </p:cSld>
+  <p:clrMapOvr>
+    <a:masterClrMapping/>
+  </p:clrMapOvr>
+</p:sld>
+</file>
+
+<file path=ppt/slides/slide22.xml><?xml version="1.0" encoding="utf-8"?>
+<p:sld xmlns:a="http://schemas.openxmlformats.org/drawingml/2006/main" xmlns:r="http://schemas.openxmlformats.org/officeDocument/2006/relationships" xmlns:p="http://schemas.openxmlformats.org/presentationml/2006/main">
+  <p:cSld>
+    <p:spTree>
+      <p:nvGrpSpPr>
+        <p:cNvPr id="1" name=""/>
+        <p:cNvGrpSpPr/>
+        <p:nvPr/>
+      </p:nvGrpSpPr>
+      <p:grpSpPr>
+        <a:xfrm>
+          <a:off x="0" y="0"/>
+          <a:ext cx="0" cy="0"/>
+          <a:chOff x="0" y="0"/>
+          <a:chExt cx="0" cy="0"/>
+        </a:xfrm>
+      </p:grpSpPr>
+      <p:sp>
+        <p:nvSpPr>
+          <p:cNvPr id="2" name="Title 1">
+            <a:extLst>
+              <a:ext uri="{FF2B5EF4-FFF2-40B4-BE49-F238E27FC236}">
+                <a16:creationId xmlns:a16="http://schemas.microsoft.com/office/drawing/2014/main" id="{C826F7A7-7731-488B-8DF2-1407712F1EC1}"/>
+              </a:ext>
+            </a:extLst>
+          </p:cNvPr>
+          <p:cNvSpPr>
+            <a:spLocks noGrp="1"/>
+          </p:cNvSpPr>
+          <p:nvPr>
+            <p:ph type="title"/>
+          </p:nvPr>
+        </p:nvSpPr>
+        <p:spPr/>
+        <p:txBody>
+          <a:bodyPr/>
+          <a:lstStyle/>
+          <a:p>
+            <a:r>
+              <a:rPr lang="en-US" dirty="0"/>
+              <a:t>On top of everything we have seen…</a:t>
+            </a:r>
+            <a:endParaRPr lang="en-GB" dirty="0"/>
+          </a:p>
+        </p:txBody>
+      </p:sp>
+      <p:sp>
+        <p:nvSpPr>
+          <p:cNvPr id="3" name="Content Placeholder 2">
+            <a:extLst>
+              <a:ext uri="{FF2B5EF4-FFF2-40B4-BE49-F238E27FC236}">
+                <a16:creationId xmlns:a16="http://schemas.microsoft.com/office/drawing/2014/main" id="{9D882609-53DF-4B06-91C6-50E0570C62D5}"/>
+              </a:ext>
+            </a:extLst>
+          </p:cNvPr>
+          <p:cNvSpPr>
+            <a:spLocks noGrp="1"/>
+          </p:cNvSpPr>
+          <p:nvPr>
+            <p:ph idx="1"/>
+          </p:nvPr>
+        </p:nvSpPr>
+        <p:spPr>
+          <a:xfrm>
+            <a:off x="838200" y="1825624"/>
+            <a:ext cx="10515600" cy="5032375"/>
+          </a:xfrm>
+        </p:spPr>
+        <p:txBody>
+          <a:bodyPr>
+            <a:normAutofit/>
+          </a:bodyPr>
+          <a:lstStyle/>
+          <a:p>
+            <a:pPr marL="0" indent="0">
+              <a:buNone/>
+            </a:pPr>
+            <a:r>
+              <a:rPr lang="en-GB" b="1" dirty="0"/>
+              <a:t>More stuff</a:t>
+            </a:r>
+          </a:p>
+          <a:p>
             <a:r>
               <a:rPr lang="en-GB" dirty="0"/>
               <a:t>Using DL to solve complex differential equations.</a:t>
@@ -7469,7 +7674,7 @@
 </p:sld>
 </file>
 
-<file path=ppt/slides/slide22.xml><?xml version="1.0" encoding="utf-8"?>
+<file path=ppt/slides/slide23.xml><?xml version="1.0" encoding="utf-8"?>
 <p:sld xmlns:a="http://schemas.openxmlformats.org/drawingml/2006/main" xmlns:r="http://schemas.openxmlformats.org/officeDocument/2006/relationships" xmlns:p="http://schemas.openxmlformats.org/presentationml/2006/main">
   <p:cSld>
     <p:spTree>
@@ -7684,7 +7889,7 @@
 </p:sld>
 </file>
 
-<file path=ppt/slides/slide23.xml><?xml version="1.0" encoding="utf-8"?>
+<file path=ppt/slides/slide24.xml><?xml version="1.0" encoding="utf-8"?>
 <p:sld xmlns:a="http://schemas.openxmlformats.org/drawingml/2006/main" xmlns:r="http://schemas.openxmlformats.org/officeDocument/2006/relationships" xmlns:p="http://schemas.openxmlformats.org/presentationml/2006/main">
   <p:cSld>
     <p:spTree>
@@ -7869,7 +8074,7 @@
 </p:sld>
 </file>
 
-<file path=ppt/slides/slide24.xml><?xml version="1.0" encoding="utf-8"?>
+<file path=ppt/slides/slide25.xml><?xml version="1.0" encoding="utf-8"?>
 <p:sld xmlns:a="http://schemas.openxmlformats.org/drawingml/2006/main" xmlns:r="http://schemas.openxmlformats.org/officeDocument/2006/relationships" xmlns:p="http://schemas.openxmlformats.org/presentationml/2006/main">
   <p:cSld>
     <p:spTree>
@@ -8089,7 +8294,7 @@
 </p:sld>
 </file>
 
-<file path=ppt/slides/slide25.xml><?xml version="1.0" encoding="utf-8"?>
+<file path=ppt/slides/slide26.xml><?xml version="1.0" encoding="utf-8"?>
 <p:sld xmlns:a="http://schemas.openxmlformats.org/drawingml/2006/main" xmlns:r="http://schemas.openxmlformats.org/officeDocument/2006/relationships" xmlns:p="http://schemas.openxmlformats.org/presentationml/2006/main">
   <p:cSld>
     <p:spTree>
@@ -8189,7 +8394,7 @@
 </p:sld>
 </file>
 
-<file path=ppt/slides/slide26.xml><?xml version="1.0" encoding="utf-8"?>
+<file path=ppt/slides/slide27.xml><?xml version="1.0" encoding="utf-8"?>
 <p:sld xmlns:a="http://schemas.openxmlformats.org/drawingml/2006/main" xmlns:r="http://schemas.openxmlformats.org/officeDocument/2006/relationships" xmlns:p="http://schemas.openxmlformats.org/presentationml/2006/main">
   <p:cSld>
     <p:spTree>
@@ -8392,400 +8597,6 @@
 </p:sld>
 </file>
 
-<file path=ppt/slides/slide27.xml><?xml version="1.0" encoding="utf-8"?>
-<p:sld xmlns:a="http://schemas.openxmlformats.org/drawingml/2006/main" xmlns:r="http://schemas.openxmlformats.org/officeDocument/2006/relationships" xmlns:p="http://schemas.openxmlformats.org/presentationml/2006/main">
-  <p:cSld>
-    <p:spTree>
-      <p:nvGrpSpPr>
-        <p:cNvPr id="1" name=""/>
-        <p:cNvGrpSpPr/>
-        <p:nvPr/>
-      </p:nvGrpSpPr>
-      <p:grpSpPr>
-        <a:xfrm>
-          <a:off x="0" y="0"/>
-          <a:ext cx="0" cy="0"/>
-          <a:chOff x="0" y="0"/>
-          <a:chExt cx="0" cy="0"/>
-        </a:xfrm>
-      </p:grpSpPr>
-      <p:sp>
-        <p:nvSpPr>
-          <p:cNvPr id="4" name="Title 3">
-            <a:extLst>
-              <a:ext uri="{FF2B5EF4-FFF2-40B4-BE49-F238E27FC236}">
-                <a16:creationId xmlns:a16="http://schemas.microsoft.com/office/drawing/2014/main" id="{1715EAD9-59BF-46C0-9089-6E366691CAE9}"/>
-              </a:ext>
-            </a:extLst>
-          </p:cNvPr>
-          <p:cNvSpPr>
-            <a:spLocks noGrp="1"/>
-          </p:cNvSpPr>
-          <p:nvPr>
-            <p:ph type="title"/>
-          </p:nvPr>
-        </p:nvSpPr>
-        <p:spPr/>
-        <p:txBody>
-          <a:bodyPr/>
-          <a:lstStyle/>
-          <a:p>
-            <a:r>
-              <a:rPr lang="en-US" dirty="0"/>
-              <a:t>Add these researchers, companies and research </a:t>
-            </a:r>
-            <a:r>
-              <a:rPr lang="en-US" dirty="0" err="1"/>
-              <a:t>groupes</a:t>
-            </a:r>
-            <a:r>
-              <a:rPr lang="en-US" dirty="0"/>
-              <a:t> to your watchlist</a:t>
-            </a:r>
-            <a:endParaRPr lang="en-GB" dirty="0"/>
-          </a:p>
-        </p:txBody>
-      </p:sp>
-      <p:sp>
-        <p:nvSpPr>
-          <p:cNvPr id="5" name="Content Placeholder 4">
-            <a:extLst>
-              <a:ext uri="{FF2B5EF4-FFF2-40B4-BE49-F238E27FC236}">
-                <a16:creationId xmlns:a16="http://schemas.microsoft.com/office/drawing/2014/main" id="{279FF99D-84CB-436E-9373-43EB3F28720A}"/>
-              </a:ext>
-            </a:extLst>
-          </p:cNvPr>
-          <p:cNvSpPr>
-            <a:spLocks noGrp="1"/>
-          </p:cNvSpPr>
-          <p:nvPr>
-            <p:ph idx="1"/>
-          </p:nvPr>
-        </p:nvSpPr>
-        <p:spPr>
-          <a:xfrm>
-            <a:off x="838200" y="1825624"/>
-            <a:ext cx="10515600" cy="5032375"/>
-          </a:xfrm>
-        </p:spPr>
-        <p:txBody>
-          <a:bodyPr>
-            <a:noAutofit/>
-          </a:bodyPr>
-          <a:lstStyle/>
-          <a:p>
-            <a:r>
-              <a:rPr lang="en-GB" b="1" dirty="0" err="1"/>
-              <a:t>Demis</a:t>
-            </a:r>
-            <a:r>
-              <a:rPr lang="en-GB" dirty="0"/>
-              <a:t> </a:t>
-            </a:r>
-            <a:r>
-              <a:rPr lang="en-GB" b="1" dirty="0">
-                <a:solidFill>
-                  <a:schemeClr val="accent2">
-                    <a:lumMod val="50000"/>
-                  </a:schemeClr>
-                </a:solidFill>
-              </a:rPr>
-              <a:t>Hassabis</a:t>
-            </a:r>
-            <a:r>
-              <a:rPr lang="en-GB" dirty="0"/>
-              <a:t>: Co-founder of </a:t>
-            </a:r>
-            <a:r>
-              <a:rPr lang="en-GB" b="1" dirty="0">
-                <a:solidFill>
-                  <a:schemeClr val="accent2">
-                    <a:lumMod val="50000"/>
-                  </a:schemeClr>
-                </a:solidFill>
-              </a:rPr>
-              <a:t>DeepMind</a:t>
-            </a:r>
-            <a:r>
-              <a:rPr lang="en-GB" dirty="0"/>
-              <a:t>, </a:t>
-            </a:r>
-            <a:r>
-              <a:rPr lang="en-GB" b="1" dirty="0">
-                <a:solidFill>
-                  <a:schemeClr val="accent2">
-                    <a:lumMod val="50000"/>
-                  </a:schemeClr>
-                </a:solidFill>
-              </a:rPr>
-              <a:t>AlphaGo</a:t>
-            </a:r>
-            <a:r>
-              <a:rPr lang="en-GB" dirty="0"/>
-              <a:t>. Several contributions in </a:t>
-            </a:r>
-            <a:r>
-              <a:rPr lang="en-GB" b="1" dirty="0"/>
-              <a:t>Reinforcement</a:t>
-            </a:r>
-            <a:r>
-              <a:rPr lang="en-GB" dirty="0"/>
-              <a:t> </a:t>
-            </a:r>
-            <a:r>
-              <a:rPr lang="en-GB" b="1" dirty="0"/>
-              <a:t>Learning</a:t>
-            </a:r>
-            <a:r>
-              <a:rPr lang="en-GB" dirty="0"/>
-              <a:t>.</a:t>
-            </a:r>
-            <a:br>
-              <a:rPr lang="en-GB" dirty="0"/>
-            </a:br>
-            <a:r>
-              <a:rPr lang="en-GB" dirty="0">
-                <a:hlinkClick r:id="rId2"/>
-              </a:rPr>
-              <a:t>https://scholar.google.com/citations?hl=en&amp;user=dYpPMQEAAAAJ</a:t>
-            </a:r>
-            <a:endParaRPr lang="en-GB" dirty="0"/>
-          </a:p>
-          <a:p>
-            <a:r>
-              <a:rPr lang="en-GB" b="1" dirty="0"/>
-              <a:t>Alex</a:t>
-            </a:r>
-            <a:r>
-              <a:rPr lang="en-GB" dirty="0"/>
-              <a:t> </a:t>
-            </a:r>
-            <a:r>
-              <a:rPr lang="en-GB" b="1" dirty="0">
-                <a:solidFill>
-                  <a:schemeClr val="accent2">
-                    <a:lumMod val="50000"/>
-                  </a:schemeClr>
-                </a:solidFill>
-              </a:rPr>
-              <a:t>Graves</a:t>
-            </a:r>
-            <a:r>
-              <a:rPr lang="en-GB" dirty="0"/>
-              <a:t>: </a:t>
-            </a:r>
-            <a:r>
-              <a:rPr lang="en-GB" b="1" dirty="0"/>
-              <a:t>Professor</a:t>
-            </a:r>
-            <a:r>
-              <a:rPr lang="en-GB" dirty="0"/>
-              <a:t> at </a:t>
-            </a:r>
-            <a:r>
-              <a:rPr lang="en-GB" b="1" dirty="0"/>
-              <a:t>University</a:t>
-            </a:r>
-            <a:r>
-              <a:rPr lang="en-GB" dirty="0"/>
-              <a:t> </a:t>
-            </a:r>
-            <a:r>
-              <a:rPr lang="en-GB" b="1" dirty="0"/>
-              <a:t>of</a:t>
-            </a:r>
-            <a:r>
-              <a:rPr lang="en-GB" dirty="0"/>
-              <a:t> </a:t>
-            </a:r>
-            <a:r>
-              <a:rPr lang="en-GB" b="1" dirty="0"/>
-              <a:t>Toronto</a:t>
-            </a:r>
-            <a:r>
-              <a:rPr lang="en-GB" dirty="0"/>
-              <a:t>. Several contributions in </a:t>
-            </a:r>
-            <a:r>
-              <a:rPr lang="en-GB" b="1" dirty="0"/>
-              <a:t>Reinforcement</a:t>
-            </a:r>
-            <a:r>
-              <a:rPr lang="en-GB" dirty="0"/>
-              <a:t> </a:t>
-            </a:r>
-            <a:r>
-              <a:rPr lang="en-GB" b="1" dirty="0"/>
-              <a:t>Learning</a:t>
-            </a:r>
-            <a:r>
-              <a:rPr lang="en-GB" dirty="0"/>
-              <a:t>. </a:t>
-            </a:r>
-            <a:r>
-              <a:rPr lang="en-GB" dirty="0">
-                <a:hlinkClick r:id="rId3"/>
-              </a:rPr>
-              <a:t>https://scholar.google.co.uk/citations?user=DaFHynwAAAAJ&amp;hl=en</a:t>
-            </a:r>
-            <a:endParaRPr lang="en-GB" dirty="0"/>
-          </a:p>
-          <a:p>
-            <a:r>
-              <a:rPr lang="en-GB" b="1" dirty="0"/>
-              <a:t>Michael</a:t>
-            </a:r>
-            <a:r>
-              <a:rPr lang="en-GB" dirty="0"/>
-              <a:t> </a:t>
-            </a:r>
-            <a:r>
-              <a:rPr lang="en-GB" b="1" dirty="0"/>
-              <a:t>I.</a:t>
-            </a:r>
-            <a:r>
-              <a:rPr lang="en-GB" dirty="0"/>
-              <a:t> </a:t>
-            </a:r>
-            <a:r>
-              <a:rPr lang="en-GB" b="1" dirty="0">
-                <a:solidFill>
-                  <a:schemeClr val="accent2">
-                    <a:lumMod val="50000"/>
-                  </a:schemeClr>
-                </a:solidFill>
-              </a:rPr>
-              <a:t>Jordan</a:t>
-            </a:r>
-            <a:r>
-              <a:rPr lang="en-GB" dirty="0"/>
-              <a:t>: Professor at </a:t>
-            </a:r>
-            <a:r>
-              <a:rPr lang="en-GB" b="1" dirty="0"/>
-              <a:t>UC Berkeley</a:t>
-            </a:r>
-            <a:r>
-              <a:rPr lang="en-GB" dirty="0"/>
-              <a:t>, co-inventor of LDA.</a:t>
-            </a:r>
-            <a:br>
-              <a:rPr lang="en-GB" dirty="0"/>
-            </a:br>
-            <a:r>
-              <a:rPr lang="en-GB" dirty="0">
-                <a:hlinkClick r:id="rId4"/>
-              </a:rPr>
-              <a:t>https://scholar.google.com/citations?user=yxUduqMAAAAJ&amp;hl=fr</a:t>
-            </a:r>
-            <a:endParaRPr lang="en-GB" dirty="0"/>
-          </a:p>
-          <a:p>
-            <a:r>
-              <a:rPr lang="en-GB" b="1" dirty="0"/>
-              <a:t>Terrence</a:t>
-            </a:r>
-            <a:r>
-              <a:rPr lang="en-GB" dirty="0"/>
-              <a:t> </a:t>
-            </a:r>
-            <a:r>
-              <a:rPr lang="en-GB" b="1" dirty="0" err="1">
-                <a:solidFill>
-                  <a:schemeClr val="accent2">
-                    <a:lumMod val="50000"/>
-                  </a:schemeClr>
-                </a:solidFill>
-              </a:rPr>
-              <a:t>Sejnowski</a:t>
-            </a:r>
-            <a:r>
-              <a:rPr lang="en-GB" dirty="0"/>
-              <a:t>: </a:t>
-            </a:r>
-            <a:r>
-              <a:rPr lang="en-GB" b="1" dirty="0"/>
-              <a:t>Professor</a:t>
-            </a:r>
-            <a:r>
-              <a:rPr lang="en-GB" dirty="0"/>
-              <a:t> at </a:t>
-            </a:r>
-            <a:r>
-              <a:rPr lang="en-GB" b="1" dirty="0"/>
-              <a:t>UC</a:t>
-            </a:r>
-            <a:r>
-              <a:rPr lang="en-GB" dirty="0"/>
-              <a:t> </a:t>
-            </a:r>
-            <a:r>
-              <a:rPr lang="en-GB" b="1" dirty="0"/>
-              <a:t>San</a:t>
-            </a:r>
-            <a:r>
-              <a:rPr lang="en-GB" dirty="0"/>
-              <a:t> </a:t>
-            </a:r>
-            <a:r>
-              <a:rPr lang="en-GB" b="1" dirty="0"/>
-              <a:t>Diego</a:t>
-            </a:r>
-            <a:r>
-              <a:rPr lang="en-GB" dirty="0"/>
-              <a:t>, </a:t>
-            </a:r>
-            <a:r>
-              <a:rPr lang="en-GB" b="1" dirty="0">
-                <a:solidFill>
-                  <a:schemeClr val="accent2">
-                    <a:lumMod val="50000"/>
-                  </a:schemeClr>
-                </a:solidFill>
-              </a:rPr>
-              <a:t>Boltzmann</a:t>
-            </a:r>
-            <a:r>
-              <a:rPr lang="en-GB" dirty="0"/>
-              <a:t> </a:t>
-            </a:r>
-            <a:r>
-              <a:rPr lang="en-GB" b="1" dirty="0">
-                <a:solidFill>
-                  <a:schemeClr val="accent2">
-                    <a:lumMod val="50000"/>
-                  </a:schemeClr>
-                </a:solidFill>
-              </a:rPr>
-              <a:t>machines</a:t>
-            </a:r>
-            <a:r>
-              <a:rPr lang="en-GB" dirty="0"/>
-              <a:t>. </a:t>
-            </a:r>
-            <a:r>
-              <a:rPr lang="en-US" dirty="0">
-                <a:hlinkClick r:id="rId5"/>
-              </a:rPr>
-              <a:t>https://scholar.google.ca/citations?user=m1qAiOUAAAAJ&amp;hl=en</a:t>
-            </a:r>
-            <a:endParaRPr lang="en-US" dirty="0"/>
-          </a:p>
-        </p:txBody>
-      </p:sp>
-    </p:spTree>
-    <p:extLst>
-      <p:ext uri="{BB962C8B-B14F-4D97-AF65-F5344CB8AC3E}">
-        <p14:creationId xmlns:p14="http://schemas.microsoft.com/office/powerpoint/2010/main" val="3044459727"/>
-      </p:ext>
-    </p:extLst>
-  </p:cSld>
-  <p:clrMapOvr>
-    <a:masterClrMapping/>
-  </p:clrMapOvr>
-</p:sld>
-</file>
-
 <file path=ppt/slides/slide28.xml><?xml version="1.0" encoding="utf-8"?>
 <p:sld xmlns:a="http://schemas.openxmlformats.org/drawingml/2006/main" xmlns:r="http://schemas.openxmlformats.org/officeDocument/2006/relationships" xmlns:p="http://schemas.openxmlformats.org/presentationml/2006/main">
   <p:cSld>
@@ -8856,16 +8667,21 @@
             <p:ph idx="1"/>
           </p:nvPr>
         </p:nvSpPr>
-        <p:spPr/>
+        <p:spPr>
+          <a:xfrm>
+            <a:off x="838200" y="1825624"/>
+            <a:ext cx="10515600" cy="5032375"/>
+          </a:xfrm>
+        </p:spPr>
         <p:txBody>
           <a:bodyPr>
-            <a:normAutofit/>
+            <a:noAutofit/>
           </a:bodyPr>
           <a:lstStyle/>
           <a:p>
             <a:r>
-              <a:rPr lang="en-GB" b="1" dirty="0"/>
-              <a:t>Peter</a:t>
+              <a:rPr lang="en-GB" b="1" dirty="0" err="1"/>
+              <a:t>Demis</a:t>
             </a:r>
             <a:r>
               <a:rPr lang="en-GB" dirty="0"/>
@@ -8879,72 +8695,11 @@
                   </a:schemeClr>
                 </a:solidFill>
               </a:rPr>
-              <a:t>Norvig</a:t>
-            </a:r>
-            <a:r>
-              <a:rPr lang="en-GB" dirty="0"/>
-              <a:t>: </a:t>
-            </a:r>
-            <a:r>
-              <a:rPr lang="en-GB" b="1" dirty="0"/>
-              <a:t>Director</a:t>
-            </a:r>
-            <a:r>
-              <a:rPr lang="en-GB" dirty="0"/>
-              <a:t> </a:t>
-            </a:r>
-            <a:r>
-              <a:rPr lang="en-GB" b="1" dirty="0"/>
-              <a:t>of</a:t>
-            </a:r>
-            <a:r>
-              <a:rPr lang="en-GB" dirty="0"/>
-              <a:t> </a:t>
-            </a:r>
-            <a:r>
-              <a:rPr lang="en-GB" b="1" dirty="0"/>
-              <a:t>Research</a:t>
-            </a:r>
-            <a:r>
-              <a:rPr lang="en-GB" dirty="0"/>
-              <a:t> at </a:t>
-            </a:r>
-            <a:r>
-              <a:rPr lang="en-GB" b="1" dirty="0"/>
-              <a:t>Google</a:t>
-            </a:r>
-            <a:r>
-              <a:rPr lang="en-GB" dirty="0"/>
-              <a:t>, co-author of the other Bible of Deep Learning</a:t>
-            </a:r>
-            <a:br>
-              <a:rPr lang="en-GB" dirty="0"/>
-            </a:br>
-            <a:r>
-              <a:rPr lang="en-GB" dirty="0">
-                <a:hlinkClick r:id="rId2"/>
-              </a:rPr>
-              <a:t>https://scholar.google.com/citations?user=Ol0vcWgAAAAJ&amp;hl=en</a:t>
-            </a:r>
-            <a:br>
-              <a:rPr lang="en-GB" dirty="0"/>
-            </a:br>
-            <a:r>
-              <a:rPr lang="en-GB" dirty="0">
-                <a:hlinkClick r:id="rId3"/>
-              </a:rPr>
-              <a:t>http://aima.cs.berkeley.edu/</a:t>
-            </a:r>
-            <a:endParaRPr lang="en-GB" dirty="0"/>
-          </a:p>
-          <a:p>
-            <a:r>
-              <a:rPr lang="en-GB" b="1" dirty="0"/>
-              <a:t>Stuart</a:t>
-            </a:r>
-            <a:r>
-              <a:rPr lang="en-GB" dirty="0"/>
-              <a:t> </a:t>
+              <a:t>Hassabis</a:t>
+            </a:r>
+            <a:r>
+              <a:rPr lang="en-GB" dirty="0"/>
+              <a:t>: Co-founder of </a:t>
             </a:r>
             <a:r>
               <a:rPr lang="en-GB" b="1" dirty="0">
@@ -8954,55 +8709,11 @@
                   </a:schemeClr>
                 </a:solidFill>
               </a:rPr>
-              <a:t>Russell</a:t>
-            </a:r>
-            <a:r>
-              <a:rPr lang="en-GB" dirty="0"/>
-              <a:t>: </a:t>
-            </a:r>
-            <a:r>
-              <a:rPr lang="en-GB" b="1" dirty="0"/>
-              <a:t>Professor</a:t>
-            </a:r>
-            <a:r>
-              <a:rPr lang="en-GB" dirty="0"/>
-              <a:t> at </a:t>
-            </a:r>
-            <a:r>
-              <a:rPr lang="en-GB" b="1" dirty="0"/>
-              <a:t>UC</a:t>
-            </a:r>
-            <a:r>
-              <a:rPr lang="en-GB" dirty="0"/>
-              <a:t> </a:t>
-            </a:r>
-            <a:r>
-              <a:rPr lang="en-GB" b="1" dirty="0"/>
-              <a:t>Berkely</a:t>
-            </a:r>
-            <a:r>
-              <a:rPr lang="en-GB" dirty="0"/>
-              <a:t>, co-author of the other Bible of Deep Learning</a:t>
-            </a:r>
-            <a:br>
-              <a:rPr lang="en-GB" dirty="0"/>
-            </a:br>
-            <a:r>
-              <a:rPr lang="en-GB" dirty="0">
-                <a:hlinkClick r:id="rId4"/>
-              </a:rPr>
-              <a:t>https://scholar.google.com/citations?user=2oy3OXYAAAAJ&amp;hl=en</a:t>
-            </a:r>
-            <a:endParaRPr lang="en-GB" dirty="0"/>
-          </a:p>
-          <a:p>
-            <a:r>
-              <a:rPr lang="en-GB" b="1" dirty="0"/>
-              <a:t>Francois</a:t>
-            </a:r>
-            <a:r>
-              <a:rPr lang="en-GB" dirty="0"/>
-              <a:t> </a:t>
+              <a:t>DeepMind</a:t>
+            </a:r>
+            <a:r>
+              <a:rPr lang="en-GB" dirty="0"/>
+              <a:t>, </a:t>
             </a:r>
             <a:r>
               <a:rPr lang="en-GB" b="1" dirty="0">
@@ -9012,7 +8723,57 @@
                   </a:schemeClr>
                 </a:solidFill>
               </a:rPr>
-              <a:t>Chollet</a:t>
+              <a:t>AlphaGo</a:t>
+            </a:r>
+            <a:r>
+              <a:rPr lang="en-GB" dirty="0"/>
+              <a:t>. Several contributions in </a:t>
+            </a:r>
+            <a:r>
+              <a:rPr lang="en-GB" b="1" dirty="0"/>
+              <a:t>Reinforcement</a:t>
+            </a:r>
+            <a:r>
+              <a:rPr lang="en-GB" dirty="0"/>
+              <a:t> </a:t>
+            </a:r>
+            <a:r>
+              <a:rPr lang="en-GB" b="1" dirty="0"/>
+              <a:t>Learning</a:t>
+            </a:r>
+            <a:r>
+              <a:rPr lang="en-GB" dirty="0"/>
+              <a:t>.</a:t>
+            </a:r>
+            <a:br>
+              <a:rPr lang="en-GB" dirty="0"/>
+            </a:br>
+            <a:r>
+              <a:rPr lang="en-GB" dirty="0">
+                <a:hlinkClick r:id="rId2"/>
+              </a:rPr>
+              <a:t>https://scholar.google.com/citations?hl=en&amp;user=dYpPMQEAAAAJ</a:t>
+            </a:r>
+            <a:endParaRPr lang="en-GB" dirty="0"/>
+          </a:p>
+          <a:p>
+            <a:r>
+              <a:rPr lang="en-GB" b="1" dirty="0"/>
+              <a:t>Alex</a:t>
+            </a:r>
+            <a:r>
+              <a:rPr lang="en-GB" dirty="0"/>
+              <a:t> </a:t>
+            </a:r>
+            <a:r>
+              <a:rPr lang="en-GB" b="1" dirty="0">
+                <a:solidFill>
+                  <a:schemeClr val="accent2">
+                    <a:lumMod val="50000"/>
+                  </a:schemeClr>
+                </a:solidFill>
+              </a:rPr>
+              <a:t>Graves</a:t>
             </a:r>
             <a:r>
               <a:rPr lang="en-GB" dirty="0"/>
@@ -9020,7 +8781,7 @@
             </a:r>
             <a:r>
               <a:rPr lang="en-GB" b="1" dirty="0"/>
-              <a:t>Researcher</a:t>
+              <a:t>Professor</a:t>
             </a:r>
             <a:r>
               <a:rPr lang="en-GB" dirty="0"/>
@@ -9028,11 +8789,110 @@
             </a:r>
             <a:r>
               <a:rPr lang="en-GB" b="1" dirty="0"/>
-              <a:t>Google</a:t>
-            </a:r>
-            <a:r>
-              <a:rPr lang="en-GB" dirty="0"/>
-              <a:t>. The man behind the </a:t>
+              <a:t>University</a:t>
+            </a:r>
+            <a:r>
+              <a:rPr lang="en-GB" dirty="0"/>
+              <a:t> </a:t>
+            </a:r>
+            <a:r>
+              <a:rPr lang="en-GB" b="1" dirty="0"/>
+              <a:t>of</a:t>
+            </a:r>
+            <a:r>
+              <a:rPr lang="en-GB" dirty="0"/>
+              <a:t> </a:t>
+            </a:r>
+            <a:r>
+              <a:rPr lang="en-GB" b="1" dirty="0"/>
+              <a:t>Toronto</a:t>
+            </a:r>
+            <a:r>
+              <a:rPr lang="en-GB" dirty="0"/>
+              <a:t>. Several contributions in </a:t>
+            </a:r>
+            <a:r>
+              <a:rPr lang="en-GB" b="1" dirty="0"/>
+              <a:t>Reinforcement</a:t>
+            </a:r>
+            <a:r>
+              <a:rPr lang="en-GB" dirty="0"/>
+              <a:t> </a:t>
+            </a:r>
+            <a:r>
+              <a:rPr lang="en-GB" b="1" dirty="0"/>
+              <a:t>Learning</a:t>
+            </a:r>
+            <a:r>
+              <a:rPr lang="en-GB" dirty="0"/>
+              <a:t>. </a:t>
+            </a:r>
+            <a:r>
+              <a:rPr lang="en-GB" dirty="0">
+                <a:hlinkClick r:id="rId3"/>
+              </a:rPr>
+              <a:t>https://scholar.google.co.uk/citations?user=DaFHynwAAAAJ&amp;hl=en</a:t>
+            </a:r>
+            <a:endParaRPr lang="en-GB" dirty="0"/>
+          </a:p>
+          <a:p>
+            <a:r>
+              <a:rPr lang="en-GB" b="1" dirty="0"/>
+              <a:t>Michael</a:t>
+            </a:r>
+            <a:r>
+              <a:rPr lang="en-GB" dirty="0"/>
+              <a:t> </a:t>
+            </a:r>
+            <a:r>
+              <a:rPr lang="en-GB" b="1" dirty="0"/>
+              <a:t>I.</a:t>
+            </a:r>
+            <a:r>
+              <a:rPr lang="en-GB" dirty="0"/>
+              <a:t> </a:t>
+            </a:r>
+            <a:r>
+              <a:rPr lang="en-GB" b="1" dirty="0">
+                <a:solidFill>
+                  <a:schemeClr val="accent2">
+                    <a:lumMod val="50000"/>
+                  </a:schemeClr>
+                </a:solidFill>
+              </a:rPr>
+              <a:t>Jordan</a:t>
+            </a:r>
+            <a:r>
+              <a:rPr lang="en-GB" dirty="0"/>
+              <a:t>: Professor at </a:t>
+            </a:r>
+            <a:r>
+              <a:rPr lang="en-GB" b="1" dirty="0"/>
+              <a:t>UC Berkeley</a:t>
+            </a:r>
+            <a:r>
+              <a:rPr lang="en-GB" dirty="0"/>
+              <a:t>, co-inventor of LDA.</a:t>
+            </a:r>
+            <a:br>
+              <a:rPr lang="en-GB" dirty="0"/>
+            </a:br>
+            <a:r>
+              <a:rPr lang="en-GB" dirty="0">
+                <a:hlinkClick r:id="rId4"/>
+              </a:rPr>
+              <a:t>https://scholar.google.com/citations?user=yxUduqMAAAAJ&amp;hl=fr</a:t>
+            </a:r>
+            <a:endParaRPr lang="en-GB" dirty="0"/>
+          </a:p>
+          <a:p>
+            <a:r>
+              <a:rPr lang="en-GB" b="1" dirty="0"/>
+              <a:t>Terrence</a:t>
+            </a:r>
+            <a:r>
+              <a:rPr lang="en-GB" dirty="0"/>
+              <a:t> </a:t>
             </a:r>
             <a:r>
               <a:rPr lang="en-GB" b="1" dirty="0" err="1">
@@ -9042,52 +8902,86 @@
                   </a:schemeClr>
                 </a:solidFill>
               </a:rPr>
-              <a:t>Keras</a:t>
-            </a:r>
-            <a:r>
-              <a:rPr lang="en-GB" dirty="0"/>
-              <a:t> framework and </a:t>
-            </a:r>
-            <a:r>
-              <a:rPr lang="en-GB" b="1" dirty="0" err="1"/>
-              <a:t>Xception</a:t>
-            </a:r>
-            <a:r>
-              <a:rPr lang="en-GB" dirty="0"/>
-              <a:t>.</a:t>
-            </a:r>
-            <a:br>
-              <a:rPr lang="en-GB" dirty="0"/>
-            </a:br>
-            <a:r>
-              <a:rPr lang="en-GB" dirty="0">
+              <a:t>Sejnowski</a:t>
+            </a:r>
+            <a:r>
+              <a:rPr lang="en-GB" dirty="0"/>
+              <a:t>: </a:t>
+            </a:r>
+            <a:r>
+              <a:rPr lang="en-GB" b="1" dirty="0"/>
+              <a:t>Professor</a:t>
+            </a:r>
+            <a:r>
+              <a:rPr lang="en-GB" dirty="0"/>
+              <a:t> at </a:t>
+            </a:r>
+            <a:r>
+              <a:rPr lang="en-GB" b="1" dirty="0"/>
+              <a:t>UC</a:t>
+            </a:r>
+            <a:r>
+              <a:rPr lang="en-GB" dirty="0"/>
+              <a:t> </a:t>
+            </a:r>
+            <a:r>
+              <a:rPr lang="en-GB" b="1" dirty="0"/>
+              <a:t>San</a:t>
+            </a:r>
+            <a:r>
+              <a:rPr lang="en-GB" dirty="0"/>
+              <a:t> </a:t>
+            </a:r>
+            <a:r>
+              <a:rPr lang="en-GB" b="1" dirty="0"/>
+              <a:t>Diego</a:t>
+            </a:r>
+            <a:r>
+              <a:rPr lang="en-GB" dirty="0"/>
+              <a:t>, </a:t>
+            </a:r>
+            <a:r>
+              <a:rPr lang="en-GB" b="1" dirty="0">
+                <a:solidFill>
+                  <a:schemeClr val="accent2">
+                    <a:lumMod val="50000"/>
+                  </a:schemeClr>
+                </a:solidFill>
+              </a:rPr>
+              <a:t>Boltzmann</a:t>
+            </a:r>
+            <a:r>
+              <a:rPr lang="en-GB" dirty="0"/>
+              <a:t> </a:t>
+            </a:r>
+            <a:r>
+              <a:rPr lang="en-GB" b="1" dirty="0">
+                <a:solidFill>
+                  <a:schemeClr val="accent2">
+                    <a:lumMod val="50000"/>
+                  </a:schemeClr>
+                </a:solidFill>
+              </a:rPr>
+              <a:t>machines</a:t>
+            </a:r>
+            <a:r>
+              <a:rPr lang="en-GB" dirty="0"/>
+              <a:t>. </a:t>
+            </a:r>
+            <a:r>
+              <a:rPr lang="en-US" dirty="0">
                 <a:hlinkClick r:id="rId5"/>
               </a:rPr>
-              <a:t>https://scholar.google.com/citations?user=VfYhf2wAAAAJ&amp;hl=en</a:t>
-            </a:r>
-            <a:endParaRPr lang="en-GB" dirty="0"/>
-          </a:p>
-          <a:p>
-            <a:endParaRPr lang="en-GB" dirty="0"/>
-          </a:p>
-          <a:p>
+              <a:t>https://scholar.google.ca/citations?user=m1qAiOUAAAAJ&amp;hl=en</a:t>
+            </a:r>
             <a:endParaRPr lang="en-US" dirty="0"/>
-          </a:p>
-          <a:p>
-            <a:endParaRPr lang="en-US" dirty="0"/>
-          </a:p>
-          <a:p>
-            <a:endParaRPr lang="en-US" dirty="0"/>
-          </a:p>
-          <a:p>
-            <a:endParaRPr lang="en-GB" dirty="0"/>
           </a:p>
         </p:txBody>
       </p:sp>
     </p:spTree>
     <p:extLst>
       <p:ext uri="{BB962C8B-B14F-4D97-AF65-F5344CB8AC3E}">
-        <p14:creationId xmlns:p14="http://schemas.microsoft.com/office/powerpoint/2010/main" val="213952004"/>
+        <p14:creationId xmlns:p14="http://schemas.microsoft.com/office/powerpoint/2010/main" val="3044459727"/>
       </p:ext>
     </p:extLst>
   </p:cSld>
@@ -9167,12 +9061,7 @@
             <p:ph idx="1"/>
           </p:nvPr>
         </p:nvSpPr>
-        <p:spPr>
-          <a:xfrm>
-            <a:off x="838200" y="1825624"/>
-            <a:ext cx="10515600" cy="5032375"/>
-          </a:xfrm>
-        </p:spPr>
+        <p:spPr/>
         <p:txBody>
           <a:bodyPr>
             <a:normAutofit/>
@@ -9180,75 +9069,175 @@
           <a:lstStyle/>
           <a:p>
             <a:r>
-              <a:rPr lang="en-US" b="1" dirty="0"/>
-              <a:t>Trevor </a:t>
-            </a:r>
-            <a:r>
-              <a:rPr lang="en-US" b="1" dirty="0">
+              <a:rPr lang="en-GB" b="1" dirty="0"/>
+              <a:t>Peter</a:t>
+            </a:r>
+            <a:r>
+              <a:rPr lang="en-GB" dirty="0"/>
+              <a:t> </a:t>
+            </a:r>
+            <a:r>
+              <a:rPr lang="en-GB" b="1" dirty="0">
                 <a:solidFill>
                   <a:schemeClr val="accent2">
                     <a:lumMod val="50000"/>
                   </a:schemeClr>
                 </a:solidFill>
               </a:rPr>
-              <a:t>Hastie</a:t>
-            </a:r>
-            <a:r>
-              <a:rPr lang="en-US" dirty="0"/>
+              <a:t>Norvig</a:t>
+            </a:r>
+            <a:r>
+              <a:rPr lang="en-GB" dirty="0"/>
               <a:t>: </a:t>
             </a:r>
             <a:r>
-              <a:rPr lang="en-US" b="1" dirty="0"/>
-              <a:t>Professor</a:t>
-            </a:r>
-            <a:r>
-              <a:rPr lang="en-US" dirty="0"/>
+              <a:rPr lang="en-GB" b="1" dirty="0"/>
+              <a:t>Director</a:t>
+            </a:r>
+            <a:r>
+              <a:rPr lang="en-GB" dirty="0"/>
+              <a:t> </a:t>
+            </a:r>
+            <a:r>
+              <a:rPr lang="en-GB" b="1" dirty="0"/>
+              <a:t>of</a:t>
+            </a:r>
+            <a:r>
+              <a:rPr lang="en-GB" dirty="0"/>
+              <a:t> </a:t>
+            </a:r>
+            <a:r>
+              <a:rPr lang="en-GB" b="1" dirty="0"/>
+              <a:t>Research</a:t>
+            </a:r>
+            <a:r>
+              <a:rPr lang="en-GB" dirty="0"/>
               <a:t> at </a:t>
             </a:r>
             <a:r>
-              <a:rPr lang="en-US" b="1" dirty="0"/>
-              <a:t>Stanford</a:t>
-            </a:r>
-            <a:r>
-              <a:rPr lang="en-US" dirty="0"/>
-              <a:t>, co-</a:t>
-            </a:r>
-            <a:r>
-              <a:rPr lang="en-US" dirty="0" err="1"/>
-              <a:t>autor</a:t>
-            </a:r>
-            <a:r>
-              <a:rPr lang="en-US" dirty="0"/>
-              <a:t> of the Bible of Statistical Learning.</a:t>
+              <a:rPr lang="en-GB" b="1" dirty="0"/>
+              <a:t>Google</a:t>
+            </a:r>
+            <a:r>
+              <a:rPr lang="en-GB" dirty="0"/>
+              <a:t>, co-author of the other Bible of Deep Learning</a:t>
             </a:r>
             <a:br>
-              <a:rPr lang="en-US" dirty="0"/>
+              <a:rPr lang="en-GB" dirty="0"/>
             </a:br>
             <a:r>
-              <a:rPr lang="en-US" dirty="0">
+              <a:rPr lang="en-GB" dirty="0">
                 <a:hlinkClick r:id="rId2"/>
               </a:rPr>
-              <a:t>https://scholar.google.ca/citations?user=tQVe-fAAAAAJ&amp;hl=en</a:t>
+              <a:t>https://scholar.google.com/citations?user=Ol0vcWgAAAAJ&amp;hl=en</a:t>
             </a:r>
             <a:br>
-              <a:rPr lang="en-US" dirty="0"/>
+              <a:rPr lang="en-GB" dirty="0"/>
             </a:br>
             <a:r>
-              <a:rPr lang="en-US" dirty="0">
+              <a:rPr lang="en-GB" dirty="0">
                 <a:hlinkClick r:id="rId3"/>
               </a:rPr>
-              <a:t>https://hastie.su.domains/ElemStatLearn/download.html</a:t>
-            </a:r>
-            <a:endParaRPr lang="en-US" dirty="0"/>
+              <a:t>http://aima.cs.berkeley.edu/</a:t>
+            </a:r>
+            <a:endParaRPr lang="en-GB" dirty="0"/>
           </a:p>
           <a:p>
             <a:r>
               <a:rPr lang="en-GB" b="1" dirty="0"/>
-              <a:t>Robert</a:t>
+              <a:t>Stuart</a:t>
             </a:r>
             <a:r>
               <a:rPr lang="en-GB" dirty="0"/>
               <a:t> </a:t>
+            </a:r>
+            <a:r>
+              <a:rPr lang="en-GB" b="1" dirty="0">
+                <a:solidFill>
+                  <a:schemeClr val="accent2">
+                    <a:lumMod val="50000"/>
+                  </a:schemeClr>
+                </a:solidFill>
+              </a:rPr>
+              <a:t>Russell</a:t>
+            </a:r>
+            <a:r>
+              <a:rPr lang="en-GB" dirty="0"/>
+              <a:t>: </a:t>
+            </a:r>
+            <a:r>
+              <a:rPr lang="en-GB" b="1" dirty="0"/>
+              <a:t>Professor</a:t>
+            </a:r>
+            <a:r>
+              <a:rPr lang="en-GB" dirty="0"/>
+              <a:t> at </a:t>
+            </a:r>
+            <a:r>
+              <a:rPr lang="en-GB" b="1" dirty="0"/>
+              <a:t>UC</a:t>
+            </a:r>
+            <a:r>
+              <a:rPr lang="en-GB" dirty="0"/>
+              <a:t> </a:t>
+            </a:r>
+            <a:r>
+              <a:rPr lang="en-GB" b="1" dirty="0"/>
+              <a:t>Berkely</a:t>
+            </a:r>
+            <a:r>
+              <a:rPr lang="en-GB" dirty="0"/>
+              <a:t>, co-author of the other Bible of Deep Learning</a:t>
+            </a:r>
+            <a:br>
+              <a:rPr lang="en-GB" dirty="0"/>
+            </a:br>
+            <a:r>
+              <a:rPr lang="en-GB" dirty="0">
+                <a:hlinkClick r:id="rId4"/>
+              </a:rPr>
+              <a:t>https://scholar.google.com/citations?user=2oy3OXYAAAAJ&amp;hl=en</a:t>
+            </a:r>
+            <a:endParaRPr lang="en-GB" dirty="0"/>
+          </a:p>
+          <a:p>
+            <a:r>
+              <a:rPr lang="en-GB" b="1" dirty="0"/>
+              <a:t>Francois</a:t>
+            </a:r>
+            <a:r>
+              <a:rPr lang="en-GB" dirty="0"/>
+              <a:t> </a:t>
+            </a:r>
+            <a:r>
+              <a:rPr lang="en-GB" b="1" dirty="0">
+                <a:solidFill>
+                  <a:schemeClr val="accent2">
+                    <a:lumMod val="50000"/>
+                  </a:schemeClr>
+                </a:solidFill>
+              </a:rPr>
+              <a:t>Chollet</a:t>
+            </a:r>
+            <a:r>
+              <a:rPr lang="en-GB" dirty="0"/>
+              <a:t>: </a:t>
+            </a:r>
+            <a:r>
+              <a:rPr lang="en-GB" b="1" dirty="0"/>
+              <a:t>Researcher</a:t>
+            </a:r>
+            <a:r>
+              <a:rPr lang="en-GB" dirty="0"/>
+              <a:t> at </a:t>
+            </a:r>
+            <a:r>
+              <a:rPr lang="en-GB" b="1" dirty="0"/>
+              <a:t>Google</a:t>
+            </a:r>
+            <a:r>
+              <a:rPr lang="en-GB" dirty="0"/>
+              <a:t>. The man behind the </a:t>
             </a:r>
             <a:r>
               <a:rPr lang="en-GB" b="1" dirty="0" err="1">
@@ -9258,137 +9247,35 @@
                   </a:schemeClr>
                 </a:solidFill>
               </a:rPr>
-              <a:t>Tibshirani</a:t>
-            </a:r>
-            <a:r>
-              <a:rPr lang="en-US" dirty="0"/>
-              <a:t>: </a:t>
-            </a:r>
-            <a:r>
-              <a:rPr lang="en-US" b="1" dirty="0"/>
-              <a:t>Professor</a:t>
-            </a:r>
-            <a:r>
-              <a:rPr lang="en-US" dirty="0"/>
-              <a:t> at </a:t>
-            </a:r>
-            <a:r>
-              <a:rPr lang="en-US" b="1" dirty="0"/>
-              <a:t>Stanford</a:t>
-            </a:r>
-            <a:r>
-              <a:rPr lang="en-US" dirty="0"/>
-              <a:t>, co-</a:t>
-            </a:r>
-            <a:r>
-              <a:rPr lang="en-US" dirty="0" err="1"/>
-              <a:t>autor</a:t>
-            </a:r>
-            <a:r>
-              <a:rPr lang="en-US" dirty="0"/>
-              <a:t> of the Bible of Statistical Learning. Inventor of the LASSO algorithm.</a:t>
+              <a:t>Keras</a:t>
+            </a:r>
+            <a:r>
+              <a:rPr lang="en-GB" dirty="0"/>
+              <a:t> framework and </a:t>
+            </a:r>
+            <a:r>
+              <a:rPr lang="en-GB" b="1" dirty="0" err="1"/>
+              <a:t>Xception</a:t>
+            </a:r>
+            <a:r>
+              <a:rPr lang="en-GB" dirty="0"/>
+              <a:t>.</a:t>
             </a:r>
             <a:br>
-              <a:rPr lang="en-US" dirty="0"/>
+              <a:rPr lang="en-GB" dirty="0"/>
             </a:br>
             <a:r>
-              <a:rPr lang="en-US" dirty="0">
-                <a:hlinkClick r:id="rId4"/>
-              </a:rPr>
-              <a:t>https://scholar.google.ca/citations?user=ZpG_cJwAAAAJ&amp;hl=en</a:t>
-            </a:r>
-            <a:endParaRPr lang="en-US" dirty="0"/>
-          </a:p>
-          <a:p>
-            <a:r>
-              <a:rPr lang="en-GB" b="1" dirty="0"/>
-              <a:t>Vladimir </a:t>
-            </a:r>
-            <a:r>
-              <a:rPr lang="en-GB" b="1" dirty="0" err="1">
-                <a:solidFill>
-                  <a:schemeClr val="accent2">
-                    <a:lumMod val="50000"/>
-                  </a:schemeClr>
-                </a:solidFill>
-              </a:rPr>
-              <a:t>Vapnik</a:t>
-            </a:r>
-            <a:r>
-              <a:rPr lang="en-GB" b="1" dirty="0"/>
-              <a:t>: Retired Professor</a:t>
-            </a:r>
-            <a:r>
-              <a:rPr lang="en-GB" dirty="0"/>
-              <a:t>, inventor of </a:t>
-            </a:r>
-            <a:r>
-              <a:rPr lang="en-GB" b="1" dirty="0"/>
-              <a:t>SVMs</a:t>
-            </a:r>
-            <a:r>
-              <a:rPr lang="en-GB" dirty="0"/>
-              <a:t> and many other concepts. Worked with </a:t>
-            </a:r>
-            <a:r>
-              <a:rPr lang="en-GB" b="1" dirty="0"/>
-              <a:t>Yann</a:t>
-            </a:r>
-            <a:r>
-              <a:rPr lang="en-GB" dirty="0"/>
-              <a:t> </a:t>
-            </a:r>
-            <a:r>
-              <a:rPr lang="en-GB" b="1" dirty="0" err="1">
-                <a:solidFill>
-                  <a:schemeClr val="accent2">
-                    <a:lumMod val="50000"/>
-                  </a:schemeClr>
-                </a:solidFill>
-              </a:rPr>
-              <a:t>LeCun</a:t>
-            </a:r>
-            <a:r>
-              <a:rPr lang="en-GB" dirty="0"/>
-              <a:t> at </a:t>
-            </a:r>
-            <a:r>
-              <a:rPr lang="en-GB" b="1" dirty="0">
-                <a:solidFill>
-                  <a:schemeClr val="accent2">
-                    <a:lumMod val="50000"/>
-                  </a:schemeClr>
-                </a:solidFill>
-              </a:rPr>
-              <a:t>Facebook</a:t>
-            </a:r>
-            <a:r>
-              <a:rPr lang="en-GB" b="1" dirty="0"/>
-              <a:t> </a:t>
-            </a:r>
-            <a:r>
-              <a:rPr lang="en-GB" b="1" dirty="0">
-                <a:solidFill>
-                  <a:schemeClr val="accent2">
-                    <a:lumMod val="50000"/>
-                  </a:schemeClr>
-                </a:solidFill>
-              </a:rPr>
-              <a:t>AI</a:t>
-            </a:r>
-            <a:r>
-              <a:rPr lang="en-GB" dirty="0"/>
-              <a:t>.</a:t>
-            </a:r>
-            <a:br>
-              <a:rPr lang="en-GB" dirty="0"/>
-            </a:br>
-            <a:r>
-              <a:rPr lang="en-US" dirty="0">
+              <a:rPr lang="en-GB" dirty="0">
                 <a:hlinkClick r:id="rId5"/>
               </a:rPr>
-              <a:t>https://scholar.google.com/citations?user=vtegaJgAAAAJ&amp;hl=fr</a:t>
-            </a:r>
+              <a:t>https://scholar.google.com/citations?user=VfYhf2wAAAAJ&amp;hl=en</a:t>
+            </a:r>
+            <a:endParaRPr lang="en-GB" dirty="0"/>
+          </a:p>
+          <a:p>
+            <a:endParaRPr lang="en-GB" dirty="0"/>
+          </a:p>
+          <a:p>
             <a:endParaRPr lang="en-US" dirty="0"/>
           </a:p>
           <a:p>
@@ -9405,7 +9292,7 @@
     </p:spTree>
     <p:extLst>
       <p:ext uri="{BB962C8B-B14F-4D97-AF65-F5344CB8AC3E}">
-        <p14:creationId xmlns:p14="http://schemas.microsoft.com/office/powerpoint/2010/main" val="1934179735"/>
+        <p14:creationId xmlns:p14="http://schemas.microsoft.com/office/powerpoint/2010/main" val="213952004"/>
       </p:ext>
     </p:extLst>
   </p:cSld>
@@ -9581,17 +9468,182 @@
         </p:spPr>
         <p:txBody>
           <a:bodyPr>
-            <a:normAutofit lnSpcReduction="10000"/>
+            <a:normAutofit/>
           </a:bodyPr>
           <a:lstStyle/>
           <a:p>
             <a:r>
+              <a:rPr lang="en-US" b="1" dirty="0"/>
+              <a:t>Trevor </a:t>
+            </a:r>
+            <a:r>
+              <a:rPr lang="en-US" b="1" dirty="0">
+                <a:solidFill>
+                  <a:schemeClr val="accent2">
+                    <a:lumMod val="50000"/>
+                  </a:schemeClr>
+                </a:solidFill>
+              </a:rPr>
+              <a:t>Hastie</a:t>
+            </a:r>
+            <a:r>
+              <a:rPr lang="en-US" dirty="0"/>
+              <a:t>: </a:t>
+            </a:r>
+            <a:r>
+              <a:rPr lang="en-US" b="1" dirty="0"/>
+              <a:t>Professor</a:t>
+            </a:r>
+            <a:r>
+              <a:rPr lang="en-US" dirty="0"/>
+              <a:t> at </a:t>
+            </a:r>
+            <a:r>
+              <a:rPr lang="en-US" b="1" dirty="0"/>
+              <a:t>Stanford</a:t>
+            </a:r>
+            <a:r>
+              <a:rPr lang="en-US" dirty="0"/>
+              <a:t>, co-</a:t>
+            </a:r>
+            <a:r>
+              <a:rPr lang="en-US" dirty="0" err="1"/>
+              <a:t>autor</a:t>
+            </a:r>
+            <a:r>
+              <a:rPr lang="en-US" dirty="0"/>
+              <a:t> of the Bible of Statistical Learning.</a:t>
+            </a:r>
+            <a:br>
+              <a:rPr lang="en-US" dirty="0"/>
+            </a:br>
+            <a:r>
+              <a:rPr lang="en-US" dirty="0">
+                <a:hlinkClick r:id="rId2"/>
+              </a:rPr>
+              <a:t>https://scholar.google.ca/citations?user=tQVe-fAAAAAJ&amp;hl=en</a:t>
+            </a:r>
+            <a:br>
+              <a:rPr lang="en-US" dirty="0"/>
+            </a:br>
+            <a:r>
+              <a:rPr lang="en-US" dirty="0">
+                <a:hlinkClick r:id="rId3"/>
+              </a:rPr>
+              <a:t>https://hastie.su.domains/ElemStatLearn/download.html</a:t>
+            </a:r>
+            <a:endParaRPr lang="en-US" dirty="0"/>
+          </a:p>
+          <a:p>
+            <a:r>
               <a:rPr lang="en-GB" b="1" dirty="0"/>
-              <a:t>Fred</a:t>
+              <a:t>Robert</a:t>
             </a:r>
             <a:r>
               <a:rPr lang="en-GB" dirty="0"/>
               <a:t> </a:t>
+            </a:r>
+            <a:r>
+              <a:rPr lang="en-GB" b="1" dirty="0" err="1">
+                <a:solidFill>
+                  <a:schemeClr val="accent2">
+                    <a:lumMod val="50000"/>
+                  </a:schemeClr>
+                </a:solidFill>
+              </a:rPr>
+              <a:t>Tibshirani</a:t>
+            </a:r>
+            <a:r>
+              <a:rPr lang="en-US" dirty="0"/>
+              <a:t>: </a:t>
+            </a:r>
+            <a:r>
+              <a:rPr lang="en-US" b="1" dirty="0"/>
+              <a:t>Professor</a:t>
+            </a:r>
+            <a:r>
+              <a:rPr lang="en-US" dirty="0"/>
+              <a:t> at </a:t>
+            </a:r>
+            <a:r>
+              <a:rPr lang="en-US" b="1" dirty="0"/>
+              <a:t>Stanford</a:t>
+            </a:r>
+            <a:r>
+              <a:rPr lang="en-US" dirty="0"/>
+              <a:t>, co-</a:t>
+            </a:r>
+            <a:r>
+              <a:rPr lang="en-US" dirty="0" err="1"/>
+              <a:t>autor</a:t>
+            </a:r>
+            <a:r>
+              <a:rPr lang="en-US" dirty="0"/>
+              <a:t> of the Bible of Statistical Learning. Inventor of the LASSO algorithm.</a:t>
+            </a:r>
+            <a:br>
+              <a:rPr lang="en-US" dirty="0"/>
+            </a:br>
+            <a:r>
+              <a:rPr lang="en-US" dirty="0">
+                <a:hlinkClick r:id="rId4"/>
+              </a:rPr>
+              <a:t>https://scholar.google.ca/citations?user=ZpG_cJwAAAAJ&amp;hl=en</a:t>
+            </a:r>
+            <a:endParaRPr lang="en-US" dirty="0"/>
+          </a:p>
+          <a:p>
+            <a:r>
+              <a:rPr lang="en-GB" b="1" dirty="0"/>
+              <a:t>Vladimir </a:t>
+            </a:r>
+            <a:r>
+              <a:rPr lang="en-GB" b="1" dirty="0" err="1">
+                <a:solidFill>
+                  <a:schemeClr val="accent2">
+                    <a:lumMod val="50000"/>
+                  </a:schemeClr>
+                </a:solidFill>
+              </a:rPr>
+              <a:t>Vapnik</a:t>
+            </a:r>
+            <a:r>
+              <a:rPr lang="en-GB" b="1" dirty="0"/>
+              <a:t>: Retired Professor</a:t>
+            </a:r>
+            <a:r>
+              <a:rPr lang="en-GB" dirty="0"/>
+              <a:t>, inventor of </a:t>
+            </a:r>
+            <a:r>
+              <a:rPr lang="en-GB" b="1" dirty="0"/>
+              <a:t>SVMs</a:t>
+            </a:r>
+            <a:r>
+              <a:rPr lang="en-GB" dirty="0"/>
+              <a:t> and many other concepts. Worked with </a:t>
+            </a:r>
+            <a:r>
+              <a:rPr lang="en-GB" b="1" dirty="0"/>
+              <a:t>Yann</a:t>
+            </a:r>
+            <a:r>
+              <a:rPr lang="en-GB" dirty="0"/>
+              <a:t> </a:t>
+            </a:r>
+            <a:r>
+              <a:rPr lang="en-GB" b="1" dirty="0" err="1">
+                <a:solidFill>
+                  <a:schemeClr val="accent2">
+                    <a:lumMod val="50000"/>
+                  </a:schemeClr>
+                </a:solidFill>
+              </a:rPr>
+              <a:t>LeCun</a:t>
+            </a:r>
+            <a:r>
+              <a:rPr lang="en-GB" dirty="0"/>
+              <a:t> at </a:t>
             </a:r>
             <a:r>
               <a:rPr lang="en-GB" b="1" dirty="0">
@@ -9601,125 +9653,11 @@
                   </a:schemeClr>
                 </a:solidFill>
               </a:rPr>
-              <a:t>Cummins</a:t>
-            </a:r>
-            <a:r>
-              <a:rPr lang="en-GB" dirty="0"/>
-              <a:t>: </a:t>
+              <a:t>Facebook</a:t>
             </a:r>
             <a:r>
               <a:rPr lang="en-GB" b="1" dirty="0"/>
-              <a:t>Professor</a:t>
-            </a:r>
-            <a:r>
-              <a:rPr lang="en-GB" dirty="0"/>
-              <a:t> at </a:t>
-            </a:r>
-            <a:r>
-              <a:rPr lang="en-GB" b="1" dirty="0"/>
-              <a:t>University</a:t>
-            </a:r>
-            <a:r>
-              <a:rPr lang="en-GB" dirty="0"/>
               <a:t> </a:t>
-            </a:r>
-            <a:r>
-              <a:rPr lang="en-GB" b="1" dirty="0"/>
-              <a:t>College</a:t>
-            </a:r>
-            <a:r>
-              <a:rPr lang="en-GB" dirty="0"/>
-              <a:t> </a:t>
-            </a:r>
-            <a:r>
-              <a:rPr lang="en-GB" b="1" dirty="0"/>
-              <a:t>Dublin</a:t>
-            </a:r>
-            <a:r>
-              <a:rPr lang="en-GB" dirty="0"/>
-              <a:t>, contributions to </a:t>
-            </a:r>
-            <a:r>
-              <a:rPr lang="en-GB" b="1" dirty="0"/>
-              <a:t>LSTMs</a:t>
-            </a:r>
-            <a:r>
-              <a:rPr lang="en-GB" dirty="0"/>
-              <a:t> and </a:t>
-            </a:r>
-            <a:r>
-              <a:rPr lang="en-GB" b="1" dirty="0"/>
-              <a:t>NLP</a:t>
-            </a:r>
-            <a:r>
-              <a:rPr lang="en-GB" dirty="0"/>
-              <a:t>.</a:t>
-            </a:r>
-            <a:br>
-              <a:rPr lang="en-GB" dirty="0"/>
-            </a:br>
-            <a:r>
-              <a:rPr lang="en-GB" dirty="0">
-                <a:hlinkClick r:id="rId2"/>
-              </a:rPr>
-              <a:t>https://scholar.google.com/citations?user=E-vg2zQAAAAJ&amp;hl=fr</a:t>
-            </a:r>
-            <a:endParaRPr lang="en-GB" b="1" dirty="0"/>
-          </a:p>
-          <a:p>
-            <a:r>
-              <a:rPr lang="en-GB" b="1" dirty="0"/>
-              <a:t>Andrej</a:t>
-            </a:r>
-            <a:r>
-              <a:rPr lang="en-GB" dirty="0"/>
-              <a:t> </a:t>
-            </a:r>
-            <a:r>
-              <a:rPr lang="en-GB" b="1" dirty="0" err="1">
-                <a:solidFill>
-                  <a:schemeClr val="accent2">
-                    <a:lumMod val="50000"/>
-                  </a:schemeClr>
-                </a:solidFill>
-              </a:rPr>
-              <a:t>Karpathy</a:t>
-            </a:r>
-            <a:r>
-              <a:rPr lang="en-GB" dirty="0"/>
-              <a:t>: </a:t>
-            </a:r>
-            <a:r>
-              <a:rPr lang="en-GB" b="1" dirty="0"/>
-              <a:t>Former</a:t>
-            </a:r>
-            <a:r>
-              <a:rPr lang="en-GB" dirty="0"/>
-              <a:t> </a:t>
-            </a:r>
-            <a:r>
-              <a:rPr lang="en-GB" b="1" dirty="0"/>
-              <a:t>Director</a:t>
-            </a:r>
-            <a:r>
-              <a:rPr lang="en-GB" dirty="0"/>
-              <a:t> </a:t>
-            </a:r>
-            <a:r>
-              <a:rPr lang="en-GB" b="1" dirty="0"/>
-              <a:t>of</a:t>
-            </a:r>
-            <a:r>
-              <a:rPr lang="en-GB" dirty="0"/>
-              <a:t> </a:t>
-            </a:r>
-            <a:r>
-              <a:rPr lang="en-GB" b="1" dirty="0"/>
-              <a:t>AI</a:t>
-            </a:r>
-            <a:r>
-              <a:rPr lang="en-GB" dirty="0"/>
-              <a:t> at </a:t>
             </a:r>
             <a:r>
               <a:rPr lang="en-GB" b="1" dirty="0">
@@ -9729,171 +9667,38 @@
                   </a:schemeClr>
                 </a:solidFill>
               </a:rPr>
-              <a:t>Tesla</a:t>
-            </a:r>
-            <a:r>
-              <a:rPr lang="en-GB" dirty="0"/>
-              <a:t>. Many contributions to Computer Vision (</a:t>
-            </a:r>
-            <a:r>
-              <a:rPr lang="en-GB" b="1" dirty="0" err="1"/>
-              <a:t>Imagenet</a:t>
-            </a:r>
-            <a:r>
-              <a:rPr lang="en-GB" dirty="0"/>
-              <a:t>) and NLP (</a:t>
-            </a:r>
-            <a:r>
-              <a:rPr lang="en-GB" b="1" dirty="0"/>
-              <a:t>RNNs</a:t>
-            </a:r>
-            <a:r>
-              <a:rPr lang="en-GB" dirty="0"/>
-              <a:t>).</a:t>
+              <a:t>AI</a:t>
+            </a:r>
+            <a:r>
+              <a:rPr lang="en-GB" dirty="0"/>
+              <a:t>.</a:t>
             </a:r>
             <a:br>
               <a:rPr lang="en-GB" dirty="0"/>
             </a:br>
             <a:r>
-              <a:rPr lang="en-GB" dirty="0"/>
-              <a:t>(Probably better to follow him than Elon Musk.)</a:t>
-            </a:r>
-            <a:br>
-              <a:rPr lang="en-GB" dirty="0"/>
-            </a:br>
-            <a:r>
-              <a:rPr lang="en-GB" dirty="0">
-                <a:hlinkClick r:id="rId3"/>
-              </a:rPr>
-              <a:t>https://scholar.google.com/citations?user=l8WuQJgAAAAJ&amp;hl=fr</a:t>
-            </a:r>
-            <a:endParaRPr lang="en-GB" dirty="0"/>
-          </a:p>
-          <a:p>
-            <a:r>
-              <a:rPr lang="en-GB" b="1" dirty="0"/>
-              <a:t>Li</a:t>
-            </a:r>
-            <a:r>
-              <a:rPr lang="en-GB" dirty="0"/>
-              <a:t> </a:t>
-            </a:r>
-            <a:r>
-              <a:rPr lang="en-GB" b="1" dirty="0">
-                <a:solidFill>
-                  <a:schemeClr val="accent2">
-                    <a:lumMod val="50000"/>
-                  </a:schemeClr>
-                </a:solidFill>
-              </a:rPr>
-              <a:t>Fei-Fei</a:t>
-            </a:r>
-            <a:r>
-              <a:rPr lang="en-GB" dirty="0"/>
-              <a:t>: </a:t>
-            </a:r>
-            <a:r>
-              <a:rPr lang="en-GB" b="1" dirty="0"/>
-              <a:t>Professor</a:t>
-            </a:r>
-            <a:r>
-              <a:rPr lang="en-GB" dirty="0"/>
-              <a:t> at </a:t>
-            </a:r>
-            <a:r>
-              <a:rPr lang="en-GB" b="1" dirty="0"/>
-              <a:t>Stanford</a:t>
-            </a:r>
-            <a:r>
-              <a:rPr lang="en-GB" dirty="0"/>
-              <a:t>. Many contributions to Computer Vision (</a:t>
-            </a:r>
-            <a:r>
-              <a:rPr lang="en-GB" b="1" dirty="0" err="1"/>
-              <a:t>Imagenet</a:t>
-            </a:r>
-            <a:r>
-              <a:rPr lang="en-GB" dirty="0"/>
-              <a:t>).</a:t>
-            </a:r>
-            <a:br>
-              <a:rPr lang="en-GB" dirty="0"/>
-            </a:br>
-            <a:r>
-              <a:rPr lang="en-GB" dirty="0">
-                <a:hlinkClick r:id="rId4"/>
-              </a:rPr>
-              <a:t>https://scholar.google.com/citations?user=rDfyQnIAAAAJ&amp;hl=fr</a:t>
-            </a:r>
-            <a:endParaRPr lang="en-GB" dirty="0"/>
-          </a:p>
-          <a:p>
-            <a:r>
-              <a:rPr lang="en-GB" b="1" dirty="0"/>
-              <a:t>Pieter</a:t>
-            </a:r>
-            <a:r>
-              <a:rPr lang="en-GB" dirty="0"/>
-              <a:t> </a:t>
-            </a:r>
-            <a:r>
-              <a:rPr lang="en-GB" b="1" dirty="0" err="1">
-                <a:solidFill>
-                  <a:schemeClr val="accent2">
-                    <a:lumMod val="50000"/>
-                  </a:schemeClr>
-                </a:solidFill>
-              </a:rPr>
-              <a:t>Abbeel</a:t>
-            </a:r>
-            <a:r>
-              <a:rPr lang="en-GB" dirty="0"/>
-              <a:t>: </a:t>
-            </a:r>
-            <a:r>
-              <a:rPr lang="en-GB" b="1" dirty="0"/>
-              <a:t>Professor</a:t>
-            </a:r>
-            <a:r>
-              <a:rPr lang="en-GB" dirty="0"/>
-              <a:t> at </a:t>
-            </a:r>
-            <a:r>
-              <a:rPr lang="en-GB" b="1" dirty="0"/>
-              <a:t>UC</a:t>
-            </a:r>
-            <a:r>
-              <a:rPr lang="en-GB" dirty="0"/>
-              <a:t> </a:t>
-            </a:r>
-            <a:r>
-              <a:rPr lang="en-GB" b="1" dirty="0"/>
-              <a:t>Berkeley</a:t>
-            </a:r>
-            <a:r>
-              <a:rPr lang="en-GB" dirty="0"/>
-              <a:t>, and a leading researcher in reinforcement learning and robotics.</a:t>
-            </a:r>
-            <a:br>
-              <a:rPr lang="en-GB" dirty="0"/>
-            </a:br>
-            <a:r>
-              <a:rPr lang="en-GB" dirty="0">
+              <a:rPr lang="en-US" dirty="0">
                 <a:hlinkClick r:id="rId5"/>
               </a:rPr>
-              <a:t>https://scholar.google.com/citations?user=vtwH6GkAAAAJ&amp;hl=en</a:t>
-            </a:r>
-            <a:r>
-              <a:rPr lang="en-GB" dirty="0"/>
-              <a:t> </a:t>
-            </a:r>
+              <a:t>https://scholar.google.com/citations?user=vtegaJgAAAAJ&amp;hl=fr</a:t>
+            </a:r>
+            <a:endParaRPr lang="en-US" dirty="0"/>
+          </a:p>
+          <a:p>
+            <a:endParaRPr lang="en-US" dirty="0"/>
+          </a:p>
+          <a:p>
+            <a:endParaRPr lang="en-US" dirty="0"/>
+          </a:p>
+          <a:p>
+            <a:endParaRPr lang="en-GB" dirty="0"/>
           </a:p>
         </p:txBody>
       </p:sp>
     </p:spTree>
     <p:extLst>
       <p:ext uri="{BB962C8B-B14F-4D97-AF65-F5344CB8AC3E}">
-        <p14:creationId xmlns:p14="http://schemas.microsoft.com/office/powerpoint/2010/main" val="3324188887"/>
+        <p14:creationId xmlns:p14="http://schemas.microsoft.com/office/powerpoint/2010/main" val="1934179735"/>
       </p:ext>
     </p:extLst>
   </p:cSld>
@@ -9981,21 +9786,17 @@
         </p:spPr>
         <p:txBody>
           <a:bodyPr>
-            <a:normAutofit/>
+            <a:normAutofit lnSpcReduction="10000"/>
           </a:bodyPr>
           <a:lstStyle/>
           <a:p>
             <a:r>
               <a:rPr lang="en-GB" b="1" dirty="0"/>
-              <a:t>Anil</a:t>
+              <a:t>Fred</a:t>
             </a:r>
             <a:r>
               <a:rPr lang="en-GB" dirty="0"/>
               <a:t> </a:t>
-            </a:r>
-            <a:r>
-              <a:rPr lang="en-GB" b="1" dirty="0"/>
-              <a:t>K. </a:t>
             </a:r>
             <a:r>
               <a:rPr lang="en-GB" b="1" dirty="0">
@@ -10005,7 +9806,7 @@
                   </a:schemeClr>
                 </a:solidFill>
               </a:rPr>
-              <a:t>Jain</a:t>
+              <a:t>Cummins</a:t>
             </a:r>
             <a:r>
               <a:rPr lang="en-GB" dirty="0"/>
@@ -10021,7 +9822,7 @@
             </a:r>
             <a:r>
               <a:rPr lang="en-GB" b="1" dirty="0"/>
-              <a:t>Michigan</a:t>
+              <a:t>University</a:t>
             </a:r>
             <a:r>
               <a:rPr lang="en-GB" dirty="0"/>
@@ -10029,7 +9830,7 @@
             </a:r>
             <a:r>
               <a:rPr lang="en-GB" b="1" dirty="0"/>
-              <a:t>State</a:t>
+              <a:t>College</a:t>
             </a:r>
             <a:r>
               <a:rPr lang="en-GB" dirty="0"/>
@@ -10037,11 +9838,27 @@
             </a:r>
             <a:r>
               <a:rPr lang="en-GB" b="1" dirty="0"/>
-              <a:t>University</a:t>
-            </a:r>
-            <a:r>
-              <a:rPr lang="en-GB" dirty="0"/>
-              <a:t>. Many contributions to Computer Vision and Statistical Learning.</a:t>
+              <a:t>Dublin</a:t>
+            </a:r>
+            <a:r>
+              <a:rPr lang="en-GB" dirty="0"/>
+              <a:t>, contributions to </a:t>
+            </a:r>
+            <a:r>
+              <a:rPr lang="en-GB" b="1" dirty="0"/>
+              <a:t>LSTMs</a:t>
+            </a:r>
+            <a:r>
+              <a:rPr lang="en-GB" dirty="0"/>
+              <a:t> and </a:t>
+            </a:r>
+            <a:r>
+              <a:rPr lang="en-GB" b="1" dirty="0"/>
+              <a:t>NLP</a:t>
+            </a:r>
+            <a:r>
+              <a:rPr lang="en-GB" dirty="0"/>
+              <a:t>.</a:t>
             </a:r>
             <a:br>
               <a:rPr lang="en-GB" dirty="0"/>
@@ -10050,18 +9867,64 @@
               <a:rPr lang="en-GB" dirty="0">
                 <a:hlinkClick r:id="rId2"/>
               </a:rPr>
-              <a:t>https://scholar.google.com/citations?user=g-_ZXGsAAAAJ&amp;hl=fr</a:t>
-            </a:r>
-            <a:endParaRPr lang="en-GB" dirty="0"/>
+              <a:t>https://scholar.google.com/citations?user=E-vg2zQAAAAJ&amp;hl=fr</a:t>
+            </a:r>
+            <a:endParaRPr lang="en-GB" b="1" dirty="0"/>
           </a:p>
           <a:p>
             <a:r>
               <a:rPr lang="en-GB" b="1" dirty="0"/>
-              <a:t>Jitendra</a:t>
+              <a:t>Andrej</a:t>
             </a:r>
             <a:r>
               <a:rPr lang="en-GB" dirty="0"/>
               <a:t> </a:t>
+            </a:r>
+            <a:r>
+              <a:rPr lang="en-GB" b="1" dirty="0" err="1">
+                <a:solidFill>
+                  <a:schemeClr val="accent2">
+                    <a:lumMod val="50000"/>
+                  </a:schemeClr>
+                </a:solidFill>
+              </a:rPr>
+              <a:t>Karpathy</a:t>
+            </a:r>
+            <a:r>
+              <a:rPr lang="en-GB" dirty="0"/>
+              <a:t>: </a:t>
+            </a:r>
+            <a:r>
+              <a:rPr lang="en-GB" b="1" dirty="0"/>
+              <a:t>Former</a:t>
+            </a:r>
+            <a:r>
+              <a:rPr lang="en-GB" dirty="0"/>
+              <a:t> </a:t>
+            </a:r>
+            <a:r>
+              <a:rPr lang="en-GB" b="1" dirty="0"/>
+              <a:t>Director</a:t>
+            </a:r>
+            <a:r>
+              <a:rPr lang="en-GB" dirty="0"/>
+              <a:t> </a:t>
+            </a:r>
+            <a:r>
+              <a:rPr lang="en-GB" b="1" dirty="0"/>
+              <a:t>of</a:t>
+            </a:r>
+            <a:r>
+              <a:rPr lang="en-GB" dirty="0"/>
+              <a:t> </a:t>
+            </a:r>
+            <a:r>
+              <a:rPr lang="en-GB" b="1" dirty="0"/>
+              <a:t>AI</a:t>
+            </a:r>
+            <a:r>
+              <a:rPr lang="en-GB" dirty="0"/>
+              <a:t> at </a:t>
             </a:r>
             <a:r>
               <a:rPr lang="en-GB" b="1" dirty="0">
@@ -10071,48 +9934,108 @@
                   </a:schemeClr>
                 </a:solidFill>
               </a:rPr>
-              <a:t>Malik</a:t>
-            </a:r>
-            <a:r>
-              <a:rPr lang="en-GB" dirty="0"/>
-              <a:t>: </a:t>
+              <a:t>Tesla</a:t>
+            </a:r>
+            <a:r>
+              <a:rPr lang="en-GB" dirty="0"/>
+              <a:t>. Many contributions to Computer Vision (</a:t>
+            </a:r>
+            <a:r>
+              <a:rPr lang="en-GB" b="1" dirty="0" err="1"/>
+              <a:t>Imagenet</a:t>
+            </a:r>
+            <a:r>
+              <a:rPr lang="en-GB" dirty="0"/>
+              <a:t>) and NLP (</a:t>
             </a:r>
             <a:r>
               <a:rPr lang="en-GB" b="1" dirty="0"/>
-              <a:t>Professor</a:t>
-            </a:r>
-            <a:r>
-              <a:rPr lang="en-GB" dirty="0"/>
-              <a:t> at </a:t>
-            </a:r>
-            <a:r>
-              <a:rPr lang="en-GB" b="1" dirty="0"/>
-              <a:t>UC</a:t>
-            </a:r>
-            <a:r>
-              <a:rPr lang="en-GB" dirty="0"/>
-              <a:t> </a:t>
-            </a:r>
-            <a:r>
-              <a:rPr lang="en-GB" b="1" dirty="0"/>
-              <a:t>Berkeley</a:t>
-            </a:r>
-            <a:r>
-              <a:rPr lang="en-GB" dirty="0"/>
-              <a:t>. Many contributions to Computer Vision and Statistical Learning. </a:t>
-            </a:r>
+              <a:t>RNNs</a:t>
+            </a:r>
+            <a:r>
+              <a:rPr lang="en-GB" dirty="0"/>
+              <a:t>).</a:t>
+            </a:r>
+            <a:br>
+              <a:rPr lang="en-GB" dirty="0"/>
+            </a:br>
+            <a:r>
+              <a:rPr lang="en-GB" dirty="0"/>
+              <a:t>(Probably better to follow him than Elon Musk.)</a:t>
+            </a:r>
+            <a:br>
+              <a:rPr lang="en-GB" dirty="0"/>
+            </a:br>
             <a:r>
               <a:rPr lang="en-GB" dirty="0">
                 <a:hlinkClick r:id="rId3"/>
               </a:rPr>
-              <a:t>https://scholar.google.com/citations?user=oY9R5YQAAAAJ&amp;hl=fr</a:t>
+              <a:t>https://scholar.google.com/citations?user=l8WuQJgAAAAJ&amp;hl=fr</a:t>
             </a:r>
             <a:endParaRPr lang="en-GB" dirty="0"/>
           </a:p>
           <a:p>
             <a:r>
               <a:rPr lang="en-GB" b="1" dirty="0"/>
-              <a:t>Sebastian</a:t>
+              <a:t>Li</a:t>
+            </a:r>
+            <a:r>
+              <a:rPr lang="en-GB" dirty="0"/>
+              <a:t> </a:t>
+            </a:r>
+            <a:r>
+              <a:rPr lang="en-GB" b="1" dirty="0">
+                <a:solidFill>
+                  <a:schemeClr val="accent2">
+                    <a:lumMod val="50000"/>
+                  </a:schemeClr>
+                </a:solidFill>
+              </a:rPr>
+              <a:t>Fei-Fei</a:t>
+            </a:r>
+            <a:r>
+              <a:rPr lang="en-GB" dirty="0"/>
+              <a:t>: </a:t>
+            </a:r>
+            <a:r>
+              <a:rPr lang="en-GB" b="1" dirty="0"/>
+              <a:t>Professor</a:t>
+            </a:r>
+            <a:r>
+              <a:rPr lang="en-GB" dirty="0"/>
+              <a:t> at </a:t>
+            </a:r>
+            <a:r>
+              <a:rPr lang="en-GB" b="1" dirty="0"/>
+              <a:t>Stanford</a:t>
+            </a:r>
+            <a:r>
+              <a:rPr lang="en-GB" dirty="0"/>
+              <a:t>. Many contributions to Computer Vision (</a:t>
+            </a:r>
+            <a:r>
+              <a:rPr lang="en-GB" b="1" dirty="0" err="1"/>
+              <a:t>Imagenet</a:t>
+            </a:r>
+            <a:r>
+              <a:rPr lang="en-GB" dirty="0"/>
+              <a:t>).</a:t>
+            </a:r>
+            <a:br>
+              <a:rPr lang="en-GB" dirty="0"/>
+            </a:br>
+            <a:r>
+              <a:rPr lang="en-GB" dirty="0">
+                <a:hlinkClick r:id="rId4"/>
+              </a:rPr>
+              <a:t>https://scholar.google.com/citations?user=rDfyQnIAAAAJ&amp;hl=fr</a:t>
+            </a:r>
+            <a:endParaRPr lang="en-GB" dirty="0"/>
+          </a:p>
+          <a:p>
+            <a:r>
+              <a:rPr lang="en-GB" b="1" dirty="0"/>
+              <a:t>Pieter</a:t>
             </a:r>
             <a:r>
               <a:rPr lang="en-GB" dirty="0"/>
@@ -10126,7 +10049,7 @@
                   </a:schemeClr>
                 </a:solidFill>
               </a:rPr>
-              <a:t>Thrun</a:t>
+              <a:t>Abbeel</a:t>
             </a:r>
             <a:r>
               <a:rPr lang="en-GB" dirty="0"/>
@@ -10134,101 +10057,48 @@
             </a:r>
             <a:r>
               <a:rPr lang="en-GB" b="1" dirty="0"/>
-              <a:t>Stanford</a:t>
-            </a:r>
-            <a:r>
-              <a:rPr lang="en-GB" dirty="0"/>
-              <a:t>, cool stuff on </a:t>
+              <a:t>Professor</a:t>
+            </a:r>
+            <a:r>
+              <a:rPr lang="en-GB" dirty="0"/>
+              <a:t> at </a:t>
             </a:r>
             <a:r>
               <a:rPr lang="en-GB" b="1" dirty="0"/>
-              <a:t>robotics</a:t>
-            </a:r>
-            <a:r>
-              <a:rPr lang="en-GB" dirty="0"/>
-              <a:t>.</a:t>
+              <a:t>UC</a:t>
+            </a:r>
+            <a:r>
+              <a:rPr lang="en-GB" dirty="0"/>
+              <a:t> </a:t>
+            </a:r>
+            <a:r>
+              <a:rPr lang="en-GB" b="1" dirty="0"/>
+              <a:t>Berkeley</a:t>
+            </a:r>
+            <a:r>
+              <a:rPr lang="en-GB" dirty="0"/>
+              <a:t>, and a leading researcher in reinforcement learning and robotics.</a:t>
             </a:r>
             <a:br>
               <a:rPr lang="en-GB" dirty="0"/>
             </a:br>
             <a:r>
               <a:rPr lang="en-GB" dirty="0">
-                <a:hlinkClick r:id="rId4"/>
-              </a:rPr>
-              <a:t>https://scholar.google.com/citations?user=7K34d7cAAAAJ&amp;hl=fr</a:t>
-            </a:r>
-            <a:endParaRPr lang="en-GB" dirty="0"/>
-          </a:p>
-          <a:p>
-            <a:r>
-              <a:rPr lang="en-US" b="1" dirty="0"/>
-              <a:t>Daphne</a:t>
-            </a:r>
-            <a:r>
-              <a:rPr lang="en-US" dirty="0"/>
-              <a:t> </a:t>
-            </a:r>
-            <a:r>
-              <a:rPr lang="en-US" b="1" dirty="0">
-                <a:solidFill>
-                  <a:schemeClr val="accent2">
-                    <a:lumMod val="50000"/>
-                  </a:schemeClr>
-                </a:solidFill>
-              </a:rPr>
-              <a:t>Koller</a:t>
-            </a:r>
-            <a:r>
-              <a:rPr lang="en-US" dirty="0"/>
-              <a:t>: </a:t>
-            </a:r>
-            <a:r>
-              <a:rPr lang="en-US" b="1" dirty="0"/>
-              <a:t>CEO</a:t>
-            </a:r>
-            <a:r>
-              <a:rPr lang="en-US" dirty="0"/>
-              <a:t> at </a:t>
-            </a:r>
-            <a:r>
-              <a:rPr lang="en-US" b="1" dirty="0" err="1"/>
-              <a:t>InSitro</a:t>
-            </a:r>
-            <a:r>
-              <a:rPr lang="en-US" dirty="0"/>
-              <a:t>, some cool </a:t>
-            </a:r>
-            <a:r>
-              <a:rPr lang="en-US" b="1" dirty="0"/>
-              <a:t>courses on Coursera</a:t>
-            </a:r>
-            <a:r>
-              <a:rPr lang="en-US" dirty="0"/>
-              <a:t>, she might be the co-founder of Coursera (?).</a:t>
-            </a:r>
-            <a:br>
-              <a:rPr lang="en-US" dirty="0"/>
-            </a:br>
-            <a:r>
-              <a:rPr lang="en-US" dirty="0">
                 <a:hlinkClick r:id="rId5"/>
               </a:rPr>
-              <a:t>https://scholar.google.com/citations?user=5Iqe53IAAAAJ&amp;hl=en</a:t>
-            </a:r>
-            <a:endParaRPr lang="en-US" dirty="0"/>
-          </a:p>
-          <a:p>
-            <a:endParaRPr lang="en-US" dirty="0"/>
-          </a:p>
-          <a:p>
-            <a:endParaRPr lang="en-GB" dirty="0"/>
+              <a:t>https://scholar.google.com/citations?user=vtwH6GkAAAAJ&amp;hl=en</a:t>
+            </a:r>
+            <a:r>
+              <a:rPr lang="en-GB" dirty="0"/>
+              <a:t> </a:t>
+            </a:r>
           </a:p>
         </p:txBody>
       </p:sp>
     </p:spTree>
     <p:extLst>
       <p:ext uri="{BB962C8B-B14F-4D97-AF65-F5344CB8AC3E}">
-        <p14:creationId xmlns:p14="http://schemas.microsoft.com/office/powerpoint/2010/main" val="898875826"/>
+        <p14:creationId xmlns:p14="http://schemas.microsoft.com/office/powerpoint/2010/main" val="3324188887"/>
       </p:ext>
     </p:extLst>
   </p:cSld>
@@ -10316,13 +10186,192 @@
         </p:spPr>
         <p:txBody>
           <a:bodyPr>
-            <a:noAutofit/>
+            <a:normAutofit/>
           </a:bodyPr>
           <a:lstStyle/>
           <a:p>
             <a:r>
+              <a:rPr lang="en-GB" b="1" dirty="0"/>
+              <a:t>Anil</a:t>
+            </a:r>
+            <a:r>
+              <a:rPr lang="en-GB" dirty="0"/>
+              <a:t> </a:t>
+            </a:r>
+            <a:r>
+              <a:rPr lang="en-GB" b="1" dirty="0"/>
+              <a:t>K. </a:t>
+            </a:r>
+            <a:r>
+              <a:rPr lang="en-GB" b="1" dirty="0">
+                <a:solidFill>
+                  <a:schemeClr val="accent2">
+                    <a:lumMod val="50000"/>
+                  </a:schemeClr>
+                </a:solidFill>
+              </a:rPr>
+              <a:t>Jain</a:t>
+            </a:r>
+            <a:r>
+              <a:rPr lang="en-GB" dirty="0"/>
+              <a:t>: </a:t>
+            </a:r>
+            <a:r>
+              <a:rPr lang="en-GB" b="1" dirty="0"/>
+              <a:t>Professor</a:t>
+            </a:r>
+            <a:r>
+              <a:rPr lang="en-GB" dirty="0"/>
+              <a:t> at </a:t>
+            </a:r>
+            <a:r>
+              <a:rPr lang="en-GB" b="1" dirty="0"/>
+              <a:t>Michigan</a:t>
+            </a:r>
+            <a:r>
+              <a:rPr lang="en-GB" dirty="0"/>
+              <a:t> </a:t>
+            </a:r>
+            <a:r>
+              <a:rPr lang="en-GB" b="1" dirty="0"/>
+              <a:t>State</a:t>
+            </a:r>
+            <a:r>
+              <a:rPr lang="en-GB" dirty="0"/>
+              <a:t> </a:t>
+            </a:r>
+            <a:r>
+              <a:rPr lang="en-GB" b="1" dirty="0"/>
+              <a:t>University</a:t>
+            </a:r>
+            <a:r>
+              <a:rPr lang="en-GB" dirty="0"/>
+              <a:t>. Many contributions to Computer Vision and Statistical Learning.</a:t>
+            </a:r>
+            <a:br>
+              <a:rPr lang="en-GB" dirty="0"/>
+            </a:br>
+            <a:r>
+              <a:rPr lang="en-GB" dirty="0">
+                <a:hlinkClick r:id="rId2"/>
+              </a:rPr>
+              <a:t>https://scholar.google.com/citations?user=g-_ZXGsAAAAJ&amp;hl=fr</a:t>
+            </a:r>
+            <a:endParaRPr lang="en-GB" dirty="0"/>
+          </a:p>
+          <a:p>
+            <a:r>
+              <a:rPr lang="en-GB" b="1" dirty="0"/>
+              <a:t>Jitendra</a:t>
+            </a:r>
+            <a:r>
+              <a:rPr lang="en-GB" dirty="0"/>
+              <a:t> </a:t>
+            </a:r>
+            <a:r>
+              <a:rPr lang="en-GB" b="1" dirty="0">
+                <a:solidFill>
+                  <a:schemeClr val="accent2">
+                    <a:lumMod val="50000"/>
+                  </a:schemeClr>
+                </a:solidFill>
+              </a:rPr>
+              <a:t>Malik</a:t>
+            </a:r>
+            <a:r>
+              <a:rPr lang="en-GB" dirty="0"/>
+              <a:t>: </a:t>
+            </a:r>
+            <a:r>
+              <a:rPr lang="en-GB" b="1" dirty="0"/>
+              <a:t>Professor</a:t>
+            </a:r>
+            <a:r>
+              <a:rPr lang="en-GB" dirty="0"/>
+              <a:t> at </a:t>
+            </a:r>
+            <a:r>
+              <a:rPr lang="en-GB" b="1" dirty="0"/>
+              <a:t>UC</a:t>
+            </a:r>
+            <a:r>
+              <a:rPr lang="en-GB" dirty="0"/>
+              <a:t> </a:t>
+            </a:r>
+            <a:r>
+              <a:rPr lang="en-GB" b="1" dirty="0"/>
+              <a:t>Berkeley</a:t>
+            </a:r>
+            <a:r>
+              <a:rPr lang="en-GB" dirty="0"/>
+              <a:t>. Many contributions to Computer Vision and Statistical Learning. </a:t>
+            </a:r>
+            <a:r>
+              <a:rPr lang="en-GB" dirty="0">
+                <a:hlinkClick r:id="rId3"/>
+              </a:rPr>
+              <a:t>https://scholar.google.com/citations?user=oY9R5YQAAAAJ&amp;hl=fr</a:t>
+            </a:r>
+            <a:endParaRPr lang="en-GB" dirty="0"/>
+          </a:p>
+          <a:p>
+            <a:r>
+              <a:rPr lang="en-GB" b="1" dirty="0"/>
+              <a:t>Sebastian</a:t>
+            </a:r>
+            <a:r>
+              <a:rPr lang="en-GB" dirty="0"/>
+              <a:t> </a:t>
+            </a:r>
+            <a:r>
+              <a:rPr lang="en-GB" b="1" dirty="0" err="1">
+                <a:solidFill>
+                  <a:schemeClr val="accent2">
+                    <a:lumMod val="50000"/>
+                  </a:schemeClr>
+                </a:solidFill>
+              </a:rPr>
+              <a:t>Thrun</a:t>
+            </a:r>
+            <a:r>
+              <a:rPr lang="en-GB" dirty="0"/>
+              <a:t>: </a:t>
+            </a:r>
+            <a:r>
+              <a:rPr lang="en-GB" b="1" dirty="0"/>
+              <a:t>Stanford</a:t>
+            </a:r>
+            <a:r>
+              <a:rPr lang="en-GB" dirty="0"/>
+              <a:t>, cool stuff on </a:t>
+            </a:r>
+            <a:r>
+              <a:rPr lang="en-GB" b="1" dirty="0"/>
+              <a:t>robotics</a:t>
+            </a:r>
+            <a:r>
+              <a:rPr lang="en-GB" dirty="0"/>
+              <a:t>.</a:t>
+            </a:r>
+            <a:br>
+              <a:rPr lang="en-GB" dirty="0"/>
+            </a:br>
+            <a:r>
+              <a:rPr lang="en-GB" dirty="0">
+                <a:hlinkClick r:id="rId4"/>
+              </a:rPr>
+              <a:t>https://scholar.google.com/citations?user=7K34d7cAAAAJ&amp;hl=fr</a:t>
+            </a:r>
+            <a:endParaRPr lang="en-GB" dirty="0"/>
+          </a:p>
+          <a:p>
+            <a:r>
               <a:rPr lang="en-US" b="1" dirty="0"/>
-              <a:t>Andrew </a:t>
+              <a:t>Daphne</a:t>
+            </a:r>
+            <a:r>
+              <a:rPr lang="en-US" dirty="0"/>
+              <a:t> </a:t>
             </a:r>
             <a:r>
               <a:rPr lang="en-US" b="1" dirty="0">
@@ -10332,7 +10381,7 @@
                   </a:schemeClr>
                 </a:solidFill>
               </a:rPr>
-              <a:t>Ng</a:t>
+              <a:t>Koller</a:t>
             </a:r>
             <a:r>
               <a:rPr lang="en-US" dirty="0"/>
@@ -10340,265 +10389,37 @@
             </a:r>
             <a:r>
               <a:rPr lang="en-US" b="1" dirty="0"/>
-              <a:t>Professor</a:t>
+              <a:t>CEO</a:t>
             </a:r>
             <a:r>
               <a:rPr lang="en-US" dirty="0"/>
               <a:t> at </a:t>
             </a:r>
             <a:r>
+              <a:rPr lang="en-US" b="1" dirty="0" err="1"/>
+              <a:t>InSitro</a:t>
+            </a:r>
+            <a:r>
+              <a:rPr lang="en-US" dirty="0"/>
+              <a:t>, some cool </a:t>
+            </a:r>
+            <a:r>
               <a:rPr lang="en-US" b="1" dirty="0"/>
-              <a:t>Stanford</a:t>
+              <a:t>courses on Coursera</a:t>
             </a:r>
             <a:r>
               <a:rPr lang="en-US" dirty="0"/>
-              <a:t>, co-creator of </a:t>
-            </a:r>
-            <a:r>
-              <a:rPr lang="en-US" b="1" dirty="0">
-                <a:solidFill>
-                  <a:schemeClr val="accent2">
-                    <a:lumMod val="50000"/>
-                  </a:schemeClr>
-                </a:solidFill>
-              </a:rPr>
-              <a:t>Coursera</a:t>
-            </a:r>
-            <a:r>
-              <a:rPr lang="en-US" dirty="0"/>
-              <a:t>. Has one of the best online courses on Deep Learning.</a:t>
+              <a:t>, she might be the co-founder of Coursera (?).</a:t>
             </a:r>
             <a:br>
               <a:rPr lang="en-US" dirty="0"/>
             </a:br>
             <a:r>
               <a:rPr lang="en-US" dirty="0">
-                <a:hlinkClick r:id="rId2"/>
-              </a:rPr>
-              <a:t>https://scholar.google.com/citations?user=mG4imMEAAAAJ&amp;hl=en</a:t>
-            </a:r>
-            <a:endParaRPr lang="en-US" dirty="0"/>
-          </a:p>
-          <a:p>
-            <a:r>
-              <a:rPr lang="en-US" b="1" dirty="0"/>
-              <a:t>Jeremy</a:t>
-            </a:r>
-            <a:r>
-              <a:rPr lang="en-US" dirty="0"/>
-              <a:t> </a:t>
-            </a:r>
-            <a:r>
-              <a:rPr lang="en-US" b="1" dirty="0">
-                <a:solidFill>
-                  <a:schemeClr val="accent2">
-                    <a:lumMod val="50000"/>
-                  </a:schemeClr>
-                </a:solidFill>
-              </a:rPr>
-              <a:t>Howard</a:t>
-            </a:r>
-            <a:r>
-              <a:rPr lang="en-US" dirty="0"/>
-              <a:t>: </a:t>
-            </a:r>
-            <a:r>
-              <a:rPr lang="en-US" b="1" dirty="0"/>
-              <a:t>Research</a:t>
-            </a:r>
-            <a:r>
-              <a:rPr lang="en-US" dirty="0"/>
-              <a:t> </a:t>
-            </a:r>
-            <a:r>
-              <a:rPr lang="en-US" b="1" dirty="0"/>
-              <a:t>Scientist</a:t>
-            </a:r>
-            <a:r>
-              <a:rPr lang="en-US" dirty="0"/>
-              <a:t> at </a:t>
-            </a:r>
-            <a:r>
-              <a:rPr lang="en-US" b="1" dirty="0"/>
-              <a:t>University</a:t>
-            </a:r>
-            <a:r>
-              <a:rPr lang="en-US" dirty="0"/>
-              <a:t> </a:t>
-            </a:r>
-            <a:r>
-              <a:rPr lang="en-US" b="1" dirty="0"/>
-              <a:t>of</a:t>
-            </a:r>
-            <a:r>
-              <a:rPr lang="en-US" dirty="0"/>
-              <a:t> </a:t>
-            </a:r>
-            <a:r>
-              <a:rPr lang="en-US" b="1" dirty="0"/>
-              <a:t>San</a:t>
-            </a:r>
-            <a:r>
-              <a:rPr lang="en-US" dirty="0"/>
-              <a:t> </a:t>
-            </a:r>
-            <a:r>
-              <a:rPr lang="en-US" b="1" dirty="0"/>
-              <a:t>Francisco</a:t>
-            </a:r>
-            <a:r>
-              <a:rPr lang="en-US" dirty="0"/>
-              <a:t>, a good scout for notable research papers on Twitter and </a:t>
-            </a:r>
-            <a:r>
-              <a:rPr lang="en-US" b="1" dirty="0"/>
-              <a:t>TED</a:t>
-            </a:r>
-            <a:r>
-              <a:rPr lang="en-US" dirty="0"/>
-              <a:t> </a:t>
-            </a:r>
-            <a:r>
-              <a:rPr lang="en-US" b="1" dirty="0"/>
-              <a:t>talks</a:t>
-            </a:r>
-            <a:r>
-              <a:rPr lang="en-US" dirty="0"/>
-              <a:t>.</a:t>
-            </a:r>
-            <a:br>
-              <a:rPr lang="en-US" dirty="0"/>
-            </a:br>
-            <a:r>
-              <a:rPr lang="en-US" dirty="0">
-                <a:hlinkClick r:id="rId3"/>
-              </a:rPr>
-              <a:t>https://scholar.google.com/citations?user=ZWdEJ54AAAAJ&amp;hl=en</a:t>
-            </a:r>
-            <a:endParaRPr lang="en-US" dirty="0"/>
-          </a:p>
-          <a:p>
-            <a:r>
-              <a:rPr lang="en-GB" b="1" dirty="0" err="1"/>
-              <a:t>Yaser</a:t>
-            </a:r>
-            <a:r>
-              <a:rPr lang="en-GB" b="1" dirty="0"/>
-              <a:t> S. </a:t>
-            </a:r>
-            <a:r>
-              <a:rPr lang="en-GB" b="1" dirty="0">
-                <a:solidFill>
-                  <a:schemeClr val="accent2">
-                    <a:lumMod val="50000"/>
-                  </a:schemeClr>
-                </a:solidFill>
-              </a:rPr>
-              <a:t>Abu-Mostafa</a:t>
-            </a:r>
-            <a:r>
-              <a:rPr lang="en-GB" dirty="0"/>
-              <a:t>: </a:t>
-            </a:r>
-            <a:r>
-              <a:rPr lang="en-GB" b="1" dirty="0"/>
-              <a:t>Professor</a:t>
-            </a:r>
-            <a:r>
-              <a:rPr lang="en-GB" dirty="0"/>
-              <a:t> at </a:t>
-            </a:r>
-            <a:r>
-              <a:rPr lang="en-GB" b="1" dirty="0" err="1"/>
-              <a:t>CalTech</a:t>
-            </a:r>
-            <a:r>
-              <a:rPr lang="en-GB" dirty="0"/>
-              <a:t>, one of the best professors for Deep Learning out there.</a:t>
-            </a:r>
-            <a:br>
-              <a:rPr lang="en-GB" b="1" dirty="0"/>
-            </a:br>
-            <a:r>
-              <a:rPr lang="en-US" dirty="0">
-                <a:hlinkClick r:id="rId4"/>
-              </a:rPr>
-              <a:t>https://dblp.org/pid/69/3008.html</a:t>
-            </a:r>
-            <a:endParaRPr lang="en-US" dirty="0"/>
-          </a:p>
-          <a:p>
-            <a:r>
-              <a:rPr lang="en-GB" b="1" dirty="0"/>
-              <a:t>Rachel L. </a:t>
-            </a:r>
-            <a:r>
-              <a:rPr lang="en-GB" b="1" dirty="0">
-                <a:solidFill>
-                  <a:schemeClr val="accent2">
-                    <a:lumMod val="50000"/>
-                  </a:schemeClr>
-                </a:solidFill>
-              </a:rPr>
-              <a:t>Thomas</a:t>
-            </a:r>
-            <a:r>
-              <a:rPr lang="en-GB" dirty="0"/>
-              <a:t>: </a:t>
-            </a:r>
-            <a:r>
-              <a:rPr lang="en-GB" b="1" dirty="0"/>
-              <a:t>University</a:t>
-            </a:r>
-            <a:r>
-              <a:rPr lang="en-GB" dirty="0"/>
-              <a:t> of </a:t>
-            </a:r>
-            <a:r>
-              <a:rPr lang="en-GB" b="1" dirty="0"/>
-              <a:t>San</a:t>
-            </a:r>
-            <a:r>
-              <a:rPr lang="en-GB" dirty="0"/>
-              <a:t> </a:t>
-            </a:r>
-            <a:r>
-              <a:rPr lang="en-GB" b="1" dirty="0"/>
-              <a:t>Francisco</a:t>
-            </a:r>
-            <a:r>
-              <a:rPr lang="en-GB" dirty="0"/>
-              <a:t>, </a:t>
-            </a:r>
-            <a:r>
-              <a:rPr lang="en-GB" b="1" dirty="0" err="1">
-                <a:solidFill>
-                  <a:schemeClr val="accent2">
-                    <a:lumMod val="50000"/>
-                  </a:schemeClr>
-                </a:solidFill>
-              </a:rPr>
-              <a:t>FastAI</a:t>
-            </a:r>
-            <a:r>
-              <a:rPr lang="en-GB" dirty="0"/>
-              <a:t>, some great TED conferences on AI and Deep Learning. </a:t>
-            </a:r>
-            <a:r>
-              <a:rPr lang="en-US" dirty="0">
                 <a:hlinkClick r:id="rId5"/>
               </a:rPr>
-              <a:t>https://scholar.google.com/citations?user=BDsAYUsAAAAJ&amp;hl=en</a:t>
-            </a:r>
-            <a:endParaRPr lang="en-US" dirty="0"/>
-          </a:p>
-          <a:p>
-            <a:endParaRPr lang="en-US" dirty="0"/>
-          </a:p>
-          <a:p>
-            <a:endParaRPr lang="en-US" dirty="0"/>
-          </a:p>
-          <a:p>
+              <a:t>https://scholar.google.com/citations?user=5Iqe53IAAAAJ&amp;hl=en</a:t>
+            </a:r>
             <a:endParaRPr lang="en-US" dirty="0"/>
           </a:p>
           <a:p>
@@ -10612,7 +10433,7 @@
     </p:spTree>
     <p:extLst>
       <p:ext uri="{BB962C8B-B14F-4D97-AF65-F5344CB8AC3E}">
-        <p14:creationId xmlns:p14="http://schemas.microsoft.com/office/powerpoint/2010/main" val="58723962"/>
+        <p14:creationId xmlns:p14="http://schemas.microsoft.com/office/powerpoint/2010/main" val="898875826"/>
       </p:ext>
     </p:extLst>
   </p:cSld>
@@ -10641,10 +10462,10 @@
       </p:grpSpPr>
       <p:sp>
         <p:nvSpPr>
-          <p:cNvPr id="2" name="Title 1">
-            <a:extLst>
-              <a:ext uri="{FF2B5EF4-FFF2-40B4-BE49-F238E27FC236}">
-                <a16:creationId xmlns:a16="http://schemas.microsoft.com/office/drawing/2014/main" id="{B92DC6AA-6003-92C9-D6A7-FDE5AD7DEF4F}"/>
+          <p:cNvPr id="4" name="Title 3">
+            <a:extLst>
+              <a:ext uri="{FF2B5EF4-FFF2-40B4-BE49-F238E27FC236}">
+                <a16:creationId xmlns:a16="http://schemas.microsoft.com/office/drawing/2014/main" id="{1715EAD9-59BF-46C0-9089-6E366691CAE9}"/>
               </a:ext>
             </a:extLst>
           </p:cNvPr>
@@ -10661,19 +10482,27 @@
           <a:lstStyle/>
           <a:p>
             <a:r>
-              <a:rPr lang="en-GB" dirty="0"/>
-              <a:t>Also worth subscribing to a few free newsletters about AI/DL</a:t>
-            </a:r>
-            <a:endParaRPr lang="en-SG" dirty="0"/>
-          </a:p>
-        </p:txBody>
-      </p:sp>
-      <p:sp>
-        <p:nvSpPr>
-          <p:cNvPr id="3" name="Content Placeholder 2">
-            <a:extLst>
-              <a:ext uri="{FF2B5EF4-FFF2-40B4-BE49-F238E27FC236}">
-                <a16:creationId xmlns:a16="http://schemas.microsoft.com/office/drawing/2014/main" id="{4276CAE7-B917-7B38-533B-E801722307F4}"/>
+              <a:rPr lang="en-US" dirty="0"/>
+              <a:t>Add these researchers, companies and research </a:t>
+            </a:r>
+            <a:r>
+              <a:rPr lang="en-US" dirty="0" err="1"/>
+              <a:t>groupes</a:t>
+            </a:r>
+            <a:r>
+              <a:rPr lang="en-US" dirty="0"/>
+              <a:t> to your watchlist</a:t>
+            </a:r>
+            <a:endParaRPr lang="en-GB" dirty="0"/>
+          </a:p>
+        </p:txBody>
+      </p:sp>
+      <p:sp>
+        <p:nvSpPr>
+          <p:cNvPr id="5" name="Content Placeholder 4">
+            <a:extLst>
+              <a:ext uri="{FF2B5EF4-FFF2-40B4-BE49-F238E27FC236}">
+                <a16:creationId xmlns:a16="http://schemas.microsoft.com/office/drawing/2014/main" id="{279FF99D-84CB-436E-9373-43EB3F28720A}"/>
               </a:ext>
             </a:extLst>
           </p:cNvPr>
@@ -10692,124 +10521,303 @@
         </p:spPr>
         <p:txBody>
           <a:bodyPr>
-            <a:normAutofit/>
+            <a:noAutofit/>
           </a:bodyPr>
           <a:lstStyle/>
           <a:p>
             <a:r>
-              <a:rPr lang="en-GB" dirty="0"/>
-              <a:t>The Batch newsletter by DeepLearning.ai (</a:t>
-            </a:r>
-            <a:r>
-              <a:rPr lang="en-GB" dirty="0">
+              <a:rPr lang="en-US" b="1" dirty="0"/>
+              <a:t>Andrew </a:t>
+            </a:r>
+            <a:r>
+              <a:rPr lang="en-US" b="1" dirty="0">
+                <a:solidFill>
+                  <a:schemeClr val="accent2">
+                    <a:lumMod val="50000"/>
+                  </a:schemeClr>
+                </a:solidFill>
+              </a:rPr>
+              <a:t>Ng</a:t>
+            </a:r>
+            <a:r>
+              <a:rPr lang="en-US" dirty="0"/>
+              <a:t>: </a:t>
+            </a:r>
+            <a:r>
+              <a:rPr lang="en-US" b="1" dirty="0"/>
+              <a:t>Professor</a:t>
+            </a:r>
+            <a:r>
+              <a:rPr lang="en-US" dirty="0"/>
+              <a:t> at </a:t>
+            </a:r>
+            <a:r>
+              <a:rPr lang="en-US" b="1" dirty="0"/>
+              <a:t>Stanford</a:t>
+            </a:r>
+            <a:r>
+              <a:rPr lang="en-US" dirty="0"/>
+              <a:t>, co-creator of </a:t>
+            </a:r>
+            <a:r>
+              <a:rPr lang="en-US" b="1" dirty="0">
+                <a:solidFill>
+                  <a:schemeClr val="accent2">
+                    <a:lumMod val="50000"/>
+                  </a:schemeClr>
+                </a:solidFill>
+              </a:rPr>
+              <a:t>Coursera</a:t>
+            </a:r>
+            <a:r>
+              <a:rPr lang="en-US" dirty="0"/>
+              <a:t>. Has one of the best online courses on Deep Learning.</a:t>
+            </a:r>
+            <a:br>
+              <a:rPr lang="en-US" dirty="0"/>
+            </a:br>
+            <a:r>
+              <a:rPr lang="en-US" dirty="0">
                 <a:hlinkClick r:id="rId2"/>
               </a:rPr>
-              <a:t>https://www.deeplearning.ai/the-batch/</a:t>
-            </a:r>
-            <a:r>
-              <a:rPr lang="en-GB" dirty="0"/>
-              <a:t>)</a:t>
-            </a:r>
-          </a:p>
-          <a:p>
-            <a:r>
-              <a:rPr lang="en-GB" dirty="0"/>
-              <a:t>The Algorithm by MIT Tech Review (</a:t>
-            </a:r>
-            <a:r>
-              <a:rPr lang="en-GB" dirty="0">
+              <a:t>https://scholar.google.com/citations?user=mG4imMEAAAAJ&amp;hl=en</a:t>
+            </a:r>
+            <a:endParaRPr lang="en-US" dirty="0"/>
+          </a:p>
+          <a:p>
+            <a:r>
+              <a:rPr lang="en-US" b="1" dirty="0"/>
+              <a:t>Jeremy</a:t>
+            </a:r>
+            <a:r>
+              <a:rPr lang="en-US" dirty="0"/>
+              <a:t> </a:t>
+            </a:r>
+            <a:r>
+              <a:rPr lang="en-US" b="1" dirty="0">
+                <a:solidFill>
+                  <a:schemeClr val="accent2">
+                    <a:lumMod val="50000"/>
+                  </a:schemeClr>
+                </a:solidFill>
+              </a:rPr>
+              <a:t>Howard</a:t>
+            </a:r>
+            <a:r>
+              <a:rPr lang="en-US" dirty="0"/>
+              <a:t>: </a:t>
+            </a:r>
+            <a:r>
+              <a:rPr lang="en-US" b="1" dirty="0"/>
+              <a:t>Research</a:t>
+            </a:r>
+            <a:r>
+              <a:rPr lang="en-US" dirty="0"/>
+              <a:t> </a:t>
+            </a:r>
+            <a:r>
+              <a:rPr lang="en-US" b="1" dirty="0"/>
+              <a:t>Scientist</a:t>
+            </a:r>
+            <a:r>
+              <a:rPr lang="en-US" dirty="0"/>
+              <a:t> at </a:t>
+            </a:r>
+            <a:r>
+              <a:rPr lang="en-US" b="1" dirty="0"/>
+              <a:t>University</a:t>
+            </a:r>
+            <a:r>
+              <a:rPr lang="en-US" dirty="0"/>
+              <a:t> </a:t>
+            </a:r>
+            <a:r>
+              <a:rPr lang="en-US" b="1" dirty="0"/>
+              <a:t>of</a:t>
+            </a:r>
+            <a:r>
+              <a:rPr lang="en-US" dirty="0"/>
+              <a:t> </a:t>
+            </a:r>
+            <a:r>
+              <a:rPr lang="en-US" b="1" dirty="0"/>
+              <a:t>San</a:t>
+            </a:r>
+            <a:r>
+              <a:rPr lang="en-US" dirty="0"/>
+              <a:t> </a:t>
+            </a:r>
+            <a:r>
+              <a:rPr lang="en-US" b="1" dirty="0"/>
+              <a:t>Francisco</a:t>
+            </a:r>
+            <a:r>
+              <a:rPr lang="en-US" dirty="0"/>
+              <a:t>, a good scout for notable research papers on Twitter and </a:t>
+            </a:r>
+            <a:r>
+              <a:rPr lang="en-US" b="1" dirty="0"/>
+              <a:t>TED</a:t>
+            </a:r>
+            <a:r>
+              <a:rPr lang="en-US" dirty="0"/>
+              <a:t> </a:t>
+            </a:r>
+            <a:r>
+              <a:rPr lang="en-US" b="1" dirty="0"/>
+              <a:t>talks</a:t>
+            </a:r>
+            <a:r>
+              <a:rPr lang="en-US" dirty="0"/>
+              <a:t>.</a:t>
+            </a:r>
+            <a:br>
+              <a:rPr lang="en-US" dirty="0"/>
+            </a:br>
+            <a:r>
+              <a:rPr lang="en-US" dirty="0">
                 <a:hlinkClick r:id="rId3"/>
               </a:rPr>
-              <a:t>https://www.technologyreview.com/newsletter-preferences/</a:t>
-            </a:r>
-            <a:r>
-              <a:rPr lang="en-GB" dirty="0"/>
-              <a:t>)</a:t>
-            </a:r>
-          </a:p>
-          <a:p>
-            <a:r>
-              <a:rPr lang="en-GB" dirty="0"/>
-              <a:t>The TLDR; newsletter (</a:t>
-            </a:r>
-            <a:r>
-              <a:rPr lang="en-GB" dirty="0">
+              <a:t>https://scholar.google.com/citations?user=ZWdEJ54AAAAJ&amp;hl=en</a:t>
+            </a:r>
+            <a:endParaRPr lang="en-US" dirty="0"/>
+          </a:p>
+          <a:p>
+            <a:r>
+              <a:rPr lang="en-GB" b="1" dirty="0" err="1"/>
+              <a:t>Yaser</a:t>
+            </a:r>
+            <a:r>
+              <a:rPr lang="en-GB" b="1" dirty="0"/>
+              <a:t> S. </a:t>
+            </a:r>
+            <a:r>
+              <a:rPr lang="en-GB" b="1" dirty="0">
+                <a:solidFill>
+                  <a:schemeClr val="accent2">
+                    <a:lumMod val="50000"/>
+                  </a:schemeClr>
+                </a:solidFill>
+              </a:rPr>
+              <a:t>Abu-Mostafa</a:t>
+            </a:r>
+            <a:r>
+              <a:rPr lang="en-GB" dirty="0"/>
+              <a:t>: </a:t>
+            </a:r>
+            <a:r>
+              <a:rPr lang="en-GB" b="1" dirty="0"/>
+              <a:t>Professor</a:t>
+            </a:r>
+            <a:r>
+              <a:rPr lang="en-GB" dirty="0"/>
+              <a:t> at </a:t>
+            </a:r>
+            <a:r>
+              <a:rPr lang="en-GB" b="1" dirty="0" err="1"/>
+              <a:t>CalTech</a:t>
+            </a:r>
+            <a:r>
+              <a:rPr lang="en-GB" dirty="0"/>
+              <a:t>, one of the best professors for Deep Learning out there.</a:t>
+            </a:r>
+            <a:br>
+              <a:rPr lang="en-GB" b="1" dirty="0"/>
+            </a:br>
+            <a:r>
+              <a:rPr lang="en-US" dirty="0">
                 <a:hlinkClick r:id="rId4"/>
               </a:rPr>
-              <a:t>https://tldr.tech/</a:t>
-            </a:r>
-            <a:r>
-              <a:rPr lang="en-GB" dirty="0"/>
-              <a:t>)</a:t>
-            </a:r>
-          </a:p>
-          <a:p>
-            <a:r>
-              <a:rPr lang="en-GB" dirty="0"/>
-              <a:t>The NLP Newsletter (</a:t>
-            </a:r>
-            <a:r>
-              <a:rPr lang="en-GB" dirty="0">
+              <a:t>https://dblp.org/pid/69/3008.html</a:t>
+            </a:r>
+            <a:endParaRPr lang="en-US" dirty="0"/>
+          </a:p>
+          <a:p>
+            <a:r>
+              <a:rPr lang="en-GB" b="1" dirty="0"/>
+              <a:t>Rachel L. </a:t>
+            </a:r>
+            <a:r>
+              <a:rPr lang="en-GB" b="1" dirty="0">
+                <a:solidFill>
+                  <a:schemeClr val="accent2">
+                    <a:lumMod val="50000"/>
+                  </a:schemeClr>
+                </a:solidFill>
+              </a:rPr>
+              <a:t>Thomas</a:t>
+            </a:r>
+            <a:r>
+              <a:rPr lang="en-GB" dirty="0"/>
+              <a:t>: </a:t>
+            </a:r>
+            <a:r>
+              <a:rPr lang="en-GB" b="1" dirty="0"/>
+              <a:t>University</a:t>
+            </a:r>
+            <a:r>
+              <a:rPr lang="en-GB" dirty="0"/>
+              <a:t> of </a:t>
+            </a:r>
+            <a:r>
+              <a:rPr lang="en-GB" b="1" dirty="0"/>
+              <a:t>San</a:t>
+            </a:r>
+            <a:r>
+              <a:rPr lang="en-GB" dirty="0"/>
+              <a:t> </a:t>
+            </a:r>
+            <a:r>
+              <a:rPr lang="en-GB" b="1" dirty="0"/>
+              <a:t>Francisco</a:t>
+            </a:r>
+            <a:r>
+              <a:rPr lang="en-GB" dirty="0"/>
+              <a:t>, </a:t>
+            </a:r>
+            <a:r>
+              <a:rPr lang="en-GB" b="1" dirty="0" err="1">
+                <a:solidFill>
+                  <a:schemeClr val="accent2">
+                    <a:lumMod val="50000"/>
+                  </a:schemeClr>
+                </a:solidFill>
+              </a:rPr>
+              <a:t>FastAI</a:t>
+            </a:r>
+            <a:r>
+              <a:rPr lang="en-GB" dirty="0"/>
+              <a:t>, some great TED conferences on AI and Deep Learning. </a:t>
+            </a:r>
+            <a:r>
+              <a:rPr lang="en-US" dirty="0">
                 <a:hlinkClick r:id="rId5"/>
               </a:rPr>
-              <a:t>https://www.ruder.io/nlp-news/</a:t>
-            </a:r>
-            <a:r>
-              <a:rPr lang="en-GB" dirty="0"/>
-              <a:t>)</a:t>
-            </a:r>
-          </a:p>
-          <a:p>
-            <a:r>
-              <a:rPr lang="en-GB" dirty="0"/>
-              <a:t>The </a:t>
-            </a:r>
-            <a:r>
-              <a:rPr lang="en-GB" dirty="0" err="1"/>
-              <a:t>AlphaSignal</a:t>
-            </a:r>
-            <a:r>
-              <a:rPr lang="en-GB" dirty="0"/>
-              <a:t> newsletter (</a:t>
-            </a:r>
-            <a:r>
-              <a:rPr lang="en-GB" dirty="0">
-                <a:hlinkClick r:id="rId6"/>
-              </a:rPr>
-              <a:t>https://alphasignal.ai/</a:t>
-            </a:r>
-            <a:r>
-              <a:rPr lang="en-GB" dirty="0"/>
-              <a:t>)</a:t>
-            </a:r>
-          </a:p>
-          <a:p>
-            <a:pPr marL="0" indent="0">
-              <a:buNone/>
-            </a:pPr>
-            <a:r>
-              <a:rPr lang="en-GB" dirty="0"/>
-              <a:t>Some Medium subscription never hurts (sometimes nice, easy and accessible discussions about AI).</a:t>
-            </a:r>
-          </a:p>
-          <a:p>
-            <a:pPr marL="0" indent="0">
-              <a:buNone/>
-            </a:pPr>
-            <a:r>
-              <a:rPr lang="en-GB" dirty="0"/>
-              <a:t>But most seriously though, go for Twitter and follow people.</a:t>
-            </a:r>
-          </a:p>
-          <a:p>
-            <a:endParaRPr lang="en-SG" dirty="0"/>
+              <a:t>https://scholar.google.com/citations?user=BDsAYUsAAAAJ&amp;hl=en</a:t>
+            </a:r>
+            <a:endParaRPr lang="en-US" dirty="0"/>
+          </a:p>
+          <a:p>
+            <a:endParaRPr lang="en-US" dirty="0"/>
+          </a:p>
+          <a:p>
+            <a:endParaRPr lang="en-US" dirty="0"/>
+          </a:p>
+          <a:p>
+            <a:endParaRPr lang="en-US" dirty="0"/>
+          </a:p>
+          <a:p>
+            <a:endParaRPr lang="en-US" dirty="0"/>
+          </a:p>
+          <a:p>
+            <a:endParaRPr lang="en-GB" dirty="0"/>
           </a:p>
         </p:txBody>
       </p:sp>
     </p:spTree>
     <p:extLst>
       <p:ext uri="{BB962C8B-B14F-4D97-AF65-F5344CB8AC3E}">
-        <p14:creationId xmlns:p14="http://schemas.microsoft.com/office/powerpoint/2010/main" val="630819480"/>
+        <p14:creationId xmlns:p14="http://schemas.microsoft.com/office/powerpoint/2010/main" val="58723962"/>
       </p:ext>
     </p:extLst>
   </p:cSld>
@@ -10841,7 +10849,7 @@
           <p:cNvPr id="2" name="Title 1">
             <a:extLst>
               <a:ext uri="{FF2B5EF4-FFF2-40B4-BE49-F238E27FC236}">
-                <a16:creationId xmlns:a16="http://schemas.microsoft.com/office/drawing/2014/main" id="{019176B1-DBFC-41ED-61D8-A32E47CBE543}"/>
+                <a16:creationId xmlns:a16="http://schemas.microsoft.com/office/drawing/2014/main" id="{B92DC6AA-6003-92C9-D6A7-FDE5AD7DEF4F}"/>
               </a:ext>
             </a:extLst>
           </p:cNvPr>
@@ -10859,8 +10867,9 @@
           <a:p>
             <a:r>
               <a:rPr lang="en-GB" dirty="0"/>
-              <a:t>Cracking the Deep Learning interview</a:t>
-            </a:r>
+              <a:t>Also worth subscribing to a few free newsletters about AI/DL</a:t>
+            </a:r>
+            <a:endParaRPr lang="en-SG" dirty="0"/>
           </a:p>
         </p:txBody>
       </p:sp>
@@ -10869,7 +10878,7 @@
           <p:cNvPr id="3" name="Content Placeholder 2">
             <a:extLst>
               <a:ext uri="{FF2B5EF4-FFF2-40B4-BE49-F238E27FC236}">
-                <a16:creationId xmlns:a16="http://schemas.microsoft.com/office/drawing/2014/main" id="{42E94496-CCBC-467D-504B-C943DBDCBD88}"/>
+                <a16:creationId xmlns:a16="http://schemas.microsoft.com/office/drawing/2014/main" id="{4276CAE7-B917-7B38-533B-E801722307F4}"/>
               </a:ext>
             </a:extLst>
           </p:cNvPr>
@@ -10892,72 +10901,120 @@
           </a:bodyPr>
           <a:lstStyle/>
           <a:p>
-            <a:pPr marL="0" indent="0">
-              <a:buNone/>
-            </a:pPr>
-            <a:r>
-              <a:rPr lang="en-GB" dirty="0"/>
-              <a:t>Most </a:t>
-            </a:r>
-            <a:r>
-              <a:rPr lang="en-GB" dirty="0" err="1"/>
-              <a:t>BigTech</a:t>
-            </a:r>
-            <a:r>
-              <a:rPr lang="en-GB" dirty="0"/>
-              <a:t> companies out there will test you on your CS/DL skills upon applying to positions/jobs in their companies.</a:t>
-            </a:r>
-          </a:p>
-          <a:p>
-            <a:r>
-              <a:rPr lang="en-GB" dirty="0"/>
-              <a:t>Train!</a:t>
-            </a:r>
-          </a:p>
-          <a:p>
-            <a:r>
-              <a:rPr lang="en-GB" dirty="0"/>
-              <a:t>Many flashcards with typical AI/ML/DL questions and tasks given in technical interviews at </a:t>
-            </a:r>
-            <a:r>
-              <a:rPr lang="en-GB" dirty="0" err="1"/>
-              <a:t>BigTech</a:t>
-            </a:r>
-            <a:r>
-              <a:rPr lang="en-GB" dirty="0"/>
-              <a:t> companies.</a:t>
-            </a:r>
-          </a:p>
-          <a:p>
+            <a:r>
+              <a:rPr lang="en-GB" dirty="0"/>
+              <a:t>The Batch newsletter by DeepLearning.ai (</a:t>
+            </a:r>
             <a:r>
               <a:rPr lang="en-GB" dirty="0">
                 <a:hlinkClick r:id="rId2"/>
               </a:rPr>
-              <a:t>https://www.algoexpert.io/machine-learning/product</a:t>
-            </a:r>
-            <a:endParaRPr lang="en-GB" dirty="0"/>
-          </a:p>
-          <a:p>
+              <a:t>https://www.deeplearning.ai/the-batch/</a:t>
+            </a:r>
+            <a:r>
+              <a:rPr lang="en-GB" dirty="0"/>
+              <a:t>)</a:t>
+            </a:r>
+          </a:p>
+          <a:p>
+            <a:r>
+              <a:rPr lang="en-GB" dirty="0"/>
+              <a:t>The Algorithm by MIT Tech Review (</a:t>
+            </a:r>
             <a:r>
               <a:rPr lang="en-GB" dirty="0">
                 <a:hlinkClick r:id="rId3"/>
               </a:rPr>
-              <a:t>https://www.mlexpert.io/</a:t>
-            </a:r>
-            <a:endParaRPr lang="en-GB" dirty="0"/>
-          </a:p>
-          <a:p>
-            <a:endParaRPr lang="en-GB" dirty="0"/>
-          </a:p>
-          <a:p>
-            <a:endParaRPr lang="en-GB" dirty="0"/>
+              <a:t>https://www.technologyreview.com/newsletter-preferences/</a:t>
+            </a:r>
+            <a:r>
+              <a:rPr lang="en-GB" dirty="0"/>
+              <a:t>)</a:t>
+            </a:r>
+          </a:p>
+          <a:p>
+            <a:r>
+              <a:rPr lang="en-GB" dirty="0"/>
+              <a:t>The TLDR; newsletter (</a:t>
+            </a:r>
+            <a:r>
+              <a:rPr lang="en-GB" dirty="0">
+                <a:hlinkClick r:id="rId4"/>
+              </a:rPr>
+              <a:t>https://tldr.tech/</a:t>
+            </a:r>
+            <a:r>
+              <a:rPr lang="en-GB" dirty="0"/>
+              <a:t>)</a:t>
+            </a:r>
+          </a:p>
+          <a:p>
+            <a:r>
+              <a:rPr lang="en-GB" dirty="0"/>
+              <a:t>The NLP Newsletter (</a:t>
+            </a:r>
+            <a:r>
+              <a:rPr lang="en-GB" dirty="0">
+                <a:hlinkClick r:id="rId5"/>
+              </a:rPr>
+              <a:t>https://www.ruder.io/nlp-news/</a:t>
+            </a:r>
+            <a:r>
+              <a:rPr lang="en-GB" dirty="0"/>
+              <a:t>)</a:t>
+            </a:r>
+          </a:p>
+          <a:p>
+            <a:r>
+              <a:rPr lang="en-GB" dirty="0"/>
+              <a:t>The </a:t>
+            </a:r>
+            <a:r>
+              <a:rPr lang="en-GB" dirty="0" err="1"/>
+              <a:t>AlphaSignal</a:t>
+            </a:r>
+            <a:r>
+              <a:rPr lang="en-GB" dirty="0"/>
+              <a:t> newsletter (</a:t>
+            </a:r>
+            <a:r>
+              <a:rPr lang="en-GB" dirty="0">
+                <a:hlinkClick r:id="rId6"/>
+              </a:rPr>
+              <a:t>https://alphasignal.ai/</a:t>
+            </a:r>
+            <a:r>
+              <a:rPr lang="en-GB" dirty="0"/>
+              <a:t>)</a:t>
+            </a:r>
+          </a:p>
+          <a:p>
+            <a:pPr marL="0" indent="0">
+              <a:buNone/>
+            </a:pPr>
+            <a:r>
+              <a:rPr lang="en-GB" dirty="0"/>
+              <a:t>Some Medium subscription never hurts (sometimes nice, easy and accessible discussions about AI).</a:t>
+            </a:r>
+          </a:p>
+          <a:p>
+            <a:pPr marL="0" indent="0">
+              <a:buNone/>
+            </a:pPr>
+            <a:r>
+              <a:rPr lang="en-GB" dirty="0"/>
+              <a:t>But most seriously though, go for Twitter and follow people.</a:t>
+            </a:r>
+          </a:p>
+          <a:p>
+            <a:endParaRPr lang="en-SG" dirty="0"/>
           </a:p>
         </p:txBody>
       </p:sp>
     </p:spTree>
     <p:extLst>
       <p:ext uri="{BB962C8B-B14F-4D97-AF65-F5344CB8AC3E}">
-        <p14:creationId xmlns:p14="http://schemas.microsoft.com/office/powerpoint/2010/main" val="2770851000"/>
+        <p14:creationId xmlns:p14="http://schemas.microsoft.com/office/powerpoint/2010/main" val="630819480"/>
       </p:ext>
     </p:extLst>
   </p:cSld>
@@ -11045,19 +11102,35 @@
             </a:pPr>
             <a:r>
               <a:rPr lang="en-GB" dirty="0"/>
-              <a:t>More importantly, polish your GitHub with some nice ML/AI/DL projects that you can show and discuss in interviews!</a:t>
-            </a:r>
-          </a:p>
-          <a:p>
-            <a:r>
-              <a:rPr lang="en-GB" dirty="0"/>
-              <a:t>Document your codes and notebooks over the summer break!</a:t>
-            </a:r>
-          </a:p>
-          <a:p>
-            <a:r>
-              <a:rPr lang="en-GB" dirty="0"/>
-              <a:t>Many problems out there, easily investigated.</a:t>
+              <a:t>Most </a:t>
+            </a:r>
+            <a:r>
+              <a:rPr lang="en-GB" dirty="0" err="1"/>
+              <a:t>BigTech</a:t>
+            </a:r>
+            <a:r>
+              <a:rPr lang="en-GB" dirty="0"/>
+              <a:t> companies out there will test you on your CS/DL skills upon applying to positions/jobs in their companies.</a:t>
+            </a:r>
+          </a:p>
+          <a:p>
+            <a:r>
+              <a:rPr lang="en-GB" dirty="0"/>
+              <a:t>Train!</a:t>
+            </a:r>
+          </a:p>
+          <a:p>
+            <a:r>
+              <a:rPr lang="en-GB" dirty="0"/>
+              <a:t>Many flashcards with typical AI/ML/DL questions and tasks given in technical interviews at </a:t>
+            </a:r>
+            <a:r>
+              <a:rPr lang="en-GB" dirty="0" err="1"/>
+              <a:t>BigTech</a:t>
+            </a:r>
+            <a:r>
+              <a:rPr lang="en-GB" dirty="0"/>
+              <a:t> companies.</a:t>
             </a:r>
           </a:p>
           <a:p>
@@ -11065,33 +11138,18 @@
               <a:rPr lang="en-GB" dirty="0">
                 <a:hlinkClick r:id="rId2"/>
               </a:rPr>
-              <a:t>https://twitter.com/0xbnomial/status/1523256409529667584?t=YWXdKryCUrrJSCKWLiT4Tg&amp;s=03</a:t>
+              <a:t>https://www.algoexpert.io/machine-learning/product</a:t>
             </a:r>
             <a:endParaRPr lang="en-GB" dirty="0"/>
           </a:p>
           <a:p>
-            <a:pPr marL="0" indent="0">
-              <a:buNone/>
-            </a:pPr>
+            <a:r>
+              <a:rPr lang="en-GB" dirty="0">
+                <a:hlinkClick r:id="rId3"/>
+              </a:rPr>
+              <a:t>https://www.mlexpert.io/</a:t>
+            </a:r>
             <a:endParaRPr lang="en-GB" dirty="0"/>
-          </a:p>
-          <a:p>
-            <a:r>
-              <a:rPr lang="en-GB"/>
-              <a:t>Other </a:t>
-            </a:r>
-            <a:r>
-              <a:rPr lang="en-GB" dirty="0"/>
-              <a:t>p</a:t>
-            </a:r>
-            <a:r>
-              <a:rPr lang="en-GB"/>
-              <a:t>ossible </a:t>
-            </a:r>
-            <a:r>
-              <a:rPr lang="en-GB" dirty="0"/>
-              <a:t>idea: Find one problem for each concept we discussed each week this term and make a repo/project about it!</a:t>
-            </a:r>
           </a:p>
           <a:p>
             <a:endParaRPr lang="en-GB" dirty="0"/>
@@ -11104,7 +11162,7 @@
     </p:spTree>
     <p:extLst>
       <p:ext uri="{BB962C8B-B14F-4D97-AF65-F5344CB8AC3E}">
-        <p14:creationId xmlns:p14="http://schemas.microsoft.com/office/powerpoint/2010/main" val="885132000"/>
+        <p14:creationId xmlns:p14="http://schemas.microsoft.com/office/powerpoint/2010/main" val="2770851000"/>
       </p:ext>
     </p:extLst>
   </p:cSld>
@@ -11136,6 +11194,153 @@
           <p:cNvPr id="2" name="Title 1">
             <a:extLst>
               <a:ext uri="{FF2B5EF4-FFF2-40B4-BE49-F238E27FC236}">
+                <a16:creationId xmlns:a16="http://schemas.microsoft.com/office/drawing/2014/main" id="{019176B1-DBFC-41ED-61D8-A32E47CBE543}"/>
+              </a:ext>
+            </a:extLst>
+          </p:cNvPr>
+          <p:cNvSpPr>
+            <a:spLocks noGrp="1"/>
+          </p:cNvSpPr>
+          <p:nvPr>
+            <p:ph type="title"/>
+          </p:nvPr>
+        </p:nvSpPr>
+        <p:spPr/>
+        <p:txBody>
+          <a:bodyPr/>
+          <a:lstStyle/>
+          <a:p>
+            <a:r>
+              <a:rPr lang="en-GB" dirty="0"/>
+              <a:t>Cracking the Deep Learning interview</a:t>
+            </a:r>
+          </a:p>
+        </p:txBody>
+      </p:sp>
+      <p:sp>
+        <p:nvSpPr>
+          <p:cNvPr id="3" name="Content Placeholder 2">
+            <a:extLst>
+              <a:ext uri="{FF2B5EF4-FFF2-40B4-BE49-F238E27FC236}">
+                <a16:creationId xmlns:a16="http://schemas.microsoft.com/office/drawing/2014/main" id="{42E94496-CCBC-467D-504B-C943DBDCBD88}"/>
+              </a:ext>
+            </a:extLst>
+          </p:cNvPr>
+          <p:cNvSpPr>
+            <a:spLocks noGrp="1"/>
+          </p:cNvSpPr>
+          <p:nvPr>
+            <p:ph idx="1"/>
+          </p:nvPr>
+        </p:nvSpPr>
+        <p:spPr>
+          <a:xfrm>
+            <a:off x="838200" y="1825624"/>
+            <a:ext cx="10515600" cy="5032375"/>
+          </a:xfrm>
+        </p:spPr>
+        <p:txBody>
+          <a:bodyPr>
+            <a:normAutofit/>
+          </a:bodyPr>
+          <a:lstStyle/>
+          <a:p>
+            <a:pPr marL="0" indent="0">
+              <a:buNone/>
+            </a:pPr>
+            <a:r>
+              <a:rPr lang="en-GB" dirty="0"/>
+              <a:t>More importantly, polish your GitHub with some nice ML/AI/DL projects that you can show and discuss in interviews!</a:t>
+            </a:r>
+          </a:p>
+          <a:p>
+            <a:r>
+              <a:rPr lang="en-GB" dirty="0"/>
+              <a:t>Document your codes and notebooks over the summer break!</a:t>
+            </a:r>
+          </a:p>
+          <a:p>
+            <a:r>
+              <a:rPr lang="en-GB" dirty="0"/>
+              <a:t>Many problems out there, easily investigated.</a:t>
+            </a:r>
+          </a:p>
+          <a:p>
+            <a:r>
+              <a:rPr lang="en-GB" dirty="0">
+                <a:hlinkClick r:id="rId2"/>
+              </a:rPr>
+              <a:t>https://twitter.com/0xbnomial/status/1523256409529667584?t=YWXdKryCUrrJSCKWLiT4Tg&amp;s=03</a:t>
+            </a:r>
+            <a:endParaRPr lang="en-GB" dirty="0"/>
+          </a:p>
+          <a:p>
+            <a:pPr marL="0" indent="0">
+              <a:buNone/>
+            </a:pPr>
+            <a:endParaRPr lang="en-GB" dirty="0"/>
+          </a:p>
+          <a:p>
+            <a:r>
+              <a:rPr lang="en-GB"/>
+              <a:t>Other </a:t>
+            </a:r>
+            <a:r>
+              <a:rPr lang="en-GB" dirty="0"/>
+              <a:t>p</a:t>
+            </a:r>
+            <a:r>
+              <a:rPr lang="en-GB"/>
+              <a:t>ossible </a:t>
+            </a:r>
+            <a:r>
+              <a:rPr lang="en-GB" dirty="0"/>
+              <a:t>idea: Find one problem for each concept we discussed each week this term and make a repo/project about it!</a:t>
+            </a:r>
+          </a:p>
+          <a:p>
+            <a:endParaRPr lang="en-GB" dirty="0"/>
+          </a:p>
+          <a:p>
+            <a:endParaRPr lang="en-GB" dirty="0"/>
+          </a:p>
+        </p:txBody>
+      </p:sp>
+    </p:spTree>
+    <p:extLst>
+      <p:ext uri="{BB962C8B-B14F-4D97-AF65-F5344CB8AC3E}">
+        <p14:creationId xmlns:p14="http://schemas.microsoft.com/office/powerpoint/2010/main" val="885132000"/>
+      </p:ext>
+    </p:extLst>
+  </p:cSld>
+  <p:clrMapOvr>
+    <a:masterClrMapping/>
+  </p:clrMapOvr>
+</p:sld>
+</file>
+
+<file path=ppt/slides/slide37.xml><?xml version="1.0" encoding="utf-8"?>
+<p:sld xmlns:a="http://schemas.openxmlformats.org/drawingml/2006/main" xmlns:r="http://schemas.openxmlformats.org/officeDocument/2006/relationships" xmlns:p="http://schemas.openxmlformats.org/presentationml/2006/main">
+  <p:cSld>
+    <p:spTree>
+      <p:nvGrpSpPr>
+        <p:cNvPr id="1" name=""/>
+        <p:cNvGrpSpPr/>
+        <p:nvPr/>
+      </p:nvGrpSpPr>
+      <p:grpSpPr>
+        <a:xfrm>
+          <a:off x="0" y="0"/>
+          <a:ext cx="0" cy="0"/>
+          <a:chOff x="0" y="0"/>
+          <a:chExt cx="0" cy="0"/>
+        </a:xfrm>
+      </p:grpSpPr>
+      <p:sp>
+        <p:nvSpPr>
+          <p:cNvPr id="2" name="Title 1">
+            <a:extLst>
+              <a:ext uri="{FF2B5EF4-FFF2-40B4-BE49-F238E27FC236}">
                 <a16:creationId xmlns:a16="http://schemas.microsoft.com/office/drawing/2014/main" id="{B1A60A88-5173-1242-4140-FC3E7017323F}"/>
               </a:ext>
             </a:extLst>
@@ -11266,7 +11471,7 @@
 </p:sld>
 </file>
 
-<file path=ppt/slides/slide37.xml><?xml version="1.0" encoding="utf-8"?>
+<file path=ppt/slides/slide38.xml><?xml version="1.0" encoding="utf-8"?>
 <p:sld xmlns:a="http://schemas.openxmlformats.org/drawingml/2006/main" xmlns:r="http://schemas.openxmlformats.org/officeDocument/2006/relationships" xmlns:p="http://schemas.openxmlformats.org/presentationml/2006/main">
   <p:cSld>
     <p:spTree>
@@ -11413,7 +11618,7 @@
 </p:sld>
 </file>
 
-<file path=ppt/slides/slide38.xml><?xml version="1.0" encoding="utf-8"?>
+<file path=ppt/slides/slide39.xml><?xml version="1.0" encoding="utf-8"?>
 <p:sld xmlns:a="http://schemas.openxmlformats.org/drawingml/2006/main" xmlns:r="http://schemas.openxmlformats.org/officeDocument/2006/relationships" xmlns:p="http://schemas.openxmlformats.org/presentationml/2006/main">
   <p:cSld>
     <p:spTree>
@@ -11660,7 +11865,163 @@
 </p:sld>
 </file>
 
-<file path=ppt/slides/slide39.xml><?xml version="1.0" encoding="utf-8"?>
+<file path=ppt/slides/slide4.xml><?xml version="1.0" encoding="utf-8"?>
+<p:sld xmlns:a="http://schemas.openxmlformats.org/drawingml/2006/main" xmlns:r="http://schemas.openxmlformats.org/officeDocument/2006/relationships" xmlns:p="http://schemas.openxmlformats.org/presentationml/2006/main">
+  <p:cSld>
+    <p:spTree>
+      <p:nvGrpSpPr>
+        <p:cNvPr id="1" name=""/>
+        <p:cNvGrpSpPr/>
+        <p:nvPr/>
+      </p:nvGrpSpPr>
+      <p:grpSpPr>
+        <a:xfrm>
+          <a:off x="0" y="0"/>
+          <a:ext cx="0" cy="0"/>
+          <a:chOff x="0" y="0"/>
+          <a:chExt cx="0" cy="0"/>
+        </a:xfrm>
+      </p:grpSpPr>
+      <p:sp>
+        <p:nvSpPr>
+          <p:cNvPr id="4" name="Title 3">
+            <a:extLst>
+              <a:ext uri="{FF2B5EF4-FFF2-40B4-BE49-F238E27FC236}">
+                <a16:creationId xmlns:a16="http://schemas.microsoft.com/office/drawing/2014/main" id="{15864A73-91DC-47E6-BFC6-77EC81F88251}"/>
+              </a:ext>
+            </a:extLst>
+          </p:cNvPr>
+          <p:cNvSpPr>
+            <a:spLocks noGrp="1"/>
+          </p:cNvSpPr>
+          <p:nvPr>
+            <p:ph type="title"/>
+          </p:nvPr>
+        </p:nvSpPr>
+        <p:spPr/>
+        <p:txBody>
+          <a:bodyPr/>
+          <a:lstStyle/>
+          <a:p>
+            <a:r>
+              <a:rPr lang="en-US" dirty="0"/>
+              <a:t>Develop a deeper understanding of…</a:t>
+            </a:r>
+            <a:endParaRPr lang="en-GB" dirty="0"/>
+          </a:p>
+        </p:txBody>
+      </p:sp>
+      <p:sp>
+        <p:nvSpPr>
+          <p:cNvPr id="5" name="Content Placeholder 4">
+            <a:extLst>
+              <a:ext uri="{FF2B5EF4-FFF2-40B4-BE49-F238E27FC236}">
+                <a16:creationId xmlns:a16="http://schemas.microsoft.com/office/drawing/2014/main" id="{8D68AA04-CE99-4E3D-A743-B4FE0611BB3C}"/>
+              </a:ext>
+            </a:extLst>
+          </p:cNvPr>
+          <p:cNvSpPr>
+            <a:spLocks noGrp="1"/>
+          </p:cNvSpPr>
+          <p:nvPr>
+            <p:ph idx="1"/>
+          </p:nvPr>
+        </p:nvSpPr>
+        <p:spPr>
+          <a:xfrm>
+            <a:off x="838200" y="1825624"/>
+            <a:ext cx="10515600" cy="5032375"/>
+          </a:xfrm>
+        </p:spPr>
+        <p:txBody>
+          <a:bodyPr/>
+          <a:lstStyle/>
+          <a:p>
+            <a:pPr marL="0" indent="0">
+              <a:buNone/>
+            </a:pPr>
+            <a:r>
+              <a:rPr lang="en-US" b="1" dirty="0"/>
+              <a:t>Improving training procedures (W2++)</a:t>
+            </a:r>
+          </a:p>
+          <a:p>
+            <a:pPr marL="0" indent="0">
+              <a:buNone/>
+            </a:pPr>
+            <a:r>
+              <a:rPr lang="en-GB" dirty="0"/>
+              <a:t>At the moment, mostly using gradient descent algorithms to train our models…</a:t>
+            </a:r>
+          </a:p>
+          <a:p>
+            <a:pPr marL="0" indent="0">
+              <a:buNone/>
+            </a:pPr>
+            <a:r>
+              <a:rPr lang="en-GB" dirty="0"/>
+              <a:t>Many different directions have been considered, for instance:</a:t>
+            </a:r>
+          </a:p>
+          <a:p>
+            <a:r>
+              <a:rPr lang="en-GB" dirty="0"/>
+              <a:t>Using Forward-Forward (2022 proposal from Hinton, to replace our conventional backprop?): </a:t>
+            </a:r>
+            <a:r>
+              <a:rPr lang="en-GB" dirty="0">
+                <a:hlinkClick r:id="rId2"/>
+              </a:rPr>
+              <a:t>https://arxiv.org/abs/2212.13345</a:t>
+            </a:r>
+            <a:r>
+              <a:rPr lang="en-GB" dirty="0"/>
+              <a:t> </a:t>
+            </a:r>
+          </a:p>
+          <a:p>
+            <a:r>
+              <a:rPr lang="en-GB" dirty="0"/>
+              <a:t>Training AIs to train other AIs?: “learning to learn” or “meta-learning”</a:t>
+            </a:r>
+            <a:br>
+              <a:rPr lang="en-GB" dirty="0"/>
+            </a:br>
+            <a:r>
+              <a:rPr lang="en-GB" dirty="0"/>
+              <a:t>Curious?: </a:t>
+            </a:r>
+            <a:r>
+              <a:rPr lang="en-GB" dirty="0">
+                <a:hlinkClick r:id="rId3"/>
+              </a:rPr>
+              <a:t>https://machinelearningmastery.com/meta-learning-in-machine-learning/</a:t>
+            </a:r>
+            <a:r>
+              <a:rPr lang="en-GB" dirty="0"/>
+              <a:t> </a:t>
+            </a:r>
+            <a:endParaRPr lang="en-US" dirty="0"/>
+          </a:p>
+          <a:p>
+            <a:endParaRPr lang="en-GB" dirty="0"/>
+          </a:p>
+        </p:txBody>
+      </p:sp>
+    </p:spTree>
+    <p:extLst>
+      <p:ext uri="{BB962C8B-B14F-4D97-AF65-F5344CB8AC3E}">
+        <p14:creationId xmlns:p14="http://schemas.microsoft.com/office/powerpoint/2010/main" val="2489181972"/>
+      </p:ext>
+    </p:extLst>
+  </p:cSld>
+  <p:clrMapOvr>
+    <a:masterClrMapping/>
+  </p:clrMapOvr>
+</p:sld>
+</file>
+
+<file path=ppt/slides/slide40.xml><?xml version="1.0" encoding="utf-8"?>
 <p:sld xmlns:a="http://schemas.openxmlformats.org/drawingml/2006/main" xmlns:r="http://schemas.openxmlformats.org/officeDocument/2006/relationships" xmlns:p="http://schemas.openxmlformats.org/presentationml/2006/main">
   <p:cSld>
     <p:spTree>
@@ -11885,162 +12246,6 @@
     <p:extLst>
       <p:ext uri="{BB962C8B-B14F-4D97-AF65-F5344CB8AC3E}">
         <p14:creationId xmlns:p14="http://schemas.microsoft.com/office/powerpoint/2010/main" val="2410329214"/>
-      </p:ext>
-    </p:extLst>
-  </p:cSld>
-  <p:clrMapOvr>
-    <a:masterClrMapping/>
-  </p:clrMapOvr>
-</p:sld>
-</file>
-
-<file path=ppt/slides/slide4.xml><?xml version="1.0" encoding="utf-8"?>
-<p:sld xmlns:a="http://schemas.openxmlformats.org/drawingml/2006/main" xmlns:r="http://schemas.openxmlformats.org/officeDocument/2006/relationships" xmlns:p="http://schemas.openxmlformats.org/presentationml/2006/main">
-  <p:cSld>
-    <p:spTree>
-      <p:nvGrpSpPr>
-        <p:cNvPr id="1" name=""/>
-        <p:cNvGrpSpPr/>
-        <p:nvPr/>
-      </p:nvGrpSpPr>
-      <p:grpSpPr>
-        <a:xfrm>
-          <a:off x="0" y="0"/>
-          <a:ext cx="0" cy="0"/>
-          <a:chOff x="0" y="0"/>
-          <a:chExt cx="0" cy="0"/>
-        </a:xfrm>
-      </p:grpSpPr>
-      <p:sp>
-        <p:nvSpPr>
-          <p:cNvPr id="4" name="Title 3">
-            <a:extLst>
-              <a:ext uri="{FF2B5EF4-FFF2-40B4-BE49-F238E27FC236}">
-                <a16:creationId xmlns:a16="http://schemas.microsoft.com/office/drawing/2014/main" id="{15864A73-91DC-47E6-BFC6-77EC81F88251}"/>
-              </a:ext>
-            </a:extLst>
-          </p:cNvPr>
-          <p:cNvSpPr>
-            <a:spLocks noGrp="1"/>
-          </p:cNvSpPr>
-          <p:nvPr>
-            <p:ph type="title"/>
-          </p:nvPr>
-        </p:nvSpPr>
-        <p:spPr/>
-        <p:txBody>
-          <a:bodyPr/>
-          <a:lstStyle/>
-          <a:p>
-            <a:r>
-              <a:rPr lang="en-US" dirty="0"/>
-              <a:t>Develop a deeper understanding of…</a:t>
-            </a:r>
-            <a:endParaRPr lang="en-GB" dirty="0"/>
-          </a:p>
-        </p:txBody>
-      </p:sp>
-      <p:sp>
-        <p:nvSpPr>
-          <p:cNvPr id="5" name="Content Placeholder 4">
-            <a:extLst>
-              <a:ext uri="{FF2B5EF4-FFF2-40B4-BE49-F238E27FC236}">
-                <a16:creationId xmlns:a16="http://schemas.microsoft.com/office/drawing/2014/main" id="{8D68AA04-CE99-4E3D-A743-B4FE0611BB3C}"/>
-              </a:ext>
-            </a:extLst>
-          </p:cNvPr>
-          <p:cNvSpPr>
-            <a:spLocks noGrp="1"/>
-          </p:cNvSpPr>
-          <p:nvPr>
-            <p:ph idx="1"/>
-          </p:nvPr>
-        </p:nvSpPr>
-        <p:spPr>
-          <a:xfrm>
-            <a:off x="838200" y="1825624"/>
-            <a:ext cx="10515600" cy="5032375"/>
-          </a:xfrm>
-        </p:spPr>
-        <p:txBody>
-          <a:bodyPr/>
-          <a:lstStyle/>
-          <a:p>
-            <a:pPr marL="0" indent="0">
-              <a:buNone/>
-            </a:pPr>
-            <a:r>
-              <a:rPr lang="en-US" b="1" dirty="0"/>
-              <a:t>Improving training procedures (W2++)</a:t>
-            </a:r>
-          </a:p>
-          <a:p>
-            <a:pPr marL="0" indent="0">
-              <a:buNone/>
-            </a:pPr>
-            <a:r>
-              <a:rPr lang="en-GB" dirty="0"/>
-              <a:t>At the moment, mostly using gradient descent algorithms to train our models…</a:t>
-            </a:r>
-          </a:p>
-          <a:p>
-            <a:pPr marL="0" indent="0">
-              <a:buNone/>
-            </a:pPr>
-            <a:r>
-              <a:rPr lang="en-GB" dirty="0"/>
-              <a:t>Many different directions have been considered, for instance:</a:t>
-            </a:r>
-          </a:p>
-          <a:p>
-            <a:r>
-              <a:rPr lang="en-GB" dirty="0"/>
-              <a:t>Using Forward-Forward (2022 proposal from Hinton, to replace our conventional backprop?): </a:t>
-            </a:r>
-            <a:r>
-              <a:rPr lang="en-GB" dirty="0">
-                <a:hlinkClick r:id="rId2"/>
-              </a:rPr>
-              <a:t>https://arxiv.org/abs/2212.13345</a:t>
-            </a:r>
-            <a:r>
-              <a:rPr lang="en-GB" dirty="0"/>
-              <a:t> </a:t>
-            </a:r>
-          </a:p>
-          <a:p>
-            <a:r>
-              <a:rPr lang="en-GB" dirty="0"/>
-              <a:t>Training AIs to train other AIs?: “learning to learn” or “meta-learning”</a:t>
-            </a:r>
-            <a:br>
-              <a:rPr lang="en-GB" dirty="0"/>
-            </a:br>
-            <a:r>
-              <a:rPr lang="en-GB" dirty="0"/>
-              <a:t>Curious?: </a:t>
-            </a:r>
-            <a:r>
-              <a:rPr lang="en-GB" dirty="0">
-                <a:hlinkClick r:id="rId3"/>
-              </a:rPr>
-              <a:t>https://machinelearningmastery.com/meta-learning-in-machine-learning/</a:t>
-            </a:r>
-            <a:r>
-              <a:rPr lang="en-GB" dirty="0"/>
-              <a:t> </a:t>
-            </a:r>
-            <a:endParaRPr lang="en-US" dirty="0"/>
-          </a:p>
-          <a:p>
-            <a:endParaRPr lang="en-GB" dirty="0"/>
-          </a:p>
-        </p:txBody>
-      </p:sp>
-    </p:spTree>
-    <p:extLst>
-      <p:ext uri="{BB962C8B-B14F-4D97-AF65-F5344CB8AC3E}">
-        <p14:creationId xmlns:p14="http://schemas.microsoft.com/office/powerpoint/2010/main" val="2489181972"/>
       </p:ext>
     </p:extLst>
   </p:cSld>
